--- a/docs/cna/Entry_Submission_Process.pptx
+++ b/docs/cna/Entry_Submission_Process.pptx
@@ -5679,7 +5679,7 @@
             <a:pPr lvl="1"/>
             <a:r>
               <a:rPr lang="en-US" dirty="0"/>
-              <a:t>Separate references by a comma followed by a space; eg,</a:t>
+              <a:t>Separate references by a space; eg,</a:t>
             </a:r>
             <a:endParaRPr lang="en-US" sz="1600" dirty="0">
               <a:latin typeface="Courier New" panose="02070309020205020404" pitchFamily="49" charset="0"/>
@@ -5695,7 +5695,63 @@
                 <a:latin typeface="Courier New" panose="02070309020205020404" pitchFamily="49" charset="0"/>
                 <a:cs typeface="Courier New" panose="02070309020205020404" pitchFamily="49" charset="0"/>
               </a:rPr>
-              <a:t>CVE-2016-6816,…,”https://tomcat.apache.org/security-9.html#Fixed_in_Apache_Tomcat_9.0.0.M13, https://tomcat.apache.org/security-8.html#Fixed_in_Apache_Tomcat_8.5.8, https://tomcat.apache.org/security-8.html#Fixed_in_Apache_Tomcat_8.0.39, https://tomcat.apache.org/security-7.html#Fixed_in_Apache_Tomcat_7.0.73, https://tomcat.apache.org/security-6.html#Fixed_in_Apache_Tomcat_6.0.48”,…</a:t>
+              <a:t>CVE-2016-6816,…,”https://tomcat.apache.org/security-9.html#Fixed_in_Apache_Tomcat_9.0.0</a:t>
+            </a:r>
+            <a:r>
+              <a:rPr lang="en-US" sz="1600">
+                <a:latin typeface="Courier New" panose="02070309020205020404" pitchFamily="49" charset="0"/>
+                <a:cs typeface="Courier New" panose="02070309020205020404" pitchFamily="49" charset="0"/>
+              </a:rPr>
+              <a:t>.M13 </a:t>
+            </a:r>
+            <a:r>
+              <a:rPr lang="en-US" sz="1600" dirty="0">
+                <a:latin typeface="Courier New" panose="02070309020205020404" pitchFamily="49" charset="0"/>
+                <a:cs typeface="Courier New" panose="02070309020205020404" pitchFamily="49" charset="0"/>
+              </a:rPr>
+              <a:t>https://tomcat.apache.org/security-8.html#Fixed_in_Apache_Tomcat</a:t>
+            </a:r>
+            <a:r>
+              <a:rPr lang="en-US" sz="1600">
+                <a:latin typeface="Courier New" panose="02070309020205020404" pitchFamily="49" charset="0"/>
+                <a:cs typeface="Courier New" panose="02070309020205020404" pitchFamily="49" charset="0"/>
+              </a:rPr>
+              <a:t>_8.5.8 </a:t>
+            </a:r>
+            <a:r>
+              <a:rPr lang="en-US" sz="1600" dirty="0">
+                <a:latin typeface="Courier New" panose="02070309020205020404" pitchFamily="49" charset="0"/>
+                <a:cs typeface="Courier New" panose="02070309020205020404" pitchFamily="49" charset="0"/>
+              </a:rPr>
+              <a:t>https://tomcat.apache.org/security-8.html#Fixed_in_Apache_Tomcat</a:t>
+            </a:r>
+            <a:r>
+              <a:rPr lang="en-US" sz="1600">
+                <a:latin typeface="Courier New" panose="02070309020205020404" pitchFamily="49" charset="0"/>
+                <a:cs typeface="Courier New" panose="02070309020205020404" pitchFamily="49" charset="0"/>
+              </a:rPr>
+              <a:t>_8.0.39 </a:t>
+            </a:r>
+            <a:r>
+              <a:rPr lang="en-US" sz="1600" dirty="0">
+                <a:latin typeface="Courier New" panose="02070309020205020404" pitchFamily="49" charset="0"/>
+                <a:cs typeface="Courier New" panose="02070309020205020404" pitchFamily="49" charset="0"/>
+              </a:rPr>
+              <a:t>https://tomcat.apache.org/security-7.html#Fixed_in_Apache_Tomcat</a:t>
+            </a:r>
+            <a:r>
+              <a:rPr lang="en-US" sz="1600">
+                <a:latin typeface="Courier New" panose="02070309020205020404" pitchFamily="49" charset="0"/>
+                <a:cs typeface="Courier New" panose="02070309020205020404" pitchFamily="49" charset="0"/>
+              </a:rPr>
+              <a:t>_7.0.73 </a:t>
+            </a:r>
+            <a:r>
+              <a:rPr lang="en-US" sz="1600" dirty="0">
+                <a:latin typeface="Courier New" panose="02070309020205020404" pitchFamily="49" charset="0"/>
+                <a:cs typeface="Courier New" panose="02070309020205020404" pitchFamily="49" charset="0"/>
+              </a:rPr>
+              <a:t>https://tomcat.apache.org/security-6.html#Fixed_in_Apache_Tomcat_6.0.48”,…</a:t>
             </a:r>
           </a:p>
           <a:p>
@@ -9425,7 +9481,7 @@
             <a:pPr lvl="1"/>
             <a:r>
               <a:rPr lang="en-US" dirty="0"/>
-              <a:t>Separate references by a comma followed by a space; eg,</a:t>
+              <a:t>Separate references by a space; eg,</a:t>
             </a:r>
             <a:endParaRPr lang="en-US" sz="1600" dirty="0">
               <a:latin typeface="Courier New" panose="02070309020205020404" pitchFamily="49" charset="0"/>
@@ -9441,7 +9497,7 @@
                 <a:latin typeface="Courier New" panose="02070309020205020404" pitchFamily="49" charset="0"/>
                 <a:cs typeface="Courier New" panose="02070309020205020404" pitchFamily="49" charset="0"/>
               </a:rPr>
-              <a:t>[REFERENCES]: https://tomcat.apache.org/security-9.html#Fixed_in_Apache_Tomcat_9.0.0.M13, https://tomcat.apache.org/security-8.html#Fixed_in_Apache_Tomcat_8.5.8, https://tomcat.apache.org/security-8.html#Fixed_in_Apache_Tomcat_8.0.39, https://tomcat.apache.org/security-7.html#Fixed_in_Apache_Tomcat_7.0.73, https://tomcat.apache.org/security-6.html#Fixed_in_Apache_Tomcat_6.0.48</a:t>
+              <a:t>[REFERENCES]: https://tomcat.apache.org/security-9.html#Fixed_in_Apache_Tomcat_9.0.0.M13 https://tomcat.apache.org/security-8.html#Fixed_in_Apache_Tomcat_8.5.8 https://tomcat.apache.org/security-8.html#Fixed_in_Apache_Tomcat_8.0.39 https://tomcat.apache.org/security-7.html#Fixed_in_Apache_Tomcat_7.0.73 https://tomcat.apache.org/security-6.html#Fixed_in_Apache_Tomcat_6.0.48</a:t>
             </a:r>
           </a:p>
           <a:p>
@@ -9920,11 +9976,12 @@
 
 <file path=customXml/item2.xml><?xml version="1.0" encoding="utf-8"?>
 <?mso-contentType ?>
-<FormTemplates xmlns="http://schemas.microsoft.com/sharepoint/v3/contenttype/forms">
-  <Display>DocumentLibraryForm</Display>
-  <Edit>DocumentLibraryForm</Edit>
-  <New>DocumentLibraryForm</New>
-</FormTemplates>
+<customXsn xmlns="http://schemas.microsoft.com/office/2006/metadata/customXsn">
+  <xsnLocation/>
+  <cached>True</cached>
+  <openByDefault>True</openByDefault>
+  <xsnScope/>
+</customXsn>
 </file>
 
 <file path=customXml/item3.xml><?xml version="1.0" encoding="utf-8"?>
@@ -10093,12 +10150,11 @@
 
 <file path=customXml/item4.xml><?xml version="1.0" encoding="utf-8"?>
 <?mso-contentType ?>
-<customXsn xmlns="http://schemas.microsoft.com/office/2006/metadata/customXsn">
-  <xsnLocation/>
-  <cached>True</cached>
-  <openByDefault>True</openByDefault>
-  <xsnScope/>
-</customXsn>
+<FormTemplates xmlns="http://schemas.microsoft.com/sharepoint/v3/contenttype/forms">
+  <Display>DocumentLibraryForm</Display>
+  <Edit>DocumentLibraryForm</Edit>
+  <New>DocumentLibraryForm</New>
+</FormTemplates>
 </file>
 
 <file path=customXml/itemProps1.xml><?xml version="1.0" encoding="utf-8"?>
@@ -10113,9 +10169,9 @@
 </file>
 
 <file path=customXml/itemProps2.xml><?xml version="1.0" encoding="utf-8"?>
-<ds:datastoreItem xmlns:ds="http://schemas.openxmlformats.org/officeDocument/2006/customXml" ds:itemID="{8AC27AC7-872E-4360-A0DE-98010D1A6FE4}">
+<ds:datastoreItem xmlns:ds="http://schemas.openxmlformats.org/officeDocument/2006/customXml" ds:itemID="{5BF83DD6-6F2D-4879-B4F4-F587C09B869A}">
   <ds:schemaRefs>
-    <ds:schemaRef ds:uri="http://schemas.microsoft.com/sharepoint/v3/contenttype/forms"/>
+    <ds:schemaRef ds:uri="http://schemas.microsoft.com/office/2006/metadata/customXsn"/>
   </ds:schemaRefs>
 </ds:datastoreItem>
 </file>
@@ -10140,9 +10196,9 @@
 </file>
 
 <file path=customXml/itemProps4.xml><?xml version="1.0" encoding="utf-8"?>
-<ds:datastoreItem xmlns:ds="http://schemas.openxmlformats.org/officeDocument/2006/customXml" ds:itemID="{5BF83DD6-6F2D-4879-B4F4-F587C09B869A}">
+<ds:datastoreItem xmlns:ds="http://schemas.openxmlformats.org/officeDocument/2006/customXml" ds:itemID="{8AC27AC7-872E-4360-A0DE-98010D1A6FE4}">
   <ds:schemaRefs>
-    <ds:schemaRef ds:uri="http://schemas.microsoft.com/office/2006/metadata/customXsn"/>
+    <ds:schemaRef ds:uri="http://schemas.microsoft.com/sharepoint/v3/contenttype/forms"/>
   </ds:schemaRefs>
 </ds:datastoreItem>
 </file>
--- a/docs/cna/Entry_Submission_Process.pptx
+++ b/docs/cna/Entry_Submission_Process.pptx
@@ -10,25 +10,48 @@
     <p:sldId id="281" r:id="rId8"/>
     <p:sldId id="258" r:id="rId9"/>
     <p:sldId id="259" r:id="rId10"/>
-    <p:sldId id="260" r:id="rId11"/>
-    <p:sldId id="261" r:id="rId12"/>
-    <p:sldId id="269" r:id="rId13"/>
-    <p:sldId id="271" r:id="rId14"/>
-    <p:sldId id="262" r:id="rId15"/>
-    <p:sldId id="270" r:id="rId16"/>
-    <p:sldId id="272" r:id="rId17"/>
-    <p:sldId id="275" r:id="rId18"/>
-    <p:sldId id="273" r:id="rId19"/>
-    <p:sldId id="264" r:id="rId20"/>
-    <p:sldId id="266" r:id="rId21"/>
-    <p:sldId id="282" r:id="rId22"/>
-    <p:sldId id="283" r:id="rId23"/>
-    <p:sldId id="284" r:id="rId24"/>
-    <p:sldId id="285" r:id="rId25"/>
-    <p:sldId id="286" r:id="rId26"/>
-    <p:sldId id="287" r:id="rId27"/>
-    <p:sldId id="265" r:id="rId28"/>
-    <p:sldId id="268" r:id="rId29"/>
+    <p:sldId id="298" r:id="rId11"/>
+    <p:sldId id="260" r:id="rId12"/>
+    <p:sldId id="261" r:id="rId13"/>
+    <p:sldId id="269" r:id="rId14"/>
+    <p:sldId id="271" r:id="rId15"/>
+    <p:sldId id="262" r:id="rId16"/>
+    <p:sldId id="270" r:id="rId17"/>
+    <p:sldId id="272" r:id="rId18"/>
+    <p:sldId id="275" r:id="rId19"/>
+    <p:sldId id="273" r:id="rId20"/>
+    <p:sldId id="299" r:id="rId21"/>
+    <p:sldId id="264" r:id="rId22"/>
+    <p:sldId id="266" r:id="rId23"/>
+    <p:sldId id="288" r:id="rId24"/>
+    <p:sldId id="289" r:id="rId25"/>
+    <p:sldId id="290" r:id="rId26"/>
+    <p:sldId id="291" r:id="rId27"/>
+    <p:sldId id="292" r:id="rId28"/>
+    <p:sldId id="293" r:id="rId29"/>
+    <p:sldId id="294" r:id="rId30"/>
+    <p:sldId id="295" r:id="rId31"/>
+    <p:sldId id="296" r:id="rId32"/>
+    <p:sldId id="297" r:id="rId33"/>
+    <p:sldId id="282" r:id="rId34"/>
+    <p:sldId id="283" r:id="rId35"/>
+    <p:sldId id="284" r:id="rId36"/>
+    <p:sldId id="285" r:id="rId37"/>
+    <p:sldId id="286" r:id="rId38"/>
+    <p:sldId id="287" r:id="rId39"/>
+    <p:sldId id="265" r:id="rId40"/>
+    <p:sldId id="268" r:id="rId41"/>
+    <p:sldId id="300" r:id="rId42"/>
+    <p:sldId id="301" r:id="rId43"/>
+    <p:sldId id="302" r:id="rId44"/>
+    <p:sldId id="303" r:id="rId45"/>
+    <p:sldId id="304" r:id="rId46"/>
+    <p:sldId id="305" r:id="rId47"/>
+    <p:sldId id="306" r:id="rId48"/>
+    <p:sldId id="307" r:id="rId49"/>
+    <p:sldId id="309" r:id="rId50"/>
+    <p:sldId id="310" r:id="rId51"/>
+    <p:sldId id="308" r:id="rId52"/>
   </p:sldIdLst>
   <p:sldSz cx="9144000" cy="6858000" type="screen4x3"/>
   <p:notesSz cx="6858000" cy="9144000"/>
@@ -5370,7 +5393,7 @@
           <a:p>
             <a:r>
               <a:rPr lang="en-US" dirty="0"/>
-              <a:t>Comma-Separated Values (CSV)</a:t>
+              <a:t>Flat File Example</a:t>
             </a:r>
           </a:p>
         </p:txBody>
@@ -5387,90 +5410,69 @@
         </p:nvSpPr>
         <p:spPr/>
         <p:txBody>
-          <a:bodyPr>
-            <a:normAutofit fontScale="92500" lnSpcReduction="10000"/>
-          </a:bodyPr>
-          <a:lstStyle/>
-          <a:p>
-            <a:r>
-              <a:rPr lang="en-US" dirty="0"/>
-              <a:t>Fields :</a:t>
-            </a:r>
-          </a:p>
-          <a:p>
-            <a:pPr lvl="1"/>
-            <a:r>
-              <a:rPr lang="en-US" dirty="0"/>
-              <a:t>CVE ID</a:t>
-            </a:r>
-          </a:p>
-          <a:p>
-            <a:pPr lvl="1"/>
-            <a:r>
-              <a:rPr lang="en-US" dirty="0"/>
-              <a:t>Product</a:t>
-            </a:r>
-          </a:p>
-          <a:p>
-            <a:pPr lvl="1"/>
-            <a:r>
-              <a:rPr lang="en-US" dirty="0"/>
-              <a:t>Version</a:t>
-            </a:r>
-          </a:p>
-          <a:p>
-            <a:pPr lvl="1"/>
-            <a:r>
-              <a:rPr lang="en-US" dirty="0"/>
-              <a:t>Problem type</a:t>
-            </a:r>
-          </a:p>
-          <a:p>
-            <a:pPr lvl="1"/>
-            <a:r>
-              <a:rPr lang="en-US" dirty="0"/>
-              <a:t>Description</a:t>
-            </a:r>
-          </a:p>
-          <a:p>
-            <a:pPr lvl="1"/>
-            <a:r>
-              <a:rPr lang="en-US" dirty="0"/>
-              <a:t>Assigning CNA</a:t>
-            </a:r>
-          </a:p>
-          <a:p>
-            <a:pPr marL="287338" lvl="1" indent="0">
+          <a:bodyPr/>
+          <a:lstStyle/>
+          <a:p>
+            <a:pPr marL="0" indent="0">
               <a:buNone/>
             </a:pPr>
-            <a:endParaRPr lang="en-US" dirty="0"/>
-          </a:p>
-          <a:p>
-            <a:pPr marL="346075" indent="-342900"/>
-            <a:r>
-              <a:rPr lang="en-US" dirty="0"/>
-              <a:t>Omit field headers.</a:t>
-            </a:r>
-          </a:p>
-          <a:p>
-            <a:pPr marL="346075" indent="-342900"/>
-            <a:r>
-              <a:rPr lang="en-US" dirty="0"/>
-              <a:t>Use double-quotes if fields contain commas or quote characters.</a:t>
-            </a:r>
-          </a:p>
-          <a:p>
-            <a:pPr marL="346075" indent="-342900"/>
-            <a:r>
-              <a:rPr lang="en-US" dirty="0"/>
-              <a:t>Do not use embedded line-breaks.</a:t>
-            </a:r>
-          </a:p>
-          <a:p>
-            <a:pPr marL="346075" indent="-342900"/>
-            <a:r>
-              <a:rPr lang="en-US" dirty="0"/>
-              <a:t>Write any double-quote characters in a field as two double-quote characters.</a:t>
+            <a:r>
+              <a:rPr lang="en-US" dirty="0"/>
+              <a:t>[CVEID]:CVE-2017-1194</a:t>
+            </a:r>
+          </a:p>
+          <a:p>
+            <a:pPr marL="0" indent="0">
+              <a:buNone/>
+            </a:pPr>
+            <a:r>
+              <a:rPr lang="en-US" dirty="0"/>
+              <a:t>[PRODUCT]:IBM WebSphere Application Server</a:t>
+            </a:r>
+          </a:p>
+          <a:p>
+            <a:pPr marL="0" indent="0">
+              <a:buNone/>
+            </a:pPr>
+            <a:r>
+              <a:rPr lang="en-US" dirty="0"/>
+              <a:t>[VERSION]:7.0, 8.0, 8.5, 9.0</a:t>
+            </a:r>
+          </a:p>
+          <a:p>
+            <a:pPr marL="0" indent="0">
+              <a:buNone/>
+            </a:pPr>
+            <a:r>
+              <a:rPr lang="en-US" dirty="0"/>
+              <a:t>[PROBLEMTYPE]:Cross-site request forgery</a:t>
+            </a:r>
+          </a:p>
+          <a:p>
+            <a:pPr marL="0" indent="0">
+              <a:buNone/>
+            </a:pPr>
+            <a:r>
+              <a:rPr lang="en-US" dirty="0"/>
+              <a:t>[REFERENCES]:http://www.ibm.com/support/docview.wss?uid=swg22001226</a:t>
+            </a:r>
+          </a:p>
+          <a:p>
+            <a:pPr marL="0" indent="0">
+              <a:buNone/>
+            </a:pPr>
+            <a:r>
+              <a:rPr lang="en-US" dirty="0"/>
+              <a:t>[DESCRIPTION]:IBM WebSphere Application Server 7.0, 8.0, 8.5, and 9.0 is vulnerable to cross-site request forgery which could allow an attacker to execute malicious and unauthorized actions transmitted from a user that the website trusts.  IBM X-Force ID:  123669.</a:t>
+            </a:r>
+          </a:p>
+          <a:p>
+            <a:pPr marL="0" indent="0">
+              <a:buNone/>
+            </a:pPr>
+            <a:r>
+              <a:rPr lang="en-US" dirty="0"/>
+              <a:t>[ASSIGNINGCNA]:IBM</a:t>
             </a:r>
           </a:p>
         </p:txBody>
@@ -5478,7 +5480,7 @@
     </p:spTree>
     <p:extLst>
       <p:ext uri="{BB962C8B-B14F-4D97-AF65-F5344CB8AC3E}">
-        <p14:creationId xmlns:p14="http://schemas.microsoft.com/office/powerpoint/2010/main" val="2492776780"/>
+        <p14:creationId xmlns:p14="http://schemas.microsoft.com/office/powerpoint/2010/main" val="2139819520"/>
       </p:ext>
     </p:extLst>
   </p:cSld>
@@ -5522,7 +5524,7 @@
           <a:p>
             <a:r>
               <a:rPr lang="en-US" dirty="0"/>
-              <a:t>CSV – Handling Multiples</a:t>
+              <a:t>Comma-Separated Values (CSV)</a:t>
             </a:r>
           </a:p>
         </p:txBody>
@@ -5540,232 +5542,97 @@
         <p:spPr/>
         <p:txBody>
           <a:bodyPr>
-            <a:normAutofit fontScale="77500" lnSpcReduction="20000"/>
+            <a:normAutofit fontScale="92500" lnSpcReduction="10000"/>
           </a:bodyPr>
           <a:lstStyle/>
           <a:p>
             <a:r>
               <a:rPr lang="en-US" dirty="0"/>
-              <a:t>Multiple CVE Entries</a:t>
+              <a:t>Fields :</a:t>
             </a:r>
           </a:p>
           <a:p>
             <a:pPr lvl="1"/>
             <a:r>
               <a:rPr lang="en-US" dirty="0"/>
-              <a:t>Multiple lines, one per entry.</a:t>
-            </a:r>
-          </a:p>
-          <a:p>
-            <a:endParaRPr lang="en-US" dirty="0"/>
-          </a:p>
-          <a:p>
-            <a:r>
-              <a:rPr lang="en-US" dirty="0"/>
-              <a:t>Multiple Products/Versions</a:t>
+              <a:t>CVE ID</a:t>
             </a:r>
           </a:p>
           <a:p>
             <a:pPr lvl="1"/>
             <a:r>
               <a:rPr lang="en-US" dirty="0"/>
-              <a:t>Separate products, and correspondingly versions, by a semicolon followed by a space and, to separate multiple versions for a given product by a comma followed by a space; eg, </a:t>
-            </a:r>
-          </a:p>
-          <a:p>
-            <a:pPr marL="798513" lvl="3" indent="0">
-              <a:buNone/>
-            </a:pPr>
-            <a:r>
-              <a:rPr lang="en-US" sz="1500" dirty="0">
-                <a:latin typeface="Courier New" panose="02070309020205020404" pitchFamily="49" charset="0"/>
-                <a:cs typeface="Courier New" panose="02070309020205020404" pitchFamily="49" charset="0"/>
-              </a:rPr>
-              <a:t>CVE-2017-3862,”</a:t>
-            </a:r>
-            <a:r>
-              <a:rPr lang="en-US" sz="1500" b="1" dirty="0">
-                <a:solidFill>
-                  <a:srgbClr val="FF0000"/>
-                </a:solidFill>
-                <a:latin typeface="Courier New" panose="02070309020205020404" pitchFamily="49" charset="0"/>
-                <a:cs typeface="Courier New" panose="02070309020205020404" pitchFamily="49" charset="0"/>
-              </a:rPr>
-              <a:t>IOS</a:t>
-            </a:r>
-            <a:r>
-              <a:rPr lang="en-US" sz="1500" dirty="0">
-                <a:latin typeface="Courier New" panose="02070309020205020404" pitchFamily="49" charset="0"/>
-                <a:cs typeface="Courier New" panose="02070309020205020404" pitchFamily="49" charset="0"/>
-              </a:rPr>
-              <a:t>; </a:t>
-            </a:r>
-            <a:r>
-              <a:rPr lang="en-US" sz="1500" b="1" dirty="0">
-                <a:solidFill>
-                  <a:srgbClr val="0070C0"/>
-                </a:solidFill>
-                <a:latin typeface="Courier New" panose="02070309020205020404" pitchFamily="49" charset="0"/>
-                <a:cs typeface="Courier New" panose="02070309020205020404" pitchFamily="49" charset="0"/>
-              </a:rPr>
-              <a:t>IOS XE</a:t>
-            </a:r>
-            <a:r>
-              <a:rPr lang="en-US" sz="1500" dirty="0">
-                <a:latin typeface="Courier New" panose="02070309020205020404" pitchFamily="49" charset="0"/>
-                <a:cs typeface="Courier New" panose="02070309020205020404" pitchFamily="49" charset="0"/>
-              </a:rPr>
-              <a:t>”,</a:t>
-            </a:r>
-            <a:r>
-              <a:rPr lang="en-US" sz="1500" b="1" dirty="0">
-                <a:latin typeface="Courier New" panose="02070309020205020404" pitchFamily="49" charset="0"/>
-                <a:cs typeface="Courier New" panose="02070309020205020404" pitchFamily="49" charset="0"/>
-              </a:rPr>
-              <a:t>”</a:t>
-            </a:r>
-            <a:r>
-              <a:rPr lang="en-US" sz="1500" b="1" dirty="0">
-                <a:solidFill>
-                  <a:srgbClr val="FF0000"/>
-                </a:solidFill>
-                <a:latin typeface="Courier New" panose="02070309020205020404" pitchFamily="49" charset="0"/>
-                <a:cs typeface="Courier New" panose="02070309020205020404" pitchFamily="49" charset="0"/>
-              </a:rPr>
-              <a:t>12.2, 15.0 through 15.6</a:t>
-            </a:r>
-            <a:r>
-              <a:rPr lang="en-US" sz="1500" dirty="0">
-                <a:latin typeface="Courier New" panose="02070309020205020404" pitchFamily="49" charset="0"/>
-                <a:cs typeface="Courier New" panose="02070309020205020404" pitchFamily="49" charset="0"/>
-              </a:rPr>
-              <a:t>; </a:t>
-            </a:r>
-            <a:r>
-              <a:rPr lang="en-US" sz="1500" b="1" dirty="0">
-                <a:solidFill>
-                  <a:srgbClr val="0070C0"/>
-                </a:solidFill>
-                <a:latin typeface="Courier New" panose="02070309020205020404" pitchFamily="49" charset="0"/>
-                <a:cs typeface="Courier New" panose="02070309020205020404" pitchFamily="49" charset="0"/>
-              </a:rPr>
-              <a:t>3.2 through 3.18</a:t>
-            </a:r>
-            <a:r>
-              <a:rPr lang="en-US" sz="1500" b="1" dirty="0">
-                <a:latin typeface="Courier New" panose="02070309020205020404" pitchFamily="49" charset="0"/>
-                <a:cs typeface="Courier New" panose="02070309020205020404" pitchFamily="49" charset="0"/>
-              </a:rPr>
-              <a:t>”</a:t>
-            </a:r>
-            <a:r>
-              <a:rPr lang="en-US" sz="1500" dirty="0">
-                <a:latin typeface="Courier New" panose="02070309020205020404" pitchFamily="49" charset="0"/>
-                <a:cs typeface="Courier New" panose="02070309020205020404" pitchFamily="49" charset="0"/>
-              </a:rPr>
-              <a:t>,…</a:t>
-            </a:r>
-          </a:p>
-          <a:p>
-            <a:endParaRPr lang="en-US" dirty="0"/>
-          </a:p>
-          <a:p>
-            <a:r>
-              <a:rPr lang="en-US" dirty="0"/>
-              <a:t>Multiple References</a:t>
+              <a:t>Product</a:t>
             </a:r>
           </a:p>
           <a:p>
             <a:pPr lvl="1"/>
             <a:r>
               <a:rPr lang="en-US" dirty="0"/>
-              <a:t>Separate references by a space; eg,</a:t>
-            </a:r>
-            <a:endParaRPr lang="en-US" sz="1600" dirty="0">
-              <a:latin typeface="Courier New" panose="02070309020205020404" pitchFamily="49" charset="0"/>
-              <a:cs typeface="Courier New" panose="02070309020205020404" pitchFamily="49" charset="0"/>
-            </a:endParaRPr>
-          </a:p>
-          <a:p>
-            <a:pPr marL="798513" lvl="3" indent="0">
-              <a:buNone/>
-            </a:pPr>
-            <a:r>
-              <a:rPr lang="en-US" sz="1600" dirty="0">
-                <a:latin typeface="Courier New" panose="02070309020205020404" pitchFamily="49" charset="0"/>
-                <a:cs typeface="Courier New" panose="02070309020205020404" pitchFamily="49" charset="0"/>
-              </a:rPr>
-              <a:t>CVE-2016-6816,…,”https://tomcat.apache.org/security-9.html#Fixed_in_Apache_Tomcat_9.0.0</a:t>
-            </a:r>
-            <a:r>
-              <a:rPr lang="en-US" sz="1600">
-                <a:latin typeface="Courier New" panose="02070309020205020404" pitchFamily="49" charset="0"/>
-                <a:cs typeface="Courier New" panose="02070309020205020404" pitchFamily="49" charset="0"/>
-              </a:rPr>
-              <a:t>.M13 </a:t>
-            </a:r>
-            <a:r>
-              <a:rPr lang="en-US" sz="1600" dirty="0">
-                <a:latin typeface="Courier New" panose="02070309020205020404" pitchFamily="49" charset="0"/>
-                <a:cs typeface="Courier New" panose="02070309020205020404" pitchFamily="49" charset="0"/>
-              </a:rPr>
-              <a:t>https://tomcat.apache.org/security-8.html#Fixed_in_Apache_Tomcat</a:t>
-            </a:r>
-            <a:r>
-              <a:rPr lang="en-US" sz="1600">
-                <a:latin typeface="Courier New" panose="02070309020205020404" pitchFamily="49" charset="0"/>
-                <a:cs typeface="Courier New" panose="02070309020205020404" pitchFamily="49" charset="0"/>
-              </a:rPr>
-              <a:t>_8.5.8 </a:t>
-            </a:r>
-            <a:r>
-              <a:rPr lang="en-US" sz="1600" dirty="0">
-                <a:latin typeface="Courier New" panose="02070309020205020404" pitchFamily="49" charset="0"/>
-                <a:cs typeface="Courier New" panose="02070309020205020404" pitchFamily="49" charset="0"/>
-              </a:rPr>
-              <a:t>https://tomcat.apache.org/security-8.html#Fixed_in_Apache_Tomcat</a:t>
-            </a:r>
-            <a:r>
-              <a:rPr lang="en-US" sz="1600">
-                <a:latin typeface="Courier New" panose="02070309020205020404" pitchFamily="49" charset="0"/>
-                <a:cs typeface="Courier New" panose="02070309020205020404" pitchFamily="49" charset="0"/>
-              </a:rPr>
-              <a:t>_8.0.39 </a:t>
-            </a:r>
-            <a:r>
-              <a:rPr lang="en-US" sz="1600" dirty="0">
-                <a:latin typeface="Courier New" panose="02070309020205020404" pitchFamily="49" charset="0"/>
-                <a:cs typeface="Courier New" panose="02070309020205020404" pitchFamily="49" charset="0"/>
-              </a:rPr>
-              <a:t>https://tomcat.apache.org/security-7.html#Fixed_in_Apache_Tomcat</a:t>
-            </a:r>
-            <a:r>
-              <a:rPr lang="en-US" sz="1600">
-                <a:latin typeface="Courier New" panose="02070309020205020404" pitchFamily="49" charset="0"/>
-                <a:cs typeface="Courier New" panose="02070309020205020404" pitchFamily="49" charset="0"/>
-              </a:rPr>
-              <a:t>_7.0.73 </a:t>
-            </a:r>
-            <a:r>
-              <a:rPr lang="en-US" sz="1600" dirty="0">
-                <a:latin typeface="Courier New" panose="02070309020205020404" pitchFamily="49" charset="0"/>
-                <a:cs typeface="Courier New" panose="02070309020205020404" pitchFamily="49" charset="0"/>
-              </a:rPr>
-              <a:t>https://tomcat.apache.org/security-6.html#Fixed_in_Apache_Tomcat_6.0.48”,…</a:t>
-            </a:r>
-          </a:p>
-          <a:p>
-            <a:pPr marL="0" indent="0">
+              <a:t>Version</a:t>
+            </a:r>
+          </a:p>
+          <a:p>
+            <a:pPr lvl="1"/>
+            <a:r>
+              <a:rPr lang="en-US" dirty="0"/>
+              <a:t>Problem type</a:t>
+            </a:r>
+          </a:p>
+          <a:p>
+            <a:pPr lvl="1"/>
+            <a:r>
+              <a:rPr lang="en-US" dirty="0"/>
+              <a:t>Description</a:t>
+            </a:r>
+          </a:p>
+          <a:p>
+            <a:pPr lvl="1"/>
+            <a:r>
+              <a:rPr lang="en-US" dirty="0"/>
+              <a:t>Assigning CNA</a:t>
+            </a:r>
+          </a:p>
+          <a:p>
+            <a:pPr marL="287338" lvl="1" indent="0">
               <a:buNone/>
             </a:pPr>
             <a:endParaRPr lang="en-US" dirty="0"/>
           </a:p>
+          <a:p>
+            <a:pPr marL="346075" indent="-342900"/>
+            <a:r>
+              <a:rPr lang="en-US" dirty="0"/>
+              <a:t>Omit field headers.</a:t>
+            </a:r>
+          </a:p>
+          <a:p>
+            <a:pPr marL="346075" indent="-342900"/>
+            <a:r>
+              <a:rPr lang="en-US" dirty="0"/>
+              <a:t>Use double-quotes if fields contain commas or quote characters.</a:t>
+            </a:r>
+          </a:p>
+          <a:p>
+            <a:pPr marL="346075" indent="-342900"/>
+            <a:r>
+              <a:rPr lang="en-US" dirty="0"/>
+              <a:t>Do not use embedded line-breaks.</a:t>
+            </a:r>
+          </a:p>
+          <a:p>
+            <a:pPr marL="346075" indent="-342900"/>
+            <a:r>
+              <a:rPr lang="en-US" dirty="0"/>
+              <a:t>Write any double-quote characters in a field as two double-quote characters.</a:t>
+            </a:r>
+          </a:p>
         </p:txBody>
       </p:sp>
     </p:spTree>
     <p:extLst>
       <p:ext uri="{BB962C8B-B14F-4D97-AF65-F5344CB8AC3E}">
-        <p14:creationId xmlns:p14="http://schemas.microsoft.com/office/powerpoint/2010/main" val="1186968047"/>
+        <p14:creationId xmlns:p14="http://schemas.microsoft.com/office/powerpoint/2010/main" val="2492776780"/>
       </p:ext>
     </p:extLst>
   </p:cSld>
@@ -5809,7 +5676,7 @@
           <a:p>
             <a:r>
               <a:rPr lang="en-US" dirty="0"/>
-              <a:t>CSV Example</a:t>
+              <a:t>CSV – Handling Multiples</a:t>
             </a:r>
           </a:p>
         </p:txBody>
@@ -5827,27 +5694,168 @@
         <p:spPr/>
         <p:txBody>
           <a:bodyPr>
-            <a:normAutofit/>
+            <a:normAutofit fontScale="77500" lnSpcReduction="20000"/>
           </a:bodyPr>
           <a:lstStyle/>
+          <a:p>
+            <a:r>
+              <a:rPr lang="en-US" dirty="0"/>
+              <a:t>Multiple CVE Entries</a:t>
+            </a:r>
+          </a:p>
+          <a:p>
+            <a:pPr lvl="1"/>
+            <a:r>
+              <a:rPr lang="en-US" dirty="0"/>
+              <a:t>Multiple lines, one per entry.</a:t>
+            </a:r>
+          </a:p>
+          <a:p>
+            <a:endParaRPr lang="en-US" dirty="0"/>
+          </a:p>
+          <a:p>
+            <a:r>
+              <a:rPr lang="en-US" dirty="0"/>
+              <a:t>Multiple Products/Versions</a:t>
+            </a:r>
+          </a:p>
+          <a:p>
+            <a:pPr lvl="1"/>
+            <a:r>
+              <a:rPr lang="en-US" dirty="0"/>
+              <a:t>Separate products, and correspondingly versions, by a semicolon followed by a space and, to separate multiple versions for a given product by a comma followed by a space; eg, </a:t>
+            </a:r>
+          </a:p>
+          <a:p>
+            <a:pPr marL="798513" lvl="3" indent="0">
+              <a:buNone/>
+            </a:pPr>
+            <a:r>
+              <a:rPr lang="en-US" sz="1500" dirty="0">
+                <a:latin typeface="Courier New" panose="02070309020205020404" pitchFamily="49" charset="0"/>
+                <a:cs typeface="Courier New" panose="02070309020205020404" pitchFamily="49" charset="0"/>
+              </a:rPr>
+              <a:t>CVE-2017-3862,”</a:t>
+            </a:r>
+            <a:r>
+              <a:rPr lang="en-US" sz="1500" b="1" dirty="0">
+                <a:solidFill>
+                  <a:srgbClr val="FF0000"/>
+                </a:solidFill>
+                <a:latin typeface="Courier New" panose="02070309020205020404" pitchFamily="49" charset="0"/>
+                <a:cs typeface="Courier New" panose="02070309020205020404" pitchFamily="49" charset="0"/>
+              </a:rPr>
+              <a:t>IOS</a:t>
+            </a:r>
+            <a:r>
+              <a:rPr lang="en-US" sz="1500" dirty="0">
+                <a:latin typeface="Courier New" panose="02070309020205020404" pitchFamily="49" charset="0"/>
+                <a:cs typeface="Courier New" panose="02070309020205020404" pitchFamily="49" charset="0"/>
+              </a:rPr>
+              <a:t>; </a:t>
+            </a:r>
+            <a:r>
+              <a:rPr lang="en-US" sz="1500" b="1" dirty="0">
+                <a:solidFill>
+                  <a:srgbClr val="0070C0"/>
+                </a:solidFill>
+                <a:latin typeface="Courier New" panose="02070309020205020404" pitchFamily="49" charset="0"/>
+                <a:cs typeface="Courier New" panose="02070309020205020404" pitchFamily="49" charset="0"/>
+              </a:rPr>
+              <a:t>IOS XE</a:t>
+            </a:r>
+            <a:r>
+              <a:rPr lang="en-US" sz="1500" dirty="0">
+                <a:latin typeface="Courier New" panose="02070309020205020404" pitchFamily="49" charset="0"/>
+                <a:cs typeface="Courier New" panose="02070309020205020404" pitchFamily="49" charset="0"/>
+              </a:rPr>
+              <a:t>”,</a:t>
+            </a:r>
+            <a:r>
+              <a:rPr lang="en-US" sz="1500" b="1" dirty="0">
+                <a:latin typeface="Courier New" panose="02070309020205020404" pitchFamily="49" charset="0"/>
+                <a:cs typeface="Courier New" panose="02070309020205020404" pitchFamily="49" charset="0"/>
+              </a:rPr>
+              <a:t>”</a:t>
+            </a:r>
+            <a:r>
+              <a:rPr lang="en-US" sz="1500" b="1" dirty="0">
+                <a:solidFill>
+                  <a:srgbClr val="FF0000"/>
+                </a:solidFill>
+                <a:latin typeface="Courier New" panose="02070309020205020404" pitchFamily="49" charset="0"/>
+                <a:cs typeface="Courier New" panose="02070309020205020404" pitchFamily="49" charset="0"/>
+              </a:rPr>
+              <a:t>12.2, 15.0 through 15.6</a:t>
+            </a:r>
+            <a:r>
+              <a:rPr lang="en-US" sz="1500" dirty="0">
+                <a:latin typeface="Courier New" panose="02070309020205020404" pitchFamily="49" charset="0"/>
+                <a:cs typeface="Courier New" panose="02070309020205020404" pitchFamily="49" charset="0"/>
+              </a:rPr>
+              <a:t>; </a:t>
+            </a:r>
+            <a:r>
+              <a:rPr lang="en-US" sz="1500" b="1" dirty="0">
+                <a:solidFill>
+                  <a:srgbClr val="0070C0"/>
+                </a:solidFill>
+                <a:latin typeface="Courier New" panose="02070309020205020404" pitchFamily="49" charset="0"/>
+                <a:cs typeface="Courier New" panose="02070309020205020404" pitchFamily="49" charset="0"/>
+              </a:rPr>
+              <a:t>3.2 through 3.18</a:t>
+            </a:r>
+            <a:r>
+              <a:rPr lang="en-US" sz="1500" b="1" dirty="0">
+                <a:latin typeface="Courier New" panose="02070309020205020404" pitchFamily="49" charset="0"/>
+                <a:cs typeface="Courier New" panose="02070309020205020404" pitchFamily="49" charset="0"/>
+              </a:rPr>
+              <a:t>”</a:t>
+            </a:r>
+            <a:r>
+              <a:rPr lang="en-US" sz="1500" dirty="0">
+                <a:latin typeface="Courier New" panose="02070309020205020404" pitchFamily="49" charset="0"/>
+                <a:cs typeface="Courier New" panose="02070309020205020404" pitchFamily="49" charset="0"/>
+              </a:rPr>
+              <a:t>,…</a:t>
+            </a:r>
+          </a:p>
+          <a:p>
+            <a:endParaRPr lang="en-US" dirty="0"/>
+          </a:p>
+          <a:p>
+            <a:r>
+              <a:rPr lang="en-US" dirty="0"/>
+              <a:t>Multiple References</a:t>
+            </a:r>
+          </a:p>
+          <a:p>
+            <a:pPr lvl="1"/>
+            <a:r>
+              <a:rPr lang="en-US" dirty="0"/>
+              <a:t>Separate references by a space; eg,</a:t>
+            </a:r>
+            <a:endParaRPr lang="en-US" sz="1600" dirty="0">
+              <a:latin typeface="Courier New" panose="02070309020205020404" pitchFamily="49" charset="0"/>
+              <a:cs typeface="Courier New" panose="02070309020205020404" pitchFamily="49" charset="0"/>
+            </a:endParaRPr>
+          </a:p>
+          <a:p>
+            <a:pPr marL="798513" lvl="3" indent="0">
+              <a:buNone/>
+            </a:pPr>
+            <a:r>
+              <a:rPr lang="en-US" sz="1600" dirty="0">
+                <a:latin typeface="Courier New" panose="02070309020205020404" pitchFamily="49" charset="0"/>
+                <a:cs typeface="Courier New" panose="02070309020205020404" pitchFamily="49" charset="0"/>
+              </a:rPr>
+              <a:t>CVE-2016-6816,…,”https://tomcat.apache.org/security-9.html#Fixed_in_Apache_Tomcat_9.0.0.M13 https://tomcat.apache.org/security-8.html#Fixed_in_Apache_Tomcat_8.5.8 https://tomcat.apache.org/security-8.html#Fixed_in_Apache_Tomcat_8.0.39 https://tomcat.apache.org/security-7.html#Fixed_in_Apache_Tomcat_7.0.73 https://tomcat.apache.org/security-6.html#Fixed_in_Apache_Tomcat_6.0.48”,…</a:t>
+            </a:r>
+          </a:p>
           <a:p>
             <a:pPr marL="0" indent="0">
               <a:buNone/>
             </a:pPr>
-            <a:r>
-              <a:rPr lang="en-US" dirty="0"/>
-              <a:t>"CVE-2017-1194","IBM WebSphere Application Server"," 7.0, 8.0, 8.5, 9.0",“Cross-site request </a:t>
-            </a:r>
-            <a:r>
-              <a:rPr lang="en-US" dirty="0" err="1"/>
-              <a:t>forgery","http</a:t>
-            </a:r>
-            <a:r>
-              <a:rPr lang="en-US" dirty="0"/>
-              <a:t>://www.ibm.com/support/docview.wss?uid=swg22001226","IBM WebSphere Application Server 7.0, 8.0, 8.5, and 9.0 is vulnerable to cross-site request forgery which could allow an attacker to execute malicious and unauthorized actions transmitted from a user that the website trusts.  IBM X-Force ID:  123669.","IBM"</a:t>
-            </a:r>
-          </a:p>
-          <a:p>
             <a:endParaRPr lang="en-US" dirty="0"/>
           </a:p>
         </p:txBody>
@@ -5855,7 +5863,7 @@
     </p:spTree>
     <p:extLst>
       <p:ext uri="{BB962C8B-B14F-4D97-AF65-F5344CB8AC3E}">
-        <p14:creationId xmlns:p14="http://schemas.microsoft.com/office/powerpoint/2010/main" val="200229435"/>
+        <p14:creationId xmlns:p14="http://schemas.microsoft.com/office/powerpoint/2010/main" val="1186968047"/>
       </p:ext>
     </p:extLst>
   </p:cSld>
@@ -5899,7 +5907,7 @@
           <a:p>
             <a:r>
               <a:rPr lang="en-US" dirty="0"/>
-              <a:t>CVE JSON 4.0</a:t>
+              <a:t>CSV Example</a:t>
             </a:r>
           </a:p>
         </p:txBody>
@@ -5917,145 +5925,35 @@
         <p:spPr/>
         <p:txBody>
           <a:bodyPr>
-            <a:normAutofit fontScale="70000" lnSpcReduction="20000"/>
+            <a:normAutofit/>
           </a:bodyPr>
           <a:lstStyle/>
           <a:p>
-            <a:r>
-              <a:rPr lang="en-US" dirty="0"/>
-              <a:t>Required Data Strings</a:t>
-            </a:r>
-          </a:p>
-          <a:p>
-            <a:pPr lvl="1"/>
+            <a:pPr marL="0" indent="0">
+              <a:buNone/>
+            </a:pPr>
+            <a:r>
+              <a:rPr lang="en-US" dirty="0"/>
+              <a:t>"CVE-2017-1194","IBM WebSphere Application Server"," 7.0, 8.0, 8.5, 9.0",“Cross-site request </a:t>
+            </a:r>
             <a:r>
               <a:rPr lang="en-US" dirty="0" err="1"/>
-              <a:t>Data_type</a:t>
-            </a:r>
-            <a:r>
-              <a:rPr lang="en-US" dirty="0"/>
-              <a:t> - CVE</a:t>
-            </a:r>
-          </a:p>
-          <a:p>
-            <a:pPr lvl="1"/>
-            <a:r>
-              <a:rPr lang="en-US" dirty="0" err="1"/>
-              <a:t>Data_format</a:t>
-            </a:r>
-            <a:r>
-              <a:rPr lang="en-US" dirty="0"/>
-              <a:t> - MITRE</a:t>
-            </a:r>
-          </a:p>
-          <a:p>
-            <a:pPr lvl="1"/>
-            <a:r>
-              <a:rPr lang="en-US" dirty="0" err="1"/>
-              <a:t>Data_version</a:t>
-            </a:r>
-            <a:r>
-              <a:rPr lang="en-US" dirty="0"/>
-              <a:t> – 4.0</a:t>
-            </a:r>
-          </a:p>
-          <a:p>
-            <a:r>
-              <a:rPr lang="en-US" dirty="0"/>
-              <a:t>Required Data Objects</a:t>
-            </a:r>
-          </a:p>
-          <a:p>
-            <a:pPr lvl="1"/>
-            <a:r>
-              <a:rPr lang="en-US" dirty="0" err="1"/>
-              <a:t>CVE_data_meta</a:t>
-            </a:r>
+              <a:t>forgery","http</a:t>
+            </a:r>
+            <a:r>
+              <a:rPr lang="en-US" dirty="0"/>
+              <a:t>://www.ibm.com/support/docview.wss?uid=swg22001226","IBM WebSphere Application Server 7.0, 8.0, 8.5, and 9.0 is vulnerable to cross-site request forgery which could allow an attacker to execute malicious and unauthorized actions transmitted from a user that the website trusts.  IBM X-Force ID:  123669.","IBM"</a:t>
+            </a:r>
+          </a:p>
+          <a:p>
             <a:endParaRPr lang="en-US" dirty="0"/>
-          </a:p>
-          <a:p>
-            <a:pPr lvl="2"/>
-            <a:r>
-              <a:rPr lang="en-US" dirty="0"/>
-              <a:t>CVE ID</a:t>
-            </a:r>
-          </a:p>
-          <a:p>
-            <a:pPr lvl="2"/>
-            <a:r>
-              <a:rPr lang="en-US" dirty="0"/>
-              <a:t>ASSIGNER</a:t>
-            </a:r>
-          </a:p>
-          <a:p>
-            <a:pPr lvl="1"/>
-            <a:r>
-              <a:rPr lang="en-US" dirty="0"/>
-              <a:t>Affects</a:t>
-            </a:r>
-          </a:p>
-          <a:p>
-            <a:pPr lvl="2"/>
-            <a:r>
-              <a:rPr lang="en-US" dirty="0"/>
-              <a:t>Vendor</a:t>
-            </a:r>
-          </a:p>
-          <a:p>
-            <a:pPr lvl="3"/>
-            <a:r>
-              <a:rPr lang="en-US" dirty="0"/>
-              <a:t>Product</a:t>
-            </a:r>
-          </a:p>
-          <a:p>
-            <a:pPr lvl="4"/>
-            <a:r>
-              <a:rPr lang="en-US" dirty="0"/>
-              <a:t>Version</a:t>
-            </a:r>
-          </a:p>
-          <a:p>
-            <a:pPr lvl="1"/>
-            <a:r>
-              <a:rPr lang="en-US" dirty="0"/>
-              <a:t>Description</a:t>
-            </a:r>
-          </a:p>
-          <a:p>
-            <a:pPr lvl="1"/>
-            <a:r>
-              <a:rPr lang="en-US" dirty="0"/>
-              <a:t>References</a:t>
-            </a:r>
-          </a:p>
-          <a:p>
-            <a:pPr lvl="1"/>
-            <a:r>
-              <a:rPr lang="en-US" dirty="0" err="1"/>
-              <a:t>Problemtype</a:t>
-            </a:r>
-            <a:endParaRPr lang="en-US" dirty="0"/>
-          </a:p>
-          <a:p>
-            <a:r>
-              <a:rPr lang="en-US" dirty="0"/>
-              <a:t>Additional optional objects can be included.  For a full list see:</a:t>
-            </a:r>
-          </a:p>
-          <a:p>
-            <a:pPr lvl="1"/>
-            <a:r>
-              <a:rPr lang="en-US" dirty="0"/>
-              <a:t>https://github.com/CVEProject/automation-working-group/blob/master/cve_json_schema/DRAFT-JSON-file-format-v4.md</a:t>
-            </a:r>
           </a:p>
         </p:txBody>
       </p:sp>
     </p:spTree>
     <p:extLst>
       <p:ext uri="{BB962C8B-B14F-4D97-AF65-F5344CB8AC3E}">
-        <p14:creationId xmlns:p14="http://schemas.microsoft.com/office/powerpoint/2010/main" val="2667484497"/>
+        <p14:creationId xmlns:p14="http://schemas.microsoft.com/office/powerpoint/2010/main" val="200229435"/>
       </p:ext>
     </p:extLst>
   </p:cSld>
@@ -6099,7 +5997,7 @@
           <a:p>
             <a:r>
               <a:rPr lang="en-US" dirty="0"/>
-              <a:t>CVE JSON Example</a:t>
+              <a:t>CVE JSON 4.0</a:t>
             </a:r>
           </a:p>
         </p:txBody>
@@ -6121,254 +6019,133 @@
           </a:bodyPr>
           <a:lstStyle/>
           <a:p>
-            <a:pPr marL="0" indent="0">
-              <a:buNone/>
-            </a:pPr>
-            <a:r>
-              <a:rPr lang="en-US" dirty="0"/>
-              <a:t>{</a:t>
-            </a:r>
-          </a:p>
-          <a:p>
-            <a:pPr marL="0" indent="0">
-              <a:buNone/>
-            </a:pPr>
-            <a:r>
-              <a:rPr lang="en-US" dirty="0"/>
-              <a:t>  "</a:t>
-            </a:r>
+            <a:r>
+              <a:rPr lang="en-US" dirty="0"/>
+              <a:t>Required Data Strings</a:t>
+            </a:r>
+          </a:p>
+          <a:p>
+            <a:pPr lvl="1"/>
             <a:r>
               <a:rPr lang="en-US" dirty="0" err="1"/>
-              <a:t>data_type</a:t>
-            </a:r>
-            <a:r>
-              <a:rPr lang="en-US" dirty="0"/>
-              <a:t>": "CVE",</a:t>
-            </a:r>
-          </a:p>
-          <a:p>
-            <a:pPr marL="0" indent="0">
-              <a:buNone/>
-            </a:pPr>
-            <a:r>
-              <a:rPr lang="en-US" dirty="0"/>
-              <a:t>  "</a:t>
-            </a:r>
+              <a:t>Data_type</a:t>
+            </a:r>
+            <a:r>
+              <a:rPr lang="en-US" dirty="0"/>
+              <a:t> - CVE</a:t>
+            </a:r>
+          </a:p>
+          <a:p>
+            <a:pPr lvl="1"/>
             <a:r>
               <a:rPr lang="en-US" dirty="0" err="1"/>
-              <a:t>data_format</a:t>
-            </a:r>
-            <a:r>
-              <a:rPr lang="en-US" dirty="0"/>
-              <a:t>": "MITRE",</a:t>
-            </a:r>
-          </a:p>
-          <a:p>
-            <a:pPr marL="0" indent="0">
-              <a:buNone/>
-            </a:pPr>
-            <a:r>
-              <a:rPr lang="en-US" dirty="0"/>
-              <a:t>  "</a:t>
-            </a:r>
+              <a:t>Data_format</a:t>
+            </a:r>
+            <a:r>
+              <a:rPr lang="en-US" dirty="0"/>
+              <a:t> - MITRE</a:t>
+            </a:r>
+          </a:p>
+          <a:p>
+            <a:pPr lvl="1"/>
             <a:r>
               <a:rPr lang="en-US" dirty="0" err="1"/>
-              <a:t>data_version</a:t>
-            </a:r>
-            <a:r>
-              <a:rPr lang="en-US" dirty="0"/>
-              <a:t>": "4.0",</a:t>
-            </a:r>
-          </a:p>
-          <a:p>
-            <a:pPr marL="0" indent="0">
-              <a:buNone/>
-            </a:pPr>
-            <a:r>
-              <a:rPr lang="en-US" dirty="0"/>
-              <a:t>  "</a:t>
-            </a:r>
+              <a:t>Data_version</a:t>
+            </a:r>
+            <a:r>
+              <a:rPr lang="en-US" dirty="0"/>
+              <a:t> – 4.0</a:t>
+            </a:r>
+          </a:p>
+          <a:p>
+            <a:r>
+              <a:rPr lang="en-US" dirty="0"/>
+              <a:t>Required Data Objects</a:t>
+            </a:r>
+          </a:p>
+          <a:p>
+            <a:pPr lvl="1"/>
             <a:r>
               <a:rPr lang="en-US" dirty="0" err="1"/>
               <a:t>CVE_data_meta</a:t>
             </a:r>
-            <a:r>
-              <a:rPr lang="en-US" dirty="0"/>
-              <a:t>": { "ASSIGNER": "psirt@us.ibm.com", "ID": "CVE-2017-1194" },</a:t>
-            </a:r>
-          </a:p>
-          <a:p>
-            <a:pPr marL="0" indent="0">
-              <a:buNone/>
-            </a:pPr>
-            <a:r>
-              <a:rPr lang="en-US" dirty="0"/>
-              <a:t>  "affects": { "vendor": { "</a:t>
-            </a:r>
+            <a:endParaRPr lang="en-US" dirty="0"/>
+          </a:p>
+          <a:p>
+            <a:pPr lvl="2"/>
+            <a:r>
+              <a:rPr lang="en-US" dirty="0"/>
+              <a:t>CVE ID</a:t>
+            </a:r>
+          </a:p>
+          <a:p>
+            <a:pPr lvl="2"/>
+            <a:r>
+              <a:rPr lang="en-US" dirty="0"/>
+              <a:t>ASSIGNER</a:t>
+            </a:r>
+          </a:p>
+          <a:p>
+            <a:pPr lvl="1"/>
+            <a:r>
+              <a:rPr lang="en-US" dirty="0"/>
+              <a:t>Affects</a:t>
+            </a:r>
+          </a:p>
+          <a:p>
+            <a:pPr lvl="2"/>
+            <a:r>
+              <a:rPr lang="en-US" dirty="0"/>
+              <a:t>Vendor</a:t>
+            </a:r>
+          </a:p>
+          <a:p>
+            <a:pPr lvl="3"/>
+            <a:r>
+              <a:rPr lang="en-US" dirty="0"/>
+              <a:t>Product</a:t>
+            </a:r>
+          </a:p>
+          <a:p>
+            <a:pPr lvl="4"/>
+            <a:r>
+              <a:rPr lang="en-US" dirty="0"/>
+              <a:t>Version</a:t>
+            </a:r>
+          </a:p>
+          <a:p>
+            <a:pPr lvl="1"/>
+            <a:r>
+              <a:rPr lang="en-US" dirty="0"/>
+              <a:t>Description</a:t>
+            </a:r>
+          </a:p>
+          <a:p>
+            <a:pPr lvl="1"/>
+            <a:r>
+              <a:rPr lang="en-US" dirty="0"/>
+              <a:t>References</a:t>
+            </a:r>
+          </a:p>
+          <a:p>
+            <a:pPr lvl="1"/>
             <a:r>
               <a:rPr lang="en-US" dirty="0" err="1"/>
-              <a:t>vendor_data</a:t>
-            </a:r>
-            <a:r>
-              <a:rPr lang="en-US" dirty="0"/>
-              <a:t>": [ { "</a:t>
-            </a:r>
-            <a:r>
-              <a:rPr lang="en-US" dirty="0" err="1"/>
-              <a:t>vendor_name</a:t>
-            </a:r>
-            <a:r>
-              <a:rPr lang="en-US" dirty="0"/>
-              <a:t>": "IBM", "product": { "</a:t>
-            </a:r>
-            <a:r>
-              <a:rPr lang="en-US" dirty="0" err="1"/>
-              <a:t>product_data</a:t>
-            </a:r>
-            <a:r>
-              <a:rPr lang="en-US" dirty="0"/>
-              <a:t>": [ { "</a:t>
-            </a:r>
-            <a:r>
-              <a:rPr lang="en-US" dirty="0" err="1"/>
-              <a:t>product_name</a:t>
-            </a:r>
-            <a:r>
-              <a:rPr lang="en-US" dirty="0"/>
-              <a:t>": "WebSphere Application Server", "version": { "</a:t>
-            </a:r>
-            <a:r>
-              <a:rPr lang="en-US" dirty="0" err="1"/>
-              <a:t>version_data</a:t>
-            </a:r>
-            <a:r>
-              <a:rPr lang="en-US" dirty="0"/>
-              <a:t>": [ { "</a:t>
-            </a:r>
-            <a:r>
-              <a:rPr lang="en-US" dirty="0" err="1"/>
-              <a:t>version_value</a:t>
-            </a:r>
-            <a:r>
-              <a:rPr lang="en-US" dirty="0"/>
-              <a:t>": "7.0, 8.0, 8.5, 9.0" } ] } } ]  }  } ] } },</a:t>
-            </a:r>
-          </a:p>
-          <a:p>
-            <a:pPr marL="0" indent="0">
-              <a:buNone/>
-            </a:pPr>
-            <a:r>
-              <a:rPr lang="en-US" dirty="0"/>
-              <a:t>  "</a:t>
-            </a:r>
-            <a:r>
-              <a:rPr lang="en-US" dirty="0" err="1"/>
-              <a:t>problemtype</a:t>
-            </a:r>
-            <a:r>
-              <a:rPr lang="en-US" dirty="0"/>
-              <a:t>": { "</a:t>
-            </a:r>
-            <a:r>
-              <a:rPr lang="en-US" dirty="0" err="1"/>
-              <a:t>problemtype_data</a:t>
-            </a:r>
-            <a:r>
-              <a:rPr lang="en-US" dirty="0"/>
-              <a:t>": [ { "description": [ { "</a:t>
-            </a:r>
-            <a:r>
-              <a:rPr lang="en-US" dirty="0" err="1"/>
-              <a:t>lang</a:t>
-            </a:r>
-            <a:r>
-              <a:rPr lang="en-US" dirty="0"/>
-              <a:t>": "</a:t>
-            </a:r>
-            <a:r>
-              <a:rPr lang="en-US" dirty="0" err="1"/>
-              <a:t>eng</a:t>
-            </a:r>
-            <a:r>
-              <a:rPr lang="en-US" dirty="0"/>
-              <a:t>", "value": "Cross-site request forgery" } ] } ] },</a:t>
-            </a:r>
-          </a:p>
-          <a:p>
-            <a:pPr marL="0" indent="0">
-              <a:buNone/>
-            </a:pPr>
-            <a:r>
-              <a:rPr lang="en-US" dirty="0"/>
-              <a:t>  "references": { "</a:t>
-            </a:r>
-            <a:r>
-              <a:rPr lang="en-US" dirty="0" err="1"/>
-              <a:t>reference_data</a:t>
-            </a:r>
-            <a:r>
-              <a:rPr lang="en-US" dirty="0"/>
-              <a:t>": [ { "</a:t>
-            </a:r>
-            <a:r>
-              <a:rPr lang="en-US" dirty="0" err="1"/>
-              <a:t>url</a:t>
-            </a:r>
-            <a:r>
-              <a:rPr lang="en-US" dirty="0"/>
-              <a:t>": "http://www.ibm.com/support/docview.wss?uid=swg22001226" } ] },</a:t>
-            </a:r>
-          </a:p>
-          <a:p>
-            <a:pPr marL="0" indent="0">
-              <a:buNone/>
-            </a:pPr>
-            <a:r>
-              <a:rPr lang="en-US" dirty="0"/>
-              <a:t>  "description": { "</a:t>
-            </a:r>
-            <a:r>
-              <a:rPr lang="en-US" dirty="0" err="1"/>
-              <a:t>description_data</a:t>
-            </a:r>
-            <a:r>
-              <a:rPr lang="en-US" dirty="0"/>
-              <a:t>": [ {  "</a:t>
-            </a:r>
-            <a:r>
-              <a:rPr lang="en-US" dirty="0" err="1"/>
-              <a:t>lang</a:t>
-            </a:r>
-            <a:r>
-              <a:rPr lang="en-US" dirty="0"/>
-              <a:t>": "</a:t>
-            </a:r>
-            <a:r>
-              <a:rPr lang="en-US" dirty="0" err="1"/>
-              <a:t>eng</a:t>
-            </a:r>
-            <a:r>
-              <a:rPr lang="en-US" dirty="0"/>
-              <a:t>", "value": "IBM WebSphere Application Server 7.0, 8.0, 8.5, and 9.0 is vulnerable to cross-site request forgery which could allow an attacker to execute malicious and unauthorized actions transmitted from a user that the website trusts. IBM X-Force ID: 123669." } ] }</a:t>
-            </a:r>
-          </a:p>
-          <a:p>
-            <a:pPr marL="0" indent="0">
-              <a:buNone/>
-            </a:pPr>
-            <a:r>
-              <a:rPr lang="en-US" dirty="0"/>
-              <a:t>}</a:t>
-            </a:r>
-          </a:p>
-          <a:p>
+              <a:t>Problemtype</a:t>
+            </a:r>
             <a:endParaRPr lang="en-US" dirty="0"/>
           </a:p>
           <a:p>
             <a:r>
               <a:rPr lang="en-US" dirty="0"/>
-              <a:t>Note that whitespace, including line breaks, can be included to improve readability.</a:t>
+              <a:t>Additional optional objects can be included.  For a full list see:</a:t>
+            </a:r>
+          </a:p>
+          <a:p>
+            <a:pPr lvl="1"/>
+            <a:r>
+              <a:rPr lang="en-US" dirty="0"/>
+              <a:t>https://github.com/CVEProject/automation-working-group/blob/master/cve_json_schema/DRAFT-JSON-file-format-v4.md</a:t>
             </a:r>
           </a:p>
         </p:txBody>
@@ -6376,7 +6153,7 @@
     </p:spTree>
     <p:extLst>
       <p:ext uri="{BB962C8B-B14F-4D97-AF65-F5344CB8AC3E}">
-        <p14:creationId xmlns:p14="http://schemas.microsoft.com/office/powerpoint/2010/main" val="1167211777"/>
+        <p14:creationId xmlns:p14="http://schemas.microsoft.com/office/powerpoint/2010/main" val="2667484497"/>
       </p:ext>
     </p:extLst>
   </p:cSld>
@@ -6420,7 +6197,7 @@
           <a:p>
             <a:r>
               <a:rPr lang="en-US" dirty="0"/>
-              <a:t>Approved Submission Channels</a:t>
+              <a:t>CVE JSON Example</a:t>
             </a:r>
           </a:p>
         </p:txBody>
@@ -6438,93 +6215,258 @@
         <p:spPr/>
         <p:txBody>
           <a:bodyPr>
-            <a:normAutofit fontScale="92500" lnSpcReduction="20000"/>
+            <a:normAutofit fontScale="70000" lnSpcReduction="20000"/>
           </a:bodyPr>
           <a:lstStyle/>
           <a:p>
-            <a:endParaRPr lang="en-US" dirty="0"/>
-          </a:p>
-          <a:p>
-            <a:r>
-              <a:rPr lang="en-US" dirty="0"/>
-              <a:t>Web form</a:t>
-            </a:r>
-          </a:p>
-          <a:p>
-            <a:pPr lvl="1"/>
-            <a:r>
-              <a:rPr lang="en-US" dirty="0"/>
-              <a:t>Supports all three file types.</a:t>
-            </a:r>
-          </a:p>
-          <a:p>
-            <a:pPr lvl="1"/>
-            <a:r>
-              <a:rPr lang="en-US" dirty="0"/>
-              <a:t>Suited to new submissions only.</a:t>
-            </a:r>
-          </a:p>
-          <a:p>
-            <a:pPr lvl="1"/>
-            <a:r>
-              <a:rPr lang="en-US" dirty="0"/>
-              <a:t>Has limits on form field sizes!</a:t>
-            </a:r>
-          </a:p>
-          <a:p>
-            <a:pPr marL="287338" lvl="1" indent="0">
+            <a:pPr marL="0" indent="0">
               <a:buNone/>
             </a:pPr>
+            <a:r>
+              <a:rPr lang="en-US" dirty="0"/>
+              <a:t>{</a:t>
+            </a:r>
+          </a:p>
+          <a:p>
+            <a:pPr marL="0" indent="0">
+              <a:buNone/>
+            </a:pPr>
+            <a:r>
+              <a:rPr lang="en-US" dirty="0"/>
+              <a:t>  "</a:t>
+            </a:r>
+            <a:r>
+              <a:rPr lang="en-US" dirty="0" err="1"/>
+              <a:t>data_type</a:t>
+            </a:r>
+            <a:r>
+              <a:rPr lang="en-US" dirty="0"/>
+              <a:t>": "CVE",</a:t>
+            </a:r>
+          </a:p>
+          <a:p>
+            <a:pPr marL="0" indent="0">
+              <a:buNone/>
+            </a:pPr>
+            <a:r>
+              <a:rPr lang="en-US" dirty="0"/>
+              <a:t>  "</a:t>
+            </a:r>
+            <a:r>
+              <a:rPr lang="en-US" dirty="0" err="1"/>
+              <a:t>data_format</a:t>
+            </a:r>
+            <a:r>
+              <a:rPr lang="en-US" dirty="0"/>
+              <a:t>": "MITRE",</a:t>
+            </a:r>
+          </a:p>
+          <a:p>
+            <a:pPr marL="0" indent="0">
+              <a:buNone/>
+            </a:pPr>
+            <a:r>
+              <a:rPr lang="en-US" dirty="0"/>
+              <a:t>  "</a:t>
+            </a:r>
+            <a:r>
+              <a:rPr lang="en-US" dirty="0" err="1"/>
+              <a:t>data_version</a:t>
+            </a:r>
+            <a:r>
+              <a:rPr lang="en-US" dirty="0"/>
+              <a:t>": "4.0",</a:t>
+            </a:r>
+          </a:p>
+          <a:p>
+            <a:pPr marL="0" indent="0">
+              <a:buNone/>
+            </a:pPr>
+            <a:r>
+              <a:rPr lang="en-US" dirty="0"/>
+              <a:t>  "</a:t>
+            </a:r>
+            <a:r>
+              <a:rPr lang="en-US" dirty="0" err="1"/>
+              <a:t>CVE_data_meta</a:t>
+            </a:r>
+            <a:r>
+              <a:rPr lang="en-US" dirty="0"/>
+              <a:t>": { "ASSIGNER": "psirt@us.ibm.com", "ID": "CVE-2017-1194" },</a:t>
+            </a:r>
+          </a:p>
+          <a:p>
+            <a:pPr marL="0" indent="0">
+              <a:buNone/>
+            </a:pPr>
+            <a:r>
+              <a:rPr lang="en-US" dirty="0"/>
+              <a:t>  "affects": { "vendor": { "</a:t>
+            </a:r>
+            <a:r>
+              <a:rPr lang="en-US" dirty="0" err="1"/>
+              <a:t>vendor_data</a:t>
+            </a:r>
+            <a:r>
+              <a:rPr lang="en-US" dirty="0"/>
+              <a:t>": [ { "</a:t>
+            </a:r>
+            <a:r>
+              <a:rPr lang="en-US" dirty="0" err="1"/>
+              <a:t>vendor_name</a:t>
+            </a:r>
+            <a:r>
+              <a:rPr lang="en-US" dirty="0"/>
+              <a:t>": "IBM", "product": { "</a:t>
+            </a:r>
+            <a:r>
+              <a:rPr lang="en-US" dirty="0" err="1"/>
+              <a:t>product_data</a:t>
+            </a:r>
+            <a:r>
+              <a:rPr lang="en-US" dirty="0"/>
+              <a:t>": [ { "</a:t>
+            </a:r>
+            <a:r>
+              <a:rPr lang="en-US" dirty="0" err="1"/>
+              <a:t>product_name</a:t>
+            </a:r>
+            <a:r>
+              <a:rPr lang="en-US" dirty="0"/>
+              <a:t>": "WebSphere Application Server", "version": { "</a:t>
+            </a:r>
+            <a:r>
+              <a:rPr lang="en-US" dirty="0" err="1"/>
+              <a:t>version_data</a:t>
+            </a:r>
+            <a:r>
+              <a:rPr lang="en-US" dirty="0"/>
+              <a:t>": [ { "</a:t>
+            </a:r>
+            <a:r>
+              <a:rPr lang="en-US" dirty="0" err="1"/>
+              <a:t>version_value</a:t>
+            </a:r>
+            <a:r>
+              <a:rPr lang="en-US" dirty="0"/>
+              <a:t>": "7.0, 8.0, 8.5, 9.0" } ] } } ]  }  } ] } },</a:t>
+            </a:r>
+          </a:p>
+          <a:p>
+            <a:pPr marL="0" indent="0">
+              <a:buNone/>
+            </a:pPr>
+            <a:r>
+              <a:rPr lang="en-US" dirty="0"/>
+              <a:t>  "</a:t>
+            </a:r>
+            <a:r>
+              <a:rPr lang="en-US" dirty="0" err="1"/>
+              <a:t>problemtype</a:t>
+            </a:r>
+            <a:r>
+              <a:rPr lang="en-US" dirty="0"/>
+              <a:t>": { "</a:t>
+            </a:r>
+            <a:r>
+              <a:rPr lang="en-US" dirty="0" err="1"/>
+              <a:t>problemtype_data</a:t>
+            </a:r>
+            <a:r>
+              <a:rPr lang="en-US" dirty="0"/>
+              <a:t>": [ { "description": [ { "</a:t>
+            </a:r>
+            <a:r>
+              <a:rPr lang="en-US" dirty="0" err="1"/>
+              <a:t>lang</a:t>
+            </a:r>
+            <a:r>
+              <a:rPr lang="en-US" dirty="0"/>
+              <a:t>": "</a:t>
+            </a:r>
+            <a:r>
+              <a:rPr lang="en-US" dirty="0" err="1"/>
+              <a:t>eng</a:t>
+            </a:r>
+            <a:r>
+              <a:rPr lang="en-US" dirty="0"/>
+              <a:t>", "value": "Cross-site request forgery" } ] } ] },</a:t>
+            </a:r>
+          </a:p>
+          <a:p>
+            <a:pPr marL="0" indent="0">
+              <a:buNone/>
+            </a:pPr>
+            <a:r>
+              <a:rPr lang="en-US" dirty="0"/>
+              <a:t>  "references": { "</a:t>
+            </a:r>
+            <a:r>
+              <a:rPr lang="en-US" dirty="0" err="1"/>
+              <a:t>reference_data</a:t>
+            </a:r>
+            <a:r>
+              <a:rPr lang="en-US" dirty="0"/>
+              <a:t>": [ { "</a:t>
+            </a:r>
+            <a:r>
+              <a:rPr lang="en-US" dirty="0" err="1"/>
+              <a:t>url</a:t>
+            </a:r>
+            <a:r>
+              <a:rPr lang="en-US" dirty="0"/>
+              <a:t>": "http://www.ibm.com/support/docview.wss?uid=swg22001226" } ] },</a:t>
+            </a:r>
+          </a:p>
+          <a:p>
+            <a:pPr marL="0" indent="0">
+              <a:buNone/>
+            </a:pPr>
+            <a:r>
+              <a:rPr lang="en-US" dirty="0"/>
+              <a:t>  "description": { "</a:t>
+            </a:r>
+            <a:r>
+              <a:rPr lang="en-US" dirty="0" err="1"/>
+              <a:t>description_data</a:t>
+            </a:r>
+            <a:r>
+              <a:rPr lang="en-US" dirty="0"/>
+              <a:t>": [ {  "</a:t>
+            </a:r>
+            <a:r>
+              <a:rPr lang="en-US" dirty="0" err="1"/>
+              <a:t>lang</a:t>
+            </a:r>
+            <a:r>
+              <a:rPr lang="en-US" dirty="0"/>
+              <a:t>": "</a:t>
+            </a:r>
+            <a:r>
+              <a:rPr lang="en-US" dirty="0" err="1"/>
+              <a:t>eng</a:t>
+            </a:r>
+            <a:r>
+              <a:rPr lang="en-US" dirty="0"/>
+              <a:t>", "value": "IBM WebSphere Application Server 7.0, 8.0, 8.5, and 9.0 is vulnerable to cross-site request forgery which could allow an attacker to execute malicious and unauthorized actions transmitted from a user that the website trusts. IBM X-Force ID: 123669." } ] }</a:t>
+            </a:r>
+          </a:p>
+          <a:p>
+            <a:pPr marL="0" indent="0">
+              <a:buNone/>
+            </a:pPr>
+            <a:r>
+              <a:rPr lang="en-US" dirty="0"/>
+              <a:t>}</a:t>
+            </a:r>
+          </a:p>
+          <a:p>
             <a:endParaRPr lang="en-US" dirty="0"/>
           </a:p>
           <a:p>
             <a:r>
               <a:rPr lang="en-US" dirty="0"/>
-              <a:t>cve@mitre.org</a:t>
-            </a:r>
-          </a:p>
-          <a:p>
-            <a:pPr lvl="1"/>
-            <a:r>
-              <a:rPr lang="en-US" dirty="0"/>
-              <a:t>Supports all three file types.</a:t>
-            </a:r>
-          </a:p>
-          <a:p>
-            <a:pPr lvl="1"/>
-            <a:r>
-              <a:rPr lang="en-US" dirty="0"/>
-              <a:t>Suited to new submissions only.</a:t>
-            </a:r>
-          </a:p>
-          <a:p>
-            <a:endParaRPr lang="en-US" dirty="0"/>
-          </a:p>
-          <a:p>
-            <a:r>
-              <a:rPr lang="en-US" dirty="0"/>
-              <a:t>Git</a:t>
-            </a:r>
-          </a:p>
-          <a:p>
-            <a:pPr lvl="1"/>
-            <a:r>
-              <a:rPr lang="en-US" dirty="0"/>
-              <a:t>Supports CVE JSON only!</a:t>
-            </a:r>
-          </a:p>
-          <a:p>
-            <a:pPr lvl="1"/>
-            <a:r>
-              <a:rPr lang="en-US" dirty="0"/>
-              <a:t>Avoid files with MS-DOS style line endings (CR/LF).</a:t>
-            </a:r>
-          </a:p>
-          <a:p>
-            <a:pPr lvl="1"/>
-            <a:r>
-              <a:rPr lang="en-US" dirty="0"/>
-              <a:t>Suited to both new and updated submissions.</a:t>
+              <a:t>Note that whitespace, including line breaks, can be included to improve readability.</a:t>
             </a:r>
           </a:p>
         </p:txBody>
@@ -6532,7 +6474,7 @@
     </p:spTree>
     <p:extLst>
       <p:ext uri="{BB962C8B-B14F-4D97-AF65-F5344CB8AC3E}">
-        <p14:creationId xmlns:p14="http://schemas.microsoft.com/office/powerpoint/2010/main" val="3034423770"/>
+        <p14:creationId xmlns:p14="http://schemas.microsoft.com/office/powerpoint/2010/main" val="1167211777"/>
       </p:ext>
     </p:extLst>
   </p:cSld>
@@ -6561,111 +6503,128 @@
       </p:grpSpPr>
       <p:sp>
         <p:nvSpPr>
-          <p:cNvPr id="2" name="Title 1"/>
+          <p:cNvPr id="6" name="Subtitle 5">
+            <a:extLst>
+              <a:ext uri="{FF2B5EF4-FFF2-40B4-BE49-F238E27FC236}">
+                <a16:creationId xmlns:a16="http://schemas.microsoft.com/office/drawing/2014/main" id="{B3CC0571-262F-4367-B1CE-28F6959DFA36}"/>
+              </a:ext>
+            </a:extLst>
+          </p:cNvPr>
           <p:cNvSpPr>
             <a:spLocks noGrp="1"/>
           </p:cNvSpPr>
           <p:nvPr>
-            <p:ph type="title"/>
+            <p:ph type="subTitle" idx="1"/>
           </p:nvPr>
         </p:nvSpPr>
         <p:spPr/>
         <p:txBody>
-          <a:bodyPr/>
-          <a:lstStyle/>
-          <a:p>
-            <a:r>
-              <a:rPr lang="en-US" dirty="0"/>
-              <a:t>Submissions through the web form</a:t>
-            </a:r>
-          </a:p>
-        </p:txBody>
-      </p:sp>
-      <p:sp>
-        <p:nvSpPr>
-          <p:cNvPr id="3" name="Content Placeholder 2"/>
+          <a:bodyPr>
+            <a:normAutofit lnSpcReduction="10000"/>
+          </a:bodyPr>
+          <a:lstStyle/>
+          <a:p>
+            <a:endParaRPr lang="en-US"/>
+          </a:p>
+        </p:txBody>
+      </p:sp>
+      <p:sp>
+        <p:nvSpPr>
+          <p:cNvPr id="5" name="Title 4">
+            <a:extLst>
+              <a:ext uri="{FF2B5EF4-FFF2-40B4-BE49-F238E27FC236}">
+                <a16:creationId xmlns:a16="http://schemas.microsoft.com/office/drawing/2014/main" id="{FE023954-D96F-4FD5-AF32-1B0454C44696}"/>
+              </a:ext>
+            </a:extLst>
+          </p:cNvPr>
           <p:cNvSpPr>
             <a:spLocks noGrp="1"/>
           </p:cNvSpPr>
           <p:nvPr>
-            <p:ph idx="1"/>
+            <p:ph type="ctrTitle" sz="quarter"/>
           </p:nvPr>
         </p:nvSpPr>
         <p:spPr/>
         <p:txBody>
-          <a:bodyPr>
-            <a:normAutofit fontScale="85000" lnSpcReduction="10000"/>
-          </a:bodyPr>
-          <a:lstStyle/>
-          <a:p>
-            <a:r>
-              <a:rPr lang="en-US" dirty="0"/>
-              <a:t>Visit </a:t>
-            </a:r>
-            <a:r>
-              <a:rPr lang="en-US" dirty="0">
-                <a:hlinkClick r:id="rId2"/>
-              </a:rPr>
-              <a:t>https://cveform.mitre.org/</a:t>
-            </a:r>
-            <a:endParaRPr lang="en-US" dirty="0"/>
-          </a:p>
-          <a:p>
-            <a:endParaRPr lang="en-US" dirty="0"/>
-          </a:p>
-          <a:p>
-            <a:r>
-              <a:rPr lang="en-US" dirty="0"/>
-              <a:t>Select “Notify CVE about a publication” and enter your e-mail address.</a:t>
-            </a:r>
-          </a:p>
-          <a:p>
-            <a:endParaRPr lang="en-US" dirty="0"/>
-          </a:p>
-          <a:p>
-            <a:r>
-              <a:rPr lang="en-US" dirty="0"/>
-              <a:t>Fill in the form.</a:t>
-            </a:r>
-          </a:p>
-          <a:p>
-            <a:pPr lvl="1"/>
-            <a:r>
-              <a:rPr lang="en-US" dirty="0"/>
-              <a:t>“Link to the advisory” and “CVE IDs of vulnerabilities to be published “ fields are required.</a:t>
-            </a:r>
-          </a:p>
-          <a:p>
-            <a:pPr lvl="1"/>
-            <a:r>
-              <a:rPr lang="en-US" dirty="0"/>
-              <a:t>The assignment information (in Flat File, CSV, or JSON format) goes in the “Additional information and CVE ID description updates” field. [Alternatively, you can send the assignment information as a file attachment in a reply to the e-mail message generated by MITRE’s ticketing system when the submission has been received.]</a:t>
-            </a:r>
-          </a:p>
-          <a:p>
-            <a:endParaRPr lang="en-US" dirty="0"/>
-          </a:p>
-          <a:p>
-            <a:r>
-              <a:rPr lang="en-US" dirty="0"/>
-              <a:t>Enter the security code.</a:t>
-            </a:r>
-          </a:p>
-          <a:p>
-            <a:endParaRPr lang="en-US" dirty="0"/>
-          </a:p>
-          <a:p>
-            <a:r>
-              <a:rPr lang="en-US" dirty="0"/>
-              <a:t>Press “Submit Request”.</a:t>
-            </a:r>
+          <a:bodyPr/>
+          <a:lstStyle/>
+          <a:p>
+            <a:r>
+              <a:rPr lang="en-US" dirty="0"/>
+              <a:t>Submission Channels</a:t>
+            </a:r>
+          </a:p>
+        </p:txBody>
+      </p:sp>
+      <p:sp>
+        <p:nvSpPr>
+          <p:cNvPr id="4" name="Slide Number Placeholder 3">
+            <a:extLst>
+              <a:ext uri="{FF2B5EF4-FFF2-40B4-BE49-F238E27FC236}">
+                <a16:creationId xmlns:a16="http://schemas.microsoft.com/office/drawing/2014/main" id="{A6901772-E95E-404E-B39D-1D4DD0F5EF02}"/>
+              </a:ext>
+            </a:extLst>
+          </p:cNvPr>
+          <p:cNvSpPr>
+            <a:spLocks noGrp="1"/>
+          </p:cNvSpPr>
+          <p:nvPr>
+            <p:ph type="sldNum" sz="quarter" idx="4"/>
+          </p:nvPr>
+        </p:nvSpPr>
+        <p:spPr/>
+        <p:txBody>
+          <a:bodyPr/>
+          <a:lstStyle/>
+          <a:p>
+            <a:r>
+              <a:rPr lang="en-US">
+                <a:solidFill>
+                  <a:srgbClr val="C1CD23"/>
+                </a:solidFill>
+              </a:rPr>
+              <a:t>|</a:t>
+            </a:r>
+            <a:r>
+              <a:rPr lang="en-US"/>
+              <a:t> </a:t>
+            </a:r>
+            <a:fld id="{295008BC-DA31-4D19-837B-EFA4386B05F5}" type="slidenum">
+              <a:rPr lang="en-US" smtClean="0">
+                <a:solidFill>
+                  <a:schemeClr val="tx1">
+                    <a:lumMod val="50000"/>
+                    <a:lumOff val="50000"/>
+                  </a:schemeClr>
+                </a:solidFill>
+              </a:rPr>
+              <a:pPr/>
+              <a:t>16</a:t>
+            </a:fld>
+            <a:r>
+              <a:rPr lang="en-US"/>
+              <a:t> </a:t>
+            </a:r>
+            <a:r>
+              <a:rPr lang="en-US">
+                <a:solidFill>
+                  <a:srgbClr val="C1CD23"/>
+                </a:solidFill>
+              </a:rPr>
+              <a:t>|</a:t>
+            </a:r>
+            <a:endParaRPr lang="en-US" dirty="0">
+              <a:solidFill>
+                <a:srgbClr val="C1CD23"/>
+              </a:solidFill>
+            </a:endParaRPr>
           </a:p>
         </p:txBody>
       </p:sp>
     </p:spTree>
     <p:extLst>
       <p:ext uri="{BB962C8B-B14F-4D97-AF65-F5344CB8AC3E}">
-        <p14:creationId xmlns:p14="http://schemas.microsoft.com/office/powerpoint/2010/main" val="1838548782"/>
+        <p14:creationId xmlns:p14="http://schemas.microsoft.com/office/powerpoint/2010/main" val="2048827441"/>
       </p:ext>
     </p:extLst>
   </p:cSld>
@@ -6694,13 +6653,7 @@
       </p:grpSpPr>
       <p:sp>
         <p:nvSpPr>
-          <p:cNvPr id="2" name="Title 1">
-            <a:extLst>
-              <a:ext uri="{FF2B5EF4-FFF2-40B4-BE49-F238E27FC236}">
-                <a16:creationId xmlns:a16="http://schemas.microsoft.com/office/drawing/2014/main" id="{2E2A0B79-B841-44DB-8405-78549278E842}"/>
-              </a:ext>
-            </a:extLst>
-          </p:cNvPr>
+          <p:cNvPr id="2" name="Title 1"/>
           <p:cNvSpPr>
             <a:spLocks noGrp="1"/>
           </p:cNvSpPr>
@@ -6715,20 +6668,14 @@
           <a:p>
             <a:r>
               <a:rPr lang="en-US" dirty="0"/>
-              <a:t>Git Submission (Initial Setup)</a:t>
-            </a:r>
-          </a:p>
-        </p:txBody>
-      </p:sp>
-      <p:sp>
-        <p:nvSpPr>
-          <p:cNvPr id="3" name="Content Placeholder 2">
-            <a:extLst>
-              <a:ext uri="{FF2B5EF4-FFF2-40B4-BE49-F238E27FC236}">
-                <a16:creationId xmlns:a16="http://schemas.microsoft.com/office/drawing/2014/main" id="{60E0246B-E6EF-4C01-AE2D-9E6E7F2DF57D}"/>
-              </a:ext>
-            </a:extLst>
-          </p:cNvPr>
+              <a:t>Approved Submission Channels</a:t>
+            </a:r>
+          </a:p>
+        </p:txBody>
+      </p:sp>
+      <p:sp>
+        <p:nvSpPr>
+          <p:cNvPr id="3" name="Content Placeholder 2"/>
           <p:cNvSpPr>
             <a:spLocks noGrp="1"/>
           </p:cNvSpPr>
@@ -6739,225 +6686,101 @@
         <p:spPr/>
         <p:txBody>
           <a:bodyPr>
-            <a:normAutofit lnSpcReduction="10000"/>
+            <a:normAutofit fontScale="92500" lnSpcReduction="20000"/>
           </a:bodyPr>
           <a:lstStyle/>
           <a:p>
-            <a:r>
-              <a:rPr lang="en-US" dirty="0"/>
-              <a:t>Create a Github.com account</a:t>
-            </a:r>
-          </a:p>
-          <a:p>
-            <a:r>
-              <a:rPr lang="en-US" dirty="0"/>
-              <a:t>Inform your parent CNA of the account you will be using</a:t>
-            </a:r>
-          </a:p>
-          <a:p>
-            <a:r>
-              <a:rPr lang="en-US" dirty="0"/>
-              <a:t>Fork your parent’s repository</a:t>
+            <a:endParaRPr lang="en-US" dirty="0"/>
+          </a:p>
+          <a:p>
+            <a:r>
+              <a:rPr lang="en-US" dirty="0"/>
+              <a:t>Web form</a:t>
             </a:r>
           </a:p>
           <a:p>
             <a:pPr lvl="1"/>
             <a:r>
               <a:rPr lang="en-US" dirty="0"/>
-              <a:t>E.g. child CNAs of MITRE fork </a:t>
-            </a:r>
-            <a:r>
-              <a:rPr lang="en-US" dirty="0" err="1">
-                <a:hlinkClick r:id="rId2"/>
-              </a:rPr>
-              <a:t>CVEProject</a:t>
-            </a:r>
-            <a:r>
-              <a:rPr lang="en-US" dirty="0">
-                <a:hlinkClick r:id="rId2"/>
-              </a:rPr>
-              <a:t>/</a:t>
-            </a:r>
-            <a:r>
-              <a:rPr lang="en-US" dirty="0" err="1">
-                <a:hlinkClick r:id="rId2"/>
-              </a:rPr>
-              <a:t>cvelist</a:t>
-            </a:r>
-            <a:r>
-              <a:rPr lang="en-US" dirty="0"/>
-              <a:t>, but child CNAs of DWF for </a:t>
-            </a:r>
-            <a:r>
-              <a:rPr lang="en-US" dirty="0" err="1">
-                <a:hlinkClick r:id="rId3"/>
-              </a:rPr>
-              <a:t>distributedweaknessfiling</a:t>
-            </a:r>
-            <a:r>
-              <a:rPr lang="en-US" dirty="0">
-                <a:hlinkClick r:id="rId3"/>
-              </a:rPr>
-              <a:t>/</a:t>
-            </a:r>
-            <a:r>
-              <a:rPr lang="en-US" dirty="0" err="1">
-                <a:hlinkClick r:id="rId3"/>
-              </a:rPr>
-              <a:t>cvelist</a:t>
-            </a:r>
+              <a:t>Supports all three file types.</a:t>
+            </a:r>
+          </a:p>
+          <a:p>
+            <a:pPr lvl="1"/>
+            <a:r>
+              <a:rPr lang="en-US" dirty="0"/>
+              <a:t>Suited to new submissions only.</a:t>
+            </a:r>
+          </a:p>
+          <a:p>
+            <a:pPr lvl="1"/>
+            <a:r>
+              <a:rPr lang="en-US" dirty="0"/>
+              <a:t>Has limits on form field sizes!</a:t>
+            </a:r>
+          </a:p>
+          <a:p>
+            <a:pPr marL="287338" lvl="1" indent="0">
+              <a:buNone/>
+            </a:pPr>
             <a:endParaRPr lang="en-US" dirty="0"/>
           </a:p>
           <a:p>
+            <a:r>
+              <a:rPr lang="en-US" dirty="0"/>
+              <a:t>cve@mitre.org</a:t>
+            </a:r>
+          </a:p>
+          <a:p>
             <a:pPr lvl="1"/>
             <a:r>
               <a:rPr lang="en-US" dirty="0"/>
-              <a:t>You can use your personal account or an organization account for the fork.</a:t>
+              <a:t>Supports all three file types.</a:t>
             </a:r>
           </a:p>
           <a:p>
             <a:pPr lvl="1"/>
             <a:r>
               <a:rPr lang="en-US" dirty="0"/>
-              <a:t>GitHub provides a web interface for organization forks</a:t>
-            </a:r>
-          </a:p>
-          <a:p>
-            <a:r>
-              <a:rPr lang="en-US" dirty="0"/>
-              <a:t>Clone the your fork to a local repository</a:t>
-            </a:r>
-          </a:p>
-          <a:p>
-            <a:r>
-              <a:rPr lang="en-US" dirty="0"/>
-              <a:t>Set the upstream git repo</a:t>
+              <a:t>Suited to new submissions only.</a:t>
+            </a:r>
+          </a:p>
+          <a:p>
+            <a:endParaRPr lang="en-US" dirty="0"/>
+          </a:p>
+          <a:p>
+            <a:r>
+              <a:rPr lang="en-US" dirty="0"/>
+              <a:t>Git</a:t>
             </a:r>
           </a:p>
           <a:p>
             <a:pPr lvl="1"/>
             <a:r>
               <a:rPr lang="en-US" dirty="0"/>
-              <a:t>git remote add upstream git@github.com:</a:t>
-            </a:r>
-            <a:r>
-              <a:rPr lang="en-US" dirty="0">
-                <a:solidFill>
-                  <a:srgbClr val="FF0000"/>
-                </a:solidFill>
-              </a:rPr>
-              <a:t>[PARENT REPO]</a:t>
+              <a:t>Supports CVE JSON only!</a:t>
             </a:r>
           </a:p>
           <a:p>
             <a:pPr lvl="1"/>
             <a:r>
-              <a:rPr lang="en-US" dirty="0">
-                <a:solidFill>
-                  <a:srgbClr val="FF0000"/>
-                </a:solidFill>
-              </a:rPr>
-              <a:t>[PARENT REPO]</a:t>
-            </a:r>
-            <a:r>
-              <a:rPr lang="en-US" dirty="0"/>
-              <a:t> is the path to your parent’s repo, e.g. </a:t>
-            </a:r>
-            <a:r>
-              <a:rPr lang="en-US" dirty="0" err="1">
-                <a:hlinkClick r:id="rId2"/>
-              </a:rPr>
-              <a:t>CVEProject</a:t>
-            </a:r>
-            <a:r>
-              <a:rPr lang="en-US" dirty="0">
-                <a:hlinkClick r:id="rId2"/>
-              </a:rPr>
-              <a:t>/</a:t>
-            </a:r>
-            <a:r>
-              <a:rPr lang="en-US" dirty="0" err="1">
-                <a:hlinkClick r:id="rId2"/>
-              </a:rPr>
-              <a:t>cvelist</a:t>
-            </a:r>
-            <a:endParaRPr lang="en-US" dirty="0">
-              <a:solidFill>
-                <a:srgbClr val="FF0000"/>
-              </a:solidFill>
-            </a:endParaRPr>
-          </a:p>
-        </p:txBody>
-      </p:sp>
-      <p:sp>
-        <p:nvSpPr>
-          <p:cNvPr id="4" name="Slide Number Placeholder 3">
-            <a:extLst>
-              <a:ext uri="{FF2B5EF4-FFF2-40B4-BE49-F238E27FC236}">
-                <a16:creationId xmlns:a16="http://schemas.microsoft.com/office/drawing/2014/main" id="{536F6B2E-867D-44B3-ACCC-F2D981065911}"/>
-              </a:ext>
-            </a:extLst>
-          </p:cNvPr>
-          <p:cNvSpPr>
-            <a:spLocks noGrp="1"/>
-          </p:cNvSpPr>
-          <p:nvPr>
-            <p:ph type="sldNum" sz="quarter" idx="4"/>
-          </p:nvPr>
-        </p:nvSpPr>
-        <p:spPr/>
-        <p:txBody>
-          <a:bodyPr/>
-          <a:lstStyle/>
-          <a:p>
-            <a:r>
-              <a:rPr lang="en-US">
-                <a:solidFill>
-                  <a:srgbClr val="C1CD23"/>
-                </a:solidFill>
-              </a:rPr>
-              <a:t>|</a:t>
-            </a:r>
-            <a:r>
-              <a:rPr lang="en-US"/>
-              <a:t> </a:t>
-            </a:r>
-            <a:fld id="{295008BC-DA31-4D19-837B-EFA4386B05F5}" type="slidenum">
-              <a:rPr lang="en-US" smtClean="0">
-                <a:solidFill>
-                  <a:schemeClr val="tx1">
-                    <a:lumMod val="50000"/>
-                    <a:lumOff val="50000"/>
-                  </a:schemeClr>
-                </a:solidFill>
-              </a:rPr>
-              <a:pPr/>
-              <a:t>17</a:t>
-            </a:fld>
-            <a:r>
-              <a:rPr lang="en-US"/>
-              <a:t> </a:t>
-            </a:r>
-            <a:r>
-              <a:rPr lang="en-US">
-                <a:solidFill>
-                  <a:srgbClr val="C1CD23"/>
-                </a:solidFill>
-              </a:rPr>
-              <a:t>|</a:t>
-            </a:r>
-            <a:endParaRPr lang="en-US" dirty="0">
-              <a:solidFill>
-                <a:srgbClr val="C1CD23"/>
-              </a:solidFill>
-            </a:endParaRPr>
+              <a:rPr lang="en-US" dirty="0"/>
+              <a:t>Avoid files with MS-DOS style line endings (CR/LF).</a:t>
+            </a:r>
+          </a:p>
+          <a:p>
+            <a:pPr lvl="1"/>
+            <a:r>
+              <a:rPr lang="en-US" dirty="0"/>
+              <a:t>Suited to both new and updated submissions.</a:t>
+            </a:r>
           </a:p>
         </p:txBody>
       </p:sp>
     </p:spTree>
     <p:extLst>
       <p:ext uri="{BB962C8B-B14F-4D97-AF65-F5344CB8AC3E}">
-        <p14:creationId xmlns:p14="http://schemas.microsoft.com/office/powerpoint/2010/main" val="2548866891"/>
+        <p14:creationId xmlns:p14="http://schemas.microsoft.com/office/powerpoint/2010/main" val="3034423770"/>
       </p:ext>
     </p:extLst>
   </p:cSld>
@@ -6986,10 +6809,10 @@
       </p:grpSpPr>
       <p:sp>
         <p:nvSpPr>
-          <p:cNvPr id="2" name="Title 1">
+          <p:cNvPr id="4" name="Subtitle 3">
             <a:extLst>
               <a:ext uri="{FF2B5EF4-FFF2-40B4-BE49-F238E27FC236}">
-                <a16:creationId xmlns:a16="http://schemas.microsoft.com/office/drawing/2014/main" id="{78A9A1F1-838B-494C-9025-528DD15801E9}"/>
+                <a16:creationId xmlns:a16="http://schemas.microsoft.com/office/drawing/2014/main" id="{4DB30988-C778-48B5-A98C-1E3AB9B3D2DE}"/>
               </a:ext>
             </a:extLst>
           </p:cNvPr>
@@ -6997,205 +6820,46 @@
             <a:spLocks noGrp="1"/>
           </p:cNvSpPr>
           <p:nvPr>
-            <p:ph type="title"/>
+            <p:ph type="subTitle" idx="1"/>
           </p:nvPr>
         </p:nvSpPr>
         <p:spPr/>
         <p:txBody>
-          <a:bodyPr/>
-          <a:lstStyle/>
-          <a:p>
-            <a:r>
-              <a:rPr lang="en-US" dirty="0"/>
-              <a:t>Git Submission, part 1</a:t>
-            </a:r>
-          </a:p>
-        </p:txBody>
-      </p:sp>
-      <p:sp>
-        <p:nvSpPr>
-          <p:cNvPr id="3" name="Content Placeholder 2">
-            <a:extLst>
-              <a:ext uri="{FF2B5EF4-FFF2-40B4-BE49-F238E27FC236}">
-                <a16:creationId xmlns:a16="http://schemas.microsoft.com/office/drawing/2014/main" id="{4BC52A66-7945-49D6-A64F-DB94719D3548}"/>
-              </a:ext>
-            </a:extLst>
-          </p:cNvPr>
+          <a:bodyPr>
+            <a:normAutofit lnSpcReduction="10000"/>
+          </a:bodyPr>
+          <a:lstStyle/>
+          <a:p>
+            <a:endParaRPr lang="en-US"/>
+          </a:p>
+        </p:txBody>
+      </p:sp>
+      <p:sp>
+        <p:nvSpPr>
+          <p:cNvPr id="2" name="Title 1"/>
           <p:cNvSpPr>
             <a:spLocks noGrp="1"/>
           </p:cNvSpPr>
           <p:nvPr>
-            <p:ph idx="1"/>
+            <p:ph type="ctrTitle" sz="quarter"/>
           </p:nvPr>
         </p:nvSpPr>
         <p:spPr/>
         <p:txBody>
-          <a:bodyPr>
-            <a:normAutofit lnSpcReduction="10000"/>
-          </a:bodyPr>
-          <a:lstStyle/>
-          <a:p>
-            <a:r>
-              <a:rPr lang="en-US" dirty="0"/>
-              <a:t>Ensure your </a:t>
-            </a:r>
-            <a:r>
-              <a:rPr lang="en-US" dirty="0">
-                <a:hlinkClick r:id="rId2"/>
-              </a:rPr>
-              <a:t>fork is up to date</a:t>
-            </a:r>
-            <a:endParaRPr lang="en-US" dirty="0"/>
-          </a:p>
-          <a:p>
-            <a:pPr lvl="1"/>
-            <a:r>
-              <a:rPr lang="en-US" dirty="0"/>
-              <a:t>git fetch upstream</a:t>
-            </a:r>
-          </a:p>
-          <a:p>
-            <a:pPr lvl="1"/>
-            <a:r>
-              <a:rPr lang="en-US" dirty="0"/>
-              <a:t>git checkout master</a:t>
-            </a:r>
-          </a:p>
-          <a:p>
-            <a:pPr lvl="1"/>
-            <a:r>
-              <a:rPr lang="en-US" dirty="0"/>
-              <a:t>git merge upstream/master</a:t>
-            </a:r>
-          </a:p>
-          <a:p>
-            <a:pPr lvl="1"/>
-            <a:r>
-              <a:rPr lang="en-US" dirty="0"/>
-              <a:t>Optionally push any updates from the upstream </a:t>
-            </a:r>
-            <a:r>
-              <a:rPr lang="en-US" dirty="0" err="1"/>
-              <a:t>CVEProject</a:t>
-            </a:r>
-            <a:r>
-              <a:rPr lang="en-US" dirty="0"/>
-              <a:t>/</a:t>
-            </a:r>
-            <a:r>
-              <a:rPr lang="en-US" dirty="0" err="1"/>
-              <a:t>cvelist</a:t>
-            </a:r>
-            <a:r>
-              <a:rPr lang="en-US" dirty="0"/>
-              <a:t> master back to you fork on Github.com:</a:t>
-            </a:r>
-          </a:p>
-          <a:p>
-            <a:pPr lvl="2"/>
-            <a:r>
-              <a:rPr lang="en-US" dirty="0"/>
-              <a:t>git push</a:t>
-            </a:r>
-          </a:p>
-          <a:p>
-            <a:r>
-              <a:rPr lang="en-US" dirty="0"/>
-              <a:t>Create a new branch, separate from master, for each submission</a:t>
-            </a:r>
-          </a:p>
-          <a:p>
-            <a:pPr lvl="1"/>
-            <a:r>
-              <a:rPr lang="en-US" dirty="0"/>
-              <a:t>git branch $YOUR_BRANCH master</a:t>
-            </a:r>
-          </a:p>
-          <a:p>
-            <a:pPr lvl="1"/>
-            <a:r>
-              <a:rPr lang="en-US" dirty="0"/>
-              <a:t>Include multiple, related updates when possible</a:t>
-            </a:r>
-          </a:p>
-          <a:p>
-            <a:pPr lvl="1"/>
-            <a:r>
-              <a:rPr lang="en-US" dirty="0"/>
-              <a:t>If you are working on multiple branches make sure you explicitly branch against master otherwise future branches may include work from other local branches</a:t>
-            </a:r>
-          </a:p>
-        </p:txBody>
-      </p:sp>
-      <p:sp>
-        <p:nvSpPr>
-          <p:cNvPr id="4" name="Slide Number Placeholder 3">
-            <a:extLst>
-              <a:ext uri="{FF2B5EF4-FFF2-40B4-BE49-F238E27FC236}">
-                <a16:creationId xmlns:a16="http://schemas.microsoft.com/office/drawing/2014/main" id="{F5E72ECE-332D-420A-AF75-C6E5FDF80C9F}"/>
-              </a:ext>
-            </a:extLst>
-          </p:cNvPr>
-          <p:cNvSpPr>
-            <a:spLocks noGrp="1"/>
-          </p:cNvSpPr>
-          <p:nvPr>
-            <p:ph type="sldNum" sz="quarter" idx="4"/>
-          </p:nvPr>
-        </p:nvSpPr>
-        <p:spPr/>
-        <p:txBody>
           <a:bodyPr/>
           <a:lstStyle/>
           <a:p>
             <a:r>
-              <a:rPr lang="en-US">
-                <a:solidFill>
-                  <a:srgbClr val="C1CD23"/>
-                </a:solidFill>
-              </a:rPr>
-              <a:t>|</a:t>
-            </a:r>
-            <a:r>
-              <a:rPr lang="en-US"/>
-              <a:t> </a:t>
-            </a:r>
-            <a:fld id="{295008BC-DA31-4D19-837B-EFA4386B05F5}" type="slidenum">
-              <a:rPr lang="en-US" smtClean="0">
-                <a:solidFill>
-                  <a:schemeClr val="tx1">
-                    <a:lumMod val="50000"/>
-                    <a:lumOff val="50000"/>
-                  </a:schemeClr>
-                </a:solidFill>
-              </a:rPr>
-              <a:pPr/>
-              <a:t>18</a:t>
-            </a:fld>
-            <a:r>
-              <a:rPr lang="en-US"/>
-              <a:t> </a:t>
-            </a:r>
-            <a:r>
-              <a:rPr lang="en-US">
-                <a:solidFill>
-                  <a:srgbClr val="C1CD23"/>
-                </a:solidFill>
-              </a:rPr>
-              <a:t>|</a:t>
-            </a:r>
-            <a:endParaRPr lang="en-US" dirty="0">
-              <a:solidFill>
-                <a:srgbClr val="C1CD23"/>
-              </a:solidFill>
-            </a:endParaRPr>
+              <a:rPr lang="en-US" dirty="0"/>
+              <a:t>Submissions through the web form</a:t>
+            </a:r>
           </a:p>
         </p:txBody>
       </p:sp>
     </p:spTree>
     <p:extLst>
       <p:ext uri="{BB962C8B-B14F-4D97-AF65-F5344CB8AC3E}">
-        <p14:creationId xmlns:p14="http://schemas.microsoft.com/office/powerpoint/2010/main" val="561487053"/>
+        <p14:creationId xmlns:p14="http://schemas.microsoft.com/office/powerpoint/2010/main" val="1838548782"/>
       </p:ext>
     </p:extLst>
   </p:cSld>
@@ -7224,170 +6888,60 @@
       </p:grpSpPr>
       <p:sp>
         <p:nvSpPr>
-          <p:cNvPr id="2" name="Title 1">
+          <p:cNvPr id="2" name="Title 1"/>
+          <p:cNvSpPr>
+            <a:spLocks noGrp="1"/>
+          </p:cNvSpPr>
+          <p:nvPr>
+            <p:ph type="title"/>
+          </p:nvPr>
+        </p:nvSpPr>
+        <p:spPr/>
+        <p:txBody>
+          <a:bodyPr/>
+          <a:lstStyle/>
+          <a:p>
+            <a:r>
+              <a:rPr lang="en-US" dirty="0"/>
+              <a:t>Go to https://cveform.mitre.org/</a:t>
+            </a:r>
+          </a:p>
+        </p:txBody>
+      </p:sp>
+      <p:pic>
+        <p:nvPicPr>
+          <p:cNvPr id="5" name="Content Placeholder 4">
             <a:extLst>
               <a:ext uri="{FF2B5EF4-FFF2-40B4-BE49-F238E27FC236}">
-                <a16:creationId xmlns:a16="http://schemas.microsoft.com/office/drawing/2014/main" id="{607CB426-1B39-4C07-9B2F-C3483ACA0D06}"/>
+                <a16:creationId xmlns:a16="http://schemas.microsoft.com/office/drawing/2014/main" id="{DEB12A16-EC6C-46AB-B4F0-AB6974935E42}"/>
               </a:ext>
             </a:extLst>
           </p:cNvPr>
-          <p:cNvSpPr>
-            <a:spLocks noGrp="1"/>
-          </p:cNvSpPr>
-          <p:nvPr>
-            <p:ph type="title"/>
-          </p:nvPr>
-        </p:nvSpPr>
-        <p:spPr/>
-        <p:txBody>
-          <a:bodyPr/>
-          <a:lstStyle/>
-          <a:p>
-            <a:r>
-              <a:rPr lang="en-US" dirty="0"/>
-              <a:t>Git Submission, part 2</a:t>
-            </a:r>
-          </a:p>
-        </p:txBody>
-      </p:sp>
-      <p:sp>
-        <p:nvSpPr>
-          <p:cNvPr id="3" name="Content Placeholder 2">
-            <a:extLst>
-              <a:ext uri="{FF2B5EF4-FFF2-40B4-BE49-F238E27FC236}">
-                <a16:creationId xmlns:a16="http://schemas.microsoft.com/office/drawing/2014/main" id="{4F36EC7D-E57D-48EF-9F31-94C925B2F387}"/>
-              </a:ext>
-            </a:extLst>
-          </p:cNvPr>
-          <p:cNvSpPr>
-            <a:spLocks noGrp="1"/>
-          </p:cNvSpPr>
+          <p:cNvPicPr>
+            <a:picLocks noGrp="1" noChangeAspect="1"/>
+          </p:cNvPicPr>
           <p:nvPr>
             <p:ph idx="1"/>
           </p:nvPr>
-        </p:nvSpPr>
-        <p:spPr/>
-        <p:txBody>
-          <a:bodyPr/>
-          <a:lstStyle/>
-          <a:p>
-            <a:r>
-              <a:rPr lang="en-US" dirty="0"/>
-              <a:t>Make changes to your branch</a:t>
-            </a:r>
-          </a:p>
-          <a:p>
-            <a:pPr lvl="1"/>
-            <a:r>
-              <a:rPr lang="en-US" dirty="0"/>
-              <a:t>git checkout $YOUR_BRANCH</a:t>
-            </a:r>
-          </a:p>
-          <a:p>
-            <a:pPr lvl="1"/>
-            <a:r>
-              <a:rPr lang="en-US" dirty="0"/>
-              <a:t>Edit the files you want to change in your branch</a:t>
-            </a:r>
-          </a:p>
-          <a:p>
-            <a:pPr lvl="1"/>
-            <a:r>
-              <a:rPr lang="en-US" dirty="0"/>
-              <a:t>Limit your changes to only the portions of the JSON that needs updating.  Otherwise, you may accidentally overwrite information.</a:t>
-            </a:r>
-          </a:p>
-          <a:p>
-            <a:r>
-              <a:rPr lang="en-US" dirty="0"/>
-              <a:t>Validate the changes against the JSON schema</a:t>
-            </a:r>
-          </a:p>
-          <a:p>
-            <a:pPr lvl="1"/>
-            <a:r>
-              <a:rPr lang="en-US" dirty="0"/>
-              <a:t>python -m </a:t>
-            </a:r>
-            <a:r>
-              <a:rPr lang="en-US" dirty="0" err="1"/>
-              <a:t>json.tool</a:t>
-            </a:r>
-            <a:r>
-              <a:rPr lang="en-US" dirty="0"/>
-              <a:t> &lt; $</a:t>
-            </a:r>
-            <a:r>
-              <a:rPr lang="en-US" dirty="0" err="1"/>
-              <a:t>CHANGED_FILE.json</a:t>
-            </a:r>
-            <a:endParaRPr lang="en-US" dirty="0"/>
-          </a:p>
-          <a:p>
-            <a:pPr lvl="1"/>
-            <a:r>
-              <a:rPr lang="en-US" dirty="0" err="1"/>
-              <a:t>jsonschema</a:t>
-            </a:r>
-            <a:r>
-              <a:rPr lang="en-US" dirty="0"/>
-              <a:t> -</a:t>
-            </a:r>
-            <a:r>
-              <a:rPr lang="en-US" dirty="0" err="1"/>
-              <a:t>i</a:t>
-            </a:r>
-            <a:r>
-              <a:rPr lang="en-US" dirty="0"/>
-              <a:t> $</a:t>
-            </a:r>
-            <a:r>
-              <a:rPr lang="en-US" dirty="0" err="1"/>
-              <a:t>CHANGED_FILE.json</a:t>
-            </a:r>
-            <a:r>
-              <a:rPr lang="en-US" dirty="0"/>
-              <a:t> CVE_JSON_4.0_min_public.schema</a:t>
-            </a:r>
-          </a:p>
-          <a:p>
-            <a:pPr lvl="1"/>
-            <a:r>
-              <a:rPr lang="en-US" dirty="0"/>
-              <a:t>The schema file is available in the </a:t>
-            </a:r>
-            <a:r>
-              <a:rPr lang="en-US" dirty="0">
-                <a:hlinkClick r:id="rId2"/>
-              </a:rPr>
-              <a:t>CVE Automation Working Group</a:t>
-            </a:r>
-            <a:r>
-              <a:rPr lang="en-US" dirty="0"/>
-              <a:t> and </a:t>
-            </a:r>
-            <a:r>
-              <a:rPr lang="en-US" dirty="0">
-                <a:hlinkClick r:id="rId3"/>
-              </a:rPr>
-              <a:t>version 4</a:t>
-            </a:r>
-            <a:r>
-              <a:rPr lang="en-US" dirty="0"/>
-              <a:t> is currently in use.</a:t>
-            </a:r>
-          </a:p>
-        </p:txBody>
-      </p:sp>
-      <p:sp>
-        <p:nvSpPr>
-          <p:cNvPr id="4" name="Slide Number Placeholder 3">
-            <a:extLst>
-              <a:ext uri="{FF2B5EF4-FFF2-40B4-BE49-F238E27FC236}">
-                <a16:creationId xmlns:a16="http://schemas.microsoft.com/office/drawing/2014/main" id="{797ED114-8DA7-411A-AA3A-A2D281331524}"/>
-              </a:ext>
-            </a:extLst>
-          </p:cNvPr>
+        </p:nvPicPr>
+        <p:blipFill rotWithShape="1">
+          <a:blip r:embed="rId2"/>
+          <a:srcRect r="9144" b="19836"/>
+          <a:stretch/>
+        </p:blipFill>
+        <p:spPr>
+          <a:xfrm>
+            <a:off x="735483" y="1447800"/>
+            <a:ext cx="8055672" cy="4273062"/>
+          </a:xfrm>
+          <a:prstGeom prst="rect">
+            <a:avLst/>
+          </a:prstGeom>
+        </p:spPr>
+      </p:pic>
+      <p:sp>
+        <p:nvSpPr>
+          <p:cNvPr id="4" name="Slide Number Placeholder 3"/>
           <p:cNvSpPr>
             <a:spLocks noGrp="1"/>
           </p:cNvSpPr>
@@ -7447,7 +7001,7 @@
     </p:spTree>
     <p:extLst>
       <p:ext uri="{BB962C8B-B14F-4D97-AF65-F5344CB8AC3E}">
-        <p14:creationId xmlns:p14="http://schemas.microsoft.com/office/powerpoint/2010/main" val="4280384714"/>
+        <p14:creationId xmlns:p14="http://schemas.microsoft.com/office/powerpoint/2010/main" val="3747206810"/>
       </p:ext>
     </p:extLst>
   </p:cSld>
@@ -7559,7 +7113,7 @@
           <p:cNvPr id="2" name="Title 1">
             <a:extLst>
               <a:ext uri="{FF2B5EF4-FFF2-40B4-BE49-F238E27FC236}">
-                <a16:creationId xmlns:a16="http://schemas.microsoft.com/office/drawing/2014/main" id="{334A369A-220B-4FC0-979A-4E1B89C059FA}"/>
+                <a16:creationId xmlns:a16="http://schemas.microsoft.com/office/drawing/2014/main" id="{A78097BE-9198-4F92-809D-4D2E5CEA30D9}"/>
               </a:ext>
             </a:extLst>
           </p:cNvPr>
@@ -7572,22 +7126,55 @@
         </p:nvSpPr>
         <p:spPr/>
         <p:txBody>
-          <a:bodyPr/>
-          <a:lstStyle/>
-          <a:p>
-            <a:r>
-              <a:rPr lang="en-US" dirty="0"/>
-              <a:t>Git Submission, part 3</a:t>
-            </a:r>
-          </a:p>
-        </p:txBody>
-      </p:sp>
-      <p:sp>
-        <p:nvSpPr>
-          <p:cNvPr id="3" name="Content Placeholder 2">
+          <a:bodyPr>
+            <a:normAutofit fontScale="90000"/>
+          </a:bodyPr>
+          <a:lstStyle/>
+          <a:p>
+            <a:r>
+              <a:rPr lang="en-US" dirty="0"/>
+              <a:t>Select the “Notify CVE about a publication” request type </a:t>
+            </a:r>
+          </a:p>
+        </p:txBody>
+      </p:sp>
+      <p:pic>
+        <p:nvPicPr>
+          <p:cNvPr id="5" name="Content Placeholder 4">
             <a:extLst>
               <a:ext uri="{FF2B5EF4-FFF2-40B4-BE49-F238E27FC236}">
-                <a16:creationId xmlns:a16="http://schemas.microsoft.com/office/drawing/2014/main" id="{973E99FB-3E51-4B24-AAA0-6ABCFFF365C2}"/>
+                <a16:creationId xmlns:a16="http://schemas.microsoft.com/office/drawing/2014/main" id="{4B4B84BA-213D-416C-A5F0-71A856C5B83C}"/>
+              </a:ext>
+            </a:extLst>
+          </p:cNvPr>
+          <p:cNvPicPr>
+            <a:picLocks noGrp="1" noChangeAspect="1"/>
+          </p:cNvPicPr>
+          <p:nvPr>
+            <p:ph idx="1"/>
+          </p:nvPr>
+        </p:nvPicPr>
+        <p:blipFill rotWithShape="1">
+          <a:blip r:embed="rId2"/>
+          <a:srcRect l="8384" t="20563" r="8691" b="31586"/>
+          <a:stretch/>
+        </p:blipFill>
+        <p:spPr>
+          <a:xfrm>
+            <a:off x="609600" y="2055447"/>
+            <a:ext cx="8245370" cy="2860430"/>
+          </a:xfrm>
+          <a:prstGeom prst="rect">
+            <a:avLst/>
+          </a:prstGeom>
+        </p:spPr>
+      </p:pic>
+      <p:sp>
+        <p:nvSpPr>
+          <p:cNvPr id="4" name="Slide Number Placeholder 3">
+            <a:extLst>
+              <a:ext uri="{FF2B5EF4-FFF2-40B4-BE49-F238E27FC236}">
+                <a16:creationId xmlns:a16="http://schemas.microsoft.com/office/drawing/2014/main" id="{DFE5F6F6-61B3-44B3-86CE-729B08756332}"/>
               </a:ext>
             </a:extLst>
           </p:cNvPr>
@@ -7595,90 +7182,6 @@
             <a:spLocks noGrp="1"/>
           </p:cNvSpPr>
           <p:nvPr>
-            <p:ph idx="1"/>
-          </p:nvPr>
-        </p:nvSpPr>
-        <p:spPr/>
-        <p:txBody>
-          <a:bodyPr/>
-          <a:lstStyle/>
-          <a:p>
-            <a:r>
-              <a:rPr lang="en-US" dirty="0"/>
-              <a:t>Review the updates</a:t>
-            </a:r>
-          </a:p>
-          <a:p>
-            <a:pPr lvl="1"/>
-            <a:r>
-              <a:rPr lang="en-US" dirty="0"/>
-              <a:t>Make sure that only information intend to make public is included.</a:t>
-            </a:r>
-          </a:p>
-          <a:p>
-            <a:pPr lvl="1"/>
-            <a:r>
-              <a:rPr lang="en-US" dirty="0"/>
-              <a:t>For example, check that every CVE id is mentioned in one of the references associated with it to avoid making public information about a vulnerability ahead of schedule.</a:t>
-            </a:r>
-          </a:p>
-          <a:p>
-            <a:pPr lvl="1"/>
-            <a:r>
-              <a:rPr lang="en-US" dirty="0"/>
-              <a:t>Also, review the details in the description. Do they agree with information in the associated references?</a:t>
-            </a:r>
-          </a:p>
-          <a:p>
-            <a:r>
-              <a:rPr lang="en-US" dirty="0"/>
-              <a:t>Commit the changes</a:t>
-            </a:r>
-          </a:p>
-          <a:p>
-            <a:pPr lvl="1"/>
-            <a:r>
-              <a:rPr lang="en-US" dirty="0"/>
-              <a:t>git commit –</a:t>
-            </a:r>
-            <a:r>
-              <a:rPr lang="en-US" dirty="0" err="1"/>
-              <a:t>av</a:t>
-            </a:r>
-            <a:endParaRPr lang="en-US" dirty="0"/>
-          </a:p>
-          <a:p>
-            <a:pPr lvl="1"/>
-            <a:r>
-              <a:rPr lang="en-US" dirty="0"/>
-              <a:t>If necessary, push your branch to Github.com</a:t>
-            </a:r>
-          </a:p>
-          <a:p>
-            <a:pPr lvl="2"/>
-            <a:r>
-              <a:rPr lang="en-US" dirty="0"/>
-              <a:t>Git push origin $YOUR_BRANCH</a:t>
-            </a:r>
-          </a:p>
-          <a:p>
-            <a:endParaRPr lang="en-US" dirty="0"/>
-          </a:p>
-        </p:txBody>
-      </p:sp>
-      <p:sp>
-        <p:nvSpPr>
-          <p:cNvPr id="4" name="Slide Number Placeholder 3">
-            <a:extLst>
-              <a:ext uri="{FF2B5EF4-FFF2-40B4-BE49-F238E27FC236}">
-                <a16:creationId xmlns:a16="http://schemas.microsoft.com/office/drawing/2014/main" id="{ED152C6A-6ECD-40B3-B64D-446CF3A3FA40}"/>
-              </a:ext>
-            </a:extLst>
-          </p:cNvPr>
-          <p:cNvSpPr>
-            <a:spLocks noGrp="1"/>
-          </p:cNvSpPr>
-          <p:nvPr>
             <p:ph type="sldNum" sz="quarter" idx="4"/>
           </p:nvPr>
         </p:nvSpPr>
@@ -7734,7 +7237,7 @@
     </p:spTree>
     <p:extLst>
       <p:ext uri="{BB962C8B-B14F-4D97-AF65-F5344CB8AC3E}">
-        <p14:creationId xmlns:p14="http://schemas.microsoft.com/office/powerpoint/2010/main" val="2631663868"/>
+        <p14:creationId xmlns:p14="http://schemas.microsoft.com/office/powerpoint/2010/main" val="3422653901"/>
       </p:ext>
     </p:extLst>
   </p:cSld>
@@ -7766,7 +7269,7 @@
           <p:cNvPr id="2" name="Title 1">
             <a:extLst>
               <a:ext uri="{FF2B5EF4-FFF2-40B4-BE49-F238E27FC236}">
-                <a16:creationId xmlns:a16="http://schemas.microsoft.com/office/drawing/2014/main" id="{4FCA0EDC-1009-4E35-8125-AEDA2C91243D}"/>
+                <a16:creationId xmlns:a16="http://schemas.microsoft.com/office/drawing/2014/main" id="{7E6D1EF9-51B7-4E79-95DF-4550686565E6}"/>
               </a:ext>
             </a:extLst>
           </p:cNvPr>
@@ -7784,17 +7287,17 @@
           <a:p>
             <a:r>
               <a:rPr lang="en-US" dirty="0"/>
-              <a:t>Git Submission, part 4</a:t>
-            </a:r>
-          </a:p>
-        </p:txBody>
-      </p:sp>
-      <p:sp>
-        <p:nvSpPr>
-          <p:cNvPr id="3" name="Content Placeholder 2">
+              <a:t>Fill in Contact Information</a:t>
+            </a:r>
+          </a:p>
+        </p:txBody>
+      </p:sp>
+      <p:sp>
+        <p:nvSpPr>
+          <p:cNvPr id="4" name="Slide Number Placeholder 3">
             <a:extLst>
               <a:ext uri="{FF2B5EF4-FFF2-40B4-BE49-F238E27FC236}">
-                <a16:creationId xmlns:a16="http://schemas.microsoft.com/office/drawing/2014/main" id="{39BF3D73-09D9-447D-A0F4-A9034AAD8C45}"/>
+                <a16:creationId xmlns:a16="http://schemas.microsoft.com/office/drawing/2014/main" id="{56C93D81-44D4-4D62-B0A4-F4A3D59DA366}"/>
               </a:ext>
             </a:extLst>
           </p:cNvPr>
@@ -7802,121 +7305,6 @@
             <a:spLocks noGrp="1"/>
           </p:cNvSpPr>
           <p:nvPr>
-            <p:ph idx="1"/>
-          </p:nvPr>
-        </p:nvSpPr>
-        <p:spPr/>
-        <p:txBody>
-          <a:bodyPr>
-            <a:normAutofit fontScale="92500" lnSpcReduction="10000"/>
-          </a:bodyPr>
-          <a:lstStyle/>
-          <a:p>
-            <a:r>
-              <a:rPr lang="en-US" dirty="0"/>
-              <a:t>Create a pull request</a:t>
-            </a:r>
-          </a:p>
-          <a:p>
-            <a:pPr lvl="1"/>
-            <a:r>
-              <a:rPr lang="en-US" dirty="0"/>
-              <a:t>Browse to https://github.com/$YOUR_FORK/cvelist/pull/new/master</a:t>
-            </a:r>
-          </a:p>
-          <a:p>
-            <a:pPr lvl="1"/>
-            <a:r>
-              <a:rPr lang="en-US" dirty="0"/>
-              <a:t>Fill in the form</a:t>
-            </a:r>
-          </a:p>
-          <a:p>
-            <a:pPr lvl="2"/>
-            <a:r>
-              <a:rPr lang="en-US" dirty="0"/>
-              <a:t>Important fields:</a:t>
-            </a:r>
-          </a:p>
-          <a:p>
-            <a:pPr lvl="3"/>
-            <a:r>
-              <a:rPr lang="en-US" dirty="0"/>
-              <a:t>base fork is the upstream repo in which you want your updates merged - </a:t>
-            </a:r>
-            <a:r>
-              <a:rPr lang="en-US" dirty="0" err="1"/>
-              <a:t>CVEProject</a:t>
-            </a:r>
-            <a:r>
-              <a:rPr lang="en-US" dirty="0"/>
-              <a:t>/</a:t>
-            </a:r>
-            <a:r>
-              <a:rPr lang="en-US" dirty="0" err="1"/>
-              <a:t>cvelist</a:t>
-            </a:r>
-            <a:endParaRPr lang="en-US" dirty="0"/>
-          </a:p>
-          <a:p>
-            <a:pPr lvl="3"/>
-            <a:r>
-              <a:rPr lang="en-US" dirty="0"/>
-              <a:t>base is the branch in the upstream repo in which the changes should be placed – master</a:t>
-            </a:r>
-          </a:p>
-          <a:p>
-            <a:pPr lvl="3"/>
-            <a:r>
-              <a:rPr lang="en-US" dirty="0"/>
-              <a:t>head fork is your repo from which the updates should be taken; e.g., /$YOUR_FORK /</a:t>
-            </a:r>
-            <a:r>
-              <a:rPr lang="en-US" dirty="0" err="1"/>
-              <a:t>cvelist</a:t>
-            </a:r>
-            <a:endParaRPr lang="en-US" dirty="0"/>
-          </a:p>
-          <a:p>
-            <a:pPr lvl="3"/>
-            <a:r>
-              <a:rPr lang="en-US" dirty="0"/>
-              <a:t>compare is the branch in your repo where the changes are; e.g., $YOUR_BRANCH</a:t>
-            </a:r>
-          </a:p>
-          <a:p>
-            <a:pPr lvl="1"/>
-            <a:r>
-              <a:rPr lang="en-US" dirty="0"/>
-              <a:t>Make sure that GitHub reports that the branches can be merged.</a:t>
-            </a:r>
-          </a:p>
-          <a:p>
-            <a:pPr lvl="2"/>
-            <a:r>
-              <a:rPr lang="en-US" dirty="0"/>
-              <a:t>Resolve any conflicts before you merge.</a:t>
-            </a:r>
-          </a:p>
-          <a:p>
-            <a:pPr lvl="2"/>
-            <a:endParaRPr lang="en-US" dirty="0"/>
-          </a:p>
-        </p:txBody>
-      </p:sp>
-      <p:sp>
-        <p:nvSpPr>
-          <p:cNvPr id="4" name="Slide Number Placeholder 3">
-            <a:extLst>
-              <a:ext uri="{FF2B5EF4-FFF2-40B4-BE49-F238E27FC236}">
-                <a16:creationId xmlns:a16="http://schemas.microsoft.com/office/drawing/2014/main" id="{3B20A043-2511-4458-8679-4141C19B6D9B}"/>
-              </a:ext>
-            </a:extLst>
-          </p:cNvPr>
-          <p:cNvSpPr>
-            <a:spLocks noGrp="1"/>
-          </p:cNvSpPr>
-          <p:nvPr>
             <p:ph type="sldNum" sz="quarter" idx="4"/>
           </p:nvPr>
         </p:nvSpPr>
@@ -7969,10 +7357,41 @@
           </a:p>
         </p:txBody>
       </p:sp>
+      <p:pic>
+        <p:nvPicPr>
+          <p:cNvPr id="8" name="Content Placeholder 7">
+            <a:extLst>
+              <a:ext uri="{FF2B5EF4-FFF2-40B4-BE49-F238E27FC236}">
+                <a16:creationId xmlns:a16="http://schemas.microsoft.com/office/drawing/2014/main" id="{DC17746E-9B82-4D77-A958-43B702E9A938}"/>
+              </a:ext>
+            </a:extLst>
+          </p:cNvPr>
+          <p:cNvPicPr>
+            <a:picLocks noGrp="1" noChangeAspect="1"/>
+          </p:cNvPicPr>
+          <p:nvPr>
+            <p:ph idx="1"/>
+          </p:nvPr>
+        </p:nvPicPr>
+        <p:blipFill rotWithShape="1">
+          <a:blip r:embed="rId2"/>
+          <a:srcRect l="8794" t="20563" r="8384" b="31756"/>
+          <a:stretch/>
+        </p:blipFill>
+        <p:spPr>
+          <a:xfrm>
+            <a:off x="609600" y="2188308"/>
+            <a:ext cx="8490413" cy="2938584"/>
+          </a:xfrm>
+          <a:prstGeom prst="rect">
+            <a:avLst/>
+          </a:prstGeom>
+        </p:spPr>
+      </p:pic>
     </p:spTree>
     <p:extLst>
       <p:ext uri="{BB962C8B-B14F-4D97-AF65-F5344CB8AC3E}">
-        <p14:creationId xmlns:p14="http://schemas.microsoft.com/office/powerpoint/2010/main" val="3076433988"/>
+        <p14:creationId xmlns:p14="http://schemas.microsoft.com/office/powerpoint/2010/main" val="2221723931"/>
       </p:ext>
     </p:extLst>
   </p:cSld>
@@ -8004,7 +7423,7 @@
           <p:cNvPr id="2" name="Title 1">
             <a:extLst>
               <a:ext uri="{FF2B5EF4-FFF2-40B4-BE49-F238E27FC236}">
-                <a16:creationId xmlns:a16="http://schemas.microsoft.com/office/drawing/2014/main" id="{4011D8C9-C264-4FDC-930F-7E93D0E00421}"/>
+                <a16:creationId xmlns:a16="http://schemas.microsoft.com/office/drawing/2014/main" id="{678A6A1A-F929-4490-A217-22AEEFBA7F21}"/>
               </a:ext>
             </a:extLst>
           </p:cNvPr>
@@ -8022,17 +7441,17 @@
           <a:p>
             <a:r>
               <a:rPr lang="en-US" dirty="0"/>
-              <a:t>Notes on Git usage</a:t>
-            </a:r>
-          </a:p>
-        </p:txBody>
-      </p:sp>
-      <p:sp>
-        <p:nvSpPr>
-          <p:cNvPr id="3" name="Content Placeholder 2">
+              <a:t>Fill in the Submission Information</a:t>
+            </a:r>
+          </a:p>
+        </p:txBody>
+      </p:sp>
+      <p:sp>
+        <p:nvSpPr>
+          <p:cNvPr id="4" name="Slide Number Placeholder 3">
             <a:extLst>
               <a:ext uri="{FF2B5EF4-FFF2-40B4-BE49-F238E27FC236}">
-                <a16:creationId xmlns:a16="http://schemas.microsoft.com/office/drawing/2014/main" id="{99C1319C-B91D-49F8-AC20-3C5335FC817E}"/>
+                <a16:creationId xmlns:a16="http://schemas.microsoft.com/office/drawing/2014/main" id="{31F7A1F1-DC3C-4F00-A4AB-9C7CE57B0578}"/>
               </a:ext>
             </a:extLst>
           </p:cNvPr>
@@ -8040,65 +7459,6 @@
             <a:spLocks noGrp="1"/>
           </p:cNvSpPr>
           <p:nvPr>
-            <p:ph idx="1"/>
-          </p:nvPr>
-        </p:nvSpPr>
-        <p:spPr/>
-        <p:txBody>
-          <a:bodyPr>
-            <a:normAutofit/>
-          </a:bodyPr>
-          <a:lstStyle/>
-          <a:p>
-            <a:r>
-              <a:rPr lang="en-US" dirty="0"/>
-              <a:t>Only submit information to the MITRE </a:t>
-            </a:r>
-            <a:r>
-              <a:rPr lang="en-US" dirty="0" err="1"/>
-              <a:t>cvelist</a:t>
-            </a:r>
-            <a:r>
-              <a:rPr lang="en-US" dirty="0"/>
-              <a:t> repo that is intended to become public immediately. There is no support for embargoed submissions!!</a:t>
-            </a:r>
-          </a:p>
-          <a:p>
-            <a:r>
-              <a:rPr lang="en-US" dirty="0"/>
-              <a:t>Understand that this is only a pilot - it could be changed significantly or even halted.</a:t>
-            </a:r>
-          </a:p>
-          <a:p>
-            <a:r>
-              <a:rPr lang="en-US" dirty="0"/>
-              <a:t>Submissions should be made subject to the CVE Submissions License Terms of Use.</a:t>
-            </a:r>
-          </a:p>
-          <a:p>
-            <a:r>
-              <a:rPr lang="en-US" dirty="0"/>
-              <a:t>It is strongly recommended that submissions use signed commits. Please note that some hierarchies (e.g. the DWF) require all submissions to be signed.</a:t>
-            </a:r>
-          </a:p>
-          <a:p>
-            <a:endParaRPr lang="en-US" dirty="0"/>
-          </a:p>
-        </p:txBody>
-      </p:sp>
-      <p:sp>
-        <p:nvSpPr>
-          <p:cNvPr id="4" name="Slide Number Placeholder 3">
-            <a:extLst>
-              <a:ext uri="{FF2B5EF4-FFF2-40B4-BE49-F238E27FC236}">
-                <a16:creationId xmlns:a16="http://schemas.microsoft.com/office/drawing/2014/main" id="{D1CF0BCF-BF08-4A1A-83AF-9FB08BDD3B43}"/>
-              </a:ext>
-            </a:extLst>
-          </p:cNvPr>
-          <p:cNvSpPr>
-            <a:spLocks noGrp="1"/>
-          </p:cNvSpPr>
-          <p:nvPr>
             <p:ph type="sldNum" sz="quarter" idx="4"/>
           </p:nvPr>
         </p:nvSpPr>
@@ -8151,10 +7511,87 @@
           </a:p>
         </p:txBody>
       </p:sp>
+      <p:pic>
+        <p:nvPicPr>
+          <p:cNvPr id="7" name="Content Placeholder 6">
+            <a:extLst>
+              <a:ext uri="{FF2B5EF4-FFF2-40B4-BE49-F238E27FC236}">
+                <a16:creationId xmlns:a16="http://schemas.microsoft.com/office/drawing/2014/main" id="{2DF1DAA6-137D-47BA-BA60-31C63992BDEB}"/>
+              </a:ext>
+            </a:extLst>
+          </p:cNvPr>
+          <p:cNvPicPr>
+            <a:picLocks noGrp="1" noChangeAspect="1"/>
+          </p:cNvPicPr>
+          <p:nvPr>
+            <p:ph idx="1"/>
+          </p:nvPr>
+        </p:nvPicPr>
+        <p:blipFill rotWithShape="1">
+          <a:blip r:embed="rId2"/>
+          <a:srcRect l="3377" t="18008" r="3540" b="36354"/>
+          <a:stretch/>
+        </p:blipFill>
+        <p:spPr>
+          <a:xfrm>
+            <a:off x="679938" y="2266462"/>
+            <a:ext cx="7909170" cy="3705695"/>
+          </a:xfrm>
+          <a:prstGeom prst="rect">
+            <a:avLst/>
+          </a:prstGeom>
+        </p:spPr>
+      </p:pic>
+      <p:sp>
+        <p:nvSpPr>
+          <p:cNvPr id="8" name="TextBox 7">
+            <a:extLst>
+              <a:ext uri="{FF2B5EF4-FFF2-40B4-BE49-F238E27FC236}">
+                <a16:creationId xmlns:a16="http://schemas.microsoft.com/office/drawing/2014/main" id="{B0D4C3C7-B333-404C-A4DB-9595F5C1D0A0}"/>
+              </a:ext>
+            </a:extLst>
+          </p:cNvPr>
+          <p:cNvSpPr txBox="1"/>
+          <p:nvPr/>
+        </p:nvSpPr>
+        <p:spPr>
+          <a:xfrm>
+            <a:off x="758092" y="1680308"/>
+            <a:ext cx="7831016" cy="584775"/>
+          </a:xfrm>
+          <a:prstGeom prst="rect">
+            <a:avLst/>
+          </a:prstGeom>
+          <a:noFill/>
+        </p:spPr>
+        <p:txBody>
+          <a:bodyPr wrap="square" rtlCol="0">
+            <a:spAutoFit/>
+          </a:bodyPr>
+          <a:lstStyle/>
+          <a:p>
+            <a:pPr>
+              <a:spcAft>
+                <a:spcPts val="600"/>
+              </a:spcAft>
+            </a:pPr>
+            <a:r>
+              <a:rPr lang="en-US" sz="1600" dirty="0">
+                <a:solidFill>
+                  <a:srgbClr val="FF0000"/>
+                </a:solidFill>
+                <a:ea typeface="Verdana" pitchFamily="34" charset="0"/>
+                <a:cs typeface="Verdana" pitchFamily="34" charset="0"/>
+              </a:rPr>
+              <a:t>Instructions for submissions greater than 2000 characters in size are at the end of the slides.</a:t>
+            </a:r>
+          </a:p>
+        </p:txBody>
+      </p:sp>
     </p:spTree>
     <p:extLst>
       <p:ext uri="{BB962C8B-B14F-4D97-AF65-F5344CB8AC3E}">
-        <p14:creationId xmlns:p14="http://schemas.microsoft.com/office/powerpoint/2010/main" val="1979569983"/>
+        <p14:creationId xmlns:p14="http://schemas.microsoft.com/office/powerpoint/2010/main" val="1219093122"/>
       </p:ext>
     </p:extLst>
   </p:cSld>
@@ -8183,7 +7620,13 @@
       </p:grpSpPr>
       <p:sp>
         <p:nvSpPr>
-          <p:cNvPr id="2" name="Title 1"/>
+          <p:cNvPr id="2" name="Title 1">
+            <a:extLst>
+              <a:ext uri="{FF2B5EF4-FFF2-40B4-BE49-F238E27FC236}">
+                <a16:creationId xmlns:a16="http://schemas.microsoft.com/office/drawing/2014/main" id="{B7010ECA-CFF2-4420-819C-12C36396E79F}"/>
+              </a:ext>
+            </a:extLst>
+          </p:cNvPr>
           <p:cNvSpPr>
             <a:spLocks noGrp="1"/>
           </p:cNvSpPr>
@@ -8193,148 +7636,118 @@
         </p:nvSpPr>
         <p:spPr/>
         <p:txBody>
-          <a:bodyPr/>
-          <a:lstStyle/>
-          <a:p>
-            <a:r>
-              <a:rPr lang="en-US" dirty="0"/>
-              <a:t>What happens on MITRE’s end</a:t>
-            </a:r>
-          </a:p>
-        </p:txBody>
-      </p:sp>
-      <p:sp>
-        <p:nvSpPr>
-          <p:cNvPr id="3" name="Content Placeholder 2"/>
+          <a:bodyPr>
+            <a:normAutofit fontScale="90000"/>
+          </a:bodyPr>
+          <a:lstStyle/>
+          <a:p>
+            <a:r>
+              <a:rPr lang="en-US" dirty="0"/>
+              <a:t>Fill in the Captcha and Select the Submit Request Button</a:t>
+            </a:r>
+          </a:p>
+        </p:txBody>
+      </p:sp>
+      <p:pic>
+        <p:nvPicPr>
+          <p:cNvPr id="5" name="Content Placeholder 4">
+            <a:extLst>
+              <a:ext uri="{FF2B5EF4-FFF2-40B4-BE49-F238E27FC236}">
+                <a16:creationId xmlns:a16="http://schemas.microsoft.com/office/drawing/2014/main" id="{70BD501C-085F-4DBC-B65D-77E7E6743952}"/>
+              </a:ext>
+            </a:extLst>
+          </p:cNvPr>
+          <p:cNvPicPr>
+            <a:picLocks noGrp="1" noChangeAspect="1"/>
+          </p:cNvPicPr>
+          <p:nvPr>
+            <p:ph idx="1"/>
+          </p:nvPr>
+        </p:nvPicPr>
+        <p:blipFill rotWithShape="1">
+          <a:blip r:embed="rId2"/>
+          <a:srcRect l="23024" t="58196" r="23638" b="8937"/>
+          <a:stretch/>
+        </p:blipFill>
+        <p:spPr>
+          <a:xfrm>
+            <a:off x="609600" y="1899138"/>
+            <a:ext cx="8228025" cy="3048000"/>
+          </a:xfrm>
+          <a:prstGeom prst="rect">
+            <a:avLst/>
+          </a:prstGeom>
+        </p:spPr>
+      </p:pic>
+      <p:sp>
+        <p:nvSpPr>
+          <p:cNvPr id="4" name="Slide Number Placeholder 3">
+            <a:extLst>
+              <a:ext uri="{FF2B5EF4-FFF2-40B4-BE49-F238E27FC236}">
+                <a16:creationId xmlns:a16="http://schemas.microsoft.com/office/drawing/2014/main" id="{91AA7FE4-8440-4284-AD83-5B2ECB6479B2}"/>
+              </a:ext>
+            </a:extLst>
+          </p:cNvPr>
           <p:cNvSpPr>
             <a:spLocks noGrp="1"/>
           </p:cNvSpPr>
           <p:nvPr>
-            <p:ph idx="1"/>
+            <p:ph type="sldNum" sz="quarter" idx="4"/>
           </p:nvPr>
         </p:nvSpPr>
         <p:spPr/>
         <p:txBody>
-          <a:bodyPr>
-            <a:normAutofit fontScale="85000" lnSpcReduction="20000"/>
-          </a:bodyPr>
-          <a:lstStyle/>
-          <a:p>
-            <a:r>
-              <a:rPr lang="en-US" dirty="0"/>
-              <a:t>Review</a:t>
-            </a:r>
-          </a:p>
-          <a:p>
-            <a:pPr lvl="1"/>
-            <a:r>
-              <a:rPr lang="en-US" dirty="0"/>
-              <a:t>Is the assignment data for ids assigned to the CNA?</a:t>
-            </a:r>
-          </a:p>
-          <a:p>
-            <a:pPr lvl="1"/>
-            <a:r>
-              <a:rPr lang="en-US" dirty="0"/>
-              <a:t>Do the ids exist in the CVE list as “RESERVED”?</a:t>
-            </a:r>
-          </a:p>
-          <a:p>
-            <a:pPr lvl="1"/>
-            <a:r>
-              <a:rPr lang="en-US" dirty="0"/>
-              <a:t>Do the references exist and are they public?</a:t>
-            </a:r>
-          </a:p>
-          <a:p>
-            <a:pPr lvl="1"/>
-            <a:r>
-              <a:rPr lang="en-US" dirty="0"/>
-              <a:t>Does the assignment data agree with the associated references?</a:t>
-            </a:r>
-          </a:p>
-          <a:p>
-            <a:pPr marL="287338" lvl="1" indent="0">
-              <a:buNone/>
-            </a:pPr>
-            <a:endParaRPr lang="en-US" dirty="0"/>
-          </a:p>
-          <a:p>
-            <a:r>
-              <a:rPr lang="en-US" dirty="0"/>
-              <a:t>Submission Processing</a:t>
-            </a:r>
-          </a:p>
-          <a:p>
-            <a:pPr lvl="1"/>
-            <a:r>
-              <a:rPr lang="en-US" dirty="0"/>
-              <a:t>Resolve with CNA any issues uncovered during review.</a:t>
-            </a:r>
-          </a:p>
-          <a:p>
-            <a:pPr lvl="1"/>
-            <a:r>
-              <a:rPr lang="en-US" dirty="0"/>
-              <a:t>Incorporate assignment data into the </a:t>
-            </a:r>
-            <a:r>
-              <a:rPr lang="en-US" dirty="0" err="1"/>
-              <a:t>cvelist</a:t>
-            </a:r>
-            <a:r>
-              <a:rPr lang="en-US" dirty="0"/>
-              <a:t> git repo.</a:t>
-            </a:r>
-          </a:p>
-          <a:p>
-            <a:pPr lvl="1"/>
-            <a:r>
-              <a:rPr lang="en-US" dirty="0"/>
-              <a:t>Populate associated entries in the master CVE List.</a:t>
-            </a:r>
-          </a:p>
-          <a:p>
-            <a:pPr lvl="1"/>
-            <a:endParaRPr lang="en-US" dirty="0"/>
-          </a:p>
-          <a:p>
-            <a:r>
-              <a:rPr lang="en-US" dirty="0"/>
-              <a:t>Other processing</a:t>
-            </a:r>
-          </a:p>
-          <a:p>
-            <a:pPr lvl="1"/>
-            <a:r>
-              <a:rPr lang="en-US" dirty="0"/>
-              <a:t>Announce “new” CVEs.</a:t>
-            </a:r>
-          </a:p>
-          <a:p>
-            <a:pPr lvl="1"/>
-            <a:r>
-              <a:rPr lang="en-US" dirty="0"/>
-              <a:t>Publish master CVE List on cve.mitre.org</a:t>
-            </a:r>
-          </a:p>
-          <a:p>
-            <a:pPr lvl="2"/>
-            <a:r>
-              <a:rPr lang="en-US" dirty="0"/>
-              <a:t>http://cve.mitre.org/data/downloads/index.html</a:t>
-            </a:r>
-          </a:p>
-          <a:p>
-            <a:pPr lvl="1"/>
-            <a:endParaRPr lang="en-US" dirty="0"/>
+          <a:bodyPr/>
+          <a:lstStyle/>
+          <a:p>
+            <a:r>
+              <a:rPr lang="en-US">
+                <a:solidFill>
+                  <a:srgbClr val="C1CD23"/>
+                </a:solidFill>
+              </a:rPr>
+              <a:t>|</a:t>
+            </a:r>
+            <a:r>
+              <a:rPr lang="en-US"/>
+              <a:t> </a:t>
+            </a:r>
+            <a:fld id="{295008BC-DA31-4D19-837B-EFA4386B05F5}" type="slidenum">
+              <a:rPr lang="en-US" smtClean="0">
+                <a:solidFill>
+                  <a:schemeClr val="tx1">
+                    <a:lumMod val="50000"/>
+                    <a:lumOff val="50000"/>
+                  </a:schemeClr>
+                </a:solidFill>
+              </a:rPr>
+              <a:pPr/>
+              <a:t>23</a:t>
+            </a:fld>
+            <a:r>
+              <a:rPr lang="en-US"/>
+              <a:t> </a:t>
+            </a:r>
+            <a:r>
+              <a:rPr lang="en-US">
+                <a:solidFill>
+                  <a:srgbClr val="C1CD23"/>
+                </a:solidFill>
+              </a:rPr>
+              <a:t>|</a:t>
+            </a:r>
+            <a:endParaRPr lang="en-US" dirty="0">
+              <a:solidFill>
+                <a:srgbClr val="C1CD23"/>
+              </a:solidFill>
+            </a:endParaRPr>
           </a:p>
         </p:txBody>
       </p:sp>
     </p:spTree>
     <p:extLst>
       <p:ext uri="{BB962C8B-B14F-4D97-AF65-F5344CB8AC3E}">
-        <p14:creationId xmlns:p14="http://schemas.microsoft.com/office/powerpoint/2010/main" val="3190411763"/>
+        <p14:creationId xmlns:p14="http://schemas.microsoft.com/office/powerpoint/2010/main" val="2742585563"/>
       </p:ext>
     </p:extLst>
   </p:cSld>
@@ -8363,7 +7776,13 @@
       </p:grpSpPr>
       <p:sp>
         <p:nvSpPr>
-          <p:cNvPr id="2" name="Title 1"/>
+          <p:cNvPr id="2" name="Title 1">
+            <a:extLst>
+              <a:ext uri="{FF2B5EF4-FFF2-40B4-BE49-F238E27FC236}">
+                <a16:creationId xmlns:a16="http://schemas.microsoft.com/office/drawing/2014/main" id="{A68277CC-9AC3-487E-BE08-8B41B5606DB0}"/>
+              </a:ext>
+            </a:extLst>
+          </p:cNvPr>
           <p:cNvSpPr>
             <a:spLocks noGrp="1"/>
           </p:cNvSpPr>
@@ -8373,168 +7792,1026 @@
         </p:nvSpPr>
         <p:spPr/>
         <p:txBody>
-          <a:bodyPr/>
-          <a:lstStyle/>
-          <a:p>
-            <a:r>
-              <a:rPr lang="en-US" dirty="0"/>
-              <a:t>Resources</a:t>
-            </a:r>
-          </a:p>
-        </p:txBody>
-      </p:sp>
-      <p:sp>
-        <p:nvSpPr>
-          <p:cNvPr id="3" name="Content Placeholder 2"/>
+          <a:bodyPr>
+            <a:normAutofit fontScale="90000"/>
+          </a:bodyPr>
+          <a:lstStyle/>
+          <a:p>
+            <a:r>
+              <a:rPr lang="en-US" dirty="0"/>
+              <a:t>A Ticket will be Created and Email Acknowledging Sent</a:t>
+            </a:r>
+          </a:p>
+        </p:txBody>
+      </p:sp>
+      <p:pic>
+        <p:nvPicPr>
+          <p:cNvPr id="5" name="Content Placeholder 4">
+            <a:extLst>
+              <a:ext uri="{FF2B5EF4-FFF2-40B4-BE49-F238E27FC236}">
+                <a16:creationId xmlns:a16="http://schemas.microsoft.com/office/drawing/2014/main" id="{BC00EC9A-A536-42F0-AB9A-E56A2B0FDBB9}"/>
+              </a:ext>
+            </a:extLst>
+          </p:cNvPr>
+          <p:cNvPicPr>
+            <a:picLocks noGrp="1" noChangeAspect="1"/>
+          </p:cNvPicPr>
+          <p:nvPr>
+            <p:ph idx="1"/>
+          </p:nvPr>
+        </p:nvPicPr>
+        <p:blipFill rotWithShape="1">
+          <a:blip r:embed="rId2"/>
+          <a:srcRect l="729" t="6259" r="1307" b="21709"/>
+          <a:stretch/>
+        </p:blipFill>
+        <p:spPr>
+          <a:xfrm>
+            <a:off x="679936" y="1312984"/>
+            <a:ext cx="7190155" cy="4479286"/>
+          </a:xfrm>
+          <a:prstGeom prst="rect">
+            <a:avLst/>
+          </a:prstGeom>
+        </p:spPr>
+      </p:pic>
+      <p:sp>
+        <p:nvSpPr>
+          <p:cNvPr id="4" name="Slide Number Placeholder 3">
+            <a:extLst>
+              <a:ext uri="{FF2B5EF4-FFF2-40B4-BE49-F238E27FC236}">
+                <a16:creationId xmlns:a16="http://schemas.microsoft.com/office/drawing/2014/main" id="{B70C2174-AEA1-4568-B2C1-F679356B3591}"/>
+              </a:ext>
+            </a:extLst>
+          </p:cNvPr>
           <p:cNvSpPr>
             <a:spLocks noGrp="1"/>
           </p:cNvSpPr>
           <p:nvPr>
-            <p:ph idx="1"/>
+            <p:ph type="sldNum" sz="quarter" idx="4"/>
           </p:nvPr>
         </p:nvSpPr>
         <p:spPr/>
         <p:txBody>
-          <a:bodyPr>
-            <a:normAutofit fontScale="92500" lnSpcReduction="10000"/>
-          </a:bodyPr>
-          <a:lstStyle/>
-          <a:p>
-            <a:r>
-              <a:rPr lang="en-US" dirty="0" err="1"/>
-              <a:t>CVEProject</a:t>
-            </a:r>
-            <a:r>
-              <a:rPr lang="en-US" dirty="0"/>
-              <a:t> GIT Project (</a:t>
-            </a:r>
-            <a:r>
-              <a:rPr lang="en-US" dirty="0">
-                <a:hlinkClick r:id="rId2"/>
-              </a:rPr>
-              <a:t>https://github.com/CVEProject</a:t>
-            </a:r>
-            <a:r>
-              <a:rPr lang="en-US" dirty="0"/>
-              <a:t>)</a:t>
-            </a:r>
-          </a:p>
-          <a:p>
-            <a:pPr marL="284163" lvl="1" indent="0">
-              <a:buNone/>
-            </a:pPr>
-            <a:r>
-              <a:rPr lang="en-US" dirty="0"/>
-              <a:t>- automation-working-group/tree/master/tools repo</a:t>
-            </a:r>
-          </a:p>
-          <a:p>
-            <a:pPr lvl="2">
-              <a:buFont typeface="Arial" panose="020B0604020202020204" pitchFamily="34" charset="0"/>
-              <a:buChar char="•"/>
-            </a:pPr>
-            <a:r>
-              <a:rPr lang="en-US" dirty="0">
-                <a:hlinkClick r:id="rId3" tooltip="cmdlinejsonvalidator.py"/>
-              </a:rPr>
-              <a:t>cmdlinejsonvalidator.py</a:t>
-            </a:r>
-            <a:r>
-              <a:rPr lang="en-US" dirty="0"/>
-              <a:t> - Python script to validate JSON files. Requires a valid schema file.</a:t>
-            </a:r>
-          </a:p>
-          <a:p>
-            <a:pPr lvl="1"/>
-            <a:r>
-              <a:rPr lang="en-US" dirty="0"/>
-              <a:t>automation-working-group/tree/master/</a:t>
-            </a:r>
-            <a:r>
-              <a:rPr lang="en-US" dirty="0" err="1"/>
-              <a:t>cve_json_schema</a:t>
-            </a:r>
-            <a:r>
-              <a:rPr lang="en-US" dirty="0"/>
-              <a:t> repo</a:t>
-            </a:r>
-          </a:p>
-          <a:p>
-            <a:pPr lvl="2"/>
-            <a:r>
-              <a:rPr lang="en-US" dirty="0">
-                <a:hlinkClick r:id="rId4" tooltip="CVE_JSON_4.0_min.schema"/>
-              </a:rPr>
-              <a:t>CVE_JSON_4.0_min.schema</a:t>
-            </a:r>
-            <a:r>
-              <a:rPr lang="en-US" dirty="0"/>
-              <a:t> - Schema for validating a JSON file against the minimal CVE structure.</a:t>
-            </a:r>
-          </a:p>
-          <a:p>
-            <a:pPr lvl="2"/>
-            <a:r>
-              <a:rPr lang="en-US" dirty="0">
-                <a:hlinkClick r:id="rId5" tooltip="DRAFT-JSON-file-format-v4.md"/>
-              </a:rPr>
-              <a:t>DRAFT-JSON-file-format-v4.md</a:t>
-            </a:r>
-            <a:r>
-              <a:rPr lang="en-US" dirty="0"/>
-              <a:t> - 4.0 CVE JSON spec.</a:t>
-            </a:r>
-          </a:p>
-          <a:p>
-            <a:r>
-              <a:rPr lang="en-US" dirty="0" err="1"/>
-              <a:t>Vulnogram</a:t>
-            </a:r>
-            <a:r>
-              <a:rPr lang="en-US" dirty="0"/>
-              <a:t> - tool for creating and editing CVE information in CVE JSON format</a:t>
-            </a:r>
-          </a:p>
-          <a:p>
-            <a:pPr lvl="1"/>
-            <a:r>
-              <a:rPr lang="en-US" dirty="0">
-                <a:hlinkClick r:id="rId6"/>
-              </a:rPr>
-              <a:t>https://github.com/Vulnogram/Vulnogram</a:t>
-            </a:r>
-            <a:endParaRPr lang="en-US" dirty="0"/>
-          </a:p>
-          <a:p>
-            <a:pPr lvl="1"/>
-            <a:r>
-              <a:rPr lang="en-US" dirty="0"/>
-              <a:t>https://vulnogram.github.io/</a:t>
-            </a:r>
-          </a:p>
-          <a:p>
-            <a:pPr lvl="1"/>
-            <a:r>
-              <a:rPr lang="en-US" dirty="0"/>
-              <a:t>Created by Chandan Nandakumaraiah</a:t>
-            </a:r>
-          </a:p>
-          <a:p>
-            <a:r>
-              <a:rPr lang="en-US" dirty="0"/>
-              <a:t>CVE Request Form (https://cveform.mitre.org/)</a:t>
-            </a:r>
-          </a:p>
-          <a:p>
-            <a:pPr lvl="3"/>
-            <a:endParaRPr lang="en-US" dirty="0"/>
+          <a:bodyPr/>
+          <a:lstStyle/>
+          <a:p>
+            <a:r>
+              <a:rPr lang="en-US">
+                <a:solidFill>
+                  <a:srgbClr val="C1CD23"/>
+                </a:solidFill>
+              </a:rPr>
+              <a:t>|</a:t>
+            </a:r>
+            <a:r>
+              <a:rPr lang="en-US"/>
+              <a:t> </a:t>
+            </a:r>
+            <a:fld id="{295008BC-DA31-4D19-837B-EFA4386B05F5}" type="slidenum">
+              <a:rPr lang="en-US" smtClean="0">
+                <a:solidFill>
+                  <a:schemeClr val="tx1">
+                    <a:lumMod val="50000"/>
+                    <a:lumOff val="50000"/>
+                  </a:schemeClr>
+                </a:solidFill>
+              </a:rPr>
+              <a:pPr/>
+              <a:t>24</a:t>
+            </a:fld>
+            <a:r>
+              <a:rPr lang="en-US"/>
+              <a:t> </a:t>
+            </a:r>
+            <a:r>
+              <a:rPr lang="en-US">
+                <a:solidFill>
+                  <a:srgbClr val="C1CD23"/>
+                </a:solidFill>
+              </a:rPr>
+              <a:t>|</a:t>
+            </a:r>
+            <a:endParaRPr lang="en-US" dirty="0">
+              <a:solidFill>
+                <a:srgbClr val="C1CD23"/>
+              </a:solidFill>
+            </a:endParaRPr>
           </a:p>
         </p:txBody>
       </p:sp>
     </p:spTree>
     <p:extLst>
       <p:ext uri="{BB962C8B-B14F-4D97-AF65-F5344CB8AC3E}">
-        <p14:creationId xmlns:p14="http://schemas.microsoft.com/office/powerpoint/2010/main" val="227166979"/>
+        <p14:creationId xmlns:p14="http://schemas.microsoft.com/office/powerpoint/2010/main" val="3427556465"/>
+      </p:ext>
+    </p:extLst>
+  </p:cSld>
+  <p:clrMapOvr>
+    <a:masterClrMapping/>
+  </p:clrMapOvr>
+</p:sld>
+</file>
+
+<file path=ppt/slides/slide25.xml><?xml version="1.0" encoding="utf-8"?>
+<p:sld xmlns:a="http://schemas.openxmlformats.org/drawingml/2006/main" xmlns:r="http://schemas.openxmlformats.org/officeDocument/2006/relationships" xmlns:p="http://schemas.openxmlformats.org/presentationml/2006/main">
+  <p:cSld>
+    <p:spTree>
+      <p:nvGrpSpPr>
+        <p:cNvPr id="1" name=""/>
+        <p:cNvGrpSpPr/>
+        <p:nvPr/>
+      </p:nvGrpSpPr>
+      <p:grpSpPr>
+        <a:xfrm>
+          <a:off x="0" y="0"/>
+          <a:ext cx="0" cy="0"/>
+          <a:chOff x="0" y="0"/>
+          <a:chExt cx="0" cy="0"/>
+        </a:xfrm>
+      </p:grpSpPr>
+      <p:sp>
+        <p:nvSpPr>
+          <p:cNvPr id="2" name="Title 1">
+            <a:extLst>
+              <a:ext uri="{FF2B5EF4-FFF2-40B4-BE49-F238E27FC236}">
+                <a16:creationId xmlns:a16="http://schemas.microsoft.com/office/drawing/2014/main" id="{7DD7E0F9-D119-4946-9D6E-71607319A1AF}"/>
+              </a:ext>
+            </a:extLst>
+          </p:cNvPr>
+          <p:cNvSpPr>
+            <a:spLocks noGrp="1"/>
+          </p:cNvSpPr>
+          <p:nvPr>
+            <p:ph type="title"/>
+          </p:nvPr>
+        </p:nvSpPr>
+        <p:spPr/>
+        <p:txBody>
+          <a:bodyPr>
+            <a:normAutofit fontScale="90000"/>
+          </a:bodyPr>
+          <a:lstStyle/>
+          <a:p>
+            <a:r>
+              <a:rPr lang="en-US" dirty="0"/>
+              <a:t>The Description Field is Character Limited</a:t>
+            </a:r>
+          </a:p>
+        </p:txBody>
+      </p:sp>
+      <p:sp>
+        <p:nvSpPr>
+          <p:cNvPr id="4" name="Slide Number Placeholder 3">
+            <a:extLst>
+              <a:ext uri="{FF2B5EF4-FFF2-40B4-BE49-F238E27FC236}">
+                <a16:creationId xmlns:a16="http://schemas.microsoft.com/office/drawing/2014/main" id="{E1F709F6-96ED-45C3-8079-BC17D91E3C1D}"/>
+              </a:ext>
+            </a:extLst>
+          </p:cNvPr>
+          <p:cNvSpPr>
+            <a:spLocks noGrp="1"/>
+          </p:cNvSpPr>
+          <p:nvPr>
+            <p:ph type="sldNum" sz="quarter" idx="4"/>
+          </p:nvPr>
+        </p:nvSpPr>
+        <p:spPr/>
+        <p:txBody>
+          <a:bodyPr/>
+          <a:lstStyle/>
+          <a:p>
+            <a:r>
+              <a:rPr lang="en-US">
+                <a:solidFill>
+                  <a:srgbClr val="C1CD23"/>
+                </a:solidFill>
+              </a:rPr>
+              <a:t>|</a:t>
+            </a:r>
+            <a:r>
+              <a:rPr lang="en-US"/>
+              <a:t> </a:t>
+            </a:r>
+            <a:fld id="{295008BC-DA31-4D19-837B-EFA4386B05F5}" type="slidenum">
+              <a:rPr lang="en-US" smtClean="0">
+                <a:solidFill>
+                  <a:schemeClr val="tx1">
+                    <a:lumMod val="50000"/>
+                    <a:lumOff val="50000"/>
+                  </a:schemeClr>
+                </a:solidFill>
+              </a:rPr>
+              <a:pPr/>
+              <a:t>25</a:t>
+            </a:fld>
+            <a:r>
+              <a:rPr lang="en-US"/>
+              <a:t> </a:t>
+            </a:r>
+            <a:r>
+              <a:rPr lang="en-US">
+                <a:solidFill>
+                  <a:srgbClr val="C1CD23"/>
+                </a:solidFill>
+              </a:rPr>
+              <a:t>|</a:t>
+            </a:r>
+            <a:endParaRPr lang="en-US" dirty="0">
+              <a:solidFill>
+                <a:srgbClr val="C1CD23"/>
+              </a:solidFill>
+            </a:endParaRPr>
+          </a:p>
+        </p:txBody>
+      </p:sp>
+      <p:pic>
+        <p:nvPicPr>
+          <p:cNvPr id="8" name="Content Placeholder 7">
+            <a:extLst>
+              <a:ext uri="{FF2B5EF4-FFF2-40B4-BE49-F238E27FC236}">
+                <a16:creationId xmlns:a16="http://schemas.microsoft.com/office/drawing/2014/main" id="{1EDCD822-49A9-4E64-9731-9595087457DB}"/>
+              </a:ext>
+            </a:extLst>
+          </p:cNvPr>
+          <p:cNvPicPr>
+            <a:picLocks noGrp="1" noChangeAspect="1"/>
+          </p:cNvPicPr>
+          <p:nvPr>
+            <p:ph idx="1"/>
+          </p:nvPr>
+        </p:nvPicPr>
+        <p:blipFill rotWithShape="1">
+          <a:blip r:embed="rId2"/>
+          <a:srcRect l="5438" t="66031" r="5438" b="16430"/>
+          <a:stretch/>
+        </p:blipFill>
+        <p:spPr>
+          <a:xfrm>
+            <a:off x="695569" y="2868246"/>
+            <a:ext cx="7959171" cy="1477108"/>
+          </a:xfrm>
+          <a:prstGeom prst="rect">
+            <a:avLst/>
+          </a:prstGeom>
+        </p:spPr>
+      </p:pic>
+    </p:spTree>
+    <p:extLst>
+      <p:ext uri="{BB962C8B-B14F-4D97-AF65-F5344CB8AC3E}">
+        <p14:creationId xmlns:p14="http://schemas.microsoft.com/office/powerpoint/2010/main" val="4056881188"/>
+      </p:ext>
+    </p:extLst>
+  </p:cSld>
+  <p:clrMapOvr>
+    <a:masterClrMapping/>
+  </p:clrMapOvr>
+</p:sld>
+</file>
+
+<file path=ppt/slides/slide26.xml><?xml version="1.0" encoding="utf-8"?>
+<p:sld xmlns:a="http://schemas.openxmlformats.org/drawingml/2006/main" xmlns:r="http://schemas.openxmlformats.org/officeDocument/2006/relationships" xmlns:p="http://schemas.openxmlformats.org/presentationml/2006/main">
+  <p:cSld>
+    <p:spTree>
+      <p:nvGrpSpPr>
+        <p:cNvPr id="1" name=""/>
+        <p:cNvGrpSpPr/>
+        <p:nvPr/>
+      </p:nvGrpSpPr>
+      <p:grpSpPr>
+        <a:xfrm>
+          <a:off x="0" y="0"/>
+          <a:ext cx="0" cy="0"/>
+          <a:chOff x="0" y="0"/>
+          <a:chExt cx="0" cy="0"/>
+        </a:xfrm>
+      </p:grpSpPr>
+      <p:sp>
+        <p:nvSpPr>
+          <p:cNvPr id="2" name="Title 1">
+            <a:extLst>
+              <a:ext uri="{FF2B5EF4-FFF2-40B4-BE49-F238E27FC236}">
+                <a16:creationId xmlns:a16="http://schemas.microsoft.com/office/drawing/2014/main" id="{007D2965-8577-4D16-96EB-1B76404101B7}"/>
+              </a:ext>
+            </a:extLst>
+          </p:cNvPr>
+          <p:cNvSpPr>
+            <a:spLocks noGrp="1"/>
+          </p:cNvSpPr>
+          <p:nvPr>
+            <p:ph type="title"/>
+          </p:nvPr>
+        </p:nvSpPr>
+        <p:spPr/>
+        <p:txBody>
+          <a:bodyPr>
+            <a:normAutofit fontScale="90000"/>
+          </a:bodyPr>
+          <a:lstStyle/>
+          <a:p>
+            <a:r>
+              <a:rPr lang="en-US" dirty="0"/>
+              <a:t>If you need more characters, use email …</a:t>
+            </a:r>
+          </a:p>
+        </p:txBody>
+      </p:sp>
+      <p:sp>
+        <p:nvSpPr>
+          <p:cNvPr id="4" name="Slide Number Placeholder 3">
+            <a:extLst>
+              <a:ext uri="{FF2B5EF4-FFF2-40B4-BE49-F238E27FC236}">
+                <a16:creationId xmlns:a16="http://schemas.microsoft.com/office/drawing/2014/main" id="{EAA53BDE-B2B7-405A-8A91-1E7F4F39AAA1}"/>
+              </a:ext>
+            </a:extLst>
+          </p:cNvPr>
+          <p:cNvSpPr>
+            <a:spLocks noGrp="1"/>
+          </p:cNvSpPr>
+          <p:nvPr>
+            <p:ph type="sldNum" sz="quarter" idx="4"/>
+          </p:nvPr>
+        </p:nvSpPr>
+        <p:spPr/>
+        <p:txBody>
+          <a:bodyPr/>
+          <a:lstStyle/>
+          <a:p>
+            <a:r>
+              <a:rPr lang="en-US">
+                <a:solidFill>
+                  <a:srgbClr val="C1CD23"/>
+                </a:solidFill>
+              </a:rPr>
+              <a:t>|</a:t>
+            </a:r>
+            <a:r>
+              <a:rPr lang="en-US"/>
+              <a:t> </a:t>
+            </a:r>
+            <a:fld id="{295008BC-DA31-4D19-837B-EFA4386B05F5}" type="slidenum">
+              <a:rPr lang="en-US" smtClean="0">
+                <a:solidFill>
+                  <a:schemeClr val="tx1">
+                    <a:lumMod val="50000"/>
+                    <a:lumOff val="50000"/>
+                  </a:schemeClr>
+                </a:solidFill>
+              </a:rPr>
+              <a:pPr/>
+              <a:t>26</a:t>
+            </a:fld>
+            <a:r>
+              <a:rPr lang="en-US"/>
+              <a:t> </a:t>
+            </a:r>
+            <a:r>
+              <a:rPr lang="en-US">
+                <a:solidFill>
+                  <a:srgbClr val="C1CD23"/>
+                </a:solidFill>
+              </a:rPr>
+              <a:t>|</a:t>
+            </a:r>
+            <a:endParaRPr lang="en-US" dirty="0">
+              <a:solidFill>
+                <a:srgbClr val="C1CD23"/>
+              </a:solidFill>
+            </a:endParaRPr>
+          </a:p>
+        </p:txBody>
+      </p:sp>
+      <p:pic>
+        <p:nvPicPr>
+          <p:cNvPr id="6" name="Picture 5">
+            <a:extLst>
+              <a:ext uri="{FF2B5EF4-FFF2-40B4-BE49-F238E27FC236}">
+                <a16:creationId xmlns:a16="http://schemas.microsoft.com/office/drawing/2014/main" id="{F36D0659-4F94-4D20-8737-575F7200ABE7}"/>
+              </a:ext>
+            </a:extLst>
+          </p:cNvPr>
+          <p:cNvPicPr>
+            <a:picLocks noChangeAspect="1"/>
+          </p:cNvPicPr>
+          <p:nvPr/>
+        </p:nvPicPr>
+        <p:blipFill rotWithShape="1">
+          <a:blip r:embed="rId2"/>
+          <a:srcRect l="3575" t="34986" r="4329" b="13504"/>
+          <a:stretch/>
+        </p:blipFill>
+        <p:spPr>
+          <a:xfrm>
+            <a:off x="1015999" y="1727199"/>
+            <a:ext cx="6697785" cy="3532555"/>
+          </a:xfrm>
+          <a:prstGeom prst="rect">
+            <a:avLst/>
+          </a:prstGeom>
+        </p:spPr>
+      </p:pic>
+    </p:spTree>
+    <p:extLst>
+      <p:ext uri="{BB962C8B-B14F-4D97-AF65-F5344CB8AC3E}">
+        <p14:creationId xmlns:p14="http://schemas.microsoft.com/office/powerpoint/2010/main" val="53497494"/>
+      </p:ext>
+    </p:extLst>
+  </p:cSld>
+  <p:clrMapOvr>
+    <a:masterClrMapping/>
+  </p:clrMapOvr>
+</p:sld>
+</file>
+
+<file path=ppt/slides/slide27.xml><?xml version="1.0" encoding="utf-8"?>
+<p:sld xmlns:a="http://schemas.openxmlformats.org/drawingml/2006/main" xmlns:r="http://schemas.openxmlformats.org/officeDocument/2006/relationships" xmlns:p="http://schemas.openxmlformats.org/presentationml/2006/main">
+  <p:cSld>
+    <p:spTree>
+      <p:nvGrpSpPr>
+        <p:cNvPr id="1" name=""/>
+        <p:cNvGrpSpPr/>
+        <p:nvPr/>
+      </p:nvGrpSpPr>
+      <p:grpSpPr>
+        <a:xfrm>
+          <a:off x="0" y="0"/>
+          <a:ext cx="0" cy="0"/>
+          <a:chOff x="0" y="0"/>
+          <a:chExt cx="0" cy="0"/>
+        </a:xfrm>
+      </p:grpSpPr>
+      <p:sp>
+        <p:nvSpPr>
+          <p:cNvPr id="2" name="Title 1">
+            <a:extLst>
+              <a:ext uri="{FF2B5EF4-FFF2-40B4-BE49-F238E27FC236}">
+                <a16:creationId xmlns:a16="http://schemas.microsoft.com/office/drawing/2014/main" id="{2015CEBD-747C-4336-94DF-489403FD9DF4}"/>
+              </a:ext>
+            </a:extLst>
+          </p:cNvPr>
+          <p:cNvSpPr>
+            <a:spLocks noGrp="1"/>
+          </p:cNvSpPr>
+          <p:nvPr>
+            <p:ph type="title"/>
+          </p:nvPr>
+        </p:nvSpPr>
+        <p:spPr/>
+        <p:txBody>
+          <a:bodyPr>
+            <a:normAutofit fontScale="90000"/>
+          </a:bodyPr>
+          <a:lstStyle/>
+          <a:p>
+            <a:r>
+              <a:rPr lang="en-US" dirty="0"/>
+              <a:t>By Replying to the Acknowledgement Email</a:t>
+            </a:r>
+          </a:p>
+        </p:txBody>
+      </p:sp>
+      <p:sp>
+        <p:nvSpPr>
+          <p:cNvPr id="4" name="Slide Number Placeholder 3">
+            <a:extLst>
+              <a:ext uri="{FF2B5EF4-FFF2-40B4-BE49-F238E27FC236}">
+                <a16:creationId xmlns:a16="http://schemas.microsoft.com/office/drawing/2014/main" id="{09F29337-DC94-4804-8A7E-D76F203E6B12}"/>
+              </a:ext>
+            </a:extLst>
+          </p:cNvPr>
+          <p:cNvSpPr>
+            <a:spLocks noGrp="1"/>
+          </p:cNvSpPr>
+          <p:nvPr>
+            <p:ph type="sldNum" sz="quarter" idx="4"/>
+          </p:nvPr>
+        </p:nvSpPr>
+        <p:spPr/>
+        <p:txBody>
+          <a:bodyPr/>
+          <a:lstStyle/>
+          <a:p>
+            <a:r>
+              <a:rPr lang="en-US">
+                <a:solidFill>
+                  <a:srgbClr val="C1CD23"/>
+                </a:solidFill>
+              </a:rPr>
+              <a:t>|</a:t>
+            </a:r>
+            <a:r>
+              <a:rPr lang="en-US"/>
+              <a:t> </a:t>
+            </a:r>
+            <a:fld id="{295008BC-DA31-4D19-837B-EFA4386B05F5}" type="slidenum">
+              <a:rPr lang="en-US" smtClean="0">
+                <a:solidFill>
+                  <a:schemeClr val="tx1">
+                    <a:lumMod val="50000"/>
+                    <a:lumOff val="50000"/>
+                  </a:schemeClr>
+                </a:solidFill>
+              </a:rPr>
+              <a:pPr/>
+              <a:t>27</a:t>
+            </a:fld>
+            <a:r>
+              <a:rPr lang="en-US"/>
+              <a:t> </a:t>
+            </a:r>
+            <a:r>
+              <a:rPr lang="en-US">
+                <a:solidFill>
+                  <a:srgbClr val="C1CD23"/>
+                </a:solidFill>
+              </a:rPr>
+              <a:t>|</a:t>
+            </a:r>
+            <a:endParaRPr lang="en-US" dirty="0">
+              <a:solidFill>
+                <a:srgbClr val="C1CD23"/>
+              </a:solidFill>
+            </a:endParaRPr>
+          </a:p>
+        </p:txBody>
+      </p:sp>
+      <p:pic>
+        <p:nvPicPr>
+          <p:cNvPr id="8" name="Content Placeholder 7">
+            <a:extLst>
+              <a:ext uri="{FF2B5EF4-FFF2-40B4-BE49-F238E27FC236}">
+                <a16:creationId xmlns:a16="http://schemas.microsoft.com/office/drawing/2014/main" id="{A9A141CC-65B1-43FA-A9BB-E61F09810E45}"/>
+              </a:ext>
+            </a:extLst>
+          </p:cNvPr>
+          <p:cNvPicPr>
+            <a:picLocks noGrp="1" noChangeAspect="1"/>
+          </p:cNvPicPr>
+          <p:nvPr>
+            <p:ph idx="1"/>
+          </p:nvPr>
+        </p:nvPicPr>
+        <p:blipFill rotWithShape="1">
+          <a:blip r:embed="rId2"/>
+          <a:srcRect t="10516" b="7235"/>
+          <a:stretch/>
+        </p:blipFill>
+        <p:spPr>
+          <a:xfrm>
+            <a:off x="609600" y="1391139"/>
+            <a:ext cx="7770246" cy="4493846"/>
+          </a:xfrm>
+          <a:prstGeom prst="rect">
+            <a:avLst/>
+          </a:prstGeom>
+        </p:spPr>
+      </p:pic>
+    </p:spTree>
+    <p:extLst>
+      <p:ext uri="{BB962C8B-B14F-4D97-AF65-F5344CB8AC3E}">
+        <p14:creationId xmlns:p14="http://schemas.microsoft.com/office/powerpoint/2010/main" val="1853616999"/>
+      </p:ext>
+    </p:extLst>
+  </p:cSld>
+  <p:clrMapOvr>
+    <a:masterClrMapping/>
+  </p:clrMapOvr>
+</p:sld>
+</file>
+
+<file path=ppt/slides/slide28.xml><?xml version="1.0" encoding="utf-8"?>
+<p:sld xmlns:a="http://schemas.openxmlformats.org/drawingml/2006/main" xmlns:r="http://schemas.openxmlformats.org/officeDocument/2006/relationships" xmlns:p="http://schemas.openxmlformats.org/presentationml/2006/main">
+  <p:cSld>
+    <p:spTree>
+      <p:nvGrpSpPr>
+        <p:cNvPr id="1" name=""/>
+        <p:cNvGrpSpPr/>
+        <p:nvPr/>
+      </p:nvGrpSpPr>
+      <p:grpSpPr>
+        <a:xfrm>
+          <a:off x="0" y="0"/>
+          <a:ext cx="0" cy="0"/>
+          <a:chOff x="0" y="0"/>
+          <a:chExt cx="0" cy="0"/>
+        </a:xfrm>
+      </p:grpSpPr>
+      <p:sp>
+        <p:nvSpPr>
+          <p:cNvPr id="6" name="Subtitle 5">
+            <a:extLst>
+              <a:ext uri="{FF2B5EF4-FFF2-40B4-BE49-F238E27FC236}">
+                <a16:creationId xmlns:a16="http://schemas.microsoft.com/office/drawing/2014/main" id="{5575901E-5C1C-47EB-BA93-EE0265143D08}"/>
+              </a:ext>
+            </a:extLst>
+          </p:cNvPr>
+          <p:cNvSpPr>
+            <a:spLocks noGrp="1"/>
+          </p:cNvSpPr>
+          <p:nvPr>
+            <p:ph type="subTitle" idx="1"/>
+          </p:nvPr>
+        </p:nvSpPr>
+        <p:spPr/>
+        <p:txBody>
+          <a:bodyPr>
+            <a:normAutofit lnSpcReduction="10000"/>
+          </a:bodyPr>
+          <a:lstStyle/>
+          <a:p>
+            <a:endParaRPr lang="en-US"/>
+          </a:p>
+        </p:txBody>
+      </p:sp>
+      <p:sp>
+        <p:nvSpPr>
+          <p:cNvPr id="5" name="Title 4">
+            <a:extLst>
+              <a:ext uri="{FF2B5EF4-FFF2-40B4-BE49-F238E27FC236}">
+                <a16:creationId xmlns:a16="http://schemas.microsoft.com/office/drawing/2014/main" id="{7BC40F86-9783-45EE-B199-C58EC152D42E}"/>
+              </a:ext>
+            </a:extLst>
+          </p:cNvPr>
+          <p:cNvSpPr>
+            <a:spLocks noGrp="1"/>
+          </p:cNvSpPr>
+          <p:nvPr>
+            <p:ph type="ctrTitle" sz="quarter"/>
+          </p:nvPr>
+        </p:nvSpPr>
+        <p:spPr/>
+        <p:txBody>
+          <a:bodyPr/>
+          <a:lstStyle/>
+          <a:p>
+            <a:r>
+              <a:rPr lang="en-US" dirty="0"/>
+              <a:t>Submission through GitHub</a:t>
+            </a:r>
+          </a:p>
+        </p:txBody>
+      </p:sp>
+      <p:sp>
+        <p:nvSpPr>
+          <p:cNvPr id="4" name="Slide Number Placeholder 3">
+            <a:extLst>
+              <a:ext uri="{FF2B5EF4-FFF2-40B4-BE49-F238E27FC236}">
+                <a16:creationId xmlns:a16="http://schemas.microsoft.com/office/drawing/2014/main" id="{5E08C8F3-0016-4298-B76A-4A7917820ED3}"/>
+              </a:ext>
+            </a:extLst>
+          </p:cNvPr>
+          <p:cNvSpPr>
+            <a:spLocks noGrp="1"/>
+          </p:cNvSpPr>
+          <p:nvPr>
+            <p:ph type="sldNum" sz="quarter" idx="4"/>
+          </p:nvPr>
+        </p:nvSpPr>
+        <p:spPr/>
+        <p:txBody>
+          <a:bodyPr/>
+          <a:lstStyle/>
+          <a:p>
+            <a:r>
+              <a:rPr lang="en-US">
+                <a:solidFill>
+                  <a:srgbClr val="C1CD23"/>
+                </a:solidFill>
+              </a:rPr>
+              <a:t>|</a:t>
+            </a:r>
+            <a:r>
+              <a:rPr lang="en-US"/>
+              <a:t> </a:t>
+            </a:r>
+            <a:fld id="{295008BC-DA31-4D19-837B-EFA4386B05F5}" type="slidenum">
+              <a:rPr lang="en-US" smtClean="0">
+                <a:solidFill>
+                  <a:schemeClr val="tx1">
+                    <a:lumMod val="50000"/>
+                    <a:lumOff val="50000"/>
+                  </a:schemeClr>
+                </a:solidFill>
+              </a:rPr>
+              <a:pPr/>
+              <a:t>28</a:t>
+            </a:fld>
+            <a:r>
+              <a:rPr lang="en-US"/>
+              <a:t> </a:t>
+            </a:r>
+            <a:r>
+              <a:rPr lang="en-US">
+                <a:solidFill>
+                  <a:srgbClr val="C1CD23"/>
+                </a:solidFill>
+              </a:rPr>
+              <a:t>|</a:t>
+            </a:r>
+            <a:endParaRPr lang="en-US" dirty="0">
+              <a:solidFill>
+                <a:srgbClr val="C1CD23"/>
+              </a:solidFill>
+            </a:endParaRPr>
+          </a:p>
+        </p:txBody>
+      </p:sp>
+    </p:spTree>
+    <p:extLst>
+      <p:ext uri="{BB962C8B-B14F-4D97-AF65-F5344CB8AC3E}">
+        <p14:creationId xmlns:p14="http://schemas.microsoft.com/office/powerpoint/2010/main" val="1737828317"/>
+      </p:ext>
+    </p:extLst>
+  </p:cSld>
+  <p:clrMapOvr>
+    <a:masterClrMapping/>
+  </p:clrMapOvr>
+</p:sld>
+</file>
+
+<file path=ppt/slides/slide29.xml><?xml version="1.0" encoding="utf-8"?>
+<p:sld xmlns:a="http://schemas.openxmlformats.org/drawingml/2006/main" xmlns:r="http://schemas.openxmlformats.org/officeDocument/2006/relationships" xmlns:p="http://schemas.openxmlformats.org/presentationml/2006/main">
+  <p:cSld>
+    <p:spTree>
+      <p:nvGrpSpPr>
+        <p:cNvPr id="1" name=""/>
+        <p:cNvGrpSpPr/>
+        <p:nvPr/>
+      </p:nvGrpSpPr>
+      <p:grpSpPr>
+        <a:xfrm>
+          <a:off x="0" y="0"/>
+          <a:ext cx="0" cy="0"/>
+          <a:chOff x="0" y="0"/>
+          <a:chExt cx="0" cy="0"/>
+        </a:xfrm>
+      </p:grpSpPr>
+      <p:sp>
+        <p:nvSpPr>
+          <p:cNvPr id="2" name="Title 1">
+            <a:extLst>
+              <a:ext uri="{FF2B5EF4-FFF2-40B4-BE49-F238E27FC236}">
+                <a16:creationId xmlns:a16="http://schemas.microsoft.com/office/drawing/2014/main" id="{2E2A0B79-B841-44DB-8405-78549278E842}"/>
+              </a:ext>
+            </a:extLst>
+          </p:cNvPr>
+          <p:cNvSpPr>
+            <a:spLocks noGrp="1"/>
+          </p:cNvSpPr>
+          <p:nvPr>
+            <p:ph type="title"/>
+          </p:nvPr>
+        </p:nvSpPr>
+        <p:spPr/>
+        <p:txBody>
+          <a:bodyPr/>
+          <a:lstStyle/>
+          <a:p>
+            <a:r>
+              <a:rPr lang="en-US" dirty="0"/>
+              <a:t>Git Submission (Initial Setup)</a:t>
+            </a:r>
+          </a:p>
+        </p:txBody>
+      </p:sp>
+      <p:sp>
+        <p:nvSpPr>
+          <p:cNvPr id="3" name="Content Placeholder 2">
+            <a:extLst>
+              <a:ext uri="{FF2B5EF4-FFF2-40B4-BE49-F238E27FC236}">
+                <a16:creationId xmlns:a16="http://schemas.microsoft.com/office/drawing/2014/main" id="{60E0246B-E6EF-4C01-AE2D-9E6E7F2DF57D}"/>
+              </a:ext>
+            </a:extLst>
+          </p:cNvPr>
+          <p:cNvSpPr>
+            <a:spLocks noGrp="1"/>
+          </p:cNvSpPr>
+          <p:nvPr>
+            <p:ph idx="1"/>
+          </p:nvPr>
+        </p:nvSpPr>
+        <p:spPr/>
+        <p:txBody>
+          <a:bodyPr>
+            <a:normAutofit lnSpcReduction="10000"/>
+          </a:bodyPr>
+          <a:lstStyle/>
+          <a:p>
+            <a:r>
+              <a:rPr lang="en-US" dirty="0"/>
+              <a:t>Create a Github.com account</a:t>
+            </a:r>
+          </a:p>
+          <a:p>
+            <a:r>
+              <a:rPr lang="en-US" dirty="0"/>
+              <a:t>Inform your parent CNA of the account you will be using</a:t>
+            </a:r>
+          </a:p>
+          <a:p>
+            <a:r>
+              <a:rPr lang="en-US" dirty="0"/>
+              <a:t>Fork your parent’s repository</a:t>
+            </a:r>
+          </a:p>
+          <a:p>
+            <a:pPr lvl="1"/>
+            <a:r>
+              <a:rPr lang="en-US" dirty="0"/>
+              <a:t>E.g. child CNAs of MITRE fork </a:t>
+            </a:r>
+            <a:r>
+              <a:rPr lang="en-US" dirty="0" err="1">
+                <a:hlinkClick r:id="rId2"/>
+              </a:rPr>
+              <a:t>CVEProject</a:t>
+            </a:r>
+            <a:r>
+              <a:rPr lang="en-US" dirty="0">
+                <a:hlinkClick r:id="rId2"/>
+              </a:rPr>
+              <a:t>/</a:t>
+            </a:r>
+            <a:r>
+              <a:rPr lang="en-US" dirty="0" err="1">
+                <a:hlinkClick r:id="rId2"/>
+              </a:rPr>
+              <a:t>cvelist</a:t>
+            </a:r>
+            <a:r>
+              <a:rPr lang="en-US" dirty="0"/>
+              <a:t>, but child CNAs of DWF for </a:t>
+            </a:r>
+            <a:r>
+              <a:rPr lang="en-US" dirty="0" err="1">
+                <a:hlinkClick r:id="rId3"/>
+              </a:rPr>
+              <a:t>distributedweaknessfiling</a:t>
+            </a:r>
+            <a:r>
+              <a:rPr lang="en-US" dirty="0">
+                <a:hlinkClick r:id="rId3"/>
+              </a:rPr>
+              <a:t>/</a:t>
+            </a:r>
+            <a:r>
+              <a:rPr lang="en-US" dirty="0" err="1">
+                <a:hlinkClick r:id="rId3"/>
+              </a:rPr>
+              <a:t>cvelist</a:t>
+            </a:r>
+            <a:endParaRPr lang="en-US" dirty="0"/>
+          </a:p>
+          <a:p>
+            <a:pPr lvl="1"/>
+            <a:r>
+              <a:rPr lang="en-US" dirty="0"/>
+              <a:t>You can use your personal account or an organization account for the fork.</a:t>
+            </a:r>
+          </a:p>
+          <a:p>
+            <a:pPr lvl="1"/>
+            <a:r>
+              <a:rPr lang="en-US" dirty="0"/>
+              <a:t>GitHub provides a web interface for organization forks</a:t>
+            </a:r>
+          </a:p>
+          <a:p>
+            <a:r>
+              <a:rPr lang="en-US" dirty="0"/>
+              <a:t>Clone the your fork to a local repository</a:t>
+            </a:r>
+          </a:p>
+          <a:p>
+            <a:r>
+              <a:rPr lang="en-US" dirty="0"/>
+              <a:t>Set the upstream git repo</a:t>
+            </a:r>
+          </a:p>
+          <a:p>
+            <a:pPr lvl="1"/>
+            <a:r>
+              <a:rPr lang="en-US" dirty="0"/>
+              <a:t>git remote add upstream git@github.com:</a:t>
+            </a:r>
+            <a:r>
+              <a:rPr lang="en-US" dirty="0">
+                <a:solidFill>
+                  <a:srgbClr val="FF0000"/>
+                </a:solidFill>
+              </a:rPr>
+              <a:t>[PARENT REPO]</a:t>
+            </a:r>
+          </a:p>
+          <a:p>
+            <a:pPr lvl="1"/>
+            <a:r>
+              <a:rPr lang="en-US" dirty="0">
+                <a:solidFill>
+                  <a:srgbClr val="FF0000"/>
+                </a:solidFill>
+              </a:rPr>
+              <a:t>[PARENT REPO]</a:t>
+            </a:r>
+            <a:r>
+              <a:rPr lang="en-US" dirty="0"/>
+              <a:t> is the path to your parent’s repo, e.g. </a:t>
+            </a:r>
+            <a:r>
+              <a:rPr lang="en-US" dirty="0" err="1">
+                <a:hlinkClick r:id="rId2"/>
+              </a:rPr>
+              <a:t>CVEProject</a:t>
+            </a:r>
+            <a:r>
+              <a:rPr lang="en-US" dirty="0">
+                <a:hlinkClick r:id="rId2"/>
+              </a:rPr>
+              <a:t>/</a:t>
+            </a:r>
+            <a:r>
+              <a:rPr lang="en-US" dirty="0" err="1">
+                <a:hlinkClick r:id="rId2"/>
+              </a:rPr>
+              <a:t>cvelist</a:t>
+            </a:r>
+            <a:endParaRPr lang="en-US" dirty="0">
+              <a:solidFill>
+                <a:srgbClr val="FF0000"/>
+              </a:solidFill>
+            </a:endParaRPr>
+          </a:p>
+        </p:txBody>
+      </p:sp>
+      <p:sp>
+        <p:nvSpPr>
+          <p:cNvPr id="4" name="Slide Number Placeholder 3">
+            <a:extLst>
+              <a:ext uri="{FF2B5EF4-FFF2-40B4-BE49-F238E27FC236}">
+                <a16:creationId xmlns:a16="http://schemas.microsoft.com/office/drawing/2014/main" id="{536F6B2E-867D-44B3-ACCC-F2D981065911}"/>
+              </a:ext>
+            </a:extLst>
+          </p:cNvPr>
+          <p:cNvSpPr>
+            <a:spLocks noGrp="1"/>
+          </p:cNvSpPr>
+          <p:nvPr>
+            <p:ph type="sldNum" sz="quarter" idx="4"/>
+          </p:nvPr>
+        </p:nvSpPr>
+        <p:spPr/>
+        <p:txBody>
+          <a:bodyPr/>
+          <a:lstStyle/>
+          <a:p>
+            <a:r>
+              <a:rPr lang="en-US">
+                <a:solidFill>
+                  <a:srgbClr val="C1CD23"/>
+                </a:solidFill>
+              </a:rPr>
+              <a:t>|</a:t>
+            </a:r>
+            <a:r>
+              <a:rPr lang="en-US"/>
+              <a:t> </a:t>
+            </a:r>
+            <a:fld id="{295008BC-DA31-4D19-837B-EFA4386B05F5}" type="slidenum">
+              <a:rPr lang="en-US" smtClean="0">
+                <a:solidFill>
+                  <a:schemeClr val="tx1">
+                    <a:lumMod val="50000"/>
+                    <a:lumOff val="50000"/>
+                  </a:schemeClr>
+                </a:solidFill>
+              </a:rPr>
+              <a:pPr/>
+              <a:t>29</a:t>
+            </a:fld>
+            <a:r>
+              <a:rPr lang="en-US"/>
+              <a:t> </a:t>
+            </a:r>
+            <a:r>
+              <a:rPr lang="en-US">
+                <a:solidFill>
+                  <a:srgbClr val="C1CD23"/>
+                </a:solidFill>
+              </a:rPr>
+              <a:t>|</a:t>
+            </a:r>
+            <a:endParaRPr lang="en-US" dirty="0">
+              <a:solidFill>
+                <a:srgbClr val="C1CD23"/>
+              </a:solidFill>
+            </a:endParaRPr>
+          </a:p>
+        </p:txBody>
+      </p:sp>
+    </p:spTree>
+    <p:extLst>
+      <p:ext uri="{BB962C8B-B14F-4D97-AF65-F5344CB8AC3E}">
+        <p14:creationId xmlns:p14="http://schemas.microsoft.com/office/powerpoint/2010/main" val="2548866891"/>
       </p:ext>
     </p:extLst>
   </p:cSld>
@@ -8761,6 +9038,2108 @@
 </p:sld>
 </file>
 
+<file path=ppt/slides/slide30.xml><?xml version="1.0" encoding="utf-8"?>
+<p:sld xmlns:a="http://schemas.openxmlformats.org/drawingml/2006/main" xmlns:r="http://schemas.openxmlformats.org/officeDocument/2006/relationships" xmlns:p="http://schemas.openxmlformats.org/presentationml/2006/main">
+  <p:cSld>
+    <p:spTree>
+      <p:nvGrpSpPr>
+        <p:cNvPr id="1" name=""/>
+        <p:cNvGrpSpPr/>
+        <p:nvPr/>
+      </p:nvGrpSpPr>
+      <p:grpSpPr>
+        <a:xfrm>
+          <a:off x="0" y="0"/>
+          <a:ext cx="0" cy="0"/>
+          <a:chOff x="0" y="0"/>
+          <a:chExt cx="0" cy="0"/>
+        </a:xfrm>
+      </p:grpSpPr>
+      <p:sp>
+        <p:nvSpPr>
+          <p:cNvPr id="2" name="Title 1">
+            <a:extLst>
+              <a:ext uri="{FF2B5EF4-FFF2-40B4-BE49-F238E27FC236}">
+                <a16:creationId xmlns:a16="http://schemas.microsoft.com/office/drawing/2014/main" id="{78A9A1F1-838B-494C-9025-528DD15801E9}"/>
+              </a:ext>
+            </a:extLst>
+          </p:cNvPr>
+          <p:cNvSpPr>
+            <a:spLocks noGrp="1"/>
+          </p:cNvSpPr>
+          <p:nvPr>
+            <p:ph type="title"/>
+          </p:nvPr>
+        </p:nvSpPr>
+        <p:spPr/>
+        <p:txBody>
+          <a:bodyPr/>
+          <a:lstStyle/>
+          <a:p>
+            <a:r>
+              <a:rPr lang="en-US" dirty="0"/>
+              <a:t>Git Submission, part 1</a:t>
+            </a:r>
+          </a:p>
+        </p:txBody>
+      </p:sp>
+      <p:sp>
+        <p:nvSpPr>
+          <p:cNvPr id="3" name="Content Placeholder 2">
+            <a:extLst>
+              <a:ext uri="{FF2B5EF4-FFF2-40B4-BE49-F238E27FC236}">
+                <a16:creationId xmlns:a16="http://schemas.microsoft.com/office/drawing/2014/main" id="{4BC52A66-7945-49D6-A64F-DB94719D3548}"/>
+              </a:ext>
+            </a:extLst>
+          </p:cNvPr>
+          <p:cNvSpPr>
+            <a:spLocks noGrp="1"/>
+          </p:cNvSpPr>
+          <p:nvPr>
+            <p:ph idx="1"/>
+          </p:nvPr>
+        </p:nvSpPr>
+        <p:spPr/>
+        <p:txBody>
+          <a:bodyPr>
+            <a:normAutofit lnSpcReduction="10000"/>
+          </a:bodyPr>
+          <a:lstStyle/>
+          <a:p>
+            <a:r>
+              <a:rPr lang="en-US" dirty="0"/>
+              <a:t>Ensure your </a:t>
+            </a:r>
+            <a:r>
+              <a:rPr lang="en-US" dirty="0">
+                <a:hlinkClick r:id="rId2"/>
+              </a:rPr>
+              <a:t>fork is up to date</a:t>
+            </a:r>
+            <a:endParaRPr lang="en-US" dirty="0"/>
+          </a:p>
+          <a:p>
+            <a:pPr lvl="1"/>
+            <a:r>
+              <a:rPr lang="en-US" dirty="0"/>
+              <a:t>git fetch upstream</a:t>
+            </a:r>
+          </a:p>
+          <a:p>
+            <a:pPr lvl="1"/>
+            <a:r>
+              <a:rPr lang="en-US" dirty="0"/>
+              <a:t>git checkout master</a:t>
+            </a:r>
+          </a:p>
+          <a:p>
+            <a:pPr lvl="1"/>
+            <a:r>
+              <a:rPr lang="en-US" dirty="0"/>
+              <a:t>git merge upstream/master</a:t>
+            </a:r>
+          </a:p>
+          <a:p>
+            <a:pPr lvl="1"/>
+            <a:r>
+              <a:rPr lang="en-US" dirty="0"/>
+              <a:t>Optionally push any updates from the upstream </a:t>
+            </a:r>
+            <a:r>
+              <a:rPr lang="en-US" dirty="0" err="1"/>
+              <a:t>CVEProject</a:t>
+            </a:r>
+            <a:r>
+              <a:rPr lang="en-US" dirty="0"/>
+              <a:t>/</a:t>
+            </a:r>
+            <a:r>
+              <a:rPr lang="en-US" dirty="0" err="1"/>
+              <a:t>cvelist</a:t>
+            </a:r>
+            <a:r>
+              <a:rPr lang="en-US" dirty="0"/>
+              <a:t> master back to you fork on Github.com:</a:t>
+            </a:r>
+          </a:p>
+          <a:p>
+            <a:pPr lvl="2"/>
+            <a:r>
+              <a:rPr lang="en-US" dirty="0"/>
+              <a:t>git push</a:t>
+            </a:r>
+          </a:p>
+          <a:p>
+            <a:r>
+              <a:rPr lang="en-US" dirty="0"/>
+              <a:t>Create a new branch, separate from master, for each submission</a:t>
+            </a:r>
+          </a:p>
+          <a:p>
+            <a:pPr lvl="1"/>
+            <a:r>
+              <a:rPr lang="en-US" dirty="0"/>
+              <a:t>git branch $YOUR_BRANCH master</a:t>
+            </a:r>
+          </a:p>
+          <a:p>
+            <a:pPr lvl="1"/>
+            <a:r>
+              <a:rPr lang="en-US" dirty="0"/>
+              <a:t>Include multiple, related updates when possible</a:t>
+            </a:r>
+          </a:p>
+          <a:p>
+            <a:pPr lvl="1"/>
+            <a:r>
+              <a:rPr lang="en-US" dirty="0"/>
+              <a:t>If you are working on multiple branches make sure you explicitly branch against master otherwise future branches may include work from other local branches</a:t>
+            </a:r>
+          </a:p>
+        </p:txBody>
+      </p:sp>
+      <p:sp>
+        <p:nvSpPr>
+          <p:cNvPr id="4" name="Slide Number Placeholder 3">
+            <a:extLst>
+              <a:ext uri="{FF2B5EF4-FFF2-40B4-BE49-F238E27FC236}">
+                <a16:creationId xmlns:a16="http://schemas.microsoft.com/office/drawing/2014/main" id="{F5E72ECE-332D-420A-AF75-C6E5FDF80C9F}"/>
+              </a:ext>
+            </a:extLst>
+          </p:cNvPr>
+          <p:cNvSpPr>
+            <a:spLocks noGrp="1"/>
+          </p:cNvSpPr>
+          <p:nvPr>
+            <p:ph type="sldNum" sz="quarter" idx="4"/>
+          </p:nvPr>
+        </p:nvSpPr>
+        <p:spPr/>
+        <p:txBody>
+          <a:bodyPr/>
+          <a:lstStyle/>
+          <a:p>
+            <a:r>
+              <a:rPr lang="en-US">
+                <a:solidFill>
+                  <a:srgbClr val="C1CD23"/>
+                </a:solidFill>
+              </a:rPr>
+              <a:t>|</a:t>
+            </a:r>
+            <a:r>
+              <a:rPr lang="en-US"/>
+              <a:t> </a:t>
+            </a:r>
+            <a:fld id="{295008BC-DA31-4D19-837B-EFA4386B05F5}" type="slidenum">
+              <a:rPr lang="en-US" smtClean="0">
+                <a:solidFill>
+                  <a:schemeClr val="tx1">
+                    <a:lumMod val="50000"/>
+                    <a:lumOff val="50000"/>
+                  </a:schemeClr>
+                </a:solidFill>
+              </a:rPr>
+              <a:pPr/>
+              <a:t>30</a:t>
+            </a:fld>
+            <a:r>
+              <a:rPr lang="en-US"/>
+              <a:t> </a:t>
+            </a:r>
+            <a:r>
+              <a:rPr lang="en-US">
+                <a:solidFill>
+                  <a:srgbClr val="C1CD23"/>
+                </a:solidFill>
+              </a:rPr>
+              <a:t>|</a:t>
+            </a:r>
+            <a:endParaRPr lang="en-US" dirty="0">
+              <a:solidFill>
+                <a:srgbClr val="C1CD23"/>
+              </a:solidFill>
+            </a:endParaRPr>
+          </a:p>
+        </p:txBody>
+      </p:sp>
+    </p:spTree>
+    <p:extLst>
+      <p:ext uri="{BB962C8B-B14F-4D97-AF65-F5344CB8AC3E}">
+        <p14:creationId xmlns:p14="http://schemas.microsoft.com/office/powerpoint/2010/main" val="561487053"/>
+      </p:ext>
+    </p:extLst>
+  </p:cSld>
+  <p:clrMapOvr>
+    <a:masterClrMapping/>
+  </p:clrMapOvr>
+</p:sld>
+</file>
+
+<file path=ppt/slides/slide31.xml><?xml version="1.0" encoding="utf-8"?>
+<p:sld xmlns:a="http://schemas.openxmlformats.org/drawingml/2006/main" xmlns:r="http://schemas.openxmlformats.org/officeDocument/2006/relationships" xmlns:p="http://schemas.openxmlformats.org/presentationml/2006/main">
+  <p:cSld>
+    <p:spTree>
+      <p:nvGrpSpPr>
+        <p:cNvPr id="1" name=""/>
+        <p:cNvGrpSpPr/>
+        <p:nvPr/>
+      </p:nvGrpSpPr>
+      <p:grpSpPr>
+        <a:xfrm>
+          <a:off x="0" y="0"/>
+          <a:ext cx="0" cy="0"/>
+          <a:chOff x="0" y="0"/>
+          <a:chExt cx="0" cy="0"/>
+        </a:xfrm>
+      </p:grpSpPr>
+      <p:sp>
+        <p:nvSpPr>
+          <p:cNvPr id="2" name="Title 1">
+            <a:extLst>
+              <a:ext uri="{FF2B5EF4-FFF2-40B4-BE49-F238E27FC236}">
+                <a16:creationId xmlns:a16="http://schemas.microsoft.com/office/drawing/2014/main" id="{607CB426-1B39-4C07-9B2F-C3483ACA0D06}"/>
+              </a:ext>
+            </a:extLst>
+          </p:cNvPr>
+          <p:cNvSpPr>
+            <a:spLocks noGrp="1"/>
+          </p:cNvSpPr>
+          <p:nvPr>
+            <p:ph type="title"/>
+          </p:nvPr>
+        </p:nvSpPr>
+        <p:spPr/>
+        <p:txBody>
+          <a:bodyPr/>
+          <a:lstStyle/>
+          <a:p>
+            <a:r>
+              <a:rPr lang="en-US" dirty="0"/>
+              <a:t>Git Submission, part 2</a:t>
+            </a:r>
+          </a:p>
+        </p:txBody>
+      </p:sp>
+      <p:sp>
+        <p:nvSpPr>
+          <p:cNvPr id="3" name="Content Placeholder 2">
+            <a:extLst>
+              <a:ext uri="{FF2B5EF4-FFF2-40B4-BE49-F238E27FC236}">
+                <a16:creationId xmlns:a16="http://schemas.microsoft.com/office/drawing/2014/main" id="{4F36EC7D-E57D-48EF-9F31-94C925B2F387}"/>
+              </a:ext>
+            </a:extLst>
+          </p:cNvPr>
+          <p:cNvSpPr>
+            <a:spLocks noGrp="1"/>
+          </p:cNvSpPr>
+          <p:nvPr>
+            <p:ph idx="1"/>
+          </p:nvPr>
+        </p:nvSpPr>
+        <p:spPr/>
+        <p:txBody>
+          <a:bodyPr/>
+          <a:lstStyle/>
+          <a:p>
+            <a:r>
+              <a:rPr lang="en-US" dirty="0"/>
+              <a:t>Make changes to your branch</a:t>
+            </a:r>
+          </a:p>
+          <a:p>
+            <a:pPr lvl="1"/>
+            <a:r>
+              <a:rPr lang="en-US" dirty="0"/>
+              <a:t>git checkout $YOUR_BRANCH</a:t>
+            </a:r>
+          </a:p>
+          <a:p>
+            <a:pPr lvl="1"/>
+            <a:r>
+              <a:rPr lang="en-US" dirty="0"/>
+              <a:t>Edit the files you want to change in your branch</a:t>
+            </a:r>
+          </a:p>
+          <a:p>
+            <a:pPr lvl="1"/>
+            <a:r>
+              <a:rPr lang="en-US" dirty="0"/>
+              <a:t>Limit your changes to only the portions of the JSON that needs updating.  Otherwise, you may accidentally overwrite information.</a:t>
+            </a:r>
+          </a:p>
+          <a:p>
+            <a:r>
+              <a:rPr lang="en-US" dirty="0"/>
+              <a:t>Validate the changes against the JSON schema</a:t>
+            </a:r>
+          </a:p>
+          <a:p>
+            <a:pPr lvl="1"/>
+            <a:r>
+              <a:rPr lang="en-US" dirty="0"/>
+              <a:t>python -m </a:t>
+            </a:r>
+            <a:r>
+              <a:rPr lang="en-US" dirty="0" err="1"/>
+              <a:t>json.tool</a:t>
+            </a:r>
+            <a:r>
+              <a:rPr lang="en-US" dirty="0"/>
+              <a:t> &lt; $</a:t>
+            </a:r>
+            <a:r>
+              <a:rPr lang="en-US" dirty="0" err="1"/>
+              <a:t>CHANGED_FILE.json</a:t>
+            </a:r>
+            <a:endParaRPr lang="en-US" dirty="0"/>
+          </a:p>
+          <a:p>
+            <a:pPr lvl="1"/>
+            <a:r>
+              <a:rPr lang="en-US" dirty="0" err="1"/>
+              <a:t>jsonschema</a:t>
+            </a:r>
+            <a:r>
+              <a:rPr lang="en-US" dirty="0"/>
+              <a:t> -</a:t>
+            </a:r>
+            <a:r>
+              <a:rPr lang="en-US" dirty="0" err="1"/>
+              <a:t>i</a:t>
+            </a:r>
+            <a:r>
+              <a:rPr lang="en-US" dirty="0"/>
+              <a:t> $</a:t>
+            </a:r>
+            <a:r>
+              <a:rPr lang="en-US" dirty="0" err="1"/>
+              <a:t>CHANGED_FILE.json</a:t>
+            </a:r>
+            <a:r>
+              <a:rPr lang="en-US" dirty="0"/>
+              <a:t> CVE_JSON_4.0_min_public.schema</a:t>
+            </a:r>
+          </a:p>
+          <a:p>
+            <a:pPr lvl="1"/>
+            <a:r>
+              <a:rPr lang="en-US" dirty="0"/>
+              <a:t>The schema file is available in the </a:t>
+            </a:r>
+            <a:r>
+              <a:rPr lang="en-US" dirty="0">
+                <a:hlinkClick r:id="rId2"/>
+              </a:rPr>
+              <a:t>CVE Automation Working Group</a:t>
+            </a:r>
+            <a:r>
+              <a:rPr lang="en-US" dirty="0"/>
+              <a:t> and </a:t>
+            </a:r>
+            <a:r>
+              <a:rPr lang="en-US" dirty="0">
+                <a:hlinkClick r:id="rId3"/>
+              </a:rPr>
+              <a:t>version 4</a:t>
+            </a:r>
+            <a:r>
+              <a:rPr lang="en-US" dirty="0"/>
+              <a:t> is currently in use.</a:t>
+            </a:r>
+          </a:p>
+        </p:txBody>
+      </p:sp>
+      <p:sp>
+        <p:nvSpPr>
+          <p:cNvPr id="4" name="Slide Number Placeholder 3">
+            <a:extLst>
+              <a:ext uri="{FF2B5EF4-FFF2-40B4-BE49-F238E27FC236}">
+                <a16:creationId xmlns:a16="http://schemas.microsoft.com/office/drawing/2014/main" id="{797ED114-8DA7-411A-AA3A-A2D281331524}"/>
+              </a:ext>
+            </a:extLst>
+          </p:cNvPr>
+          <p:cNvSpPr>
+            <a:spLocks noGrp="1"/>
+          </p:cNvSpPr>
+          <p:nvPr>
+            <p:ph type="sldNum" sz="quarter" idx="4"/>
+          </p:nvPr>
+        </p:nvSpPr>
+        <p:spPr/>
+        <p:txBody>
+          <a:bodyPr/>
+          <a:lstStyle/>
+          <a:p>
+            <a:r>
+              <a:rPr lang="en-US">
+                <a:solidFill>
+                  <a:srgbClr val="C1CD23"/>
+                </a:solidFill>
+              </a:rPr>
+              <a:t>|</a:t>
+            </a:r>
+            <a:r>
+              <a:rPr lang="en-US"/>
+              <a:t> </a:t>
+            </a:r>
+            <a:fld id="{295008BC-DA31-4D19-837B-EFA4386B05F5}" type="slidenum">
+              <a:rPr lang="en-US" smtClean="0">
+                <a:solidFill>
+                  <a:schemeClr val="tx1">
+                    <a:lumMod val="50000"/>
+                    <a:lumOff val="50000"/>
+                  </a:schemeClr>
+                </a:solidFill>
+              </a:rPr>
+              <a:pPr/>
+              <a:t>31</a:t>
+            </a:fld>
+            <a:r>
+              <a:rPr lang="en-US"/>
+              <a:t> </a:t>
+            </a:r>
+            <a:r>
+              <a:rPr lang="en-US">
+                <a:solidFill>
+                  <a:srgbClr val="C1CD23"/>
+                </a:solidFill>
+              </a:rPr>
+              <a:t>|</a:t>
+            </a:r>
+            <a:endParaRPr lang="en-US" dirty="0">
+              <a:solidFill>
+                <a:srgbClr val="C1CD23"/>
+              </a:solidFill>
+            </a:endParaRPr>
+          </a:p>
+        </p:txBody>
+      </p:sp>
+    </p:spTree>
+    <p:extLst>
+      <p:ext uri="{BB962C8B-B14F-4D97-AF65-F5344CB8AC3E}">
+        <p14:creationId xmlns:p14="http://schemas.microsoft.com/office/powerpoint/2010/main" val="4280384714"/>
+      </p:ext>
+    </p:extLst>
+  </p:cSld>
+  <p:clrMapOvr>
+    <a:masterClrMapping/>
+  </p:clrMapOvr>
+</p:sld>
+</file>
+
+<file path=ppt/slides/slide32.xml><?xml version="1.0" encoding="utf-8"?>
+<p:sld xmlns:a="http://schemas.openxmlformats.org/drawingml/2006/main" xmlns:r="http://schemas.openxmlformats.org/officeDocument/2006/relationships" xmlns:p="http://schemas.openxmlformats.org/presentationml/2006/main">
+  <p:cSld>
+    <p:spTree>
+      <p:nvGrpSpPr>
+        <p:cNvPr id="1" name=""/>
+        <p:cNvGrpSpPr/>
+        <p:nvPr/>
+      </p:nvGrpSpPr>
+      <p:grpSpPr>
+        <a:xfrm>
+          <a:off x="0" y="0"/>
+          <a:ext cx="0" cy="0"/>
+          <a:chOff x="0" y="0"/>
+          <a:chExt cx="0" cy="0"/>
+        </a:xfrm>
+      </p:grpSpPr>
+      <p:sp>
+        <p:nvSpPr>
+          <p:cNvPr id="2" name="Title 1">
+            <a:extLst>
+              <a:ext uri="{FF2B5EF4-FFF2-40B4-BE49-F238E27FC236}">
+                <a16:creationId xmlns:a16="http://schemas.microsoft.com/office/drawing/2014/main" id="{334A369A-220B-4FC0-979A-4E1B89C059FA}"/>
+              </a:ext>
+            </a:extLst>
+          </p:cNvPr>
+          <p:cNvSpPr>
+            <a:spLocks noGrp="1"/>
+          </p:cNvSpPr>
+          <p:nvPr>
+            <p:ph type="title"/>
+          </p:nvPr>
+        </p:nvSpPr>
+        <p:spPr/>
+        <p:txBody>
+          <a:bodyPr/>
+          <a:lstStyle/>
+          <a:p>
+            <a:r>
+              <a:rPr lang="en-US" dirty="0"/>
+              <a:t>Git Submission, part 3</a:t>
+            </a:r>
+          </a:p>
+        </p:txBody>
+      </p:sp>
+      <p:sp>
+        <p:nvSpPr>
+          <p:cNvPr id="3" name="Content Placeholder 2">
+            <a:extLst>
+              <a:ext uri="{FF2B5EF4-FFF2-40B4-BE49-F238E27FC236}">
+                <a16:creationId xmlns:a16="http://schemas.microsoft.com/office/drawing/2014/main" id="{973E99FB-3E51-4B24-AAA0-6ABCFFF365C2}"/>
+              </a:ext>
+            </a:extLst>
+          </p:cNvPr>
+          <p:cNvSpPr>
+            <a:spLocks noGrp="1"/>
+          </p:cNvSpPr>
+          <p:nvPr>
+            <p:ph idx="1"/>
+          </p:nvPr>
+        </p:nvSpPr>
+        <p:spPr/>
+        <p:txBody>
+          <a:bodyPr/>
+          <a:lstStyle/>
+          <a:p>
+            <a:r>
+              <a:rPr lang="en-US" dirty="0"/>
+              <a:t>Review the updates</a:t>
+            </a:r>
+          </a:p>
+          <a:p>
+            <a:pPr lvl="1"/>
+            <a:r>
+              <a:rPr lang="en-US" dirty="0"/>
+              <a:t>Make sure that only information intend to make public is included.</a:t>
+            </a:r>
+          </a:p>
+          <a:p>
+            <a:pPr lvl="1"/>
+            <a:r>
+              <a:rPr lang="en-US" dirty="0"/>
+              <a:t>For example, check that every CVE id is mentioned in one of the references associated with it to avoid making public information about a vulnerability ahead of schedule.</a:t>
+            </a:r>
+          </a:p>
+          <a:p>
+            <a:pPr lvl="1"/>
+            <a:r>
+              <a:rPr lang="en-US" dirty="0"/>
+              <a:t>Also, review the details in the description. Do they agree with information in the associated references?</a:t>
+            </a:r>
+          </a:p>
+          <a:p>
+            <a:r>
+              <a:rPr lang="en-US" dirty="0"/>
+              <a:t>Commit the changes</a:t>
+            </a:r>
+          </a:p>
+          <a:p>
+            <a:pPr lvl="1"/>
+            <a:r>
+              <a:rPr lang="en-US" dirty="0"/>
+              <a:t>git commit –</a:t>
+            </a:r>
+            <a:r>
+              <a:rPr lang="en-US" dirty="0" err="1"/>
+              <a:t>av</a:t>
+            </a:r>
+            <a:endParaRPr lang="en-US" dirty="0"/>
+          </a:p>
+          <a:p>
+            <a:pPr lvl="1"/>
+            <a:r>
+              <a:rPr lang="en-US" dirty="0"/>
+              <a:t>If necessary, push your branch to Github.com</a:t>
+            </a:r>
+          </a:p>
+          <a:p>
+            <a:pPr lvl="2"/>
+            <a:r>
+              <a:rPr lang="en-US" dirty="0"/>
+              <a:t>Git push origin $YOUR_BRANCH</a:t>
+            </a:r>
+          </a:p>
+          <a:p>
+            <a:endParaRPr lang="en-US" dirty="0"/>
+          </a:p>
+        </p:txBody>
+      </p:sp>
+      <p:sp>
+        <p:nvSpPr>
+          <p:cNvPr id="4" name="Slide Number Placeholder 3">
+            <a:extLst>
+              <a:ext uri="{FF2B5EF4-FFF2-40B4-BE49-F238E27FC236}">
+                <a16:creationId xmlns:a16="http://schemas.microsoft.com/office/drawing/2014/main" id="{ED152C6A-6ECD-40B3-B64D-446CF3A3FA40}"/>
+              </a:ext>
+            </a:extLst>
+          </p:cNvPr>
+          <p:cNvSpPr>
+            <a:spLocks noGrp="1"/>
+          </p:cNvSpPr>
+          <p:nvPr>
+            <p:ph type="sldNum" sz="quarter" idx="4"/>
+          </p:nvPr>
+        </p:nvSpPr>
+        <p:spPr/>
+        <p:txBody>
+          <a:bodyPr/>
+          <a:lstStyle/>
+          <a:p>
+            <a:r>
+              <a:rPr lang="en-US">
+                <a:solidFill>
+                  <a:srgbClr val="C1CD23"/>
+                </a:solidFill>
+              </a:rPr>
+              <a:t>|</a:t>
+            </a:r>
+            <a:r>
+              <a:rPr lang="en-US"/>
+              <a:t> </a:t>
+            </a:r>
+            <a:fld id="{295008BC-DA31-4D19-837B-EFA4386B05F5}" type="slidenum">
+              <a:rPr lang="en-US" smtClean="0">
+                <a:solidFill>
+                  <a:schemeClr val="tx1">
+                    <a:lumMod val="50000"/>
+                    <a:lumOff val="50000"/>
+                  </a:schemeClr>
+                </a:solidFill>
+              </a:rPr>
+              <a:pPr/>
+              <a:t>32</a:t>
+            </a:fld>
+            <a:r>
+              <a:rPr lang="en-US"/>
+              <a:t> </a:t>
+            </a:r>
+            <a:r>
+              <a:rPr lang="en-US">
+                <a:solidFill>
+                  <a:srgbClr val="C1CD23"/>
+                </a:solidFill>
+              </a:rPr>
+              <a:t>|</a:t>
+            </a:r>
+            <a:endParaRPr lang="en-US" dirty="0">
+              <a:solidFill>
+                <a:srgbClr val="C1CD23"/>
+              </a:solidFill>
+            </a:endParaRPr>
+          </a:p>
+        </p:txBody>
+      </p:sp>
+    </p:spTree>
+    <p:extLst>
+      <p:ext uri="{BB962C8B-B14F-4D97-AF65-F5344CB8AC3E}">
+        <p14:creationId xmlns:p14="http://schemas.microsoft.com/office/powerpoint/2010/main" val="2631663868"/>
+      </p:ext>
+    </p:extLst>
+  </p:cSld>
+  <p:clrMapOvr>
+    <a:masterClrMapping/>
+  </p:clrMapOvr>
+</p:sld>
+</file>
+
+<file path=ppt/slides/slide33.xml><?xml version="1.0" encoding="utf-8"?>
+<p:sld xmlns:a="http://schemas.openxmlformats.org/drawingml/2006/main" xmlns:r="http://schemas.openxmlformats.org/officeDocument/2006/relationships" xmlns:p="http://schemas.openxmlformats.org/presentationml/2006/main">
+  <p:cSld>
+    <p:spTree>
+      <p:nvGrpSpPr>
+        <p:cNvPr id="1" name=""/>
+        <p:cNvGrpSpPr/>
+        <p:nvPr/>
+      </p:nvGrpSpPr>
+      <p:grpSpPr>
+        <a:xfrm>
+          <a:off x="0" y="0"/>
+          <a:ext cx="0" cy="0"/>
+          <a:chOff x="0" y="0"/>
+          <a:chExt cx="0" cy="0"/>
+        </a:xfrm>
+      </p:grpSpPr>
+      <p:sp>
+        <p:nvSpPr>
+          <p:cNvPr id="2" name="Title 1">
+            <a:extLst>
+              <a:ext uri="{FF2B5EF4-FFF2-40B4-BE49-F238E27FC236}">
+                <a16:creationId xmlns:a16="http://schemas.microsoft.com/office/drawing/2014/main" id="{4FCA0EDC-1009-4E35-8125-AEDA2C91243D}"/>
+              </a:ext>
+            </a:extLst>
+          </p:cNvPr>
+          <p:cNvSpPr>
+            <a:spLocks noGrp="1"/>
+          </p:cNvSpPr>
+          <p:nvPr>
+            <p:ph type="title"/>
+          </p:nvPr>
+        </p:nvSpPr>
+        <p:spPr/>
+        <p:txBody>
+          <a:bodyPr/>
+          <a:lstStyle/>
+          <a:p>
+            <a:r>
+              <a:rPr lang="en-US" dirty="0"/>
+              <a:t>Git Submission, part 4</a:t>
+            </a:r>
+          </a:p>
+        </p:txBody>
+      </p:sp>
+      <p:sp>
+        <p:nvSpPr>
+          <p:cNvPr id="3" name="Content Placeholder 2">
+            <a:extLst>
+              <a:ext uri="{FF2B5EF4-FFF2-40B4-BE49-F238E27FC236}">
+                <a16:creationId xmlns:a16="http://schemas.microsoft.com/office/drawing/2014/main" id="{39BF3D73-09D9-447D-A0F4-A9034AAD8C45}"/>
+              </a:ext>
+            </a:extLst>
+          </p:cNvPr>
+          <p:cNvSpPr>
+            <a:spLocks noGrp="1"/>
+          </p:cNvSpPr>
+          <p:nvPr>
+            <p:ph idx="1"/>
+          </p:nvPr>
+        </p:nvSpPr>
+        <p:spPr/>
+        <p:txBody>
+          <a:bodyPr>
+            <a:normAutofit fontScale="92500" lnSpcReduction="10000"/>
+          </a:bodyPr>
+          <a:lstStyle/>
+          <a:p>
+            <a:r>
+              <a:rPr lang="en-US" dirty="0"/>
+              <a:t>Create a pull request</a:t>
+            </a:r>
+          </a:p>
+          <a:p>
+            <a:pPr lvl="1"/>
+            <a:r>
+              <a:rPr lang="en-US" dirty="0"/>
+              <a:t>Browse to https://github.com/$YOUR_FORK/cvelist/pull/new/master</a:t>
+            </a:r>
+          </a:p>
+          <a:p>
+            <a:pPr lvl="1"/>
+            <a:r>
+              <a:rPr lang="en-US" dirty="0"/>
+              <a:t>Fill in the form</a:t>
+            </a:r>
+          </a:p>
+          <a:p>
+            <a:pPr lvl="2"/>
+            <a:r>
+              <a:rPr lang="en-US" dirty="0"/>
+              <a:t>Important fields:</a:t>
+            </a:r>
+          </a:p>
+          <a:p>
+            <a:pPr lvl="3"/>
+            <a:r>
+              <a:rPr lang="en-US" dirty="0"/>
+              <a:t>base fork is the upstream repo in which you want your updates merged - </a:t>
+            </a:r>
+            <a:r>
+              <a:rPr lang="en-US" dirty="0" err="1"/>
+              <a:t>CVEProject</a:t>
+            </a:r>
+            <a:r>
+              <a:rPr lang="en-US" dirty="0"/>
+              <a:t>/</a:t>
+            </a:r>
+            <a:r>
+              <a:rPr lang="en-US" dirty="0" err="1"/>
+              <a:t>cvelist</a:t>
+            </a:r>
+            <a:endParaRPr lang="en-US" dirty="0"/>
+          </a:p>
+          <a:p>
+            <a:pPr lvl="3"/>
+            <a:r>
+              <a:rPr lang="en-US" dirty="0"/>
+              <a:t>base is the branch in the upstream repo in which the changes should be placed – master</a:t>
+            </a:r>
+          </a:p>
+          <a:p>
+            <a:pPr lvl="3"/>
+            <a:r>
+              <a:rPr lang="en-US" dirty="0"/>
+              <a:t>head fork is your repo from which the updates should be taken; e.g., /$YOUR_FORK /</a:t>
+            </a:r>
+            <a:r>
+              <a:rPr lang="en-US" dirty="0" err="1"/>
+              <a:t>cvelist</a:t>
+            </a:r>
+            <a:endParaRPr lang="en-US" dirty="0"/>
+          </a:p>
+          <a:p>
+            <a:pPr lvl="3"/>
+            <a:r>
+              <a:rPr lang="en-US" dirty="0"/>
+              <a:t>compare is the branch in your repo where the changes are; e.g., $YOUR_BRANCH</a:t>
+            </a:r>
+          </a:p>
+          <a:p>
+            <a:pPr lvl="1"/>
+            <a:r>
+              <a:rPr lang="en-US" dirty="0"/>
+              <a:t>Make sure that GitHub reports that the branches can be merged.</a:t>
+            </a:r>
+          </a:p>
+          <a:p>
+            <a:pPr lvl="2"/>
+            <a:r>
+              <a:rPr lang="en-US" dirty="0"/>
+              <a:t>Resolve any conflicts before you merge.</a:t>
+            </a:r>
+          </a:p>
+          <a:p>
+            <a:pPr lvl="2"/>
+            <a:endParaRPr lang="en-US" dirty="0"/>
+          </a:p>
+        </p:txBody>
+      </p:sp>
+      <p:sp>
+        <p:nvSpPr>
+          <p:cNvPr id="4" name="Slide Number Placeholder 3">
+            <a:extLst>
+              <a:ext uri="{FF2B5EF4-FFF2-40B4-BE49-F238E27FC236}">
+                <a16:creationId xmlns:a16="http://schemas.microsoft.com/office/drawing/2014/main" id="{3B20A043-2511-4458-8679-4141C19B6D9B}"/>
+              </a:ext>
+            </a:extLst>
+          </p:cNvPr>
+          <p:cNvSpPr>
+            <a:spLocks noGrp="1"/>
+          </p:cNvSpPr>
+          <p:nvPr>
+            <p:ph type="sldNum" sz="quarter" idx="4"/>
+          </p:nvPr>
+        </p:nvSpPr>
+        <p:spPr/>
+        <p:txBody>
+          <a:bodyPr/>
+          <a:lstStyle/>
+          <a:p>
+            <a:r>
+              <a:rPr lang="en-US">
+                <a:solidFill>
+                  <a:srgbClr val="C1CD23"/>
+                </a:solidFill>
+              </a:rPr>
+              <a:t>|</a:t>
+            </a:r>
+            <a:r>
+              <a:rPr lang="en-US"/>
+              <a:t> </a:t>
+            </a:r>
+            <a:fld id="{295008BC-DA31-4D19-837B-EFA4386B05F5}" type="slidenum">
+              <a:rPr lang="en-US" smtClean="0">
+                <a:solidFill>
+                  <a:schemeClr val="tx1">
+                    <a:lumMod val="50000"/>
+                    <a:lumOff val="50000"/>
+                  </a:schemeClr>
+                </a:solidFill>
+              </a:rPr>
+              <a:pPr/>
+              <a:t>33</a:t>
+            </a:fld>
+            <a:r>
+              <a:rPr lang="en-US"/>
+              <a:t> </a:t>
+            </a:r>
+            <a:r>
+              <a:rPr lang="en-US">
+                <a:solidFill>
+                  <a:srgbClr val="C1CD23"/>
+                </a:solidFill>
+              </a:rPr>
+              <a:t>|</a:t>
+            </a:r>
+            <a:endParaRPr lang="en-US" dirty="0">
+              <a:solidFill>
+                <a:srgbClr val="C1CD23"/>
+              </a:solidFill>
+            </a:endParaRPr>
+          </a:p>
+        </p:txBody>
+      </p:sp>
+    </p:spTree>
+    <p:extLst>
+      <p:ext uri="{BB962C8B-B14F-4D97-AF65-F5344CB8AC3E}">
+        <p14:creationId xmlns:p14="http://schemas.microsoft.com/office/powerpoint/2010/main" val="3076433988"/>
+      </p:ext>
+    </p:extLst>
+  </p:cSld>
+  <p:clrMapOvr>
+    <a:masterClrMapping/>
+  </p:clrMapOvr>
+</p:sld>
+</file>
+
+<file path=ppt/slides/slide34.xml><?xml version="1.0" encoding="utf-8"?>
+<p:sld xmlns:a="http://schemas.openxmlformats.org/drawingml/2006/main" xmlns:r="http://schemas.openxmlformats.org/officeDocument/2006/relationships" xmlns:p="http://schemas.openxmlformats.org/presentationml/2006/main">
+  <p:cSld>
+    <p:spTree>
+      <p:nvGrpSpPr>
+        <p:cNvPr id="1" name=""/>
+        <p:cNvGrpSpPr/>
+        <p:nvPr/>
+      </p:nvGrpSpPr>
+      <p:grpSpPr>
+        <a:xfrm>
+          <a:off x="0" y="0"/>
+          <a:ext cx="0" cy="0"/>
+          <a:chOff x="0" y="0"/>
+          <a:chExt cx="0" cy="0"/>
+        </a:xfrm>
+      </p:grpSpPr>
+      <p:sp>
+        <p:nvSpPr>
+          <p:cNvPr id="2" name="Title 1">
+            <a:extLst>
+              <a:ext uri="{FF2B5EF4-FFF2-40B4-BE49-F238E27FC236}">
+                <a16:creationId xmlns:a16="http://schemas.microsoft.com/office/drawing/2014/main" id="{4011D8C9-C264-4FDC-930F-7E93D0E00421}"/>
+              </a:ext>
+            </a:extLst>
+          </p:cNvPr>
+          <p:cNvSpPr>
+            <a:spLocks noGrp="1"/>
+          </p:cNvSpPr>
+          <p:nvPr>
+            <p:ph type="title"/>
+          </p:nvPr>
+        </p:nvSpPr>
+        <p:spPr/>
+        <p:txBody>
+          <a:bodyPr/>
+          <a:lstStyle/>
+          <a:p>
+            <a:r>
+              <a:rPr lang="en-US" dirty="0"/>
+              <a:t>Notes on Git usage</a:t>
+            </a:r>
+          </a:p>
+        </p:txBody>
+      </p:sp>
+      <p:sp>
+        <p:nvSpPr>
+          <p:cNvPr id="3" name="Content Placeholder 2">
+            <a:extLst>
+              <a:ext uri="{FF2B5EF4-FFF2-40B4-BE49-F238E27FC236}">
+                <a16:creationId xmlns:a16="http://schemas.microsoft.com/office/drawing/2014/main" id="{99C1319C-B91D-49F8-AC20-3C5335FC817E}"/>
+              </a:ext>
+            </a:extLst>
+          </p:cNvPr>
+          <p:cNvSpPr>
+            <a:spLocks noGrp="1"/>
+          </p:cNvSpPr>
+          <p:nvPr>
+            <p:ph idx="1"/>
+          </p:nvPr>
+        </p:nvSpPr>
+        <p:spPr/>
+        <p:txBody>
+          <a:bodyPr>
+            <a:normAutofit/>
+          </a:bodyPr>
+          <a:lstStyle/>
+          <a:p>
+            <a:r>
+              <a:rPr lang="en-US" dirty="0"/>
+              <a:t>Only submit information to the MITRE </a:t>
+            </a:r>
+            <a:r>
+              <a:rPr lang="en-US" dirty="0" err="1"/>
+              <a:t>cvelist</a:t>
+            </a:r>
+            <a:r>
+              <a:rPr lang="en-US" dirty="0"/>
+              <a:t> repo that is intended to become public immediately. There is no support for embargoed submissions!!</a:t>
+            </a:r>
+          </a:p>
+          <a:p>
+            <a:r>
+              <a:rPr lang="en-US" dirty="0"/>
+              <a:t>Understand that this is only a pilot - it could be changed significantly or even halted.</a:t>
+            </a:r>
+          </a:p>
+          <a:p>
+            <a:r>
+              <a:rPr lang="en-US" dirty="0"/>
+              <a:t>Submissions should be made subject to the CVE Submissions License Terms of Use.</a:t>
+            </a:r>
+          </a:p>
+          <a:p>
+            <a:r>
+              <a:rPr lang="en-US" dirty="0"/>
+              <a:t>It is strongly recommended that submissions use signed commits. Please note that some hierarchies (e.g. the DWF) require all submissions to be signed.</a:t>
+            </a:r>
+          </a:p>
+          <a:p>
+            <a:endParaRPr lang="en-US" dirty="0"/>
+          </a:p>
+        </p:txBody>
+      </p:sp>
+      <p:sp>
+        <p:nvSpPr>
+          <p:cNvPr id="4" name="Slide Number Placeholder 3">
+            <a:extLst>
+              <a:ext uri="{FF2B5EF4-FFF2-40B4-BE49-F238E27FC236}">
+                <a16:creationId xmlns:a16="http://schemas.microsoft.com/office/drawing/2014/main" id="{D1CF0BCF-BF08-4A1A-83AF-9FB08BDD3B43}"/>
+              </a:ext>
+            </a:extLst>
+          </p:cNvPr>
+          <p:cNvSpPr>
+            <a:spLocks noGrp="1"/>
+          </p:cNvSpPr>
+          <p:nvPr>
+            <p:ph type="sldNum" sz="quarter" idx="4"/>
+          </p:nvPr>
+        </p:nvSpPr>
+        <p:spPr/>
+        <p:txBody>
+          <a:bodyPr/>
+          <a:lstStyle/>
+          <a:p>
+            <a:r>
+              <a:rPr lang="en-US">
+                <a:solidFill>
+                  <a:srgbClr val="C1CD23"/>
+                </a:solidFill>
+              </a:rPr>
+              <a:t>|</a:t>
+            </a:r>
+            <a:r>
+              <a:rPr lang="en-US"/>
+              <a:t> </a:t>
+            </a:r>
+            <a:fld id="{295008BC-DA31-4D19-837B-EFA4386B05F5}" type="slidenum">
+              <a:rPr lang="en-US" smtClean="0">
+                <a:solidFill>
+                  <a:schemeClr val="tx1">
+                    <a:lumMod val="50000"/>
+                    <a:lumOff val="50000"/>
+                  </a:schemeClr>
+                </a:solidFill>
+              </a:rPr>
+              <a:pPr/>
+              <a:t>34</a:t>
+            </a:fld>
+            <a:r>
+              <a:rPr lang="en-US"/>
+              <a:t> </a:t>
+            </a:r>
+            <a:r>
+              <a:rPr lang="en-US">
+                <a:solidFill>
+                  <a:srgbClr val="C1CD23"/>
+                </a:solidFill>
+              </a:rPr>
+              <a:t>|</a:t>
+            </a:r>
+            <a:endParaRPr lang="en-US" dirty="0">
+              <a:solidFill>
+                <a:srgbClr val="C1CD23"/>
+              </a:solidFill>
+            </a:endParaRPr>
+          </a:p>
+        </p:txBody>
+      </p:sp>
+    </p:spTree>
+    <p:extLst>
+      <p:ext uri="{BB962C8B-B14F-4D97-AF65-F5344CB8AC3E}">
+        <p14:creationId xmlns:p14="http://schemas.microsoft.com/office/powerpoint/2010/main" val="1979569983"/>
+      </p:ext>
+    </p:extLst>
+  </p:cSld>
+  <p:clrMapOvr>
+    <a:masterClrMapping/>
+  </p:clrMapOvr>
+</p:sld>
+</file>
+
+<file path=ppt/slides/slide35.xml><?xml version="1.0" encoding="utf-8"?>
+<p:sld xmlns:a="http://schemas.openxmlformats.org/drawingml/2006/main" xmlns:r="http://schemas.openxmlformats.org/officeDocument/2006/relationships" xmlns:p="http://schemas.openxmlformats.org/presentationml/2006/main">
+  <p:cSld>
+    <p:spTree>
+      <p:nvGrpSpPr>
+        <p:cNvPr id="1" name=""/>
+        <p:cNvGrpSpPr/>
+        <p:nvPr/>
+      </p:nvGrpSpPr>
+      <p:grpSpPr>
+        <a:xfrm>
+          <a:off x="0" y="0"/>
+          <a:ext cx="0" cy="0"/>
+          <a:chOff x="0" y="0"/>
+          <a:chExt cx="0" cy="0"/>
+        </a:xfrm>
+      </p:grpSpPr>
+      <p:sp>
+        <p:nvSpPr>
+          <p:cNvPr id="2" name="Title 1"/>
+          <p:cNvSpPr>
+            <a:spLocks noGrp="1"/>
+          </p:cNvSpPr>
+          <p:nvPr>
+            <p:ph type="title"/>
+          </p:nvPr>
+        </p:nvSpPr>
+        <p:spPr/>
+        <p:txBody>
+          <a:bodyPr/>
+          <a:lstStyle/>
+          <a:p>
+            <a:r>
+              <a:rPr lang="en-US" dirty="0"/>
+              <a:t>What happens on MITRE’s end</a:t>
+            </a:r>
+          </a:p>
+        </p:txBody>
+      </p:sp>
+      <p:sp>
+        <p:nvSpPr>
+          <p:cNvPr id="3" name="Content Placeholder 2"/>
+          <p:cNvSpPr>
+            <a:spLocks noGrp="1"/>
+          </p:cNvSpPr>
+          <p:nvPr>
+            <p:ph idx="1"/>
+          </p:nvPr>
+        </p:nvSpPr>
+        <p:spPr/>
+        <p:txBody>
+          <a:bodyPr>
+            <a:normAutofit fontScale="85000" lnSpcReduction="20000"/>
+          </a:bodyPr>
+          <a:lstStyle/>
+          <a:p>
+            <a:r>
+              <a:rPr lang="en-US" dirty="0"/>
+              <a:t>Review</a:t>
+            </a:r>
+          </a:p>
+          <a:p>
+            <a:pPr lvl="1"/>
+            <a:r>
+              <a:rPr lang="en-US" dirty="0"/>
+              <a:t>Is the assignment data for ids assigned to the CNA?</a:t>
+            </a:r>
+          </a:p>
+          <a:p>
+            <a:pPr lvl="1"/>
+            <a:r>
+              <a:rPr lang="en-US" dirty="0"/>
+              <a:t>Do the ids exist in the CVE list as “RESERVED”?</a:t>
+            </a:r>
+          </a:p>
+          <a:p>
+            <a:pPr lvl="1"/>
+            <a:r>
+              <a:rPr lang="en-US" dirty="0"/>
+              <a:t>Do the references exist and are they public?</a:t>
+            </a:r>
+          </a:p>
+          <a:p>
+            <a:pPr lvl="1"/>
+            <a:r>
+              <a:rPr lang="en-US" dirty="0"/>
+              <a:t>Does the assignment data agree with the associated references?</a:t>
+            </a:r>
+          </a:p>
+          <a:p>
+            <a:pPr marL="287338" lvl="1" indent="0">
+              <a:buNone/>
+            </a:pPr>
+            <a:endParaRPr lang="en-US" dirty="0"/>
+          </a:p>
+          <a:p>
+            <a:r>
+              <a:rPr lang="en-US" dirty="0"/>
+              <a:t>Submission Processing</a:t>
+            </a:r>
+          </a:p>
+          <a:p>
+            <a:pPr lvl="1"/>
+            <a:r>
+              <a:rPr lang="en-US" dirty="0"/>
+              <a:t>Resolve with CNA any issues uncovered during review.</a:t>
+            </a:r>
+          </a:p>
+          <a:p>
+            <a:pPr lvl="1"/>
+            <a:r>
+              <a:rPr lang="en-US" dirty="0"/>
+              <a:t>Incorporate assignment data into the </a:t>
+            </a:r>
+            <a:r>
+              <a:rPr lang="en-US" dirty="0" err="1"/>
+              <a:t>cvelist</a:t>
+            </a:r>
+            <a:r>
+              <a:rPr lang="en-US" dirty="0"/>
+              <a:t> git repo.</a:t>
+            </a:r>
+          </a:p>
+          <a:p>
+            <a:pPr lvl="1"/>
+            <a:r>
+              <a:rPr lang="en-US" dirty="0"/>
+              <a:t>Populate associated entries in the master CVE List.</a:t>
+            </a:r>
+          </a:p>
+          <a:p>
+            <a:pPr lvl="1"/>
+            <a:endParaRPr lang="en-US" dirty="0"/>
+          </a:p>
+          <a:p>
+            <a:r>
+              <a:rPr lang="en-US" dirty="0"/>
+              <a:t>Other processing</a:t>
+            </a:r>
+          </a:p>
+          <a:p>
+            <a:pPr lvl="1"/>
+            <a:r>
+              <a:rPr lang="en-US" dirty="0"/>
+              <a:t>Announce “new” CVEs.</a:t>
+            </a:r>
+          </a:p>
+          <a:p>
+            <a:pPr lvl="1"/>
+            <a:r>
+              <a:rPr lang="en-US" dirty="0"/>
+              <a:t>Publish master CVE List on cve.mitre.org</a:t>
+            </a:r>
+          </a:p>
+          <a:p>
+            <a:pPr lvl="2"/>
+            <a:r>
+              <a:rPr lang="en-US" dirty="0"/>
+              <a:t>http://cve.mitre.org/data/downloads/index.html</a:t>
+            </a:r>
+          </a:p>
+          <a:p>
+            <a:pPr lvl="1"/>
+            <a:endParaRPr lang="en-US" dirty="0"/>
+          </a:p>
+        </p:txBody>
+      </p:sp>
+    </p:spTree>
+    <p:extLst>
+      <p:ext uri="{BB962C8B-B14F-4D97-AF65-F5344CB8AC3E}">
+        <p14:creationId xmlns:p14="http://schemas.microsoft.com/office/powerpoint/2010/main" val="3190411763"/>
+      </p:ext>
+    </p:extLst>
+  </p:cSld>
+  <p:clrMapOvr>
+    <a:masterClrMapping/>
+  </p:clrMapOvr>
+</p:sld>
+</file>
+
+<file path=ppt/slides/slide36.xml><?xml version="1.0" encoding="utf-8"?>
+<p:sld xmlns:a="http://schemas.openxmlformats.org/drawingml/2006/main" xmlns:r="http://schemas.openxmlformats.org/officeDocument/2006/relationships" xmlns:p="http://schemas.openxmlformats.org/presentationml/2006/main">
+  <p:cSld>
+    <p:spTree>
+      <p:nvGrpSpPr>
+        <p:cNvPr id="1" name=""/>
+        <p:cNvGrpSpPr/>
+        <p:nvPr/>
+      </p:nvGrpSpPr>
+      <p:grpSpPr>
+        <a:xfrm>
+          <a:off x="0" y="0"/>
+          <a:ext cx="0" cy="0"/>
+          <a:chOff x="0" y="0"/>
+          <a:chExt cx="0" cy="0"/>
+        </a:xfrm>
+      </p:grpSpPr>
+      <p:sp>
+        <p:nvSpPr>
+          <p:cNvPr id="2" name="Title 1"/>
+          <p:cNvSpPr>
+            <a:spLocks noGrp="1"/>
+          </p:cNvSpPr>
+          <p:nvPr>
+            <p:ph type="title"/>
+          </p:nvPr>
+        </p:nvSpPr>
+        <p:spPr/>
+        <p:txBody>
+          <a:bodyPr/>
+          <a:lstStyle/>
+          <a:p>
+            <a:r>
+              <a:rPr lang="en-US" dirty="0"/>
+              <a:t>Resources</a:t>
+            </a:r>
+          </a:p>
+        </p:txBody>
+      </p:sp>
+      <p:sp>
+        <p:nvSpPr>
+          <p:cNvPr id="3" name="Content Placeholder 2"/>
+          <p:cNvSpPr>
+            <a:spLocks noGrp="1"/>
+          </p:cNvSpPr>
+          <p:nvPr>
+            <p:ph idx="1"/>
+          </p:nvPr>
+        </p:nvSpPr>
+        <p:spPr/>
+        <p:txBody>
+          <a:bodyPr>
+            <a:normAutofit fontScale="92500" lnSpcReduction="10000"/>
+          </a:bodyPr>
+          <a:lstStyle/>
+          <a:p>
+            <a:r>
+              <a:rPr lang="en-US" dirty="0" err="1"/>
+              <a:t>CVEProject</a:t>
+            </a:r>
+            <a:r>
+              <a:rPr lang="en-US" dirty="0"/>
+              <a:t> GIT Project (</a:t>
+            </a:r>
+            <a:r>
+              <a:rPr lang="en-US" dirty="0">
+                <a:hlinkClick r:id="rId2"/>
+              </a:rPr>
+              <a:t>https://github.com/CVEProject</a:t>
+            </a:r>
+            <a:r>
+              <a:rPr lang="en-US" dirty="0"/>
+              <a:t>)</a:t>
+            </a:r>
+          </a:p>
+          <a:p>
+            <a:pPr marL="284163" lvl="1" indent="0">
+              <a:buNone/>
+            </a:pPr>
+            <a:r>
+              <a:rPr lang="en-US" dirty="0"/>
+              <a:t>- automation-working-group/tree/master/tools repo</a:t>
+            </a:r>
+          </a:p>
+          <a:p>
+            <a:pPr lvl="2">
+              <a:buFont typeface="Arial" panose="020B0604020202020204" pitchFamily="34" charset="0"/>
+              <a:buChar char="•"/>
+            </a:pPr>
+            <a:r>
+              <a:rPr lang="en-US" dirty="0">
+                <a:hlinkClick r:id="rId3" tooltip="cmdlinejsonvalidator.py"/>
+              </a:rPr>
+              <a:t>cmdlinejsonvalidator.py</a:t>
+            </a:r>
+            <a:r>
+              <a:rPr lang="en-US" dirty="0"/>
+              <a:t> - Python script to validate JSON files. Requires a valid schema file.</a:t>
+            </a:r>
+          </a:p>
+          <a:p>
+            <a:pPr lvl="1"/>
+            <a:r>
+              <a:rPr lang="en-US" dirty="0"/>
+              <a:t>automation-working-group/tree/master/</a:t>
+            </a:r>
+            <a:r>
+              <a:rPr lang="en-US" dirty="0" err="1"/>
+              <a:t>cve_json_schema</a:t>
+            </a:r>
+            <a:r>
+              <a:rPr lang="en-US" dirty="0"/>
+              <a:t> repo</a:t>
+            </a:r>
+          </a:p>
+          <a:p>
+            <a:pPr lvl="2"/>
+            <a:r>
+              <a:rPr lang="en-US" dirty="0">
+                <a:hlinkClick r:id="rId4" tooltip="CVE_JSON_4.0_min.schema"/>
+              </a:rPr>
+              <a:t>CVE_JSON_4.0_min.schema</a:t>
+            </a:r>
+            <a:r>
+              <a:rPr lang="en-US" dirty="0"/>
+              <a:t> - Schema for validating a JSON file against the minimal CVE structure.</a:t>
+            </a:r>
+          </a:p>
+          <a:p>
+            <a:pPr lvl="2"/>
+            <a:r>
+              <a:rPr lang="en-US" dirty="0">
+                <a:hlinkClick r:id="rId5" tooltip="DRAFT-JSON-file-format-v4.md"/>
+              </a:rPr>
+              <a:t>DRAFT-JSON-file-format-v4.md</a:t>
+            </a:r>
+            <a:r>
+              <a:rPr lang="en-US" dirty="0"/>
+              <a:t> - 4.0 CVE JSON spec.</a:t>
+            </a:r>
+          </a:p>
+          <a:p>
+            <a:r>
+              <a:rPr lang="en-US" dirty="0" err="1"/>
+              <a:t>Vulnogram</a:t>
+            </a:r>
+            <a:r>
+              <a:rPr lang="en-US" dirty="0"/>
+              <a:t> - tool for creating and editing CVE information in CVE JSON format</a:t>
+            </a:r>
+          </a:p>
+          <a:p>
+            <a:pPr lvl="1"/>
+            <a:r>
+              <a:rPr lang="en-US" dirty="0">
+                <a:hlinkClick r:id="rId6"/>
+              </a:rPr>
+              <a:t>https://github.com/Vulnogram/Vulnogram</a:t>
+            </a:r>
+            <a:endParaRPr lang="en-US" dirty="0"/>
+          </a:p>
+          <a:p>
+            <a:pPr lvl="1"/>
+            <a:r>
+              <a:rPr lang="en-US" dirty="0"/>
+              <a:t>https://vulnogram.github.io/</a:t>
+            </a:r>
+          </a:p>
+          <a:p>
+            <a:pPr lvl="1"/>
+            <a:r>
+              <a:rPr lang="en-US" dirty="0"/>
+              <a:t>Created by Chandan Nandakumaraiah</a:t>
+            </a:r>
+          </a:p>
+          <a:p>
+            <a:r>
+              <a:rPr lang="en-US" dirty="0"/>
+              <a:t>CVE Request Form (https://cveform.mitre.org/)</a:t>
+            </a:r>
+          </a:p>
+          <a:p>
+            <a:pPr lvl="3"/>
+            <a:endParaRPr lang="en-US" dirty="0"/>
+          </a:p>
+        </p:txBody>
+      </p:sp>
+    </p:spTree>
+    <p:extLst>
+      <p:ext uri="{BB962C8B-B14F-4D97-AF65-F5344CB8AC3E}">
+        <p14:creationId xmlns:p14="http://schemas.microsoft.com/office/powerpoint/2010/main" val="227166979"/>
+      </p:ext>
+    </p:extLst>
+  </p:cSld>
+  <p:clrMapOvr>
+    <a:masterClrMapping/>
+  </p:clrMapOvr>
+</p:sld>
+</file>
+
+<file path=ppt/slides/slide37.xml><?xml version="1.0" encoding="utf-8"?>
+<p:sld xmlns:a="http://schemas.openxmlformats.org/drawingml/2006/main" xmlns:r="http://schemas.openxmlformats.org/officeDocument/2006/relationships" xmlns:p="http://schemas.openxmlformats.org/presentationml/2006/main">
+  <p:cSld>
+    <p:spTree>
+      <p:nvGrpSpPr>
+        <p:cNvPr id="1" name=""/>
+        <p:cNvGrpSpPr/>
+        <p:nvPr/>
+      </p:nvGrpSpPr>
+      <p:grpSpPr>
+        <a:xfrm>
+          <a:off x="0" y="0"/>
+          <a:ext cx="0" cy="0"/>
+          <a:chOff x="0" y="0"/>
+          <a:chExt cx="0" cy="0"/>
+        </a:xfrm>
+      </p:grpSpPr>
+      <p:sp>
+        <p:nvSpPr>
+          <p:cNvPr id="2" name="Title 1">
+            <a:extLst>
+              <a:ext uri="{FF2B5EF4-FFF2-40B4-BE49-F238E27FC236}">
+                <a16:creationId xmlns:a16="http://schemas.microsoft.com/office/drawing/2014/main" id="{0916EBDA-8E1F-4AFF-8CBF-4C71291CA180}"/>
+              </a:ext>
+            </a:extLst>
+          </p:cNvPr>
+          <p:cNvSpPr>
+            <a:spLocks noGrp="1"/>
+          </p:cNvSpPr>
+          <p:nvPr>
+            <p:ph type="title"/>
+          </p:nvPr>
+        </p:nvSpPr>
+        <p:spPr/>
+        <p:txBody>
+          <a:bodyPr/>
+          <a:lstStyle/>
+          <a:p>
+            <a:r>
+              <a:rPr lang="en-US" dirty="0"/>
+              <a:t>Backup Slides</a:t>
+            </a:r>
+          </a:p>
+        </p:txBody>
+      </p:sp>
+      <p:sp>
+        <p:nvSpPr>
+          <p:cNvPr id="3" name="Content Placeholder 2">
+            <a:extLst>
+              <a:ext uri="{FF2B5EF4-FFF2-40B4-BE49-F238E27FC236}">
+                <a16:creationId xmlns:a16="http://schemas.microsoft.com/office/drawing/2014/main" id="{C29BB6D5-0B88-4402-9CDF-CDDD9B23C38C}"/>
+              </a:ext>
+            </a:extLst>
+          </p:cNvPr>
+          <p:cNvSpPr>
+            <a:spLocks noGrp="1"/>
+          </p:cNvSpPr>
+          <p:nvPr>
+            <p:ph idx="1"/>
+          </p:nvPr>
+        </p:nvSpPr>
+        <p:spPr/>
+        <p:txBody>
+          <a:bodyPr/>
+          <a:lstStyle/>
+          <a:p>
+            <a:endParaRPr lang="en-US"/>
+          </a:p>
+        </p:txBody>
+      </p:sp>
+      <p:sp>
+        <p:nvSpPr>
+          <p:cNvPr id="4" name="Slide Number Placeholder 3">
+            <a:extLst>
+              <a:ext uri="{FF2B5EF4-FFF2-40B4-BE49-F238E27FC236}">
+                <a16:creationId xmlns:a16="http://schemas.microsoft.com/office/drawing/2014/main" id="{270FAEB8-DBB6-458A-8FB5-0BFECF1E91A9}"/>
+              </a:ext>
+            </a:extLst>
+          </p:cNvPr>
+          <p:cNvSpPr>
+            <a:spLocks noGrp="1"/>
+          </p:cNvSpPr>
+          <p:nvPr>
+            <p:ph type="sldNum" sz="quarter" idx="4"/>
+          </p:nvPr>
+        </p:nvSpPr>
+        <p:spPr/>
+        <p:txBody>
+          <a:bodyPr/>
+          <a:lstStyle/>
+          <a:p>
+            <a:r>
+              <a:rPr lang="en-US">
+                <a:solidFill>
+                  <a:srgbClr val="C1CD23"/>
+                </a:solidFill>
+              </a:rPr>
+              <a:t>|</a:t>
+            </a:r>
+            <a:r>
+              <a:rPr lang="en-US"/>
+              <a:t> </a:t>
+            </a:r>
+            <a:fld id="{295008BC-DA31-4D19-837B-EFA4386B05F5}" type="slidenum">
+              <a:rPr lang="en-US" smtClean="0">
+                <a:solidFill>
+                  <a:schemeClr val="tx1">
+                    <a:lumMod val="50000"/>
+                    <a:lumOff val="50000"/>
+                  </a:schemeClr>
+                </a:solidFill>
+              </a:rPr>
+              <a:pPr/>
+              <a:t>37</a:t>
+            </a:fld>
+            <a:r>
+              <a:rPr lang="en-US"/>
+              <a:t> </a:t>
+            </a:r>
+            <a:r>
+              <a:rPr lang="en-US">
+                <a:solidFill>
+                  <a:srgbClr val="C1CD23"/>
+                </a:solidFill>
+              </a:rPr>
+              <a:t>|</a:t>
+            </a:r>
+            <a:endParaRPr lang="en-US" dirty="0">
+              <a:solidFill>
+                <a:srgbClr val="C1CD23"/>
+              </a:solidFill>
+            </a:endParaRPr>
+          </a:p>
+        </p:txBody>
+      </p:sp>
+    </p:spTree>
+    <p:extLst>
+      <p:ext uri="{BB962C8B-B14F-4D97-AF65-F5344CB8AC3E}">
+        <p14:creationId xmlns:p14="http://schemas.microsoft.com/office/powerpoint/2010/main" val="2031188796"/>
+      </p:ext>
+    </p:extLst>
+  </p:cSld>
+  <p:clrMapOvr>
+    <a:masterClrMapping/>
+  </p:clrMapOvr>
+</p:sld>
+</file>
+
+<file path=ppt/slides/slide38.xml><?xml version="1.0" encoding="utf-8"?>
+<p:sld xmlns:a="http://schemas.openxmlformats.org/drawingml/2006/main" xmlns:r="http://schemas.openxmlformats.org/officeDocument/2006/relationships" xmlns:p="http://schemas.openxmlformats.org/presentationml/2006/main">
+  <p:cSld>
+    <p:spTree>
+      <p:nvGrpSpPr>
+        <p:cNvPr id="1" name=""/>
+        <p:cNvGrpSpPr/>
+        <p:nvPr/>
+      </p:nvGrpSpPr>
+      <p:grpSpPr>
+        <a:xfrm>
+          <a:off x="0" y="0"/>
+          <a:ext cx="0" cy="0"/>
+          <a:chOff x="0" y="0"/>
+          <a:chExt cx="0" cy="0"/>
+        </a:xfrm>
+      </p:grpSpPr>
+      <p:sp>
+        <p:nvSpPr>
+          <p:cNvPr id="2" name="Title 1">
+            <a:extLst>
+              <a:ext uri="{FF2B5EF4-FFF2-40B4-BE49-F238E27FC236}">
+                <a16:creationId xmlns:a16="http://schemas.microsoft.com/office/drawing/2014/main" id="{586FE3DC-45EE-4255-B616-339231E0B7A6}"/>
+              </a:ext>
+            </a:extLst>
+          </p:cNvPr>
+          <p:cNvSpPr>
+            <a:spLocks noGrp="1"/>
+          </p:cNvSpPr>
+          <p:nvPr>
+            <p:ph type="title"/>
+          </p:nvPr>
+        </p:nvSpPr>
+        <p:spPr/>
+        <p:txBody>
+          <a:bodyPr/>
+          <a:lstStyle/>
+          <a:p>
+            <a:r>
+              <a:rPr lang="en-US" dirty="0" err="1"/>
+              <a:t>Vulnogram</a:t>
+            </a:r>
+            <a:endParaRPr lang="en-US" dirty="0"/>
+          </a:p>
+        </p:txBody>
+      </p:sp>
+      <p:pic>
+        <p:nvPicPr>
+          <p:cNvPr id="5" name="Content Placeholder 4">
+            <a:extLst>
+              <a:ext uri="{FF2B5EF4-FFF2-40B4-BE49-F238E27FC236}">
+                <a16:creationId xmlns:a16="http://schemas.microsoft.com/office/drawing/2014/main" id="{866E15CE-C955-4E77-A446-FB005D93DF50}"/>
+              </a:ext>
+            </a:extLst>
+          </p:cNvPr>
+          <p:cNvPicPr>
+            <a:picLocks noGrp="1" noChangeAspect="1"/>
+          </p:cNvPicPr>
+          <p:nvPr>
+            <p:ph idx="1"/>
+          </p:nvPr>
+        </p:nvPicPr>
+        <p:blipFill rotWithShape="1">
+          <a:blip r:embed="rId2"/>
+          <a:srcRect t="9739"/>
+          <a:stretch/>
+        </p:blipFill>
+        <p:spPr>
+          <a:xfrm>
+            <a:off x="609600" y="1545997"/>
+            <a:ext cx="7981401" cy="4331011"/>
+          </a:xfrm>
+          <a:prstGeom prst="rect">
+            <a:avLst/>
+          </a:prstGeom>
+        </p:spPr>
+      </p:pic>
+      <p:sp>
+        <p:nvSpPr>
+          <p:cNvPr id="4" name="Slide Number Placeholder 3">
+            <a:extLst>
+              <a:ext uri="{FF2B5EF4-FFF2-40B4-BE49-F238E27FC236}">
+                <a16:creationId xmlns:a16="http://schemas.microsoft.com/office/drawing/2014/main" id="{2696DC90-AB32-437A-9108-5C99818493D3}"/>
+              </a:ext>
+            </a:extLst>
+          </p:cNvPr>
+          <p:cNvSpPr>
+            <a:spLocks noGrp="1"/>
+          </p:cNvSpPr>
+          <p:nvPr>
+            <p:ph type="sldNum" sz="quarter" idx="4"/>
+          </p:nvPr>
+        </p:nvSpPr>
+        <p:spPr/>
+        <p:txBody>
+          <a:bodyPr/>
+          <a:lstStyle/>
+          <a:p>
+            <a:r>
+              <a:rPr lang="en-US">
+                <a:solidFill>
+                  <a:srgbClr val="C1CD23"/>
+                </a:solidFill>
+              </a:rPr>
+              <a:t>|</a:t>
+            </a:r>
+            <a:r>
+              <a:rPr lang="en-US"/>
+              <a:t> </a:t>
+            </a:r>
+            <a:fld id="{295008BC-DA31-4D19-837B-EFA4386B05F5}" type="slidenum">
+              <a:rPr lang="en-US" smtClean="0">
+                <a:solidFill>
+                  <a:schemeClr val="tx1">
+                    <a:lumMod val="50000"/>
+                    <a:lumOff val="50000"/>
+                  </a:schemeClr>
+                </a:solidFill>
+              </a:rPr>
+              <a:pPr/>
+              <a:t>38</a:t>
+            </a:fld>
+            <a:r>
+              <a:rPr lang="en-US"/>
+              <a:t> </a:t>
+            </a:r>
+            <a:r>
+              <a:rPr lang="en-US">
+                <a:solidFill>
+                  <a:srgbClr val="C1CD23"/>
+                </a:solidFill>
+              </a:rPr>
+              <a:t>|</a:t>
+            </a:r>
+            <a:endParaRPr lang="en-US" dirty="0">
+              <a:solidFill>
+                <a:srgbClr val="C1CD23"/>
+              </a:solidFill>
+            </a:endParaRPr>
+          </a:p>
+        </p:txBody>
+      </p:sp>
+    </p:spTree>
+    <p:extLst>
+      <p:ext uri="{BB962C8B-B14F-4D97-AF65-F5344CB8AC3E}">
+        <p14:creationId xmlns:p14="http://schemas.microsoft.com/office/powerpoint/2010/main" val="188320561"/>
+      </p:ext>
+    </p:extLst>
+  </p:cSld>
+  <p:clrMapOvr>
+    <a:masterClrMapping/>
+  </p:clrMapOvr>
+</p:sld>
+</file>
+
+<file path=ppt/slides/slide39.xml><?xml version="1.0" encoding="utf-8"?>
+<p:sld xmlns:a="http://schemas.openxmlformats.org/drawingml/2006/main" xmlns:r="http://schemas.openxmlformats.org/officeDocument/2006/relationships" xmlns:p="http://schemas.openxmlformats.org/presentationml/2006/main">
+  <p:cSld>
+    <p:spTree>
+      <p:nvGrpSpPr>
+        <p:cNvPr id="1" name=""/>
+        <p:cNvGrpSpPr/>
+        <p:nvPr/>
+      </p:nvGrpSpPr>
+      <p:grpSpPr>
+        <a:xfrm>
+          <a:off x="0" y="0"/>
+          <a:ext cx="0" cy="0"/>
+          <a:chOff x="0" y="0"/>
+          <a:chExt cx="0" cy="0"/>
+        </a:xfrm>
+      </p:grpSpPr>
+      <p:sp>
+        <p:nvSpPr>
+          <p:cNvPr id="2" name="Title 1">
+            <a:extLst>
+              <a:ext uri="{FF2B5EF4-FFF2-40B4-BE49-F238E27FC236}">
+                <a16:creationId xmlns:a16="http://schemas.microsoft.com/office/drawing/2014/main" id="{89FE5F70-4852-4718-A292-19F6F89FB93B}"/>
+              </a:ext>
+            </a:extLst>
+          </p:cNvPr>
+          <p:cNvSpPr>
+            <a:spLocks noGrp="1"/>
+          </p:cNvSpPr>
+          <p:nvPr>
+            <p:ph type="title"/>
+          </p:nvPr>
+        </p:nvSpPr>
+        <p:spPr/>
+        <p:txBody>
+          <a:bodyPr/>
+          <a:lstStyle/>
+          <a:p>
+            <a:r>
+              <a:rPr lang="en-US" dirty="0" err="1"/>
+              <a:t>Vulnogram</a:t>
+            </a:r>
+            <a:r>
+              <a:rPr lang="en-US" dirty="0"/>
+              <a:t> – Choose the CVE ID to edit</a:t>
+            </a:r>
+          </a:p>
+        </p:txBody>
+      </p:sp>
+      <p:pic>
+        <p:nvPicPr>
+          <p:cNvPr id="5" name="Content Placeholder 4">
+            <a:extLst>
+              <a:ext uri="{FF2B5EF4-FFF2-40B4-BE49-F238E27FC236}">
+                <a16:creationId xmlns:a16="http://schemas.microsoft.com/office/drawing/2014/main" id="{6BD815E2-70D7-46EB-B01F-2332BA7C1A40}"/>
+              </a:ext>
+            </a:extLst>
+          </p:cNvPr>
+          <p:cNvPicPr>
+            <a:picLocks noGrp="1" noChangeAspect="1"/>
+          </p:cNvPicPr>
+          <p:nvPr>
+            <p:ph idx="1"/>
+          </p:nvPr>
+        </p:nvPicPr>
+        <p:blipFill rotWithShape="1">
+          <a:blip r:embed="rId2"/>
+          <a:srcRect t="9534" r="56936" b="45689"/>
+          <a:stretch/>
+        </p:blipFill>
+        <p:spPr>
+          <a:xfrm>
+            <a:off x="747165" y="1583703"/>
+            <a:ext cx="6858980" cy="4287595"/>
+          </a:xfrm>
+          <a:prstGeom prst="rect">
+            <a:avLst/>
+          </a:prstGeom>
+        </p:spPr>
+      </p:pic>
+      <p:sp>
+        <p:nvSpPr>
+          <p:cNvPr id="4" name="Slide Number Placeholder 3">
+            <a:extLst>
+              <a:ext uri="{FF2B5EF4-FFF2-40B4-BE49-F238E27FC236}">
+                <a16:creationId xmlns:a16="http://schemas.microsoft.com/office/drawing/2014/main" id="{E35B12BE-4225-42F8-8F8B-9C397D7E7060}"/>
+              </a:ext>
+            </a:extLst>
+          </p:cNvPr>
+          <p:cNvSpPr>
+            <a:spLocks noGrp="1"/>
+          </p:cNvSpPr>
+          <p:nvPr>
+            <p:ph type="sldNum" sz="quarter" idx="4"/>
+          </p:nvPr>
+        </p:nvSpPr>
+        <p:spPr/>
+        <p:txBody>
+          <a:bodyPr/>
+          <a:lstStyle/>
+          <a:p>
+            <a:r>
+              <a:rPr lang="en-US">
+                <a:solidFill>
+                  <a:srgbClr val="C1CD23"/>
+                </a:solidFill>
+              </a:rPr>
+              <a:t>|</a:t>
+            </a:r>
+            <a:r>
+              <a:rPr lang="en-US"/>
+              <a:t> </a:t>
+            </a:r>
+            <a:fld id="{295008BC-DA31-4D19-837B-EFA4386B05F5}" type="slidenum">
+              <a:rPr lang="en-US" smtClean="0">
+                <a:solidFill>
+                  <a:schemeClr val="tx1">
+                    <a:lumMod val="50000"/>
+                    <a:lumOff val="50000"/>
+                  </a:schemeClr>
+                </a:solidFill>
+              </a:rPr>
+              <a:pPr/>
+              <a:t>39</a:t>
+            </a:fld>
+            <a:r>
+              <a:rPr lang="en-US"/>
+              <a:t> </a:t>
+            </a:r>
+            <a:r>
+              <a:rPr lang="en-US">
+                <a:solidFill>
+                  <a:srgbClr val="C1CD23"/>
+                </a:solidFill>
+              </a:rPr>
+              <a:t>|</a:t>
+            </a:r>
+            <a:endParaRPr lang="en-US" dirty="0">
+              <a:solidFill>
+                <a:srgbClr val="C1CD23"/>
+              </a:solidFill>
+            </a:endParaRPr>
+          </a:p>
+        </p:txBody>
+      </p:sp>
+      <p:sp>
+        <p:nvSpPr>
+          <p:cNvPr id="6" name="Rectangle: Rounded Corners 5">
+            <a:extLst>
+              <a:ext uri="{FF2B5EF4-FFF2-40B4-BE49-F238E27FC236}">
+                <a16:creationId xmlns:a16="http://schemas.microsoft.com/office/drawing/2014/main" id="{D2E03F8A-E142-46A9-B8A6-24288AEC9723}"/>
+              </a:ext>
+            </a:extLst>
+          </p:cNvPr>
+          <p:cNvSpPr/>
+          <p:nvPr/>
+        </p:nvSpPr>
+        <p:spPr>
+          <a:xfrm>
+            <a:off x="2073897" y="2413262"/>
+            <a:ext cx="1828800" cy="452486"/>
+          </a:xfrm>
+          <a:prstGeom prst="roundRect">
+            <a:avLst/>
+          </a:prstGeom>
+          <a:noFill/>
+          <a:ln>
+            <a:solidFill>
+              <a:srgbClr val="FF0000"/>
+            </a:solidFill>
+          </a:ln>
+        </p:spPr>
+        <p:style>
+          <a:lnRef idx="2">
+            <a:schemeClr val="accent5"/>
+          </a:lnRef>
+          <a:fillRef idx="1">
+            <a:schemeClr val="lt1"/>
+          </a:fillRef>
+          <a:effectRef idx="0">
+            <a:schemeClr val="accent5"/>
+          </a:effectRef>
+          <a:fontRef idx="minor">
+            <a:schemeClr val="dk1"/>
+          </a:fontRef>
+        </p:style>
+        <p:txBody>
+          <a:bodyPr rtlCol="0" anchor="ctr"/>
+          <a:lstStyle/>
+          <a:p>
+            <a:pPr algn="ctr"/>
+            <a:endParaRPr lang="en-US">
+              <a:solidFill>
+                <a:schemeClr val="tx1"/>
+              </a:solidFill>
+            </a:endParaRPr>
+          </a:p>
+        </p:txBody>
+      </p:sp>
+      <p:sp>
+        <p:nvSpPr>
+          <p:cNvPr id="9" name="TextBox 8">
+            <a:extLst>
+              <a:ext uri="{FF2B5EF4-FFF2-40B4-BE49-F238E27FC236}">
+                <a16:creationId xmlns:a16="http://schemas.microsoft.com/office/drawing/2014/main" id="{50148F46-4BAA-48CD-8D02-7B88C1955537}"/>
+              </a:ext>
+            </a:extLst>
+          </p:cNvPr>
+          <p:cNvSpPr txBox="1"/>
+          <p:nvPr/>
+        </p:nvSpPr>
+        <p:spPr>
+          <a:xfrm>
+            <a:off x="4977353" y="2489486"/>
+            <a:ext cx="2356701" cy="584775"/>
+          </a:xfrm>
+          <a:prstGeom prst="rect">
+            <a:avLst/>
+          </a:prstGeom>
+          <a:solidFill>
+            <a:schemeClr val="accent6"/>
+          </a:solidFill>
+        </p:spPr>
+        <p:txBody>
+          <a:bodyPr wrap="square" rtlCol="0">
+            <a:spAutoFit/>
+          </a:bodyPr>
+          <a:lstStyle/>
+          <a:p>
+            <a:pPr>
+              <a:spcAft>
+                <a:spcPts val="600"/>
+              </a:spcAft>
+            </a:pPr>
+            <a:r>
+              <a:rPr lang="en-US" sz="1600" dirty="0">
+                <a:solidFill>
+                  <a:srgbClr val="FF0000"/>
+                </a:solidFill>
+                <a:ea typeface="Verdana" pitchFamily="34" charset="0"/>
+                <a:cs typeface="Verdana" pitchFamily="34" charset="0"/>
+              </a:rPr>
+              <a:t>Input the ID you want to update</a:t>
+            </a:r>
+          </a:p>
+        </p:txBody>
+      </p:sp>
+      <p:cxnSp>
+        <p:nvCxnSpPr>
+          <p:cNvPr id="11" name="Straight Arrow Connector 10">
+            <a:extLst>
+              <a:ext uri="{FF2B5EF4-FFF2-40B4-BE49-F238E27FC236}">
+                <a16:creationId xmlns:a16="http://schemas.microsoft.com/office/drawing/2014/main" id="{335FF523-2E62-4C4E-B203-E8A2FE38FDDC}"/>
+              </a:ext>
+            </a:extLst>
+          </p:cNvPr>
+          <p:cNvCxnSpPr/>
+          <p:nvPr/>
+        </p:nvCxnSpPr>
+        <p:spPr>
+          <a:xfrm flipH="1">
+            <a:off x="3902697" y="2639505"/>
+            <a:ext cx="1055802" cy="0"/>
+          </a:xfrm>
+          <a:prstGeom prst="straightConnector1">
+            <a:avLst/>
+          </a:prstGeom>
+          <a:ln>
+            <a:solidFill>
+              <a:srgbClr val="FF0000"/>
+            </a:solidFill>
+            <a:tailEnd type="triangle"/>
+          </a:ln>
+        </p:spPr>
+        <p:style>
+          <a:lnRef idx="2">
+            <a:schemeClr val="accent5"/>
+          </a:lnRef>
+          <a:fillRef idx="0">
+            <a:schemeClr val="accent5"/>
+          </a:fillRef>
+          <a:effectRef idx="1">
+            <a:schemeClr val="accent5"/>
+          </a:effectRef>
+          <a:fontRef idx="minor">
+            <a:schemeClr val="tx1"/>
+          </a:fontRef>
+        </p:style>
+      </p:cxnSp>
+    </p:spTree>
+    <p:extLst>
+      <p:ext uri="{BB962C8B-B14F-4D97-AF65-F5344CB8AC3E}">
+        <p14:creationId xmlns:p14="http://schemas.microsoft.com/office/powerpoint/2010/main" val="3475609661"/>
+      </p:ext>
+    </p:extLst>
+  </p:cSld>
+  <p:clrMapOvr>
+    <a:masterClrMapping/>
+  </p:clrMapOvr>
+</p:sld>
+</file>
+
 <file path=ppt/slides/slide4.xml><?xml version="1.0" encoding="utf-8"?>
 <p:sld xmlns:a="http://schemas.openxmlformats.org/drawingml/2006/main" xmlns:r="http://schemas.openxmlformats.org/officeDocument/2006/relationships" xmlns:p="http://schemas.openxmlformats.org/presentationml/2006/main">
   <p:cSld>
@@ -8832,6 +11211,1680 @@
     <p:extLst>
       <p:ext uri="{BB962C8B-B14F-4D97-AF65-F5344CB8AC3E}">
         <p14:creationId xmlns:p14="http://schemas.microsoft.com/office/powerpoint/2010/main" val="2143298883"/>
+      </p:ext>
+    </p:extLst>
+  </p:cSld>
+  <p:clrMapOvr>
+    <a:masterClrMapping/>
+  </p:clrMapOvr>
+</p:sld>
+</file>
+
+<file path=ppt/slides/slide40.xml><?xml version="1.0" encoding="utf-8"?>
+<p:sld xmlns:a="http://schemas.openxmlformats.org/drawingml/2006/main" xmlns:r="http://schemas.openxmlformats.org/officeDocument/2006/relationships" xmlns:p="http://schemas.openxmlformats.org/presentationml/2006/main">
+  <p:cSld>
+    <p:spTree>
+      <p:nvGrpSpPr>
+        <p:cNvPr id="1" name=""/>
+        <p:cNvGrpSpPr/>
+        <p:nvPr/>
+      </p:nvGrpSpPr>
+      <p:grpSpPr>
+        <a:xfrm>
+          <a:off x="0" y="0"/>
+          <a:ext cx="0" cy="0"/>
+          <a:chOff x="0" y="0"/>
+          <a:chExt cx="0" cy="0"/>
+        </a:xfrm>
+      </p:grpSpPr>
+      <p:sp>
+        <p:nvSpPr>
+          <p:cNvPr id="2" name="Title 1">
+            <a:extLst>
+              <a:ext uri="{FF2B5EF4-FFF2-40B4-BE49-F238E27FC236}">
+                <a16:creationId xmlns:a16="http://schemas.microsoft.com/office/drawing/2014/main" id="{BB04921C-142C-4CCC-BE8F-C1F79A258BB6}"/>
+              </a:ext>
+            </a:extLst>
+          </p:cNvPr>
+          <p:cNvSpPr>
+            <a:spLocks noGrp="1"/>
+          </p:cNvSpPr>
+          <p:nvPr>
+            <p:ph type="title"/>
+          </p:nvPr>
+        </p:nvSpPr>
+        <p:spPr/>
+        <p:txBody>
+          <a:bodyPr>
+            <a:normAutofit fontScale="90000"/>
+          </a:bodyPr>
+          <a:lstStyle/>
+          <a:p>
+            <a:r>
+              <a:rPr lang="en-US" dirty="0" err="1"/>
+              <a:t>Vulnograms</a:t>
+            </a:r>
+            <a:r>
+              <a:rPr lang="en-US" dirty="0"/>
+              <a:t> – CVE Info is Imported from the Official List</a:t>
+            </a:r>
+          </a:p>
+        </p:txBody>
+      </p:sp>
+      <p:pic>
+        <p:nvPicPr>
+          <p:cNvPr id="5" name="Content Placeholder 4">
+            <a:extLst>
+              <a:ext uri="{FF2B5EF4-FFF2-40B4-BE49-F238E27FC236}">
+                <a16:creationId xmlns:a16="http://schemas.microsoft.com/office/drawing/2014/main" id="{6F44503B-DE68-4F39-B76E-B86BC00552F5}"/>
+              </a:ext>
+            </a:extLst>
+          </p:cNvPr>
+          <p:cNvPicPr>
+            <a:picLocks noGrp="1" noChangeAspect="1"/>
+          </p:cNvPicPr>
+          <p:nvPr>
+            <p:ph idx="1"/>
+          </p:nvPr>
+        </p:nvPicPr>
+        <p:blipFill rotWithShape="1">
+          <a:blip r:embed="rId2"/>
+          <a:srcRect t="11588"/>
+          <a:stretch/>
+        </p:blipFill>
+        <p:spPr>
+          <a:xfrm>
+            <a:off x="609599" y="1423447"/>
+            <a:ext cx="8246967" cy="4383463"/>
+          </a:xfrm>
+          <a:prstGeom prst="rect">
+            <a:avLst/>
+          </a:prstGeom>
+        </p:spPr>
+      </p:pic>
+      <p:sp>
+        <p:nvSpPr>
+          <p:cNvPr id="4" name="Slide Number Placeholder 3">
+            <a:extLst>
+              <a:ext uri="{FF2B5EF4-FFF2-40B4-BE49-F238E27FC236}">
+                <a16:creationId xmlns:a16="http://schemas.microsoft.com/office/drawing/2014/main" id="{FF279B68-76EA-4174-8EE5-B2F66263908F}"/>
+              </a:ext>
+            </a:extLst>
+          </p:cNvPr>
+          <p:cNvSpPr>
+            <a:spLocks noGrp="1"/>
+          </p:cNvSpPr>
+          <p:nvPr>
+            <p:ph type="sldNum" sz="quarter" idx="4"/>
+          </p:nvPr>
+        </p:nvSpPr>
+        <p:spPr/>
+        <p:txBody>
+          <a:bodyPr/>
+          <a:lstStyle/>
+          <a:p>
+            <a:r>
+              <a:rPr lang="en-US">
+                <a:solidFill>
+                  <a:srgbClr val="C1CD23"/>
+                </a:solidFill>
+              </a:rPr>
+              <a:t>|</a:t>
+            </a:r>
+            <a:r>
+              <a:rPr lang="en-US"/>
+              <a:t> </a:t>
+            </a:r>
+            <a:fld id="{295008BC-DA31-4D19-837B-EFA4386B05F5}" type="slidenum">
+              <a:rPr lang="en-US" smtClean="0">
+                <a:solidFill>
+                  <a:schemeClr val="tx1">
+                    <a:lumMod val="50000"/>
+                    <a:lumOff val="50000"/>
+                  </a:schemeClr>
+                </a:solidFill>
+              </a:rPr>
+              <a:pPr/>
+              <a:t>40</a:t>
+            </a:fld>
+            <a:r>
+              <a:rPr lang="en-US"/>
+              <a:t> </a:t>
+            </a:r>
+            <a:r>
+              <a:rPr lang="en-US">
+                <a:solidFill>
+                  <a:srgbClr val="C1CD23"/>
+                </a:solidFill>
+              </a:rPr>
+              <a:t>|</a:t>
+            </a:r>
+            <a:endParaRPr lang="en-US" dirty="0">
+              <a:solidFill>
+                <a:srgbClr val="C1CD23"/>
+              </a:solidFill>
+            </a:endParaRPr>
+          </a:p>
+        </p:txBody>
+      </p:sp>
+    </p:spTree>
+    <p:extLst>
+      <p:ext uri="{BB962C8B-B14F-4D97-AF65-F5344CB8AC3E}">
+        <p14:creationId xmlns:p14="http://schemas.microsoft.com/office/powerpoint/2010/main" val="3818851490"/>
+      </p:ext>
+    </p:extLst>
+  </p:cSld>
+  <p:clrMapOvr>
+    <a:masterClrMapping/>
+  </p:clrMapOvr>
+</p:sld>
+</file>
+
+<file path=ppt/slides/slide41.xml><?xml version="1.0" encoding="utf-8"?>
+<p:sld xmlns:a="http://schemas.openxmlformats.org/drawingml/2006/main" xmlns:r="http://schemas.openxmlformats.org/officeDocument/2006/relationships" xmlns:p="http://schemas.openxmlformats.org/presentationml/2006/main">
+  <p:cSld>
+    <p:spTree>
+      <p:nvGrpSpPr>
+        <p:cNvPr id="1" name=""/>
+        <p:cNvGrpSpPr/>
+        <p:nvPr/>
+      </p:nvGrpSpPr>
+      <p:grpSpPr>
+        <a:xfrm>
+          <a:off x="0" y="0"/>
+          <a:ext cx="0" cy="0"/>
+          <a:chOff x="0" y="0"/>
+          <a:chExt cx="0" cy="0"/>
+        </a:xfrm>
+      </p:grpSpPr>
+      <p:sp>
+        <p:nvSpPr>
+          <p:cNvPr id="2" name="Title 1">
+            <a:extLst>
+              <a:ext uri="{FF2B5EF4-FFF2-40B4-BE49-F238E27FC236}">
+                <a16:creationId xmlns:a16="http://schemas.microsoft.com/office/drawing/2014/main" id="{276EC4C8-D68D-4587-9509-E65AA2592C75}"/>
+              </a:ext>
+            </a:extLst>
+          </p:cNvPr>
+          <p:cNvSpPr>
+            <a:spLocks noGrp="1"/>
+          </p:cNvSpPr>
+          <p:nvPr>
+            <p:ph type="title"/>
+          </p:nvPr>
+        </p:nvSpPr>
+        <p:spPr/>
+        <p:txBody>
+          <a:bodyPr/>
+          <a:lstStyle/>
+          <a:p>
+            <a:r>
+              <a:rPr lang="en-US" dirty="0" err="1"/>
+              <a:t>Vulnogram</a:t>
+            </a:r>
+            <a:r>
+              <a:rPr lang="en-US" dirty="0"/>
+              <a:t> – Fill in Metadata</a:t>
+            </a:r>
+          </a:p>
+        </p:txBody>
+      </p:sp>
+      <p:sp>
+        <p:nvSpPr>
+          <p:cNvPr id="4" name="Slide Number Placeholder 3">
+            <a:extLst>
+              <a:ext uri="{FF2B5EF4-FFF2-40B4-BE49-F238E27FC236}">
+                <a16:creationId xmlns:a16="http://schemas.microsoft.com/office/drawing/2014/main" id="{451932A2-0AA5-476F-972F-68175D4A430E}"/>
+              </a:ext>
+            </a:extLst>
+          </p:cNvPr>
+          <p:cNvSpPr>
+            <a:spLocks noGrp="1"/>
+          </p:cNvSpPr>
+          <p:nvPr>
+            <p:ph type="sldNum" sz="quarter" idx="4"/>
+          </p:nvPr>
+        </p:nvSpPr>
+        <p:spPr/>
+        <p:txBody>
+          <a:bodyPr/>
+          <a:lstStyle/>
+          <a:p>
+            <a:r>
+              <a:rPr lang="en-US">
+                <a:solidFill>
+                  <a:srgbClr val="C1CD23"/>
+                </a:solidFill>
+              </a:rPr>
+              <a:t>|</a:t>
+            </a:r>
+            <a:r>
+              <a:rPr lang="en-US"/>
+              <a:t> </a:t>
+            </a:r>
+            <a:fld id="{295008BC-DA31-4D19-837B-EFA4386B05F5}" type="slidenum">
+              <a:rPr lang="en-US" smtClean="0">
+                <a:solidFill>
+                  <a:schemeClr val="tx1">
+                    <a:lumMod val="50000"/>
+                    <a:lumOff val="50000"/>
+                  </a:schemeClr>
+                </a:solidFill>
+              </a:rPr>
+              <a:pPr/>
+              <a:t>41</a:t>
+            </a:fld>
+            <a:r>
+              <a:rPr lang="en-US"/>
+              <a:t> </a:t>
+            </a:r>
+            <a:r>
+              <a:rPr lang="en-US">
+                <a:solidFill>
+                  <a:srgbClr val="C1CD23"/>
+                </a:solidFill>
+              </a:rPr>
+              <a:t>|</a:t>
+            </a:r>
+            <a:endParaRPr lang="en-US" dirty="0">
+              <a:solidFill>
+                <a:srgbClr val="C1CD23"/>
+              </a:solidFill>
+            </a:endParaRPr>
+          </a:p>
+        </p:txBody>
+      </p:sp>
+      <p:pic>
+        <p:nvPicPr>
+          <p:cNvPr id="8" name="Content Placeholder 7">
+            <a:extLst>
+              <a:ext uri="{FF2B5EF4-FFF2-40B4-BE49-F238E27FC236}">
+                <a16:creationId xmlns:a16="http://schemas.microsoft.com/office/drawing/2014/main" id="{6D5602CE-B9DC-472A-A890-35E76174809C}"/>
+              </a:ext>
+            </a:extLst>
+          </p:cNvPr>
+          <p:cNvPicPr>
+            <a:picLocks noGrp="1" noChangeAspect="1"/>
+          </p:cNvPicPr>
+          <p:nvPr>
+            <p:ph idx="1"/>
+          </p:nvPr>
+        </p:nvPicPr>
+        <p:blipFill rotWithShape="1">
+          <a:blip r:embed="rId2"/>
+          <a:srcRect l="2067" t="31512" r="34338" b="16316"/>
+          <a:stretch/>
+        </p:blipFill>
+        <p:spPr>
+          <a:xfrm>
+            <a:off x="609600" y="1545995"/>
+            <a:ext cx="8199650" cy="4044099"/>
+          </a:xfrm>
+          <a:prstGeom prst="rect">
+            <a:avLst/>
+          </a:prstGeom>
+        </p:spPr>
+      </p:pic>
+      <p:sp>
+        <p:nvSpPr>
+          <p:cNvPr id="10" name="Rectangle: Rounded Corners 9">
+            <a:extLst>
+              <a:ext uri="{FF2B5EF4-FFF2-40B4-BE49-F238E27FC236}">
+                <a16:creationId xmlns:a16="http://schemas.microsoft.com/office/drawing/2014/main" id="{0111FACA-1434-47FE-B681-CC11DC83CB56}"/>
+              </a:ext>
+            </a:extLst>
+          </p:cNvPr>
+          <p:cNvSpPr/>
+          <p:nvPr/>
+        </p:nvSpPr>
+        <p:spPr>
+          <a:xfrm>
+            <a:off x="791851" y="2026763"/>
+            <a:ext cx="4326903" cy="593889"/>
+          </a:xfrm>
+          <a:prstGeom prst="roundRect">
+            <a:avLst/>
+          </a:prstGeom>
+          <a:noFill/>
+          <a:ln>
+            <a:solidFill>
+              <a:srgbClr val="FF0000"/>
+            </a:solidFill>
+          </a:ln>
+        </p:spPr>
+        <p:style>
+          <a:lnRef idx="2">
+            <a:schemeClr val="accent5"/>
+          </a:lnRef>
+          <a:fillRef idx="1">
+            <a:schemeClr val="lt1"/>
+          </a:fillRef>
+          <a:effectRef idx="0">
+            <a:schemeClr val="accent5"/>
+          </a:effectRef>
+          <a:fontRef idx="minor">
+            <a:schemeClr val="dk1"/>
+          </a:fontRef>
+        </p:style>
+        <p:txBody>
+          <a:bodyPr rtlCol="0" anchor="ctr"/>
+          <a:lstStyle/>
+          <a:p>
+            <a:pPr algn="ctr"/>
+            <a:endParaRPr lang="en-US">
+              <a:solidFill>
+                <a:schemeClr val="tx1"/>
+              </a:solidFill>
+            </a:endParaRPr>
+          </a:p>
+        </p:txBody>
+      </p:sp>
+      <p:sp>
+        <p:nvSpPr>
+          <p:cNvPr id="11" name="TextBox 10">
+            <a:extLst>
+              <a:ext uri="{FF2B5EF4-FFF2-40B4-BE49-F238E27FC236}">
+                <a16:creationId xmlns:a16="http://schemas.microsoft.com/office/drawing/2014/main" id="{CF32E8A3-8C70-4B05-AB6E-761C357325CA}"/>
+              </a:ext>
+            </a:extLst>
+          </p:cNvPr>
+          <p:cNvSpPr txBox="1"/>
+          <p:nvPr/>
+        </p:nvSpPr>
+        <p:spPr>
+          <a:xfrm>
+            <a:off x="3501003" y="1688209"/>
+            <a:ext cx="1617751" cy="338554"/>
+          </a:xfrm>
+          <a:prstGeom prst="rect">
+            <a:avLst/>
+          </a:prstGeom>
+          <a:noFill/>
+        </p:spPr>
+        <p:txBody>
+          <a:bodyPr wrap="none" rtlCol="0">
+            <a:spAutoFit/>
+          </a:bodyPr>
+          <a:lstStyle/>
+          <a:p>
+            <a:pPr>
+              <a:spcAft>
+                <a:spcPts val="600"/>
+              </a:spcAft>
+            </a:pPr>
+            <a:r>
+              <a:rPr lang="en-US" sz="1600" dirty="0">
+                <a:solidFill>
+                  <a:srgbClr val="FF0000"/>
+                </a:solidFill>
+                <a:ea typeface="Verdana" pitchFamily="34" charset="0"/>
+                <a:cs typeface="Verdana" pitchFamily="34" charset="0"/>
+              </a:rPr>
+              <a:t>Required Fields</a:t>
+            </a:r>
+          </a:p>
+        </p:txBody>
+      </p:sp>
+    </p:spTree>
+    <p:extLst>
+      <p:ext uri="{BB962C8B-B14F-4D97-AF65-F5344CB8AC3E}">
+        <p14:creationId xmlns:p14="http://schemas.microsoft.com/office/powerpoint/2010/main" val="355599086"/>
+      </p:ext>
+    </p:extLst>
+  </p:cSld>
+  <p:clrMapOvr>
+    <a:masterClrMapping/>
+  </p:clrMapOvr>
+</p:sld>
+</file>
+
+<file path=ppt/slides/slide42.xml><?xml version="1.0" encoding="utf-8"?>
+<p:sld xmlns:a="http://schemas.openxmlformats.org/drawingml/2006/main" xmlns:r="http://schemas.openxmlformats.org/officeDocument/2006/relationships" xmlns:p="http://schemas.openxmlformats.org/presentationml/2006/main">
+  <p:cSld>
+    <p:spTree>
+      <p:nvGrpSpPr>
+        <p:cNvPr id="1" name=""/>
+        <p:cNvGrpSpPr/>
+        <p:nvPr/>
+      </p:nvGrpSpPr>
+      <p:grpSpPr>
+        <a:xfrm>
+          <a:off x="0" y="0"/>
+          <a:ext cx="0" cy="0"/>
+          <a:chOff x="0" y="0"/>
+          <a:chExt cx="0" cy="0"/>
+        </a:xfrm>
+      </p:grpSpPr>
+      <p:sp>
+        <p:nvSpPr>
+          <p:cNvPr id="2" name="Title 1">
+            <a:extLst>
+              <a:ext uri="{FF2B5EF4-FFF2-40B4-BE49-F238E27FC236}">
+                <a16:creationId xmlns:a16="http://schemas.microsoft.com/office/drawing/2014/main" id="{D0D508C9-8BDC-449C-8201-626E9A59EC0B}"/>
+              </a:ext>
+            </a:extLst>
+          </p:cNvPr>
+          <p:cNvSpPr>
+            <a:spLocks noGrp="1"/>
+          </p:cNvSpPr>
+          <p:nvPr>
+            <p:ph type="title"/>
+          </p:nvPr>
+        </p:nvSpPr>
+        <p:spPr/>
+        <p:txBody>
+          <a:bodyPr>
+            <a:normAutofit fontScale="90000"/>
+          </a:bodyPr>
+          <a:lstStyle/>
+          <a:p>
+            <a:r>
+              <a:rPr lang="en-US" dirty="0" err="1"/>
+              <a:t>Vulnogram</a:t>
+            </a:r>
+            <a:r>
+              <a:rPr lang="en-US" dirty="0"/>
+              <a:t> – Fill in Product/Version Info.</a:t>
+            </a:r>
+          </a:p>
+        </p:txBody>
+      </p:sp>
+      <p:sp>
+        <p:nvSpPr>
+          <p:cNvPr id="4" name="Slide Number Placeholder 3">
+            <a:extLst>
+              <a:ext uri="{FF2B5EF4-FFF2-40B4-BE49-F238E27FC236}">
+                <a16:creationId xmlns:a16="http://schemas.microsoft.com/office/drawing/2014/main" id="{71E9BD27-E362-4ACD-94FA-C45B85D55F38}"/>
+              </a:ext>
+            </a:extLst>
+          </p:cNvPr>
+          <p:cNvSpPr>
+            <a:spLocks noGrp="1"/>
+          </p:cNvSpPr>
+          <p:nvPr>
+            <p:ph type="sldNum" sz="quarter" idx="4"/>
+          </p:nvPr>
+        </p:nvSpPr>
+        <p:spPr/>
+        <p:txBody>
+          <a:bodyPr/>
+          <a:lstStyle/>
+          <a:p>
+            <a:r>
+              <a:rPr lang="en-US">
+                <a:solidFill>
+                  <a:srgbClr val="C1CD23"/>
+                </a:solidFill>
+              </a:rPr>
+              <a:t>|</a:t>
+            </a:r>
+            <a:r>
+              <a:rPr lang="en-US"/>
+              <a:t> </a:t>
+            </a:r>
+            <a:fld id="{295008BC-DA31-4D19-837B-EFA4386B05F5}" type="slidenum">
+              <a:rPr lang="en-US" smtClean="0">
+                <a:solidFill>
+                  <a:schemeClr val="tx1">
+                    <a:lumMod val="50000"/>
+                    <a:lumOff val="50000"/>
+                  </a:schemeClr>
+                </a:solidFill>
+              </a:rPr>
+              <a:pPr/>
+              <a:t>42</a:t>
+            </a:fld>
+            <a:r>
+              <a:rPr lang="en-US"/>
+              <a:t> </a:t>
+            </a:r>
+            <a:r>
+              <a:rPr lang="en-US">
+                <a:solidFill>
+                  <a:srgbClr val="C1CD23"/>
+                </a:solidFill>
+              </a:rPr>
+              <a:t>|</a:t>
+            </a:r>
+            <a:endParaRPr lang="en-US" dirty="0">
+              <a:solidFill>
+                <a:srgbClr val="C1CD23"/>
+              </a:solidFill>
+            </a:endParaRPr>
+          </a:p>
+        </p:txBody>
+      </p:sp>
+      <p:pic>
+        <p:nvPicPr>
+          <p:cNvPr id="8" name="Content Placeholder 7">
+            <a:extLst>
+              <a:ext uri="{FF2B5EF4-FFF2-40B4-BE49-F238E27FC236}">
+                <a16:creationId xmlns:a16="http://schemas.microsoft.com/office/drawing/2014/main" id="{26EAAD64-85AD-4E77-BA24-2C395EA152B8}"/>
+              </a:ext>
+            </a:extLst>
+          </p:cNvPr>
+          <p:cNvPicPr>
+            <a:picLocks noGrp="1" noChangeAspect="1"/>
+          </p:cNvPicPr>
+          <p:nvPr>
+            <p:ph idx="1"/>
+          </p:nvPr>
+        </p:nvPicPr>
+        <p:blipFill rotWithShape="1">
+          <a:blip r:embed="rId2"/>
+          <a:srcRect l="2932" t="15080" r="2593" b="7484"/>
+          <a:stretch/>
+        </p:blipFill>
+        <p:spPr>
+          <a:xfrm>
+            <a:off x="609599" y="1404594"/>
+            <a:ext cx="8245267" cy="4062952"/>
+          </a:xfrm>
+          <a:prstGeom prst="rect">
+            <a:avLst/>
+          </a:prstGeom>
+        </p:spPr>
+      </p:pic>
+      <p:sp>
+        <p:nvSpPr>
+          <p:cNvPr id="9" name="TextBox 8">
+            <a:extLst>
+              <a:ext uri="{FF2B5EF4-FFF2-40B4-BE49-F238E27FC236}">
+                <a16:creationId xmlns:a16="http://schemas.microsoft.com/office/drawing/2014/main" id="{9826AB8F-53BF-4E6C-9BC2-66C88D9DCC32}"/>
+              </a:ext>
+            </a:extLst>
+          </p:cNvPr>
+          <p:cNvSpPr txBox="1"/>
+          <p:nvPr/>
+        </p:nvSpPr>
+        <p:spPr>
+          <a:xfrm>
+            <a:off x="4732232" y="1509229"/>
+            <a:ext cx="3908981" cy="584775"/>
+          </a:xfrm>
+          <a:prstGeom prst="rect">
+            <a:avLst/>
+          </a:prstGeom>
+          <a:noFill/>
+        </p:spPr>
+        <p:txBody>
+          <a:bodyPr wrap="square" rtlCol="0">
+            <a:spAutoFit/>
+          </a:bodyPr>
+          <a:lstStyle/>
+          <a:p>
+            <a:pPr>
+              <a:spcAft>
+                <a:spcPts val="600"/>
+              </a:spcAft>
+            </a:pPr>
+            <a:r>
+              <a:rPr lang="en-US" sz="1600" dirty="0">
+                <a:solidFill>
+                  <a:srgbClr val="FF0000"/>
+                </a:solidFill>
+                <a:ea typeface="Verdana" pitchFamily="34" charset="0"/>
+                <a:cs typeface="Verdana" pitchFamily="34" charset="0"/>
+              </a:rPr>
+              <a:t>At least one vendor/product/version group is required</a:t>
+            </a:r>
+          </a:p>
+        </p:txBody>
+      </p:sp>
+      <p:sp>
+        <p:nvSpPr>
+          <p:cNvPr id="10" name="Rectangle: Rounded Corners 9">
+            <a:extLst>
+              <a:ext uri="{FF2B5EF4-FFF2-40B4-BE49-F238E27FC236}">
+                <a16:creationId xmlns:a16="http://schemas.microsoft.com/office/drawing/2014/main" id="{A73140FB-C5D1-452E-AD22-31A8C8F48291}"/>
+              </a:ext>
+            </a:extLst>
+          </p:cNvPr>
+          <p:cNvSpPr/>
+          <p:nvPr/>
+        </p:nvSpPr>
+        <p:spPr>
+          <a:xfrm>
+            <a:off x="6070862" y="2931736"/>
+            <a:ext cx="886119" cy="160256"/>
+          </a:xfrm>
+          <a:prstGeom prst="roundRect">
+            <a:avLst/>
+          </a:prstGeom>
+          <a:noFill/>
+          <a:ln>
+            <a:solidFill>
+              <a:srgbClr val="FF0000"/>
+            </a:solidFill>
+          </a:ln>
+        </p:spPr>
+        <p:style>
+          <a:lnRef idx="2">
+            <a:schemeClr val="accent5"/>
+          </a:lnRef>
+          <a:fillRef idx="1">
+            <a:schemeClr val="lt1"/>
+          </a:fillRef>
+          <a:effectRef idx="0">
+            <a:schemeClr val="accent5"/>
+          </a:effectRef>
+          <a:fontRef idx="minor">
+            <a:schemeClr val="dk1"/>
+          </a:fontRef>
+        </p:style>
+        <p:txBody>
+          <a:bodyPr rtlCol="0" anchor="ctr"/>
+          <a:lstStyle/>
+          <a:p>
+            <a:pPr algn="ctr"/>
+            <a:endParaRPr lang="en-US">
+              <a:solidFill>
+                <a:schemeClr val="tx1"/>
+              </a:solidFill>
+            </a:endParaRPr>
+          </a:p>
+        </p:txBody>
+      </p:sp>
+      <p:sp>
+        <p:nvSpPr>
+          <p:cNvPr id="11" name="TextBox 10">
+            <a:extLst>
+              <a:ext uri="{FF2B5EF4-FFF2-40B4-BE49-F238E27FC236}">
+                <a16:creationId xmlns:a16="http://schemas.microsoft.com/office/drawing/2014/main" id="{8BCA3CC3-5B8C-4C53-9032-5557DD90FEFE}"/>
+              </a:ext>
+            </a:extLst>
+          </p:cNvPr>
+          <p:cNvSpPr txBox="1"/>
+          <p:nvPr/>
+        </p:nvSpPr>
+        <p:spPr>
+          <a:xfrm>
+            <a:off x="5943599" y="2593182"/>
+            <a:ext cx="1140644" cy="338554"/>
+          </a:xfrm>
+          <a:prstGeom prst="rect">
+            <a:avLst/>
+          </a:prstGeom>
+          <a:noFill/>
+        </p:spPr>
+        <p:txBody>
+          <a:bodyPr wrap="square" rtlCol="0">
+            <a:spAutoFit/>
+          </a:bodyPr>
+          <a:lstStyle/>
+          <a:p>
+            <a:pPr>
+              <a:spcAft>
+                <a:spcPts val="600"/>
+              </a:spcAft>
+            </a:pPr>
+            <a:r>
+              <a:rPr lang="en-US" sz="1600" dirty="0">
+                <a:solidFill>
+                  <a:srgbClr val="FF0000"/>
+                </a:solidFill>
+                <a:ea typeface="Verdana" pitchFamily="34" charset="0"/>
+                <a:cs typeface="Verdana" pitchFamily="34" charset="0"/>
+              </a:rPr>
+              <a:t>Required</a:t>
+            </a:r>
+          </a:p>
+        </p:txBody>
+      </p:sp>
+      <p:sp>
+        <p:nvSpPr>
+          <p:cNvPr id="12" name="Rectangle: Rounded Corners 11">
+            <a:extLst>
+              <a:ext uri="{FF2B5EF4-FFF2-40B4-BE49-F238E27FC236}">
+                <a16:creationId xmlns:a16="http://schemas.microsoft.com/office/drawing/2014/main" id="{AF6BC119-4A1E-4B8B-96FA-89BDB5989E00}"/>
+              </a:ext>
+            </a:extLst>
+          </p:cNvPr>
+          <p:cNvSpPr/>
+          <p:nvPr/>
+        </p:nvSpPr>
+        <p:spPr>
+          <a:xfrm>
+            <a:off x="2263218" y="2771480"/>
+            <a:ext cx="886119" cy="160256"/>
+          </a:xfrm>
+          <a:prstGeom prst="roundRect">
+            <a:avLst/>
+          </a:prstGeom>
+          <a:noFill/>
+          <a:ln>
+            <a:solidFill>
+              <a:srgbClr val="FF0000"/>
+            </a:solidFill>
+          </a:ln>
+        </p:spPr>
+        <p:style>
+          <a:lnRef idx="2">
+            <a:schemeClr val="accent5"/>
+          </a:lnRef>
+          <a:fillRef idx="1">
+            <a:schemeClr val="lt1"/>
+          </a:fillRef>
+          <a:effectRef idx="0">
+            <a:schemeClr val="accent5"/>
+          </a:effectRef>
+          <a:fontRef idx="minor">
+            <a:schemeClr val="dk1"/>
+          </a:fontRef>
+        </p:style>
+        <p:txBody>
+          <a:bodyPr rtlCol="0" anchor="ctr"/>
+          <a:lstStyle/>
+          <a:p>
+            <a:pPr algn="ctr"/>
+            <a:endParaRPr lang="en-US">
+              <a:solidFill>
+                <a:schemeClr val="tx1"/>
+              </a:solidFill>
+            </a:endParaRPr>
+          </a:p>
+        </p:txBody>
+      </p:sp>
+      <p:sp>
+        <p:nvSpPr>
+          <p:cNvPr id="13" name="TextBox 12">
+            <a:extLst>
+              <a:ext uri="{FF2B5EF4-FFF2-40B4-BE49-F238E27FC236}">
+                <a16:creationId xmlns:a16="http://schemas.microsoft.com/office/drawing/2014/main" id="{D61EB0FF-076E-43C2-AC7D-9D5C61E5E7E4}"/>
+              </a:ext>
+            </a:extLst>
+          </p:cNvPr>
+          <p:cNvSpPr txBox="1"/>
+          <p:nvPr/>
+        </p:nvSpPr>
+        <p:spPr>
+          <a:xfrm>
+            <a:off x="1249835" y="2673310"/>
+            <a:ext cx="1140644" cy="338554"/>
+          </a:xfrm>
+          <a:prstGeom prst="rect">
+            <a:avLst/>
+          </a:prstGeom>
+          <a:noFill/>
+        </p:spPr>
+        <p:txBody>
+          <a:bodyPr wrap="square" rtlCol="0">
+            <a:spAutoFit/>
+          </a:bodyPr>
+          <a:lstStyle/>
+          <a:p>
+            <a:pPr>
+              <a:spcAft>
+                <a:spcPts val="600"/>
+              </a:spcAft>
+            </a:pPr>
+            <a:r>
+              <a:rPr lang="en-US" sz="1600" dirty="0">
+                <a:solidFill>
+                  <a:srgbClr val="FF0000"/>
+                </a:solidFill>
+                <a:ea typeface="Verdana" pitchFamily="34" charset="0"/>
+                <a:cs typeface="Verdana" pitchFamily="34" charset="0"/>
+              </a:rPr>
+              <a:t>Optional</a:t>
+            </a:r>
+          </a:p>
+        </p:txBody>
+      </p:sp>
+    </p:spTree>
+    <p:extLst>
+      <p:ext uri="{BB962C8B-B14F-4D97-AF65-F5344CB8AC3E}">
+        <p14:creationId xmlns:p14="http://schemas.microsoft.com/office/powerpoint/2010/main" val="183036435"/>
+      </p:ext>
+    </p:extLst>
+  </p:cSld>
+  <p:clrMapOvr>
+    <a:masterClrMapping/>
+  </p:clrMapOvr>
+</p:sld>
+</file>
+
+<file path=ppt/slides/slide43.xml><?xml version="1.0" encoding="utf-8"?>
+<p:sld xmlns:a="http://schemas.openxmlformats.org/drawingml/2006/main" xmlns:r="http://schemas.openxmlformats.org/officeDocument/2006/relationships" xmlns:p="http://schemas.openxmlformats.org/presentationml/2006/main">
+  <p:cSld>
+    <p:spTree>
+      <p:nvGrpSpPr>
+        <p:cNvPr id="1" name=""/>
+        <p:cNvGrpSpPr/>
+        <p:nvPr/>
+      </p:nvGrpSpPr>
+      <p:grpSpPr>
+        <a:xfrm>
+          <a:off x="0" y="0"/>
+          <a:ext cx="0" cy="0"/>
+          <a:chOff x="0" y="0"/>
+          <a:chExt cx="0" cy="0"/>
+        </a:xfrm>
+      </p:grpSpPr>
+      <p:sp>
+        <p:nvSpPr>
+          <p:cNvPr id="2" name="Title 1">
+            <a:extLst>
+              <a:ext uri="{FF2B5EF4-FFF2-40B4-BE49-F238E27FC236}">
+                <a16:creationId xmlns:a16="http://schemas.microsoft.com/office/drawing/2014/main" id="{F56DFD4C-812F-4EF5-9C11-6D48D1A2077A}"/>
+              </a:ext>
+            </a:extLst>
+          </p:cNvPr>
+          <p:cNvSpPr>
+            <a:spLocks noGrp="1"/>
+          </p:cNvSpPr>
+          <p:nvPr>
+            <p:ph type="title"/>
+          </p:nvPr>
+        </p:nvSpPr>
+        <p:spPr/>
+        <p:txBody>
+          <a:bodyPr/>
+          <a:lstStyle/>
+          <a:p>
+            <a:r>
+              <a:rPr lang="en-US" dirty="0" err="1"/>
+              <a:t>Vulnogram</a:t>
+            </a:r>
+            <a:r>
+              <a:rPr lang="en-US" dirty="0"/>
+              <a:t> – Fill in Problem Type</a:t>
+            </a:r>
+          </a:p>
+        </p:txBody>
+      </p:sp>
+      <p:pic>
+        <p:nvPicPr>
+          <p:cNvPr id="5" name="Content Placeholder 4">
+            <a:extLst>
+              <a:ext uri="{FF2B5EF4-FFF2-40B4-BE49-F238E27FC236}">
+                <a16:creationId xmlns:a16="http://schemas.microsoft.com/office/drawing/2014/main" id="{7576D324-B12C-4D22-8BA4-AD1F4A910747}"/>
+              </a:ext>
+            </a:extLst>
+          </p:cNvPr>
+          <p:cNvPicPr>
+            <a:picLocks noGrp="1" noChangeAspect="1"/>
+          </p:cNvPicPr>
+          <p:nvPr>
+            <p:ph idx="1"/>
+          </p:nvPr>
+        </p:nvPicPr>
+        <p:blipFill rotWithShape="1">
+          <a:blip r:embed="rId2"/>
+          <a:srcRect l="1573" t="30074" r="53972" b="31927"/>
+          <a:stretch/>
+        </p:blipFill>
+        <p:spPr>
+          <a:xfrm>
+            <a:off x="986672" y="1857080"/>
+            <a:ext cx="6842329" cy="3516198"/>
+          </a:xfrm>
+          <a:prstGeom prst="rect">
+            <a:avLst/>
+          </a:prstGeom>
+        </p:spPr>
+      </p:pic>
+      <p:sp>
+        <p:nvSpPr>
+          <p:cNvPr id="4" name="Slide Number Placeholder 3">
+            <a:extLst>
+              <a:ext uri="{FF2B5EF4-FFF2-40B4-BE49-F238E27FC236}">
+                <a16:creationId xmlns:a16="http://schemas.microsoft.com/office/drawing/2014/main" id="{3FBE35B2-5FFD-4B22-81BA-C4FE0790960C}"/>
+              </a:ext>
+            </a:extLst>
+          </p:cNvPr>
+          <p:cNvSpPr>
+            <a:spLocks noGrp="1"/>
+          </p:cNvSpPr>
+          <p:nvPr>
+            <p:ph type="sldNum" sz="quarter" idx="4"/>
+          </p:nvPr>
+        </p:nvSpPr>
+        <p:spPr/>
+        <p:txBody>
+          <a:bodyPr/>
+          <a:lstStyle/>
+          <a:p>
+            <a:r>
+              <a:rPr lang="en-US">
+                <a:solidFill>
+                  <a:srgbClr val="C1CD23"/>
+                </a:solidFill>
+              </a:rPr>
+              <a:t>|</a:t>
+            </a:r>
+            <a:r>
+              <a:rPr lang="en-US"/>
+              <a:t> </a:t>
+            </a:r>
+            <a:fld id="{295008BC-DA31-4D19-837B-EFA4386B05F5}" type="slidenum">
+              <a:rPr lang="en-US" smtClean="0">
+                <a:solidFill>
+                  <a:schemeClr val="tx1">
+                    <a:lumMod val="50000"/>
+                    <a:lumOff val="50000"/>
+                  </a:schemeClr>
+                </a:solidFill>
+              </a:rPr>
+              <a:pPr/>
+              <a:t>43</a:t>
+            </a:fld>
+            <a:r>
+              <a:rPr lang="en-US"/>
+              <a:t> </a:t>
+            </a:r>
+            <a:r>
+              <a:rPr lang="en-US">
+                <a:solidFill>
+                  <a:srgbClr val="C1CD23"/>
+                </a:solidFill>
+              </a:rPr>
+              <a:t>|</a:t>
+            </a:r>
+            <a:endParaRPr lang="en-US" dirty="0">
+              <a:solidFill>
+                <a:srgbClr val="C1CD23"/>
+              </a:solidFill>
+            </a:endParaRPr>
+          </a:p>
+        </p:txBody>
+      </p:sp>
+    </p:spTree>
+    <p:extLst>
+      <p:ext uri="{BB962C8B-B14F-4D97-AF65-F5344CB8AC3E}">
+        <p14:creationId xmlns:p14="http://schemas.microsoft.com/office/powerpoint/2010/main" val="3206156448"/>
+      </p:ext>
+    </p:extLst>
+  </p:cSld>
+  <p:clrMapOvr>
+    <a:masterClrMapping/>
+  </p:clrMapOvr>
+</p:sld>
+</file>
+
+<file path=ppt/slides/slide44.xml><?xml version="1.0" encoding="utf-8"?>
+<p:sld xmlns:a="http://schemas.openxmlformats.org/drawingml/2006/main" xmlns:r="http://schemas.openxmlformats.org/officeDocument/2006/relationships" xmlns:p="http://schemas.openxmlformats.org/presentationml/2006/main">
+  <p:cSld>
+    <p:spTree>
+      <p:nvGrpSpPr>
+        <p:cNvPr id="1" name=""/>
+        <p:cNvGrpSpPr/>
+        <p:nvPr/>
+      </p:nvGrpSpPr>
+      <p:grpSpPr>
+        <a:xfrm>
+          <a:off x="0" y="0"/>
+          <a:ext cx="0" cy="0"/>
+          <a:chOff x="0" y="0"/>
+          <a:chExt cx="0" cy="0"/>
+        </a:xfrm>
+      </p:grpSpPr>
+      <p:sp>
+        <p:nvSpPr>
+          <p:cNvPr id="2" name="Title 1">
+            <a:extLst>
+              <a:ext uri="{FF2B5EF4-FFF2-40B4-BE49-F238E27FC236}">
+                <a16:creationId xmlns:a16="http://schemas.microsoft.com/office/drawing/2014/main" id="{41508CB9-556B-4714-A786-202A6BAEA512}"/>
+              </a:ext>
+            </a:extLst>
+          </p:cNvPr>
+          <p:cNvSpPr>
+            <a:spLocks noGrp="1"/>
+          </p:cNvSpPr>
+          <p:nvPr>
+            <p:ph type="title"/>
+          </p:nvPr>
+        </p:nvSpPr>
+        <p:spPr/>
+        <p:txBody>
+          <a:bodyPr/>
+          <a:lstStyle/>
+          <a:p>
+            <a:r>
+              <a:rPr lang="en-US" dirty="0" err="1"/>
+              <a:t>Vulnogram</a:t>
+            </a:r>
+            <a:r>
+              <a:rPr lang="en-US" dirty="0"/>
+              <a:t> – Add Reference(s)</a:t>
+            </a:r>
+          </a:p>
+        </p:txBody>
+      </p:sp>
+      <p:sp>
+        <p:nvSpPr>
+          <p:cNvPr id="4" name="Slide Number Placeholder 3">
+            <a:extLst>
+              <a:ext uri="{FF2B5EF4-FFF2-40B4-BE49-F238E27FC236}">
+                <a16:creationId xmlns:a16="http://schemas.microsoft.com/office/drawing/2014/main" id="{689DA62A-FD79-49E1-86DD-FDFDF5CC14D8}"/>
+              </a:ext>
+            </a:extLst>
+          </p:cNvPr>
+          <p:cNvSpPr>
+            <a:spLocks noGrp="1"/>
+          </p:cNvSpPr>
+          <p:nvPr>
+            <p:ph type="sldNum" sz="quarter" idx="4"/>
+          </p:nvPr>
+        </p:nvSpPr>
+        <p:spPr/>
+        <p:txBody>
+          <a:bodyPr/>
+          <a:lstStyle/>
+          <a:p>
+            <a:r>
+              <a:rPr lang="en-US">
+                <a:solidFill>
+                  <a:srgbClr val="C1CD23"/>
+                </a:solidFill>
+              </a:rPr>
+              <a:t>|</a:t>
+            </a:r>
+            <a:r>
+              <a:rPr lang="en-US"/>
+              <a:t> </a:t>
+            </a:r>
+            <a:fld id="{295008BC-DA31-4D19-837B-EFA4386B05F5}" type="slidenum">
+              <a:rPr lang="en-US" smtClean="0">
+                <a:solidFill>
+                  <a:schemeClr val="tx1">
+                    <a:lumMod val="50000"/>
+                    <a:lumOff val="50000"/>
+                  </a:schemeClr>
+                </a:solidFill>
+              </a:rPr>
+              <a:pPr/>
+              <a:t>44</a:t>
+            </a:fld>
+            <a:r>
+              <a:rPr lang="en-US"/>
+              <a:t> </a:t>
+            </a:r>
+            <a:r>
+              <a:rPr lang="en-US">
+                <a:solidFill>
+                  <a:srgbClr val="C1CD23"/>
+                </a:solidFill>
+              </a:rPr>
+              <a:t>|</a:t>
+            </a:r>
+            <a:endParaRPr lang="en-US" dirty="0">
+              <a:solidFill>
+                <a:srgbClr val="C1CD23"/>
+              </a:solidFill>
+            </a:endParaRPr>
+          </a:p>
+        </p:txBody>
+      </p:sp>
+      <p:pic>
+        <p:nvPicPr>
+          <p:cNvPr id="8" name="Content Placeholder 7">
+            <a:extLst>
+              <a:ext uri="{FF2B5EF4-FFF2-40B4-BE49-F238E27FC236}">
+                <a16:creationId xmlns:a16="http://schemas.microsoft.com/office/drawing/2014/main" id="{878BE8E8-36C9-4054-9F53-305D12FC0352}"/>
+              </a:ext>
+            </a:extLst>
+          </p:cNvPr>
+          <p:cNvPicPr>
+            <a:picLocks noGrp="1" noChangeAspect="1"/>
+          </p:cNvPicPr>
+          <p:nvPr>
+            <p:ph idx="1"/>
+          </p:nvPr>
+        </p:nvPicPr>
+        <p:blipFill rotWithShape="1">
+          <a:blip r:embed="rId2"/>
+          <a:srcRect l="3009" t="35825" b="29257"/>
+          <a:stretch/>
+        </p:blipFill>
+        <p:spPr>
+          <a:xfrm>
+            <a:off x="609600" y="2187020"/>
+            <a:ext cx="8011017" cy="2526382"/>
+          </a:xfrm>
+          <a:prstGeom prst="rect">
+            <a:avLst/>
+          </a:prstGeom>
+        </p:spPr>
+      </p:pic>
+    </p:spTree>
+    <p:extLst>
+      <p:ext uri="{BB962C8B-B14F-4D97-AF65-F5344CB8AC3E}">
+        <p14:creationId xmlns:p14="http://schemas.microsoft.com/office/powerpoint/2010/main" val="2432890406"/>
+      </p:ext>
+    </p:extLst>
+  </p:cSld>
+  <p:clrMapOvr>
+    <a:masterClrMapping/>
+  </p:clrMapOvr>
+</p:sld>
+</file>
+
+<file path=ppt/slides/slide45.xml><?xml version="1.0" encoding="utf-8"?>
+<p:sld xmlns:a="http://schemas.openxmlformats.org/drawingml/2006/main" xmlns:r="http://schemas.openxmlformats.org/officeDocument/2006/relationships" xmlns:p="http://schemas.openxmlformats.org/presentationml/2006/main">
+  <p:cSld>
+    <p:spTree>
+      <p:nvGrpSpPr>
+        <p:cNvPr id="1" name=""/>
+        <p:cNvGrpSpPr/>
+        <p:nvPr/>
+      </p:nvGrpSpPr>
+      <p:grpSpPr>
+        <a:xfrm>
+          <a:off x="0" y="0"/>
+          <a:ext cx="0" cy="0"/>
+          <a:chOff x="0" y="0"/>
+          <a:chExt cx="0" cy="0"/>
+        </a:xfrm>
+      </p:grpSpPr>
+      <p:sp>
+        <p:nvSpPr>
+          <p:cNvPr id="2" name="Title 1">
+            <a:extLst>
+              <a:ext uri="{FF2B5EF4-FFF2-40B4-BE49-F238E27FC236}">
+                <a16:creationId xmlns:a16="http://schemas.microsoft.com/office/drawing/2014/main" id="{E94ABA36-1D88-4D89-9D98-BF58EF5738DA}"/>
+              </a:ext>
+            </a:extLst>
+          </p:cNvPr>
+          <p:cNvSpPr>
+            <a:spLocks noGrp="1"/>
+          </p:cNvSpPr>
+          <p:nvPr>
+            <p:ph type="title"/>
+          </p:nvPr>
+        </p:nvSpPr>
+        <p:spPr/>
+        <p:txBody>
+          <a:bodyPr>
+            <a:normAutofit fontScale="90000"/>
+          </a:bodyPr>
+          <a:lstStyle/>
+          <a:p>
+            <a:r>
+              <a:rPr lang="en-US" dirty="0" err="1"/>
+              <a:t>Vulnogram</a:t>
+            </a:r>
+            <a:r>
+              <a:rPr lang="en-US" dirty="0"/>
+              <a:t> – Use the Auto-Text feature to Start the Description</a:t>
+            </a:r>
+          </a:p>
+        </p:txBody>
+      </p:sp>
+      <p:pic>
+        <p:nvPicPr>
+          <p:cNvPr id="5" name="Content Placeholder 4">
+            <a:extLst>
+              <a:ext uri="{FF2B5EF4-FFF2-40B4-BE49-F238E27FC236}">
+                <a16:creationId xmlns:a16="http://schemas.microsoft.com/office/drawing/2014/main" id="{1A2BAE92-615E-4B23-9A2E-930F13DDC685}"/>
+              </a:ext>
+            </a:extLst>
+          </p:cNvPr>
+          <p:cNvPicPr>
+            <a:picLocks noGrp="1" noChangeAspect="1"/>
+          </p:cNvPicPr>
+          <p:nvPr>
+            <p:ph idx="1"/>
+          </p:nvPr>
+        </p:nvPicPr>
+        <p:blipFill rotWithShape="1">
+          <a:blip r:embed="rId2"/>
+          <a:srcRect l="4089" t="46302" r="911" b="1937"/>
+          <a:stretch/>
+        </p:blipFill>
+        <p:spPr>
+          <a:xfrm>
+            <a:off x="609600" y="1574277"/>
+            <a:ext cx="8216582" cy="3921550"/>
+          </a:xfrm>
+          <a:prstGeom prst="rect">
+            <a:avLst/>
+          </a:prstGeom>
+        </p:spPr>
+      </p:pic>
+      <p:sp>
+        <p:nvSpPr>
+          <p:cNvPr id="4" name="Slide Number Placeholder 3">
+            <a:extLst>
+              <a:ext uri="{FF2B5EF4-FFF2-40B4-BE49-F238E27FC236}">
+                <a16:creationId xmlns:a16="http://schemas.microsoft.com/office/drawing/2014/main" id="{21293ABB-3176-4EFC-9D69-BDAE2A1604C6}"/>
+              </a:ext>
+            </a:extLst>
+          </p:cNvPr>
+          <p:cNvSpPr>
+            <a:spLocks noGrp="1"/>
+          </p:cNvSpPr>
+          <p:nvPr>
+            <p:ph type="sldNum" sz="quarter" idx="4"/>
+          </p:nvPr>
+        </p:nvSpPr>
+        <p:spPr/>
+        <p:txBody>
+          <a:bodyPr/>
+          <a:lstStyle/>
+          <a:p>
+            <a:r>
+              <a:rPr lang="en-US">
+                <a:solidFill>
+                  <a:srgbClr val="C1CD23"/>
+                </a:solidFill>
+              </a:rPr>
+              <a:t>|</a:t>
+            </a:r>
+            <a:r>
+              <a:rPr lang="en-US"/>
+              <a:t> </a:t>
+            </a:r>
+            <a:fld id="{295008BC-DA31-4D19-837B-EFA4386B05F5}" type="slidenum">
+              <a:rPr lang="en-US" smtClean="0">
+                <a:solidFill>
+                  <a:schemeClr val="tx1">
+                    <a:lumMod val="50000"/>
+                    <a:lumOff val="50000"/>
+                  </a:schemeClr>
+                </a:solidFill>
+              </a:rPr>
+              <a:pPr/>
+              <a:t>45</a:t>
+            </a:fld>
+            <a:r>
+              <a:rPr lang="en-US"/>
+              <a:t> </a:t>
+            </a:r>
+            <a:r>
+              <a:rPr lang="en-US">
+                <a:solidFill>
+                  <a:srgbClr val="C1CD23"/>
+                </a:solidFill>
+              </a:rPr>
+              <a:t>|</a:t>
+            </a:r>
+            <a:endParaRPr lang="en-US" dirty="0">
+              <a:solidFill>
+                <a:srgbClr val="C1CD23"/>
+              </a:solidFill>
+            </a:endParaRPr>
+          </a:p>
+        </p:txBody>
+      </p:sp>
+    </p:spTree>
+    <p:extLst>
+      <p:ext uri="{BB962C8B-B14F-4D97-AF65-F5344CB8AC3E}">
+        <p14:creationId xmlns:p14="http://schemas.microsoft.com/office/powerpoint/2010/main" val="1443931855"/>
+      </p:ext>
+    </p:extLst>
+  </p:cSld>
+  <p:clrMapOvr>
+    <a:masterClrMapping/>
+  </p:clrMapOvr>
+</p:sld>
+</file>
+
+<file path=ppt/slides/slide46.xml><?xml version="1.0" encoding="utf-8"?>
+<p:sld xmlns:a="http://schemas.openxmlformats.org/drawingml/2006/main" xmlns:r="http://schemas.openxmlformats.org/officeDocument/2006/relationships" xmlns:p="http://schemas.openxmlformats.org/presentationml/2006/main">
+  <p:cSld>
+    <p:spTree>
+      <p:nvGrpSpPr>
+        <p:cNvPr id="1" name=""/>
+        <p:cNvGrpSpPr/>
+        <p:nvPr/>
+      </p:nvGrpSpPr>
+      <p:grpSpPr>
+        <a:xfrm>
+          <a:off x="0" y="0"/>
+          <a:ext cx="0" cy="0"/>
+          <a:chOff x="0" y="0"/>
+          <a:chExt cx="0" cy="0"/>
+        </a:xfrm>
+      </p:grpSpPr>
+      <p:sp>
+        <p:nvSpPr>
+          <p:cNvPr id="2" name="Title 1">
+            <a:extLst>
+              <a:ext uri="{FF2B5EF4-FFF2-40B4-BE49-F238E27FC236}">
+                <a16:creationId xmlns:a16="http://schemas.microsoft.com/office/drawing/2014/main" id="{8FE66732-DF0B-4819-B9BF-75952BF46BF2}"/>
+              </a:ext>
+            </a:extLst>
+          </p:cNvPr>
+          <p:cNvSpPr>
+            <a:spLocks noGrp="1"/>
+          </p:cNvSpPr>
+          <p:nvPr>
+            <p:ph type="title"/>
+          </p:nvPr>
+        </p:nvSpPr>
+        <p:spPr/>
+        <p:txBody>
+          <a:bodyPr>
+            <a:normAutofit fontScale="90000"/>
+          </a:bodyPr>
+          <a:lstStyle/>
+          <a:p>
+            <a:r>
+              <a:rPr lang="en-US" dirty="0" err="1"/>
+              <a:t>Vulnogram</a:t>
+            </a:r>
+            <a:r>
+              <a:rPr lang="en-US" dirty="0"/>
+              <a:t> – Or Start the Description from Scratch</a:t>
+            </a:r>
+          </a:p>
+        </p:txBody>
+      </p:sp>
+      <p:sp>
+        <p:nvSpPr>
+          <p:cNvPr id="4" name="Slide Number Placeholder 3">
+            <a:extLst>
+              <a:ext uri="{FF2B5EF4-FFF2-40B4-BE49-F238E27FC236}">
+                <a16:creationId xmlns:a16="http://schemas.microsoft.com/office/drawing/2014/main" id="{785F3FDC-565E-4FC3-865B-BFBA74735FF9}"/>
+              </a:ext>
+            </a:extLst>
+          </p:cNvPr>
+          <p:cNvSpPr>
+            <a:spLocks noGrp="1"/>
+          </p:cNvSpPr>
+          <p:nvPr>
+            <p:ph type="sldNum" sz="quarter" idx="4"/>
+          </p:nvPr>
+        </p:nvSpPr>
+        <p:spPr/>
+        <p:txBody>
+          <a:bodyPr/>
+          <a:lstStyle/>
+          <a:p>
+            <a:r>
+              <a:rPr lang="en-US">
+                <a:solidFill>
+                  <a:srgbClr val="C1CD23"/>
+                </a:solidFill>
+              </a:rPr>
+              <a:t>|</a:t>
+            </a:r>
+            <a:r>
+              <a:rPr lang="en-US"/>
+              <a:t> </a:t>
+            </a:r>
+            <a:fld id="{295008BC-DA31-4D19-837B-EFA4386B05F5}" type="slidenum">
+              <a:rPr lang="en-US" smtClean="0">
+                <a:solidFill>
+                  <a:schemeClr val="tx1">
+                    <a:lumMod val="50000"/>
+                    <a:lumOff val="50000"/>
+                  </a:schemeClr>
+                </a:solidFill>
+              </a:rPr>
+              <a:pPr/>
+              <a:t>46</a:t>
+            </a:fld>
+            <a:r>
+              <a:rPr lang="en-US"/>
+              <a:t> </a:t>
+            </a:r>
+            <a:r>
+              <a:rPr lang="en-US">
+                <a:solidFill>
+                  <a:srgbClr val="C1CD23"/>
+                </a:solidFill>
+              </a:rPr>
+              <a:t>|</a:t>
+            </a:r>
+            <a:endParaRPr lang="en-US" dirty="0">
+              <a:solidFill>
+                <a:srgbClr val="C1CD23"/>
+              </a:solidFill>
+            </a:endParaRPr>
+          </a:p>
+        </p:txBody>
+      </p:sp>
+      <p:pic>
+        <p:nvPicPr>
+          <p:cNvPr id="8" name="Content Placeholder 7">
+            <a:extLst>
+              <a:ext uri="{FF2B5EF4-FFF2-40B4-BE49-F238E27FC236}">
+                <a16:creationId xmlns:a16="http://schemas.microsoft.com/office/drawing/2014/main" id="{A4E4AD9C-21B9-4B78-BA88-B1E5952A4822}"/>
+              </a:ext>
+            </a:extLst>
+          </p:cNvPr>
+          <p:cNvPicPr>
+            <a:picLocks noGrp="1" noChangeAspect="1"/>
+          </p:cNvPicPr>
+          <p:nvPr>
+            <p:ph idx="1"/>
+          </p:nvPr>
+        </p:nvPicPr>
+        <p:blipFill rotWithShape="1">
+          <a:blip r:embed="rId2"/>
+          <a:srcRect l="4089" t="24940" r="2170" b="38910"/>
+          <a:stretch/>
+        </p:blipFill>
+        <p:spPr>
+          <a:xfrm>
+            <a:off x="609600" y="1989055"/>
+            <a:ext cx="8036778" cy="2714920"/>
+          </a:xfrm>
+          <a:prstGeom prst="rect">
+            <a:avLst/>
+          </a:prstGeom>
+        </p:spPr>
+      </p:pic>
+    </p:spTree>
+    <p:extLst>
+      <p:ext uri="{BB962C8B-B14F-4D97-AF65-F5344CB8AC3E}">
+        <p14:creationId xmlns:p14="http://schemas.microsoft.com/office/powerpoint/2010/main" val="1777055882"/>
+      </p:ext>
+    </p:extLst>
+  </p:cSld>
+  <p:clrMapOvr>
+    <a:masterClrMapping/>
+  </p:clrMapOvr>
+</p:sld>
+</file>
+
+<file path=ppt/slides/slide47.xml><?xml version="1.0" encoding="utf-8"?>
+<p:sld xmlns:a="http://schemas.openxmlformats.org/drawingml/2006/main" xmlns:r="http://schemas.openxmlformats.org/officeDocument/2006/relationships" xmlns:p="http://schemas.openxmlformats.org/presentationml/2006/main">
+  <p:cSld>
+    <p:spTree>
+      <p:nvGrpSpPr>
+        <p:cNvPr id="1" name=""/>
+        <p:cNvGrpSpPr/>
+        <p:nvPr/>
+      </p:nvGrpSpPr>
+      <p:grpSpPr>
+        <a:xfrm>
+          <a:off x="0" y="0"/>
+          <a:ext cx="0" cy="0"/>
+          <a:chOff x="0" y="0"/>
+          <a:chExt cx="0" cy="0"/>
+        </a:xfrm>
+      </p:grpSpPr>
+      <p:sp>
+        <p:nvSpPr>
+          <p:cNvPr id="2" name="Title 1">
+            <a:extLst>
+              <a:ext uri="{FF2B5EF4-FFF2-40B4-BE49-F238E27FC236}">
+                <a16:creationId xmlns:a16="http://schemas.microsoft.com/office/drawing/2014/main" id="{A77E605A-9BE7-4E89-821E-A931E3B0F817}"/>
+              </a:ext>
+            </a:extLst>
+          </p:cNvPr>
+          <p:cNvSpPr>
+            <a:spLocks noGrp="1"/>
+          </p:cNvSpPr>
+          <p:nvPr>
+            <p:ph type="title"/>
+          </p:nvPr>
+        </p:nvSpPr>
+        <p:spPr/>
+        <p:txBody>
+          <a:bodyPr>
+            <a:normAutofit fontScale="90000"/>
+          </a:bodyPr>
+          <a:lstStyle/>
+          <a:p>
+            <a:r>
+              <a:rPr lang="en-US" dirty="0" err="1"/>
+              <a:t>Vulnogram</a:t>
+            </a:r>
+            <a:r>
+              <a:rPr lang="en-US" dirty="0"/>
+              <a:t> – Access the JSON via the JSON tab</a:t>
+            </a:r>
+          </a:p>
+        </p:txBody>
+      </p:sp>
+      <p:sp>
+        <p:nvSpPr>
+          <p:cNvPr id="4" name="Slide Number Placeholder 3">
+            <a:extLst>
+              <a:ext uri="{FF2B5EF4-FFF2-40B4-BE49-F238E27FC236}">
+                <a16:creationId xmlns:a16="http://schemas.microsoft.com/office/drawing/2014/main" id="{7B0A1CB9-089B-4030-98E0-0F7A3FE61E42}"/>
+              </a:ext>
+            </a:extLst>
+          </p:cNvPr>
+          <p:cNvSpPr>
+            <a:spLocks noGrp="1"/>
+          </p:cNvSpPr>
+          <p:nvPr>
+            <p:ph type="sldNum" sz="quarter" idx="4"/>
+          </p:nvPr>
+        </p:nvSpPr>
+        <p:spPr/>
+        <p:txBody>
+          <a:bodyPr/>
+          <a:lstStyle/>
+          <a:p>
+            <a:r>
+              <a:rPr lang="en-US">
+                <a:solidFill>
+                  <a:srgbClr val="C1CD23"/>
+                </a:solidFill>
+              </a:rPr>
+              <a:t>|</a:t>
+            </a:r>
+            <a:r>
+              <a:rPr lang="en-US"/>
+              <a:t> </a:t>
+            </a:r>
+            <a:fld id="{295008BC-DA31-4D19-837B-EFA4386B05F5}" type="slidenum">
+              <a:rPr lang="en-US" smtClean="0">
+                <a:solidFill>
+                  <a:schemeClr val="tx1">
+                    <a:lumMod val="50000"/>
+                    <a:lumOff val="50000"/>
+                  </a:schemeClr>
+                </a:solidFill>
+              </a:rPr>
+              <a:pPr/>
+              <a:t>47</a:t>
+            </a:fld>
+            <a:r>
+              <a:rPr lang="en-US"/>
+              <a:t> </a:t>
+            </a:r>
+            <a:r>
+              <a:rPr lang="en-US">
+                <a:solidFill>
+                  <a:srgbClr val="C1CD23"/>
+                </a:solidFill>
+              </a:rPr>
+              <a:t>|</a:t>
+            </a:r>
+            <a:endParaRPr lang="en-US" dirty="0">
+              <a:solidFill>
+                <a:srgbClr val="C1CD23"/>
+              </a:solidFill>
+            </a:endParaRPr>
+          </a:p>
+        </p:txBody>
+      </p:sp>
+      <p:pic>
+        <p:nvPicPr>
+          <p:cNvPr id="8" name="Content Placeholder 7">
+            <a:extLst>
+              <a:ext uri="{FF2B5EF4-FFF2-40B4-BE49-F238E27FC236}">
+                <a16:creationId xmlns:a16="http://schemas.microsoft.com/office/drawing/2014/main" id="{35947E4A-A6B3-4994-8971-F02EEE4C4BC3}"/>
+              </a:ext>
+            </a:extLst>
+          </p:cNvPr>
+          <p:cNvPicPr>
+            <a:picLocks noGrp="1" noChangeAspect="1"/>
+          </p:cNvPicPr>
+          <p:nvPr>
+            <p:ph idx="1"/>
+          </p:nvPr>
+        </p:nvPicPr>
+        <p:blipFill rotWithShape="1">
+          <a:blip r:embed="rId2"/>
+          <a:srcRect l="2075" t="10561" r="1777" b="2965"/>
+          <a:stretch/>
+        </p:blipFill>
+        <p:spPr>
+          <a:xfrm>
+            <a:off x="1329178" y="1423448"/>
+            <a:ext cx="6061436" cy="4743242"/>
+          </a:xfrm>
+          <a:prstGeom prst="rect">
+            <a:avLst/>
+          </a:prstGeom>
+        </p:spPr>
+      </p:pic>
+      <p:sp>
+        <p:nvSpPr>
+          <p:cNvPr id="9" name="Rectangle: Rounded Corners 8">
+            <a:extLst>
+              <a:ext uri="{FF2B5EF4-FFF2-40B4-BE49-F238E27FC236}">
+                <a16:creationId xmlns:a16="http://schemas.microsoft.com/office/drawing/2014/main" id="{0C0CDEE1-7833-4475-9695-2F798CB46216}"/>
+              </a:ext>
+            </a:extLst>
+          </p:cNvPr>
+          <p:cNvSpPr/>
+          <p:nvPr/>
+        </p:nvSpPr>
+        <p:spPr>
+          <a:xfrm>
+            <a:off x="4067665" y="1498860"/>
+            <a:ext cx="584462" cy="339365"/>
+          </a:xfrm>
+          <a:prstGeom prst="roundRect">
+            <a:avLst/>
+          </a:prstGeom>
+          <a:noFill/>
+          <a:ln>
+            <a:solidFill>
+              <a:srgbClr val="FF0000"/>
+            </a:solidFill>
+          </a:ln>
+        </p:spPr>
+        <p:style>
+          <a:lnRef idx="2">
+            <a:schemeClr val="accent5"/>
+          </a:lnRef>
+          <a:fillRef idx="1">
+            <a:schemeClr val="lt1"/>
+          </a:fillRef>
+          <a:effectRef idx="0">
+            <a:schemeClr val="accent5"/>
+          </a:effectRef>
+          <a:fontRef idx="minor">
+            <a:schemeClr val="dk1"/>
+          </a:fontRef>
+        </p:style>
+        <p:txBody>
+          <a:bodyPr rtlCol="0" anchor="ctr"/>
+          <a:lstStyle/>
+          <a:p>
+            <a:pPr algn="ctr"/>
+            <a:endParaRPr lang="en-US">
+              <a:solidFill>
+                <a:schemeClr val="tx1"/>
+              </a:solidFill>
+            </a:endParaRPr>
+          </a:p>
+        </p:txBody>
+      </p:sp>
+    </p:spTree>
+    <p:extLst>
+      <p:ext uri="{BB962C8B-B14F-4D97-AF65-F5344CB8AC3E}">
+        <p14:creationId xmlns:p14="http://schemas.microsoft.com/office/powerpoint/2010/main" val="2932541913"/>
       </p:ext>
     </p:extLst>
   </p:cSld>
@@ -9018,34 +13071,45 @@
       </p:grpSpPr>
       <p:sp>
         <p:nvSpPr>
-          <p:cNvPr id="2" name="Title 1"/>
+          <p:cNvPr id="6" name="Subtitle 5">
+            <a:extLst>
+              <a:ext uri="{FF2B5EF4-FFF2-40B4-BE49-F238E27FC236}">
+                <a16:creationId xmlns:a16="http://schemas.microsoft.com/office/drawing/2014/main" id="{D872049B-1045-4FA4-AD2A-6919D0045C41}"/>
+              </a:ext>
+            </a:extLst>
+          </p:cNvPr>
           <p:cNvSpPr>
             <a:spLocks noGrp="1"/>
           </p:cNvSpPr>
           <p:nvPr>
-            <p:ph type="title"/>
+            <p:ph type="subTitle" idx="1"/>
           </p:nvPr>
         </p:nvSpPr>
         <p:spPr/>
         <p:txBody>
-          <a:bodyPr/>
-          <a:lstStyle/>
-          <a:p>
-            <a:r>
-              <a:rPr lang="en-US" dirty="0"/>
-              <a:t>Approved Formats</a:t>
-            </a:r>
-          </a:p>
-        </p:txBody>
-      </p:sp>
-      <p:sp>
-        <p:nvSpPr>
-          <p:cNvPr id="3" name="Content Placeholder 2"/>
+          <a:bodyPr>
+            <a:normAutofit lnSpcReduction="10000"/>
+          </a:bodyPr>
+          <a:lstStyle/>
+          <a:p>
+            <a:endParaRPr lang="en-US"/>
+          </a:p>
+        </p:txBody>
+      </p:sp>
+      <p:sp>
+        <p:nvSpPr>
+          <p:cNvPr id="5" name="Title 4">
+            <a:extLst>
+              <a:ext uri="{FF2B5EF4-FFF2-40B4-BE49-F238E27FC236}">
+                <a16:creationId xmlns:a16="http://schemas.microsoft.com/office/drawing/2014/main" id="{CBB3BC22-D3DF-4633-B2AA-7C0B65CA5257}"/>
+              </a:ext>
+            </a:extLst>
+          </p:cNvPr>
           <p:cNvSpPr>
             <a:spLocks noGrp="1"/>
           </p:cNvSpPr>
           <p:nvPr>
-            <p:ph idx="1"/>
+            <p:ph type="ctrTitle" sz="quarter"/>
           </p:nvPr>
         </p:nvSpPr>
         <p:spPr/>
@@ -9055,27 +13119,80 @@
           <a:p>
             <a:r>
               <a:rPr lang="en-US" dirty="0"/>
-              <a:t>Flat file</a:t>
-            </a:r>
-          </a:p>
-          <a:p>
-            <a:r>
-              <a:rPr lang="en-US" dirty="0"/>
-              <a:t>Comma-Separated Values (CSV)</a:t>
-            </a:r>
-          </a:p>
-          <a:p>
-            <a:r>
-              <a:rPr lang="en-US" dirty="0"/>
-              <a:t>CVE JSON</a:t>
-            </a:r>
+              <a:t>Approved Formats</a:t>
+            </a:r>
+          </a:p>
+        </p:txBody>
+      </p:sp>
+      <p:sp>
+        <p:nvSpPr>
+          <p:cNvPr id="4" name="Slide Number Placeholder 3">
+            <a:extLst>
+              <a:ext uri="{FF2B5EF4-FFF2-40B4-BE49-F238E27FC236}">
+                <a16:creationId xmlns:a16="http://schemas.microsoft.com/office/drawing/2014/main" id="{2E72D040-0EAB-4C96-83CC-D8A90603E282}"/>
+              </a:ext>
+            </a:extLst>
+          </p:cNvPr>
+          <p:cNvSpPr>
+            <a:spLocks noGrp="1"/>
+          </p:cNvSpPr>
+          <p:nvPr>
+            <p:ph type="sldNum" sz="quarter" idx="4"/>
+          </p:nvPr>
+        </p:nvSpPr>
+        <p:spPr/>
+        <p:txBody>
+          <a:bodyPr/>
+          <a:lstStyle/>
+          <a:p>
+            <a:r>
+              <a:rPr lang="en-US">
+                <a:solidFill>
+                  <a:srgbClr val="C1CD23"/>
+                </a:solidFill>
+              </a:rPr>
+              <a:t>|</a:t>
+            </a:r>
+            <a:r>
+              <a:rPr lang="en-US"/>
+              <a:t> </a:t>
+            </a:r>
+            <a:fld id="{295008BC-DA31-4D19-837B-EFA4386B05F5}" type="slidenum">
+              <a:rPr lang="en-US" smtClean="0">
+                <a:solidFill>
+                  <a:schemeClr val="tx1">
+                    <a:lumMod val="50000"/>
+                    <a:lumOff val="50000"/>
+                  </a:schemeClr>
+                </a:solidFill>
+              </a:rPr>
+              <a:pPr/>
+              <a:t>6</a:t>
+            </a:fld>
+            <a:r>
+              <a:rPr lang="en-US"/>
+              <a:t> </a:t>
+            </a:r>
+            <a:r>
+              <a:rPr lang="en-US">
+                <a:solidFill>
+                  <a:srgbClr val="C1CD23"/>
+                </a:solidFill>
+              </a:rPr>
+              <a:t>|</a:t>
+            </a:r>
+            <a:endParaRPr lang="en-US" dirty="0">
+              <a:solidFill>
+                <a:srgbClr val="C1CD23"/>
+              </a:solidFill>
+            </a:endParaRPr>
           </a:p>
         </p:txBody>
       </p:sp>
     </p:spTree>
     <p:extLst>
       <p:ext uri="{BB962C8B-B14F-4D97-AF65-F5344CB8AC3E}">
-        <p14:creationId xmlns:p14="http://schemas.microsoft.com/office/powerpoint/2010/main" val="98790324"/>
+        <p14:creationId xmlns:p14="http://schemas.microsoft.com/office/powerpoint/2010/main" val="2164106659"/>
       </p:ext>
     </p:extLst>
   </p:cSld>
@@ -9119,7 +13236,7 @@
           <a:p>
             <a:r>
               <a:rPr lang="en-US" dirty="0"/>
-              <a:t>Flat file</a:t>
+              <a:t>Approved Formats</a:t>
             </a:r>
           </a:p>
         </p:txBody>
@@ -9136,95 +13253,24 @@
         </p:nvSpPr>
         <p:spPr/>
         <p:txBody>
-          <a:bodyPr>
-            <a:normAutofit/>
-          </a:bodyPr>
-          <a:lstStyle/>
-          <a:p>
-            <a:pPr marL="0" indent="0">
-              <a:buNone/>
-            </a:pPr>
-            <a:r>
-              <a:rPr lang="en-US" dirty="0"/>
-              <a:t>[CVEID]: </a:t>
-            </a:r>
-          </a:p>
-          <a:p>
-            <a:pPr marL="0" indent="0">
-              <a:buNone/>
-            </a:pPr>
-            <a:r>
-              <a:rPr lang="en-US" dirty="0"/>
-              <a:t>[PRODUCT]:</a:t>
-            </a:r>
-          </a:p>
-          <a:p>
-            <a:pPr marL="0" indent="0">
-              <a:buNone/>
-            </a:pPr>
-            <a:r>
-              <a:rPr lang="en-US" dirty="0"/>
-              <a:t>[VERSION]: </a:t>
-            </a:r>
-          </a:p>
-          <a:p>
-            <a:pPr marL="0" indent="0">
-              <a:buNone/>
-            </a:pPr>
-            <a:r>
-              <a:rPr lang="en-US" dirty="0"/>
-              <a:t>[PROBLEMTYPE]:</a:t>
-            </a:r>
-          </a:p>
-          <a:p>
-            <a:pPr marL="0" indent="0">
-              <a:buNone/>
-            </a:pPr>
-            <a:r>
-              <a:rPr lang="en-US" dirty="0"/>
-              <a:t>[REFERENCES]: </a:t>
-            </a:r>
-          </a:p>
-          <a:p>
-            <a:pPr marL="0" indent="0">
-              <a:buNone/>
-            </a:pPr>
-            <a:r>
-              <a:rPr lang="en-US" dirty="0"/>
-              <a:t>[DESCRIPTION ]:</a:t>
-            </a:r>
-          </a:p>
-          <a:p>
-            <a:pPr marL="0" indent="0">
-              <a:buNone/>
-            </a:pPr>
-            <a:r>
-              <a:rPr lang="en-US" dirty="0"/>
-              <a:t>[ASSIGNINGCNA]:</a:t>
-            </a:r>
-          </a:p>
-          <a:p>
-            <a:pPr marL="0" indent="0">
-              <a:buNone/>
-            </a:pPr>
-            <a:endParaRPr lang="en-US" dirty="0"/>
-          </a:p>
-          <a:p>
-            <a:r>
-              <a:rPr lang="en-US" dirty="0"/>
-              <a:t>Field order should be maintained.</a:t>
-            </a:r>
-          </a:p>
-          <a:p>
-            <a:r>
-              <a:rPr lang="en-US" dirty="0"/>
-              <a:t>A single field should not span multiple lines.</a:t>
-            </a:r>
-          </a:p>
-          <a:p>
-            <a:r>
-              <a:rPr lang="en-US" dirty="0"/>
-              <a:t>https://cve.mitre.org/cve/list_rules_and_guidance/cve_assignment_information_format.html#format</a:t>
+          <a:bodyPr/>
+          <a:lstStyle/>
+          <a:p>
+            <a:r>
+              <a:rPr lang="en-US" dirty="0"/>
+              <a:t>Flat file</a:t>
+            </a:r>
+          </a:p>
+          <a:p>
+            <a:r>
+              <a:rPr lang="en-US" dirty="0"/>
+              <a:t>Comma-Separated Values (CSV)</a:t>
+            </a:r>
+          </a:p>
+          <a:p>
+            <a:r>
+              <a:rPr lang="en-US" dirty="0"/>
+              <a:t>CVE JSON</a:t>
             </a:r>
           </a:p>
         </p:txBody>
@@ -9232,7 +13278,7 @@
     </p:spTree>
     <p:extLst>
       <p:ext uri="{BB962C8B-B14F-4D97-AF65-F5344CB8AC3E}">
-        <p14:creationId xmlns:p14="http://schemas.microsoft.com/office/powerpoint/2010/main" val="855959535"/>
+        <p14:creationId xmlns:p14="http://schemas.microsoft.com/office/powerpoint/2010/main" val="98790324"/>
       </p:ext>
     </p:extLst>
   </p:cSld>
@@ -9276,7 +13322,7 @@
           <a:p>
             <a:r>
               <a:rPr lang="en-US" dirty="0"/>
-              <a:t>Flat file – Handling Multiples</a:t>
+              <a:t>Flat file</a:t>
             </a:r>
           </a:p>
         </p:txBody>
@@ -9294,179 +13340,74 @@
         <p:spPr/>
         <p:txBody>
           <a:bodyPr>
-            <a:normAutofit fontScale="77500" lnSpcReduction="20000"/>
+            <a:normAutofit/>
           </a:bodyPr>
           <a:lstStyle/>
           <a:p>
-            <a:r>
-              <a:rPr lang="en-US" dirty="0"/>
-              <a:t>Multiple CVE Entries</a:t>
-            </a:r>
-          </a:p>
-          <a:p>
-            <a:pPr lvl="1"/>
-            <a:r>
-              <a:rPr lang="en-US" dirty="0"/>
-              <a:t>Concatenate entries, optionally separated by a blank line.</a:t>
-            </a:r>
-          </a:p>
-          <a:p>
-            <a:pPr lvl="1"/>
-            <a:endParaRPr lang="en-US" dirty="0"/>
-          </a:p>
-          <a:p>
-            <a:r>
-              <a:rPr lang="en-US" dirty="0"/>
-              <a:t>Multiple Products/Versions</a:t>
-            </a:r>
-          </a:p>
-          <a:p>
-            <a:pPr lvl="1"/>
-            <a:r>
-              <a:rPr lang="en-US" dirty="0"/>
-              <a:t>Separate products, and correspondingly versions, by a semicolon followed by a space and, to separate multiple versions for a given product by a comma followed by a space; eg, </a:t>
-            </a:r>
-          </a:p>
-          <a:p>
-            <a:pPr marL="798513" lvl="3" indent="0">
+            <a:pPr marL="0" indent="0">
               <a:buNone/>
             </a:pPr>
             <a:r>
-              <a:rPr lang="en-US" sz="1600" dirty="0">
-                <a:latin typeface="Courier New" panose="02070309020205020404" pitchFamily="49" charset="0"/>
-                <a:cs typeface="Courier New" panose="02070309020205020404" pitchFamily="49" charset="0"/>
-              </a:rPr>
-              <a:t>[PRODUCT]:</a:t>
-            </a:r>
-            <a:r>
-              <a:rPr lang="en-US" sz="1600" b="1" dirty="0">
-                <a:solidFill>
-                  <a:srgbClr val="FF0000"/>
-                </a:solidFill>
-                <a:latin typeface="Courier New" panose="02070309020205020404" pitchFamily="49" charset="0"/>
-                <a:cs typeface="Courier New" panose="02070309020205020404" pitchFamily="49" charset="0"/>
-              </a:rPr>
-              <a:t>IOS</a:t>
-            </a:r>
-            <a:r>
-              <a:rPr lang="en-US" sz="2100" dirty="0">
-                <a:latin typeface="Courier New" panose="02070309020205020404" pitchFamily="49" charset="0"/>
-                <a:cs typeface="Courier New" panose="02070309020205020404" pitchFamily="49" charset="0"/>
-              </a:rPr>
-              <a:t>;</a:t>
-            </a:r>
-            <a:r>
-              <a:rPr lang="en-US" sz="1600" dirty="0">
-                <a:latin typeface="Courier New" panose="02070309020205020404" pitchFamily="49" charset="0"/>
-                <a:cs typeface="Courier New" panose="02070309020205020404" pitchFamily="49" charset="0"/>
-              </a:rPr>
-              <a:t> </a:t>
-            </a:r>
-            <a:r>
-              <a:rPr lang="en-US" sz="1600" b="1" dirty="0">
-                <a:solidFill>
-                  <a:srgbClr val="0070C0"/>
-                </a:solidFill>
-                <a:latin typeface="Courier New" panose="02070309020205020404" pitchFamily="49" charset="0"/>
-                <a:cs typeface="Courier New" panose="02070309020205020404" pitchFamily="49" charset="0"/>
-              </a:rPr>
-              <a:t>IOS XE</a:t>
-            </a:r>
-          </a:p>
-          <a:p>
-            <a:pPr marL="798513" lvl="3" indent="0">
+              <a:rPr lang="en-US" dirty="0"/>
+              <a:t>[CVEID]: </a:t>
+            </a:r>
+          </a:p>
+          <a:p>
+            <a:pPr marL="0" indent="0">
               <a:buNone/>
             </a:pPr>
             <a:r>
-              <a:rPr lang="en-US" sz="1600" dirty="0">
-                <a:latin typeface="Courier New" panose="02070309020205020404" pitchFamily="49" charset="0"/>
-                <a:cs typeface="Courier New" panose="02070309020205020404" pitchFamily="49" charset="0"/>
-              </a:rPr>
-              <a:t>[VERSION]:</a:t>
-            </a:r>
-            <a:r>
-              <a:rPr lang="en-US" sz="1600" b="1" dirty="0">
-                <a:solidFill>
-                  <a:srgbClr val="FF0000"/>
-                </a:solidFill>
-                <a:latin typeface="Courier New" panose="02070309020205020404" pitchFamily="49" charset="0"/>
-                <a:cs typeface="Courier New" panose="02070309020205020404" pitchFamily="49" charset="0"/>
-              </a:rPr>
-              <a:t>12.2, 15.0 through 15.6</a:t>
-            </a:r>
-            <a:r>
-              <a:rPr lang="en-US" sz="2100" dirty="0">
-                <a:latin typeface="Courier New" panose="02070309020205020404" pitchFamily="49" charset="0"/>
-                <a:cs typeface="Courier New" panose="02070309020205020404" pitchFamily="49" charset="0"/>
-              </a:rPr>
-              <a:t>;</a:t>
-            </a:r>
-            <a:r>
-              <a:rPr lang="en-US" sz="1600" dirty="0">
-                <a:latin typeface="Courier New" panose="02070309020205020404" pitchFamily="49" charset="0"/>
-                <a:cs typeface="Courier New" panose="02070309020205020404" pitchFamily="49" charset="0"/>
-              </a:rPr>
-              <a:t> </a:t>
-            </a:r>
-            <a:r>
-              <a:rPr lang="en-US" sz="1600" b="1" dirty="0">
-                <a:solidFill>
-                  <a:srgbClr val="0070C0"/>
-                </a:solidFill>
-                <a:latin typeface="Courier New" panose="02070309020205020404" pitchFamily="49" charset="0"/>
-                <a:cs typeface="Courier New" panose="02070309020205020404" pitchFamily="49" charset="0"/>
-              </a:rPr>
-              <a:t>3.2 through 3.18</a:t>
-            </a:r>
-          </a:p>
-          <a:p>
-            <a:pPr marL="798513" lvl="3" indent="0">
+              <a:rPr lang="en-US" dirty="0"/>
+              <a:t>[PRODUCT]:</a:t>
+            </a:r>
+          </a:p>
+          <a:p>
+            <a:pPr marL="0" indent="0">
               <a:buNone/>
             </a:pPr>
             <a:r>
-              <a:rPr lang="en-US" sz="1600" dirty="0">
-                <a:latin typeface="Courier New" panose="02070309020205020404" pitchFamily="49" charset="0"/>
-                <a:cs typeface="Courier New" panose="02070309020205020404" pitchFamily="49" charset="0"/>
-              </a:rPr>
-              <a:t>[DESCRIPTION]:... </a:t>
-            </a:r>
-            <a:r>
-              <a:rPr lang="en-US" sz="1600" b="1" dirty="0">
-                <a:solidFill>
-                  <a:srgbClr val="FF0000"/>
-                </a:solidFill>
-                <a:latin typeface="Courier New" panose="02070309020205020404" pitchFamily="49" charset="0"/>
-                <a:cs typeface="Courier New" panose="02070309020205020404" pitchFamily="49" charset="0"/>
-              </a:rPr>
-              <a:t>IOS 12.2 and 15.0 through 15.6 </a:t>
-            </a:r>
-            <a:r>
-              <a:rPr lang="en-US" sz="1600" dirty="0">
-                <a:latin typeface="Courier New" panose="02070309020205020404" pitchFamily="49" charset="0"/>
-                <a:cs typeface="Courier New" panose="02070309020205020404" pitchFamily="49" charset="0"/>
-              </a:rPr>
-              <a:t>and </a:t>
-            </a:r>
-            <a:r>
-              <a:rPr lang="en-US" sz="1600" b="1" dirty="0">
-                <a:solidFill>
-                  <a:srgbClr val="0070C0"/>
-                </a:solidFill>
-                <a:latin typeface="Courier New" panose="02070309020205020404" pitchFamily="49" charset="0"/>
-                <a:cs typeface="Courier New" panose="02070309020205020404" pitchFamily="49" charset="0"/>
-              </a:rPr>
-              <a:t>IOS EX 3.2 through 3.18 </a:t>
-            </a:r>
-            <a:r>
-              <a:rPr lang="en-US" sz="1600" dirty="0">
-                <a:latin typeface="Courier New" panose="02070309020205020404" pitchFamily="49" charset="0"/>
-                <a:cs typeface="Courier New" panose="02070309020205020404" pitchFamily="49" charset="0"/>
-              </a:rPr>
-              <a:t>…</a:t>
-            </a:r>
-          </a:p>
-          <a:p>
-            <a:pPr marL="287338" lvl="1" indent="0">
+              <a:rPr lang="en-US" dirty="0"/>
+              <a:t>[VERSION]: </a:t>
+            </a:r>
+          </a:p>
+          <a:p>
+            <a:pPr marL="0" indent="0">
+              <a:buNone/>
+            </a:pPr>
+            <a:r>
+              <a:rPr lang="en-US" dirty="0"/>
+              <a:t>[PROBLEMTYPE]:</a:t>
+            </a:r>
+          </a:p>
+          <a:p>
+            <a:pPr marL="0" indent="0">
+              <a:buNone/>
+            </a:pPr>
+            <a:r>
+              <a:rPr lang="en-US" dirty="0"/>
+              <a:t>[REFERENCES]: </a:t>
+            </a:r>
+          </a:p>
+          <a:p>
+            <a:pPr marL="0" indent="0">
+              <a:buNone/>
+            </a:pPr>
+            <a:r>
+              <a:rPr lang="en-US" dirty="0"/>
+              <a:t>[DESCRIPTION ]:</a:t>
+            </a:r>
+          </a:p>
+          <a:p>
+            <a:pPr marL="0" indent="0">
+              <a:buNone/>
+            </a:pPr>
+            <a:r>
+              <a:rPr lang="en-US" dirty="0"/>
+              <a:t>[ASSIGNINGCNA]:</a:t>
+            </a:r>
+          </a:p>
+          <a:p>
+            <a:pPr marL="0" indent="0">
               <a:buNone/>
             </a:pPr>
             <a:endParaRPr lang="en-US" dirty="0"/>
@@ -9474,42 +13415,27 @@
           <a:p>
             <a:r>
               <a:rPr lang="en-US" dirty="0"/>
-              <a:t>Multiple References</a:t>
-            </a:r>
-          </a:p>
-          <a:p>
-            <a:pPr lvl="1"/>
-            <a:r>
-              <a:rPr lang="en-US" dirty="0"/>
-              <a:t>Separate references by a space; eg,</a:t>
-            </a:r>
-            <a:endParaRPr lang="en-US" sz="1600" dirty="0">
-              <a:latin typeface="Courier New" panose="02070309020205020404" pitchFamily="49" charset="0"/>
-              <a:cs typeface="Courier New" panose="02070309020205020404" pitchFamily="49" charset="0"/>
-            </a:endParaRPr>
-          </a:p>
-          <a:p>
-            <a:pPr marL="798513" lvl="3" indent="0">
-              <a:buNone/>
-            </a:pPr>
-            <a:r>
-              <a:rPr lang="en-US" sz="1600" dirty="0">
-                <a:latin typeface="Courier New" panose="02070309020205020404" pitchFamily="49" charset="0"/>
-                <a:cs typeface="Courier New" panose="02070309020205020404" pitchFamily="49" charset="0"/>
-              </a:rPr>
-              <a:t>[REFERENCES]: https://tomcat.apache.org/security-9.html#Fixed_in_Apache_Tomcat_9.0.0.M13 https://tomcat.apache.org/security-8.html#Fixed_in_Apache_Tomcat_8.5.8 https://tomcat.apache.org/security-8.html#Fixed_in_Apache_Tomcat_8.0.39 https://tomcat.apache.org/security-7.html#Fixed_in_Apache_Tomcat_7.0.73 https://tomcat.apache.org/security-6.html#Fixed_in_Apache_Tomcat_6.0.48</a:t>
-            </a:r>
-          </a:p>
-          <a:p>
-            <a:pPr lvl="1"/>
-            <a:endParaRPr lang="en-US" dirty="0"/>
+              <a:t>Field order should be maintained.</a:t>
+            </a:r>
+          </a:p>
+          <a:p>
+            <a:r>
+              <a:rPr lang="en-US" dirty="0"/>
+              <a:t>A single field should not span multiple lines.</a:t>
+            </a:r>
+          </a:p>
+          <a:p>
+            <a:r>
+              <a:rPr lang="en-US" dirty="0"/>
+              <a:t>https://cve.mitre.org/cve/list_rules_and_guidance/cve_assignment_information_format.html#format</a:t>
+            </a:r>
           </a:p>
         </p:txBody>
       </p:sp>
     </p:spTree>
     <p:extLst>
       <p:ext uri="{BB962C8B-B14F-4D97-AF65-F5344CB8AC3E}">
-        <p14:creationId xmlns:p14="http://schemas.microsoft.com/office/powerpoint/2010/main" val="1575359978"/>
+        <p14:creationId xmlns:p14="http://schemas.microsoft.com/office/powerpoint/2010/main" val="855959535"/>
       </p:ext>
     </p:extLst>
   </p:cSld>
@@ -9553,7 +13479,7 @@
           <a:p>
             <a:r>
               <a:rPr lang="en-US" dirty="0"/>
-              <a:t>Flat File Example</a:t>
+              <a:t>Flat file – Handling Multiples</a:t>
             </a:r>
           </a:p>
         </p:txBody>
@@ -9570,77 +13496,223 @@
         </p:nvSpPr>
         <p:spPr/>
         <p:txBody>
-          <a:bodyPr/>
-          <a:lstStyle/>
-          <a:p>
-            <a:pPr marL="0" indent="0">
+          <a:bodyPr>
+            <a:normAutofit fontScale="77500" lnSpcReduction="20000"/>
+          </a:bodyPr>
+          <a:lstStyle/>
+          <a:p>
+            <a:r>
+              <a:rPr lang="en-US" dirty="0"/>
+              <a:t>Multiple CVE Entries</a:t>
+            </a:r>
+          </a:p>
+          <a:p>
+            <a:pPr lvl="1"/>
+            <a:r>
+              <a:rPr lang="en-US" dirty="0"/>
+              <a:t>Concatenate entries, optionally separated by a blank line.</a:t>
+            </a:r>
+          </a:p>
+          <a:p>
+            <a:pPr lvl="1"/>
+            <a:endParaRPr lang="en-US" dirty="0"/>
+          </a:p>
+          <a:p>
+            <a:r>
+              <a:rPr lang="en-US" dirty="0"/>
+              <a:t>Multiple Products/Versions</a:t>
+            </a:r>
+          </a:p>
+          <a:p>
+            <a:pPr lvl="1"/>
+            <a:r>
+              <a:rPr lang="en-US" dirty="0"/>
+              <a:t>Separate products, and correspondingly versions, by a semicolon followed by a space and, to separate multiple versions for a given product by a comma followed by a space; eg, </a:t>
+            </a:r>
+          </a:p>
+          <a:p>
+            <a:pPr marL="798513" lvl="3" indent="0">
               <a:buNone/>
             </a:pPr>
             <a:r>
-              <a:rPr lang="en-US" dirty="0"/>
-              <a:t>[CVEID]:CVE-2017-1194</a:t>
-            </a:r>
-          </a:p>
-          <a:p>
-            <a:pPr marL="0" indent="0">
+              <a:rPr lang="en-US" sz="1600" dirty="0">
+                <a:latin typeface="Courier New" panose="02070309020205020404" pitchFamily="49" charset="0"/>
+                <a:cs typeface="Courier New" panose="02070309020205020404" pitchFamily="49" charset="0"/>
+              </a:rPr>
+              <a:t>[PRODUCT]:</a:t>
+            </a:r>
+            <a:r>
+              <a:rPr lang="en-US" sz="1600" b="1" dirty="0">
+                <a:solidFill>
+                  <a:srgbClr val="FF0000"/>
+                </a:solidFill>
+                <a:latin typeface="Courier New" panose="02070309020205020404" pitchFamily="49" charset="0"/>
+                <a:cs typeface="Courier New" panose="02070309020205020404" pitchFamily="49" charset="0"/>
+              </a:rPr>
+              <a:t>IOS</a:t>
+            </a:r>
+            <a:r>
+              <a:rPr lang="en-US" sz="2100" dirty="0">
+                <a:latin typeface="Courier New" panose="02070309020205020404" pitchFamily="49" charset="0"/>
+                <a:cs typeface="Courier New" panose="02070309020205020404" pitchFamily="49" charset="0"/>
+              </a:rPr>
+              <a:t>;</a:t>
+            </a:r>
+            <a:r>
+              <a:rPr lang="en-US" sz="1600" dirty="0">
+                <a:latin typeface="Courier New" panose="02070309020205020404" pitchFamily="49" charset="0"/>
+                <a:cs typeface="Courier New" panose="02070309020205020404" pitchFamily="49" charset="0"/>
+              </a:rPr>
+              <a:t> </a:t>
+            </a:r>
+            <a:r>
+              <a:rPr lang="en-US" sz="1600" b="1" dirty="0">
+                <a:solidFill>
+                  <a:srgbClr val="0070C0"/>
+                </a:solidFill>
+                <a:latin typeface="Courier New" panose="02070309020205020404" pitchFamily="49" charset="0"/>
+                <a:cs typeface="Courier New" panose="02070309020205020404" pitchFamily="49" charset="0"/>
+              </a:rPr>
+              <a:t>IOS XE</a:t>
+            </a:r>
+          </a:p>
+          <a:p>
+            <a:pPr marL="798513" lvl="3" indent="0">
               <a:buNone/>
             </a:pPr>
             <a:r>
-              <a:rPr lang="en-US" dirty="0"/>
-              <a:t>[PRODUCT]:IBM WebSphere Application Server</a:t>
-            </a:r>
-          </a:p>
-          <a:p>
-            <a:pPr marL="0" indent="0">
+              <a:rPr lang="en-US" sz="1600" dirty="0">
+                <a:latin typeface="Courier New" panose="02070309020205020404" pitchFamily="49" charset="0"/>
+                <a:cs typeface="Courier New" panose="02070309020205020404" pitchFamily="49" charset="0"/>
+              </a:rPr>
+              <a:t>[VERSION]:</a:t>
+            </a:r>
+            <a:r>
+              <a:rPr lang="en-US" sz="1600" b="1" dirty="0">
+                <a:solidFill>
+                  <a:srgbClr val="FF0000"/>
+                </a:solidFill>
+                <a:latin typeface="Courier New" panose="02070309020205020404" pitchFamily="49" charset="0"/>
+                <a:cs typeface="Courier New" panose="02070309020205020404" pitchFamily="49" charset="0"/>
+              </a:rPr>
+              <a:t>12.2, 15.0 through 15.6</a:t>
+            </a:r>
+            <a:r>
+              <a:rPr lang="en-US" sz="2100" dirty="0">
+                <a:latin typeface="Courier New" panose="02070309020205020404" pitchFamily="49" charset="0"/>
+                <a:cs typeface="Courier New" panose="02070309020205020404" pitchFamily="49" charset="0"/>
+              </a:rPr>
+              <a:t>;</a:t>
+            </a:r>
+            <a:r>
+              <a:rPr lang="en-US" sz="1600" dirty="0">
+                <a:latin typeface="Courier New" panose="02070309020205020404" pitchFamily="49" charset="0"/>
+                <a:cs typeface="Courier New" panose="02070309020205020404" pitchFamily="49" charset="0"/>
+              </a:rPr>
+              <a:t> </a:t>
+            </a:r>
+            <a:r>
+              <a:rPr lang="en-US" sz="1600" b="1" dirty="0">
+                <a:solidFill>
+                  <a:srgbClr val="0070C0"/>
+                </a:solidFill>
+                <a:latin typeface="Courier New" panose="02070309020205020404" pitchFamily="49" charset="0"/>
+                <a:cs typeface="Courier New" panose="02070309020205020404" pitchFamily="49" charset="0"/>
+              </a:rPr>
+              <a:t>3.2 through 3.18</a:t>
+            </a:r>
+          </a:p>
+          <a:p>
+            <a:pPr marL="798513" lvl="3" indent="0">
               <a:buNone/>
             </a:pPr>
             <a:r>
-              <a:rPr lang="en-US" dirty="0"/>
-              <a:t>[VERSION]:7.0, 8.0, 8.5, 9.0</a:t>
-            </a:r>
-          </a:p>
-          <a:p>
-            <a:pPr marL="0" indent="0">
+              <a:rPr lang="en-US" sz="1600" dirty="0">
+                <a:latin typeface="Courier New" panose="02070309020205020404" pitchFamily="49" charset="0"/>
+                <a:cs typeface="Courier New" panose="02070309020205020404" pitchFamily="49" charset="0"/>
+              </a:rPr>
+              <a:t>[DESCRIPTION]:... </a:t>
+            </a:r>
+            <a:r>
+              <a:rPr lang="en-US" sz="1600" b="1" dirty="0">
+                <a:solidFill>
+                  <a:srgbClr val="FF0000"/>
+                </a:solidFill>
+                <a:latin typeface="Courier New" panose="02070309020205020404" pitchFamily="49" charset="0"/>
+                <a:cs typeface="Courier New" panose="02070309020205020404" pitchFamily="49" charset="0"/>
+              </a:rPr>
+              <a:t>IOS 12.2 and 15.0 through 15.6 </a:t>
+            </a:r>
+            <a:r>
+              <a:rPr lang="en-US" sz="1600" dirty="0">
+                <a:latin typeface="Courier New" panose="02070309020205020404" pitchFamily="49" charset="0"/>
+                <a:cs typeface="Courier New" panose="02070309020205020404" pitchFamily="49" charset="0"/>
+              </a:rPr>
+              <a:t>and </a:t>
+            </a:r>
+            <a:r>
+              <a:rPr lang="en-US" sz="1600" b="1" dirty="0">
+                <a:solidFill>
+                  <a:srgbClr val="0070C0"/>
+                </a:solidFill>
+                <a:latin typeface="Courier New" panose="02070309020205020404" pitchFamily="49" charset="0"/>
+                <a:cs typeface="Courier New" panose="02070309020205020404" pitchFamily="49" charset="0"/>
+              </a:rPr>
+              <a:t>IOS EX 3.2 through 3.18 </a:t>
+            </a:r>
+            <a:r>
+              <a:rPr lang="en-US" sz="1600" dirty="0">
+                <a:latin typeface="Courier New" panose="02070309020205020404" pitchFamily="49" charset="0"/>
+                <a:cs typeface="Courier New" panose="02070309020205020404" pitchFamily="49" charset="0"/>
+              </a:rPr>
+              <a:t>…</a:t>
+            </a:r>
+          </a:p>
+          <a:p>
+            <a:pPr marL="287338" lvl="1" indent="0">
               <a:buNone/>
             </a:pPr>
-            <a:r>
-              <a:rPr lang="en-US" dirty="0"/>
-              <a:t>[PROBLEMTYPE]:Cross-site request forgery</a:t>
-            </a:r>
-          </a:p>
-          <a:p>
-            <a:pPr marL="0" indent="0">
+            <a:endParaRPr lang="en-US" dirty="0"/>
+          </a:p>
+          <a:p>
+            <a:r>
+              <a:rPr lang="en-US" dirty="0"/>
+              <a:t>Multiple References</a:t>
+            </a:r>
+          </a:p>
+          <a:p>
+            <a:pPr lvl="1"/>
+            <a:r>
+              <a:rPr lang="en-US" dirty="0"/>
+              <a:t>Separate references by a space; eg,</a:t>
+            </a:r>
+            <a:endParaRPr lang="en-US" sz="1600" dirty="0">
+              <a:latin typeface="Courier New" panose="02070309020205020404" pitchFamily="49" charset="0"/>
+              <a:cs typeface="Courier New" panose="02070309020205020404" pitchFamily="49" charset="0"/>
+            </a:endParaRPr>
+          </a:p>
+          <a:p>
+            <a:pPr marL="798513" lvl="3" indent="0">
               <a:buNone/>
             </a:pPr>
             <a:r>
-              <a:rPr lang="en-US" dirty="0"/>
-              <a:t>[REFERENCES]:http://www.ibm.com/support/docview.wss?uid=swg22001226</a:t>
-            </a:r>
-          </a:p>
-          <a:p>
-            <a:pPr marL="0" indent="0">
-              <a:buNone/>
-            </a:pPr>
-            <a:r>
-              <a:rPr lang="en-US" dirty="0"/>
-              <a:t>[DESCRIPTION]:IBM WebSphere Application Server 7.0, 8.0, 8.5, and 9.0 is vulnerable to cross-site request forgery which could allow an attacker to execute malicious and unauthorized actions transmitted from a user that the website trusts.  IBM X-Force ID:  123669.</a:t>
-            </a:r>
-          </a:p>
-          <a:p>
-            <a:pPr marL="0" indent="0">
-              <a:buNone/>
-            </a:pPr>
-            <a:r>
-              <a:rPr lang="en-US" dirty="0"/>
-              <a:t>[ASSIGNINGCNA]:IBM</a:t>
-            </a:r>
+              <a:rPr lang="en-US" sz="1600" dirty="0">
+                <a:latin typeface="Courier New" panose="02070309020205020404" pitchFamily="49" charset="0"/>
+                <a:cs typeface="Courier New" panose="02070309020205020404" pitchFamily="49" charset="0"/>
+              </a:rPr>
+              <a:t>[REFERENCES]: https://tomcat.apache.org/security-9.html#Fixed_in_Apache_Tomcat_9.0.0.M13 https://tomcat.apache.org/security-8.html#Fixed_in_Apache_Tomcat_8.5.8 https://tomcat.apache.org/security-8.html#Fixed_in_Apache_Tomcat_8.0.39 https://tomcat.apache.org/security-7.html#Fixed_in_Apache_Tomcat_7.0.73 https://tomcat.apache.org/security-6.html#Fixed_in_Apache_Tomcat_6.0.48</a:t>
+            </a:r>
+          </a:p>
+          <a:p>
+            <a:pPr lvl="1"/>
+            <a:endParaRPr lang="en-US" dirty="0"/>
           </a:p>
         </p:txBody>
       </p:sp>
     </p:spTree>
     <p:extLst>
       <p:ext uri="{BB962C8B-B14F-4D97-AF65-F5344CB8AC3E}">
-        <p14:creationId xmlns:p14="http://schemas.microsoft.com/office/powerpoint/2010/main" val="2139819520"/>
+        <p14:creationId xmlns:p14="http://schemas.microsoft.com/office/powerpoint/2010/main" val="1575359978"/>
       </p:ext>
     </p:extLst>
   </p:cSld>
@@ -9965,6 +14037,15 @@
 </file>
 
 <file path=customXml/item1.xml><?xml version="1.0" encoding="utf-8"?>
+<?mso-contentType ?>
+<FormTemplates xmlns="http://schemas.microsoft.com/sharepoint/v3/contenttype/forms">
+  <Display>DocumentLibraryForm</Display>
+  <Edit>DocumentLibraryForm</Edit>
+  <New>DocumentLibraryForm</New>
+</FormTemplates>
+</file>
+
+<file path=customXml/item2.xml><?xml version="1.0" encoding="utf-8"?>
 <p:properties xmlns:p="http://schemas.microsoft.com/office/2006/metadata/properties" xmlns:xsi="http://www.w3.org/2001/XMLSchema-instance" xmlns:pc="http://schemas.microsoft.com/office/infopath/2007/PartnerControls">
   <documentManagement>
     <MITRE_x0020_Sensitivity xmlns="http://schemas.microsoft.com/sharepoint/v3">Internal MITRE Information</MITRE_x0020_Sensitivity>
@@ -9974,7 +14055,7 @@
 </p:properties>
 </file>
 
-<file path=customXml/item2.xml><?xml version="1.0" encoding="utf-8"?>
+<file path=customXml/item3.xml><?xml version="1.0" encoding="utf-8"?>
 <?mso-contentType ?>
 <customXsn xmlns="http://schemas.microsoft.com/office/2006/metadata/customXsn">
   <xsnLocation/>
@@ -9984,7 +14065,7 @@
 </customXsn>
 </file>
 
-<file path=customXml/item3.xml><?xml version="1.0" encoding="utf-8"?>
+<file path=customXml/item4.xml><?xml version="1.0" encoding="utf-8"?>
 <ct:contentTypeSchema xmlns:ct="http://schemas.microsoft.com/office/2006/metadata/contentType" xmlns:ma="http://schemas.microsoft.com/office/2006/metadata/properties/metaAttributes" ct:_="" ma:_="" ma:contentTypeName="MITRE Work" ma:contentTypeID="0x010100823A99C636F7423283FB0D200866C613006635D4F535B0564BA1CF28EBA6D51C69" ma:contentTypeVersion="4" ma:contentTypeDescription="Materials and documents that contain MITRE authored content and other content directly attributable to MITRE and its work" ma:contentTypeScope="" ma:versionID="a0e8e30c96128f2f9f4cf73e52721af3">
   <xsd:schema xmlns:xsd="http://www.w3.org/2001/XMLSchema" xmlns:xs="http://www.w3.org/2001/XMLSchema" xmlns:p="http://schemas.microsoft.com/office/2006/metadata/properties" xmlns:ns1="http://schemas.microsoft.com/sharepoint/v3" xmlns:ns2="http://schemas.microsoft.com/sharepoint/v3/fields" targetNamespace="http://schemas.microsoft.com/office/2006/metadata/properties" ma:root="true" ma:fieldsID="4ecced815c1fcad0d6ce5c0941b6b895" ns1:_="" ns2:_="">
     <xsd:import namespace="http://schemas.microsoft.com/sharepoint/v3"/>
@@ -10148,16 +14229,15 @@
 </ct:contentTypeSchema>
 </file>
 
-<file path=customXml/item4.xml><?xml version="1.0" encoding="utf-8"?>
-<?mso-contentType ?>
-<FormTemplates xmlns="http://schemas.microsoft.com/sharepoint/v3/contenttype/forms">
-  <Display>DocumentLibraryForm</Display>
-  <Edit>DocumentLibraryForm</Edit>
-  <New>DocumentLibraryForm</New>
-</FormTemplates>
+<file path=customXml/itemProps1.xml><?xml version="1.0" encoding="utf-8"?>
+<ds:datastoreItem xmlns:ds="http://schemas.openxmlformats.org/officeDocument/2006/customXml" ds:itemID="{8AC27AC7-872E-4360-A0DE-98010D1A6FE4}">
+  <ds:schemaRefs>
+    <ds:schemaRef ds:uri="http://schemas.microsoft.com/sharepoint/v3/contenttype/forms"/>
+  </ds:schemaRefs>
+</ds:datastoreItem>
 </file>
 
-<file path=customXml/itemProps1.xml><?xml version="1.0" encoding="utf-8"?>
+<file path=customXml/itemProps2.xml><?xml version="1.0" encoding="utf-8"?>
 <ds:datastoreItem xmlns:ds="http://schemas.openxmlformats.org/officeDocument/2006/customXml" ds:itemID="{A55D6280-C7EB-441A-B7E7-E280EDC34682}">
   <ds:schemaRefs>
     <ds:schemaRef ds:uri="http://schemas.microsoft.com/office/2006/metadata/properties"/>
@@ -10168,7 +14248,7 @@
 </ds:datastoreItem>
 </file>
 
-<file path=customXml/itemProps2.xml><?xml version="1.0" encoding="utf-8"?>
+<file path=customXml/itemProps3.xml><?xml version="1.0" encoding="utf-8"?>
 <ds:datastoreItem xmlns:ds="http://schemas.openxmlformats.org/officeDocument/2006/customXml" ds:itemID="{5BF83DD6-6F2D-4879-B4F4-F587C09B869A}">
   <ds:schemaRefs>
     <ds:schemaRef ds:uri="http://schemas.microsoft.com/office/2006/metadata/customXsn"/>
@@ -10176,7 +14256,7 @@
 </ds:datastoreItem>
 </file>
 
-<file path=customXml/itemProps3.xml><?xml version="1.0" encoding="utf-8"?>
+<file path=customXml/itemProps4.xml><?xml version="1.0" encoding="utf-8"?>
 <ds:datastoreItem xmlns:ds="http://schemas.openxmlformats.org/officeDocument/2006/customXml" ds:itemID="{97F3139B-DB50-47E9-86A5-5B58F9B9F3A6}">
   <ds:schemaRefs>
     <ds:schemaRef ds:uri="http://schemas.microsoft.com/office/2006/metadata/contentType"/>
@@ -10193,12 +14273,4 @@
     <ds:schemaRef ds:uri="http://schemas.microsoft.com/internal/obd"/>
   </ds:schemaRefs>
 </ds:datastoreItem>
-</file>
-
-<file path=customXml/itemProps4.xml><?xml version="1.0" encoding="utf-8"?>
-<ds:datastoreItem xmlns:ds="http://schemas.openxmlformats.org/officeDocument/2006/customXml" ds:itemID="{8AC27AC7-872E-4360-A0DE-98010D1A6FE4}">
-  <ds:schemaRefs>
-    <ds:schemaRef ds:uri="http://schemas.microsoft.com/sharepoint/v3/contenttype/forms"/>
-  </ds:schemaRefs>
-</ds:datastoreItem>
 </file>
--- a/docs/cna/Entry_Submission_Process.pptx
+++ b/docs/cna/Entry_Submission_Process.pptx
@@ -181,10 +181,6 @@
     </p:ext>
   </p:extLst>
 </p:presentation>
-</file>
-
-<file path=ppt/revisionInfo.xml><?xml version="1.0" encoding="utf-8"?>
-<p1510:revInfo xmlns:a="http://schemas.openxmlformats.org/drawingml/2006/main" xmlns:r="http://schemas.openxmlformats.org/officeDocument/2006/relationships" xmlns:p1510="http://schemas.microsoft.com/office/powerpoint/2015/10/main"/>
 </file>
 
 <file path=ppt/slideLayouts/slideLayout1.xml><?xml version="1.0" encoding="utf-8"?>
@@ -5542,7 +5538,7 @@
         <p:spPr/>
         <p:txBody>
           <a:bodyPr>
-            <a:normAutofit fontScale="92500" lnSpcReduction="10000"/>
+            <a:normAutofit fontScale="92500" lnSpcReduction="20000"/>
           </a:bodyPr>
           <a:lstStyle/>
           <a:p>
@@ -5625,6 +5621,13 @@
             <a:r>
               <a:rPr lang="en-US" dirty="0"/>
               <a:t>Write any double-quote characters in a field as two double-quote characters.</a:t>
+            </a:r>
+          </a:p>
+          <a:p>
+            <a:pPr marL="346075" indent="-342900"/>
+            <a:r>
+              <a:rPr lang="en-US" dirty="0"/>
+              <a:t>On CVE ID per line</a:t>
             </a:r>
           </a:p>
         </p:txBody>
@@ -12318,10 +12321,10 @@
       </p:sp>
       <p:pic>
         <p:nvPicPr>
-          <p:cNvPr id="8" name="Content Placeholder 7">
+          <p:cNvPr id="6" name="Content Placeholder 5">
             <a:extLst>
               <a:ext uri="{FF2B5EF4-FFF2-40B4-BE49-F238E27FC236}">
-                <a16:creationId xmlns:a16="http://schemas.microsoft.com/office/drawing/2014/main" id="{878BE8E8-36C9-4054-9F53-305D12FC0352}"/>
+                <a16:creationId xmlns:a16="http://schemas.microsoft.com/office/drawing/2014/main" id="{25FCBEBF-68A9-4E0C-AF40-8D3BCBB8C34A}"/>
               </a:ext>
             </a:extLst>
           </p:cNvPr>
@@ -12332,21 +12335,482 @@
             <p:ph idx="1"/>
           </p:nvPr>
         </p:nvPicPr>
-        <p:blipFill rotWithShape="1">
+        <p:blipFill>
           <a:blip r:embed="rId2"/>
-          <a:srcRect l="3009" t="35825" b="29257"/>
-          <a:stretch/>
+          <a:stretch>
+            <a:fillRect/>
+          </a:stretch>
         </p:blipFill>
         <p:spPr>
           <a:xfrm>
-            <a:off x="609600" y="2187020"/>
-            <a:ext cx="8011017" cy="2526382"/>
+            <a:off x="762407" y="2497357"/>
+            <a:ext cx="7918252" cy="2502660"/>
           </a:xfrm>
           <a:prstGeom prst="rect">
             <a:avLst/>
           </a:prstGeom>
         </p:spPr>
       </p:pic>
+      <p:sp>
+        <p:nvSpPr>
+          <p:cNvPr id="9" name="Rectangle: Rounded Corners 8">
+            <a:extLst>
+              <a:ext uri="{FF2B5EF4-FFF2-40B4-BE49-F238E27FC236}">
+                <a16:creationId xmlns:a16="http://schemas.microsoft.com/office/drawing/2014/main" id="{667F6824-4B78-4AF1-8FFB-4508FAE84BF3}"/>
+              </a:ext>
+            </a:extLst>
+          </p:cNvPr>
+          <p:cNvSpPr/>
+          <p:nvPr/>
+        </p:nvSpPr>
+        <p:spPr>
+          <a:xfrm>
+            <a:off x="2593960" y="2907667"/>
+            <a:ext cx="285428" cy="156546"/>
+          </a:xfrm>
+          <a:prstGeom prst="roundRect">
+            <a:avLst/>
+          </a:prstGeom>
+          <a:noFill/>
+          <a:ln>
+            <a:solidFill>
+              <a:srgbClr val="FF0000"/>
+            </a:solidFill>
+          </a:ln>
+        </p:spPr>
+        <p:style>
+          <a:lnRef idx="2">
+            <a:schemeClr val="accent5"/>
+          </a:lnRef>
+          <a:fillRef idx="1">
+            <a:schemeClr val="lt1"/>
+          </a:fillRef>
+          <a:effectRef idx="0">
+            <a:schemeClr val="accent5"/>
+          </a:effectRef>
+          <a:fontRef idx="minor">
+            <a:schemeClr val="dk1"/>
+          </a:fontRef>
+        </p:style>
+        <p:txBody>
+          <a:bodyPr rtlCol="0" anchor="ctr"/>
+          <a:lstStyle/>
+          <a:p>
+            <a:pPr algn="ctr"/>
+            <a:endParaRPr lang="en-US">
+              <a:solidFill>
+                <a:schemeClr val="tx1"/>
+              </a:solidFill>
+            </a:endParaRPr>
+          </a:p>
+        </p:txBody>
+      </p:sp>
+      <p:sp>
+        <p:nvSpPr>
+          <p:cNvPr id="10" name="Rectangle: Rounded Corners 9">
+            <a:extLst>
+              <a:ext uri="{FF2B5EF4-FFF2-40B4-BE49-F238E27FC236}">
+                <a16:creationId xmlns:a16="http://schemas.microsoft.com/office/drawing/2014/main" id="{5235EB64-31FF-4294-B506-A9E78C2A2B5F}"/>
+              </a:ext>
+            </a:extLst>
+          </p:cNvPr>
+          <p:cNvSpPr/>
+          <p:nvPr/>
+        </p:nvSpPr>
+        <p:spPr>
+          <a:xfrm>
+            <a:off x="827258" y="2891454"/>
+            <a:ext cx="670801" cy="172759"/>
+          </a:xfrm>
+          <a:prstGeom prst="roundRect">
+            <a:avLst/>
+          </a:prstGeom>
+          <a:noFill/>
+          <a:ln>
+            <a:solidFill>
+              <a:srgbClr val="FF0000"/>
+            </a:solidFill>
+          </a:ln>
+        </p:spPr>
+        <p:style>
+          <a:lnRef idx="2">
+            <a:schemeClr val="accent5"/>
+          </a:lnRef>
+          <a:fillRef idx="1">
+            <a:schemeClr val="lt1"/>
+          </a:fillRef>
+          <a:effectRef idx="0">
+            <a:schemeClr val="accent5"/>
+          </a:effectRef>
+          <a:fontRef idx="minor">
+            <a:schemeClr val="dk1"/>
+          </a:fontRef>
+        </p:style>
+        <p:txBody>
+          <a:bodyPr rtlCol="0" anchor="ctr"/>
+          <a:lstStyle/>
+          <a:p>
+            <a:pPr algn="ctr"/>
+            <a:endParaRPr lang="en-US">
+              <a:solidFill>
+                <a:schemeClr val="tx1"/>
+              </a:solidFill>
+            </a:endParaRPr>
+          </a:p>
+        </p:txBody>
+      </p:sp>
+      <p:sp>
+        <p:nvSpPr>
+          <p:cNvPr id="11" name="Rectangle: Rounded Corners 10">
+            <a:extLst>
+              <a:ext uri="{FF2B5EF4-FFF2-40B4-BE49-F238E27FC236}">
+                <a16:creationId xmlns:a16="http://schemas.microsoft.com/office/drawing/2014/main" id="{4898C11F-9523-49F2-86FE-B7E15EBC3E43}"/>
+              </a:ext>
+            </a:extLst>
+          </p:cNvPr>
+          <p:cNvSpPr/>
+          <p:nvPr/>
+        </p:nvSpPr>
+        <p:spPr>
+          <a:xfrm>
+            <a:off x="5979186" y="2907667"/>
+            <a:ext cx="421614" cy="156546"/>
+          </a:xfrm>
+          <a:prstGeom prst="roundRect">
+            <a:avLst/>
+          </a:prstGeom>
+          <a:noFill/>
+          <a:ln>
+            <a:solidFill>
+              <a:srgbClr val="FF0000"/>
+            </a:solidFill>
+          </a:ln>
+        </p:spPr>
+        <p:style>
+          <a:lnRef idx="2">
+            <a:schemeClr val="accent5"/>
+          </a:lnRef>
+          <a:fillRef idx="1">
+            <a:schemeClr val="lt1"/>
+          </a:fillRef>
+          <a:effectRef idx="0">
+            <a:schemeClr val="accent5"/>
+          </a:effectRef>
+          <a:fontRef idx="minor">
+            <a:schemeClr val="dk1"/>
+          </a:fontRef>
+        </p:style>
+        <p:txBody>
+          <a:bodyPr rtlCol="0" anchor="ctr"/>
+          <a:lstStyle/>
+          <a:p>
+            <a:pPr algn="ctr"/>
+            <a:endParaRPr lang="en-US">
+              <a:solidFill>
+                <a:schemeClr val="tx1"/>
+              </a:solidFill>
+            </a:endParaRPr>
+          </a:p>
+        </p:txBody>
+      </p:sp>
+      <p:sp>
+        <p:nvSpPr>
+          <p:cNvPr id="13" name="TextBox 12">
+            <a:extLst>
+              <a:ext uri="{FF2B5EF4-FFF2-40B4-BE49-F238E27FC236}">
+                <a16:creationId xmlns:a16="http://schemas.microsoft.com/office/drawing/2014/main" id="{8F741B16-2368-4F95-A41D-9CE47138A5E6}"/>
+              </a:ext>
+            </a:extLst>
+          </p:cNvPr>
+          <p:cNvSpPr txBox="1"/>
+          <p:nvPr/>
+        </p:nvSpPr>
+        <p:spPr>
+          <a:xfrm>
+            <a:off x="3431356" y="1853880"/>
+            <a:ext cx="1140644" cy="338554"/>
+          </a:xfrm>
+          <a:prstGeom prst="rect">
+            <a:avLst/>
+          </a:prstGeom>
+          <a:noFill/>
+        </p:spPr>
+        <p:txBody>
+          <a:bodyPr wrap="square" rtlCol="0">
+            <a:spAutoFit/>
+          </a:bodyPr>
+          <a:lstStyle/>
+          <a:p>
+            <a:pPr>
+              <a:spcAft>
+                <a:spcPts val="600"/>
+              </a:spcAft>
+            </a:pPr>
+            <a:r>
+              <a:rPr lang="en-US" sz="1600" dirty="0">
+                <a:solidFill>
+                  <a:srgbClr val="FF0000"/>
+                </a:solidFill>
+                <a:ea typeface="Verdana" pitchFamily="34" charset="0"/>
+                <a:cs typeface="Verdana" pitchFamily="34" charset="0"/>
+              </a:rPr>
+              <a:t>Required</a:t>
+            </a:r>
+          </a:p>
+        </p:txBody>
+      </p:sp>
+      <p:cxnSp>
+        <p:nvCxnSpPr>
+          <p:cNvPr id="15" name="Straight Arrow Connector 14">
+            <a:extLst>
+              <a:ext uri="{FF2B5EF4-FFF2-40B4-BE49-F238E27FC236}">
+                <a16:creationId xmlns:a16="http://schemas.microsoft.com/office/drawing/2014/main" id="{8EF5BD59-37BE-47F5-BE51-F6F81D846FCE}"/>
+              </a:ext>
+            </a:extLst>
+          </p:cNvPr>
+          <p:cNvCxnSpPr>
+            <a:cxnSpLocks/>
+            <a:stCxn id="13" idx="2"/>
+          </p:cNvCxnSpPr>
+          <p:nvPr/>
+        </p:nvCxnSpPr>
+        <p:spPr>
+          <a:xfrm flipH="1">
+            <a:off x="1498059" y="2192434"/>
+            <a:ext cx="2503619" cy="793506"/>
+          </a:xfrm>
+          <a:prstGeom prst="straightConnector1">
+            <a:avLst/>
+          </a:prstGeom>
+          <a:ln>
+            <a:solidFill>
+              <a:srgbClr val="FF0000"/>
+            </a:solidFill>
+            <a:tailEnd type="triangle"/>
+          </a:ln>
+        </p:spPr>
+        <p:style>
+          <a:lnRef idx="1">
+            <a:schemeClr val="accent1"/>
+          </a:lnRef>
+          <a:fillRef idx="0">
+            <a:schemeClr val="accent1"/>
+          </a:fillRef>
+          <a:effectRef idx="0">
+            <a:schemeClr val="accent1"/>
+          </a:effectRef>
+          <a:fontRef idx="minor">
+            <a:schemeClr val="tx1"/>
+          </a:fontRef>
+        </p:style>
+      </p:cxnSp>
+      <p:cxnSp>
+        <p:nvCxnSpPr>
+          <p:cNvPr id="18" name="Straight Arrow Connector 17">
+            <a:extLst>
+              <a:ext uri="{FF2B5EF4-FFF2-40B4-BE49-F238E27FC236}">
+                <a16:creationId xmlns:a16="http://schemas.microsoft.com/office/drawing/2014/main" id="{54BBDF27-2DA9-42F9-B537-735CAA7924AE}"/>
+              </a:ext>
+            </a:extLst>
+          </p:cNvPr>
+          <p:cNvCxnSpPr>
+            <a:cxnSpLocks/>
+            <a:stCxn id="13" idx="2"/>
+            <a:endCxn id="9" idx="0"/>
+          </p:cNvCxnSpPr>
+          <p:nvPr/>
+        </p:nvCxnSpPr>
+        <p:spPr>
+          <a:xfrm flipH="1">
+            <a:off x="2736674" y="2192434"/>
+            <a:ext cx="1265004" cy="715233"/>
+          </a:xfrm>
+          <a:prstGeom prst="straightConnector1">
+            <a:avLst/>
+          </a:prstGeom>
+          <a:ln>
+            <a:solidFill>
+              <a:srgbClr val="FF0000"/>
+            </a:solidFill>
+            <a:tailEnd type="triangle"/>
+          </a:ln>
+        </p:spPr>
+        <p:style>
+          <a:lnRef idx="1">
+            <a:schemeClr val="accent1"/>
+          </a:lnRef>
+          <a:fillRef idx="0">
+            <a:schemeClr val="accent1"/>
+          </a:fillRef>
+          <a:effectRef idx="0">
+            <a:schemeClr val="accent1"/>
+          </a:effectRef>
+          <a:fontRef idx="minor">
+            <a:schemeClr val="tx1"/>
+          </a:fontRef>
+        </p:style>
+      </p:cxnSp>
+      <p:cxnSp>
+        <p:nvCxnSpPr>
+          <p:cNvPr id="20" name="Straight Arrow Connector 19">
+            <a:extLst>
+              <a:ext uri="{FF2B5EF4-FFF2-40B4-BE49-F238E27FC236}">
+                <a16:creationId xmlns:a16="http://schemas.microsoft.com/office/drawing/2014/main" id="{BA2F0971-68B6-4495-BF9B-2C26559DADC1}"/>
+              </a:ext>
+            </a:extLst>
+          </p:cNvPr>
+          <p:cNvCxnSpPr>
+            <a:stCxn id="13" idx="2"/>
+            <a:endCxn id="11" idx="0"/>
+          </p:cNvCxnSpPr>
+          <p:nvPr/>
+        </p:nvCxnSpPr>
+        <p:spPr>
+          <a:xfrm>
+            <a:off x="4001678" y="2192434"/>
+            <a:ext cx="2188315" cy="715233"/>
+          </a:xfrm>
+          <a:prstGeom prst="straightConnector1">
+            <a:avLst/>
+          </a:prstGeom>
+          <a:ln>
+            <a:solidFill>
+              <a:srgbClr val="FF0000"/>
+            </a:solidFill>
+            <a:tailEnd type="triangle"/>
+          </a:ln>
+        </p:spPr>
+        <p:style>
+          <a:lnRef idx="1">
+            <a:schemeClr val="accent1"/>
+          </a:lnRef>
+          <a:fillRef idx="0">
+            <a:schemeClr val="accent1"/>
+          </a:fillRef>
+          <a:effectRef idx="0">
+            <a:schemeClr val="accent1"/>
+          </a:effectRef>
+          <a:fontRef idx="minor">
+            <a:schemeClr val="tx1"/>
+          </a:fontRef>
+        </p:style>
+      </p:cxnSp>
+      <p:sp>
+        <p:nvSpPr>
+          <p:cNvPr id="23" name="TextBox 22">
+            <a:extLst>
+              <a:ext uri="{FF2B5EF4-FFF2-40B4-BE49-F238E27FC236}">
+                <a16:creationId xmlns:a16="http://schemas.microsoft.com/office/drawing/2014/main" id="{584392E4-0819-406B-AA3F-9C793867DAFD}"/>
+              </a:ext>
+            </a:extLst>
+          </p:cNvPr>
+          <p:cNvSpPr txBox="1"/>
+          <p:nvPr/>
+        </p:nvSpPr>
+        <p:spPr>
+          <a:xfrm>
+            <a:off x="5408863" y="1384033"/>
+            <a:ext cx="3271795" cy="830997"/>
+          </a:xfrm>
+          <a:prstGeom prst="rect">
+            <a:avLst/>
+          </a:prstGeom>
+          <a:noFill/>
+        </p:spPr>
+        <p:txBody>
+          <a:bodyPr wrap="square" rtlCol="0">
+            <a:spAutoFit/>
+          </a:bodyPr>
+          <a:lstStyle/>
+          <a:p>
+            <a:pPr>
+              <a:spcAft>
+                <a:spcPts val="600"/>
+              </a:spcAft>
+            </a:pPr>
+            <a:r>
+              <a:rPr lang="en-US" sz="1200" dirty="0" err="1">
+                <a:solidFill>
+                  <a:srgbClr val="FF0000"/>
+                </a:solidFill>
+                <a:ea typeface="Verdana" pitchFamily="34" charset="0"/>
+                <a:cs typeface="Verdana" pitchFamily="34" charset="0"/>
+              </a:rPr>
+              <a:t>Refsource</a:t>
+            </a:r>
+            <a:r>
+              <a:rPr lang="en-US" sz="1200" dirty="0">
+                <a:solidFill>
+                  <a:srgbClr val="FF0000"/>
+                </a:solidFill>
+                <a:ea typeface="Verdana" pitchFamily="34" charset="0"/>
+                <a:cs typeface="Verdana" pitchFamily="34" charset="0"/>
+              </a:rPr>
+              <a:t>  and name aren’t required by the standard.  However, </a:t>
+            </a:r>
+            <a:r>
+              <a:rPr lang="en-US" sz="1200" dirty="0" err="1">
+                <a:solidFill>
+                  <a:srgbClr val="FF0000"/>
+                </a:solidFill>
+                <a:ea typeface="Verdana" pitchFamily="34" charset="0"/>
+                <a:cs typeface="Verdana" pitchFamily="34" charset="0"/>
+              </a:rPr>
+              <a:t>Vulnogram</a:t>
+            </a:r>
+            <a:r>
+              <a:rPr lang="en-US" sz="1200" dirty="0">
+                <a:solidFill>
+                  <a:srgbClr val="FF0000"/>
+                </a:solidFill>
+                <a:ea typeface="Verdana" pitchFamily="34" charset="0"/>
+                <a:cs typeface="Verdana" pitchFamily="34" charset="0"/>
+              </a:rPr>
+              <a:t> requires the </a:t>
+            </a:r>
+            <a:r>
+              <a:rPr lang="en-US" sz="1200" dirty="0" err="1">
+                <a:solidFill>
+                  <a:srgbClr val="FF0000"/>
+                </a:solidFill>
+                <a:ea typeface="Verdana" pitchFamily="34" charset="0"/>
+                <a:cs typeface="Verdana" pitchFamily="34" charset="0"/>
+              </a:rPr>
+              <a:t>refsource</a:t>
+            </a:r>
+            <a:r>
+              <a:rPr lang="en-US" sz="1200" dirty="0">
+                <a:solidFill>
+                  <a:srgbClr val="FF0000"/>
+                </a:solidFill>
+                <a:ea typeface="Verdana" pitchFamily="34" charset="0"/>
+                <a:cs typeface="Verdana" pitchFamily="34" charset="0"/>
+              </a:rPr>
+              <a:t> and if you use </a:t>
+            </a:r>
+            <a:r>
+              <a:rPr lang="en-US" sz="1200" dirty="0" err="1">
+                <a:solidFill>
+                  <a:srgbClr val="FF0000"/>
+                </a:solidFill>
+                <a:ea typeface="Verdana" pitchFamily="34" charset="0"/>
+                <a:cs typeface="Verdana" pitchFamily="34" charset="0"/>
+              </a:rPr>
+              <a:t>refsource</a:t>
+            </a:r>
+            <a:r>
+              <a:rPr lang="en-US" sz="1200" dirty="0">
+                <a:solidFill>
+                  <a:srgbClr val="FF0000"/>
+                </a:solidFill>
+                <a:ea typeface="Verdana" pitchFamily="34" charset="0"/>
+                <a:cs typeface="Verdana" pitchFamily="34" charset="0"/>
+              </a:rPr>
+              <a:t>, you have to a name.</a:t>
+            </a:r>
+          </a:p>
+        </p:txBody>
+      </p:sp>
     </p:spTree>
     <p:extLst>
       <p:ext uri="{BB962C8B-B14F-4D97-AF65-F5344CB8AC3E}">
@@ -12507,6 +12971,170 @@
           </a:p>
         </p:txBody>
       </p:sp>
+      <p:sp>
+        <p:nvSpPr>
+          <p:cNvPr id="6" name="Rectangle: Rounded Corners 5">
+            <a:extLst>
+              <a:ext uri="{FF2B5EF4-FFF2-40B4-BE49-F238E27FC236}">
+                <a16:creationId xmlns:a16="http://schemas.microsoft.com/office/drawing/2014/main" id="{1F5C5BF4-B7AD-499F-A4DB-86ED9754D5C1}"/>
+              </a:ext>
+            </a:extLst>
+          </p:cNvPr>
+          <p:cNvSpPr/>
+          <p:nvPr/>
+        </p:nvSpPr>
+        <p:spPr>
+          <a:xfrm>
+            <a:off x="768892" y="4117139"/>
+            <a:ext cx="4386768" cy="785601"/>
+          </a:xfrm>
+          <a:prstGeom prst="roundRect">
+            <a:avLst/>
+          </a:prstGeom>
+          <a:noFill/>
+          <a:ln>
+            <a:solidFill>
+              <a:srgbClr val="FF0000"/>
+            </a:solidFill>
+          </a:ln>
+        </p:spPr>
+        <p:style>
+          <a:lnRef idx="2">
+            <a:schemeClr val="accent5"/>
+          </a:lnRef>
+          <a:fillRef idx="1">
+            <a:schemeClr val="lt1"/>
+          </a:fillRef>
+          <a:effectRef idx="0">
+            <a:schemeClr val="accent5"/>
+          </a:effectRef>
+          <a:fontRef idx="minor">
+            <a:schemeClr val="dk1"/>
+          </a:fontRef>
+        </p:style>
+        <p:txBody>
+          <a:bodyPr rtlCol="0" anchor="ctr"/>
+          <a:lstStyle/>
+          <a:p>
+            <a:pPr algn="ctr"/>
+            <a:endParaRPr lang="en-US">
+              <a:solidFill>
+                <a:schemeClr val="tx1"/>
+              </a:solidFill>
+            </a:endParaRPr>
+          </a:p>
+        </p:txBody>
+      </p:sp>
+      <p:sp>
+        <p:nvSpPr>
+          <p:cNvPr id="7" name="TextBox 6">
+            <a:extLst>
+              <a:ext uri="{FF2B5EF4-FFF2-40B4-BE49-F238E27FC236}">
+                <a16:creationId xmlns:a16="http://schemas.microsoft.com/office/drawing/2014/main" id="{1EE9B62E-41BA-447B-8CF6-E1FD956C0E75}"/>
+              </a:ext>
+            </a:extLst>
+          </p:cNvPr>
+          <p:cNvSpPr txBox="1"/>
+          <p:nvPr/>
+        </p:nvSpPr>
+        <p:spPr>
+          <a:xfrm>
+            <a:off x="5658990" y="3604859"/>
+            <a:ext cx="2463606" cy="646331"/>
+          </a:xfrm>
+          <a:prstGeom prst="rect">
+            <a:avLst/>
+          </a:prstGeom>
+          <a:noFill/>
+        </p:spPr>
+        <p:txBody>
+          <a:bodyPr wrap="square" rtlCol="0">
+            <a:spAutoFit/>
+          </a:bodyPr>
+          <a:lstStyle/>
+          <a:p>
+            <a:pPr>
+              <a:spcAft>
+                <a:spcPts val="600"/>
+              </a:spcAft>
+            </a:pPr>
+            <a:r>
+              <a:rPr lang="en-US" sz="1200" dirty="0">
+                <a:solidFill>
+                  <a:srgbClr val="FF0000"/>
+                </a:solidFill>
+                <a:ea typeface="Verdana" pitchFamily="34" charset="0"/>
+                <a:cs typeface="Verdana" pitchFamily="34" charset="0"/>
+              </a:rPr>
+              <a:t>Must be moved to the top box for </a:t>
+            </a:r>
+            <a:r>
+              <a:rPr lang="en-US" sz="1200" dirty="0" err="1">
+                <a:solidFill>
+                  <a:srgbClr val="FF0000"/>
+                </a:solidFill>
+                <a:ea typeface="Verdana" pitchFamily="34" charset="0"/>
+                <a:cs typeface="Verdana" pitchFamily="34" charset="0"/>
+              </a:rPr>
+              <a:t>Vulnogram</a:t>
+            </a:r>
+            <a:r>
+              <a:rPr lang="en-US" sz="1200" dirty="0">
+                <a:solidFill>
+                  <a:srgbClr val="FF0000"/>
+                </a:solidFill>
+                <a:ea typeface="Verdana" pitchFamily="34" charset="0"/>
+                <a:cs typeface="Verdana" pitchFamily="34" charset="0"/>
+              </a:rPr>
+              <a:t> to generate proper JSON</a:t>
+            </a:r>
+          </a:p>
+        </p:txBody>
+      </p:sp>
+      <p:cxnSp>
+        <p:nvCxnSpPr>
+          <p:cNvPr id="8" name="Straight Arrow Connector 7">
+            <a:extLst>
+              <a:ext uri="{FF2B5EF4-FFF2-40B4-BE49-F238E27FC236}">
+                <a16:creationId xmlns:a16="http://schemas.microsoft.com/office/drawing/2014/main" id="{DF7E9400-3702-419B-9900-E7C913F0D2CC}"/>
+              </a:ext>
+            </a:extLst>
+          </p:cNvPr>
+          <p:cNvCxnSpPr>
+            <a:stCxn id="7" idx="1"/>
+          </p:cNvCxnSpPr>
+          <p:nvPr/>
+        </p:nvCxnSpPr>
+        <p:spPr>
+          <a:xfrm flipH="1">
+            <a:off x="5155660" y="3928025"/>
+            <a:ext cx="503330" cy="566154"/>
+          </a:xfrm>
+          <a:prstGeom prst="straightConnector1">
+            <a:avLst/>
+          </a:prstGeom>
+          <a:ln>
+            <a:solidFill>
+              <a:schemeClr val="tx1"/>
+            </a:solidFill>
+            <a:tailEnd type="triangle"/>
+          </a:ln>
+        </p:spPr>
+        <p:style>
+          <a:lnRef idx="1">
+            <a:schemeClr val="accent1"/>
+          </a:lnRef>
+          <a:fillRef idx="0">
+            <a:schemeClr val="accent1"/>
+          </a:fillRef>
+          <a:effectRef idx="0">
+            <a:schemeClr val="accent1"/>
+          </a:effectRef>
+          <a:fontRef idx="minor">
+            <a:schemeClr val="tx1"/>
+          </a:fontRef>
+        </p:style>
+      </p:cxnSp>
     </p:spTree>
     <p:extLst>
       <p:ext uri="{BB962C8B-B14F-4D97-AF65-F5344CB8AC3E}">
@@ -12667,6 +13295,106 @@
           </a:prstGeom>
         </p:spPr>
       </p:pic>
+      <p:sp>
+        <p:nvSpPr>
+          <p:cNvPr id="5" name="Rectangle: Rounded Corners 4">
+            <a:extLst>
+              <a:ext uri="{FF2B5EF4-FFF2-40B4-BE49-F238E27FC236}">
+                <a16:creationId xmlns:a16="http://schemas.microsoft.com/office/drawing/2014/main" id="{C3E4E9A5-0B0D-48A2-A914-CB5F86A4CCF1}"/>
+              </a:ext>
+            </a:extLst>
+          </p:cNvPr>
+          <p:cNvSpPr/>
+          <p:nvPr/>
+        </p:nvSpPr>
+        <p:spPr>
+          <a:xfrm>
+            <a:off x="759164" y="2947481"/>
+            <a:ext cx="7013235" cy="272374"/>
+          </a:xfrm>
+          <a:prstGeom prst="roundRect">
+            <a:avLst/>
+          </a:prstGeom>
+          <a:noFill/>
+          <a:ln>
+            <a:solidFill>
+              <a:srgbClr val="FF0000"/>
+            </a:solidFill>
+          </a:ln>
+        </p:spPr>
+        <p:style>
+          <a:lnRef idx="2">
+            <a:schemeClr val="accent5"/>
+          </a:lnRef>
+          <a:fillRef idx="1">
+            <a:schemeClr val="lt1"/>
+          </a:fillRef>
+          <a:effectRef idx="0">
+            <a:schemeClr val="accent5"/>
+          </a:effectRef>
+          <a:fontRef idx="minor">
+            <a:schemeClr val="dk1"/>
+          </a:fontRef>
+        </p:style>
+        <p:txBody>
+          <a:bodyPr rtlCol="0" anchor="ctr"/>
+          <a:lstStyle/>
+          <a:p>
+            <a:pPr algn="ctr"/>
+            <a:endParaRPr lang="en-US">
+              <a:solidFill>
+                <a:schemeClr val="tx1"/>
+              </a:solidFill>
+            </a:endParaRPr>
+          </a:p>
+        </p:txBody>
+      </p:sp>
+      <p:sp>
+        <p:nvSpPr>
+          <p:cNvPr id="6" name="TextBox 5">
+            <a:extLst>
+              <a:ext uri="{FF2B5EF4-FFF2-40B4-BE49-F238E27FC236}">
+                <a16:creationId xmlns:a16="http://schemas.microsoft.com/office/drawing/2014/main" id="{FB7E4761-5D6D-40E4-9501-6BFD8972D71F}"/>
+              </a:ext>
+            </a:extLst>
+          </p:cNvPr>
+          <p:cNvSpPr txBox="1"/>
+          <p:nvPr/>
+        </p:nvSpPr>
+        <p:spPr>
+          <a:xfrm>
+            <a:off x="5408863" y="1384033"/>
+            <a:ext cx="3271795" cy="830997"/>
+          </a:xfrm>
+          <a:prstGeom prst="rect">
+            <a:avLst/>
+          </a:prstGeom>
+          <a:noFill/>
+        </p:spPr>
+        <p:txBody>
+          <a:bodyPr wrap="square" rtlCol="0">
+            <a:spAutoFit/>
+          </a:bodyPr>
+          <a:lstStyle/>
+          <a:p>
+            <a:pPr>
+              <a:spcAft>
+                <a:spcPts val="600"/>
+              </a:spcAft>
+            </a:pPr>
+            <a:r>
+              <a:rPr lang="en-US" sz="1200" dirty="0">
+                <a:solidFill>
+                  <a:srgbClr val="FF0000"/>
+                </a:solidFill>
+                <a:ea typeface="Verdana" pitchFamily="34" charset="0"/>
+                <a:cs typeface="Verdana" pitchFamily="34" charset="0"/>
+              </a:rPr>
+              <a:t>Product, version, and problem type information must be in the description section.  There are no restrictions on how they are phrased in the description section.</a:t>
+            </a:r>
+          </a:p>
+        </p:txBody>
+      </p:sp>
     </p:spTree>
     <p:extLst>
       <p:ext uri="{BB962C8B-B14F-4D97-AF65-F5344CB8AC3E}">
@@ -13340,7 +14068,7 @@
         <p:spPr/>
         <p:txBody>
           <a:bodyPr>
-            <a:normAutofit/>
+            <a:normAutofit lnSpcReduction="10000"/>
           </a:bodyPr>
           <a:lstStyle/>
           <a:p>
@@ -13411,6 +14139,12 @@
               <a:buNone/>
             </a:pPr>
             <a:endParaRPr lang="en-US" dirty="0"/>
+          </a:p>
+          <a:p>
+            <a:r>
+              <a:rPr lang="en-US" dirty="0"/>
+              <a:t>On CVE ID per [CVEID] field.</a:t>
+            </a:r>
           </a:p>
           <a:p>
             <a:r>
